--- a/presentation.pptx
+++ b/presentation.pptx
@@ -28,40 +28,42 @@
     <p:sldId id="376" r:id="rId22"/>
     <p:sldId id="372" r:id="rId23"/>
     <p:sldId id="375" r:id="rId24"/>
-    <p:sldId id="377" r:id="rId25"/>
-    <p:sldId id="282" r:id="rId26"/>
-    <p:sldId id="330" r:id="rId27"/>
-    <p:sldId id="350" r:id="rId28"/>
-    <p:sldId id="351" r:id="rId29"/>
-    <p:sldId id="352" r:id="rId30"/>
-    <p:sldId id="378" r:id="rId31"/>
-    <p:sldId id="379" r:id="rId32"/>
-    <p:sldId id="380" r:id="rId33"/>
-    <p:sldId id="353" r:id="rId34"/>
-    <p:sldId id="354" r:id="rId35"/>
-    <p:sldId id="383" r:id="rId36"/>
-    <p:sldId id="381" r:id="rId37"/>
-    <p:sldId id="382" r:id="rId38"/>
-    <p:sldId id="385" r:id="rId39"/>
-    <p:sldId id="384" r:id="rId40"/>
-    <p:sldId id="386" r:id="rId41"/>
-    <p:sldId id="356" r:id="rId42"/>
-    <p:sldId id="357" r:id="rId43"/>
-    <p:sldId id="296" r:id="rId44"/>
-    <p:sldId id="358" r:id="rId45"/>
-    <p:sldId id="359" r:id="rId46"/>
-    <p:sldId id="291" r:id="rId47"/>
-    <p:sldId id="388" r:id="rId48"/>
-    <p:sldId id="387" r:id="rId49"/>
-    <p:sldId id="389" r:id="rId50"/>
-    <p:sldId id="390" r:id="rId51"/>
-    <p:sldId id="293" r:id="rId52"/>
-    <p:sldId id="297" r:id="rId53"/>
-    <p:sldId id="298" r:id="rId54"/>
-    <p:sldId id="299" r:id="rId55"/>
-    <p:sldId id="300" r:id="rId56"/>
-    <p:sldId id="303" r:id="rId57"/>
-    <p:sldId id="315" r:id="rId58"/>
+    <p:sldId id="391" r:id="rId25"/>
+    <p:sldId id="392" r:id="rId26"/>
+    <p:sldId id="377" r:id="rId27"/>
+    <p:sldId id="282" r:id="rId28"/>
+    <p:sldId id="330" r:id="rId29"/>
+    <p:sldId id="350" r:id="rId30"/>
+    <p:sldId id="351" r:id="rId31"/>
+    <p:sldId id="352" r:id="rId32"/>
+    <p:sldId id="378" r:id="rId33"/>
+    <p:sldId id="379" r:id="rId34"/>
+    <p:sldId id="380" r:id="rId35"/>
+    <p:sldId id="353" r:id="rId36"/>
+    <p:sldId id="354" r:id="rId37"/>
+    <p:sldId id="383" r:id="rId38"/>
+    <p:sldId id="381" r:id="rId39"/>
+    <p:sldId id="382" r:id="rId40"/>
+    <p:sldId id="385" r:id="rId41"/>
+    <p:sldId id="384" r:id="rId42"/>
+    <p:sldId id="386" r:id="rId43"/>
+    <p:sldId id="356" r:id="rId44"/>
+    <p:sldId id="357" r:id="rId45"/>
+    <p:sldId id="296" r:id="rId46"/>
+    <p:sldId id="358" r:id="rId47"/>
+    <p:sldId id="359" r:id="rId48"/>
+    <p:sldId id="291" r:id="rId49"/>
+    <p:sldId id="388" r:id="rId50"/>
+    <p:sldId id="387" r:id="rId51"/>
+    <p:sldId id="389" r:id="rId52"/>
+    <p:sldId id="390" r:id="rId53"/>
+    <p:sldId id="293" r:id="rId54"/>
+    <p:sldId id="297" r:id="rId55"/>
+    <p:sldId id="298" r:id="rId56"/>
+    <p:sldId id="299" r:id="rId57"/>
+    <p:sldId id="300" r:id="rId58"/>
+    <p:sldId id="303" r:id="rId59"/>
+    <p:sldId id="315" r:id="rId60"/>
   </p:sldIdLst>
   <p:sldSz cx="12192000" cy="6858000"/>
   <p:notesSz cx="6858000" cy="9144000"/>
@@ -338,7 +340,7 @@
             <a:fld id="{87DE6118-2437-4B30-8E3C-4D2BE6020583}" type="datetimeFigureOut">
               <a:rPr lang="en-US" dirty="0"/>
               <a:pPr/>
-              <a:t>6/27/2016</a:t>
+              <a:t>6/28/2016</a:t>
             </a:fld>
             <a:endParaRPr lang="en-US" dirty="0"/>
           </a:p>
@@ -664,7 +666,7 @@
           <a:p>
             <a:fld id="{87DE6118-2437-4B30-8E3C-4D2BE6020583}" type="datetimeFigureOut">
               <a:rPr lang="en-US" dirty="0"/>
-              <a:t>6/27/2016</a:t>
+              <a:t>6/28/2016</a:t>
             </a:fld>
             <a:endParaRPr lang="en-US" dirty="0"/>
           </a:p>
@@ -839,7 +841,7 @@
           <a:p>
             <a:fld id="{87DE6118-2437-4B30-8E3C-4D2BE6020583}" type="datetimeFigureOut">
               <a:rPr lang="en-US" dirty="0"/>
-              <a:t>6/27/2016</a:t>
+              <a:t>6/28/2016</a:t>
             </a:fld>
             <a:endParaRPr lang="en-US" dirty="0"/>
           </a:p>
@@ -1004,7 +1006,7 @@
           <a:p>
             <a:fld id="{87DE6118-2437-4B30-8E3C-4D2BE6020583}" type="datetimeFigureOut">
               <a:rPr lang="en-US" dirty="0"/>
-              <a:t>6/27/2016</a:t>
+              <a:t>6/28/2016</a:t>
             </a:fld>
             <a:endParaRPr lang="en-US" dirty="0"/>
           </a:p>
@@ -1277,7 +1279,7 @@
             <a:fld id="{87DE6118-2437-4B30-8E3C-4D2BE6020583}" type="datetimeFigureOut">
               <a:rPr lang="en-US" dirty="0"/>
               <a:pPr/>
-              <a:t>6/27/2016</a:t>
+              <a:t>6/28/2016</a:t>
             </a:fld>
             <a:endParaRPr lang="en-US" dirty="0"/>
           </a:p>
@@ -1667,7 +1669,7 @@
           <a:p>
             <a:fld id="{87DE6118-2437-4B30-8E3C-4D2BE6020583}" type="datetimeFigureOut">
               <a:rPr lang="en-US" dirty="0"/>
-              <a:t>6/27/2016</a:t>
+              <a:t>6/28/2016</a:t>
             </a:fld>
             <a:endParaRPr lang="en-US" dirty="0"/>
           </a:p>
@@ -2139,7 +2141,7 @@
           <a:p>
             <a:fld id="{87DE6118-2437-4B30-8E3C-4D2BE6020583}" type="datetimeFigureOut">
               <a:rPr lang="en-US" dirty="0"/>
-              <a:t>6/27/2016</a:t>
+              <a:t>6/28/2016</a:t>
             </a:fld>
             <a:endParaRPr lang="en-US" dirty="0"/>
           </a:p>
@@ -2252,7 +2254,7 @@
           <a:p>
             <a:fld id="{87DE6118-2437-4B30-8E3C-4D2BE6020583}" type="datetimeFigureOut">
               <a:rPr lang="en-US" dirty="0"/>
-              <a:t>6/27/2016</a:t>
+              <a:t>6/28/2016</a:t>
             </a:fld>
             <a:endParaRPr lang="en-US" dirty="0"/>
           </a:p>
@@ -2342,7 +2344,7 @@
           <a:p>
             <a:fld id="{87DE6118-2437-4B30-8E3C-4D2BE6020583}" type="datetimeFigureOut">
               <a:rPr lang="en-US" dirty="0"/>
-              <a:t>6/27/2016</a:t>
+              <a:t>6/28/2016</a:t>
             </a:fld>
             <a:endParaRPr lang="en-US" dirty="0"/>
           </a:p>
@@ -2684,7 +2686,7 @@
             <a:fld id="{87DE6118-2437-4B30-8E3C-4D2BE6020583}" type="datetimeFigureOut">
               <a:rPr lang="en-US" dirty="0"/>
               <a:pPr/>
-              <a:t>6/27/2016</a:t>
+              <a:t>6/28/2016</a:t>
             </a:fld>
             <a:endParaRPr lang="en-US" dirty="0"/>
           </a:p>
@@ -3069,7 +3071,7 @@
             <a:fld id="{87DE6118-2437-4B30-8E3C-4D2BE6020583}" type="datetimeFigureOut">
               <a:rPr lang="en-US" dirty="0"/>
               <a:pPr/>
-              <a:t>6/27/2016</a:t>
+              <a:t>6/28/2016</a:t>
             </a:fld>
             <a:endParaRPr lang="en-US" dirty="0"/>
           </a:p>
@@ -3344,7 +3346,7 @@
             <a:fld id="{87DE6118-2437-4B30-8E3C-4D2BE6020583}" type="datetimeFigureOut">
               <a:rPr lang="en-US" dirty="0"/>
               <a:pPr/>
-              <a:t>6/27/2016</a:t>
+              <a:t>6/28/2016</a:t>
             </a:fld>
             <a:endParaRPr lang="en-US" dirty="0"/>
           </a:p>
@@ -6310,26 +6312,10 @@
           <a:lstStyle/>
           <a:p>
             <a:r>
-              <a:rPr lang="en-US" b="1" dirty="0" smtClean="0">
-                <a:solidFill>
-                  <a:schemeClr val="tx1"/>
-                </a:solidFill>
-              </a:rPr>
-              <a:t>Learning </a:t>
-            </a:r>
-            <a:r>
-              <a:rPr lang="en-US" b="1" dirty="0">
-                <a:solidFill>
-                  <a:schemeClr val="tx1"/>
-                </a:solidFill>
-              </a:rPr>
-              <a:t>based methods</a:t>
-            </a:r>
-            <a:endParaRPr lang="en-GB" dirty="0">
-              <a:solidFill>
-                <a:schemeClr val="tx1"/>
-              </a:solidFill>
-            </a:endParaRPr>
+              <a:rPr lang="en-US" dirty="0" smtClean="0"/>
+              <a:t>How? </a:t>
+            </a:r>
+            <a:endParaRPr lang="en-GB" dirty="0"/>
           </a:p>
         </p:txBody>
       </p:sp>
@@ -6345,223 +6331,133 @@
         </p:nvSpPr>
         <p:spPr/>
         <p:txBody>
-          <a:bodyPr>
-            <a:normAutofit/>
-          </a:bodyPr>
+          <a:bodyPr/>
           <a:lstStyle/>
           <a:p>
             <a:r>
-              <a:rPr lang="en-US" dirty="0" smtClean="0"/>
-              <a:t>high dimensionality </a:t>
-            </a:r>
-            <a:r>
-              <a:rPr lang="ru-RU" dirty="0" smtClean="0"/>
-              <a:t>– </a:t>
-            </a:r>
-            <a:r>
-              <a:rPr lang="en-US" dirty="0" smtClean="0"/>
-              <a:t>curse </a:t>
-            </a:r>
-            <a:r>
-              <a:rPr lang="en-US" dirty="0"/>
-              <a:t>of </a:t>
-            </a:r>
-            <a:r>
-              <a:rPr lang="en-US" dirty="0" smtClean="0"/>
-              <a:t>dimensionality</a:t>
-            </a:r>
-            <a:endParaRPr lang="ru-RU" dirty="0" smtClean="0"/>
+              <a:rPr lang="en-US" dirty="0"/>
+              <a:t>D</a:t>
+            </a:r>
+            <a:r>
+              <a:rPr lang="en-US" dirty="0" smtClean="0"/>
+              <a:t>ynamic </a:t>
+            </a:r>
+            <a:r>
+              <a:rPr lang="en-US" dirty="0"/>
+              <a:t>texture can be captured </a:t>
+            </a:r>
+            <a:r>
+              <a:rPr lang="en-US" dirty="0" smtClean="0"/>
+              <a:t>from </a:t>
+            </a:r>
+            <a:r>
+              <a:rPr lang="en-US" dirty="0"/>
+              <a:t>a video </a:t>
+            </a:r>
+            <a:endParaRPr lang="en-US" dirty="0" smtClean="0"/>
+          </a:p>
+          <a:p>
+            <a:r>
+              <a:rPr lang="en-US" dirty="0" smtClean="0"/>
+              <a:t>It can </a:t>
+            </a:r>
+            <a:r>
+              <a:rPr lang="en-US" dirty="0"/>
+              <a:t>be used then to synthesize new videos with necessary length of </a:t>
+            </a:r>
+            <a:r>
+              <a:rPr lang="en-US" dirty="0" smtClean="0"/>
+              <a:t>time</a:t>
+            </a:r>
+          </a:p>
+          <a:p>
+            <a:endParaRPr lang="en-US" dirty="0"/>
           </a:p>
           <a:p>
             <a:pPr marL="0" indent="0">
               <a:buNone/>
             </a:pPr>
+            <a:r>
+              <a:rPr lang="en-US" b="1" dirty="0"/>
+              <a:t>Existing dynamic textures modeling and synthesis </a:t>
+            </a:r>
+            <a:r>
+              <a:rPr lang="en-US" b="1" dirty="0" smtClean="0"/>
+              <a:t>methods:</a:t>
+            </a:r>
+          </a:p>
+          <a:p>
+            <a:r>
+              <a:rPr lang="en-US" i="1" dirty="0"/>
+              <a:t>physics </a:t>
+            </a:r>
+            <a:r>
+              <a:rPr lang="en-US" i="1" dirty="0" smtClean="0"/>
+              <a:t>based</a:t>
+            </a:r>
+            <a:r>
+              <a:rPr lang="en-US" dirty="0" smtClean="0"/>
+              <a:t> – costly, not universal</a:t>
+            </a:r>
+          </a:p>
+          <a:p>
+            <a:r>
+              <a:rPr lang="en-US" i="1" dirty="0" smtClean="0"/>
+              <a:t>sampling based</a:t>
+            </a:r>
+            <a:r>
+              <a:rPr lang="en-US" dirty="0" smtClean="0"/>
+              <a:t> – memory demanding, mostly manual</a:t>
+            </a:r>
+          </a:p>
+          <a:p>
+            <a:r>
+              <a:rPr lang="en-US" b="1" i="1" dirty="0" smtClean="0">
+                <a:solidFill>
+                  <a:srgbClr val="FF0000"/>
+                </a:solidFill>
+              </a:rPr>
+              <a:t>learning </a:t>
+            </a:r>
+            <a:r>
+              <a:rPr lang="en-US" b="1" i="1" dirty="0">
+                <a:solidFill>
+                  <a:srgbClr val="FF0000"/>
+                </a:solidFill>
+              </a:rPr>
+              <a:t>based </a:t>
+            </a:r>
+            <a:r>
+              <a:rPr lang="en-US" b="1" i="1" dirty="0" smtClean="0">
+                <a:solidFill>
+                  <a:srgbClr val="FF0000"/>
+                </a:solidFill>
+              </a:rPr>
+              <a:t>methods</a:t>
+            </a:r>
             <a:r>
               <a:rPr lang="en-US" b="1" dirty="0" smtClean="0">
                 <a:solidFill>
                   <a:srgbClr val="FF0000"/>
                 </a:solidFill>
               </a:rPr>
-              <a:t>dimensionality </a:t>
-            </a:r>
-            <a:r>
-              <a:rPr lang="en-US" b="1" dirty="0">
-                <a:solidFill>
-                  <a:srgbClr val="FF0000"/>
-                </a:solidFill>
-              </a:rPr>
-              <a:t>reduction process must be </a:t>
-            </a:r>
-            <a:r>
-              <a:rPr lang="en-US" b="1" dirty="0" smtClean="0">
-                <a:solidFill>
-                  <a:srgbClr val="FF0000"/>
-                </a:solidFill>
-              </a:rPr>
-              <a:t>applied</a:t>
-            </a:r>
-            <a:endParaRPr lang="ru-RU" b="1" dirty="0" smtClean="0">
-              <a:solidFill>
-                <a:srgbClr val="FF0000"/>
-              </a:solidFill>
-            </a:endParaRPr>
-          </a:p>
-          <a:p>
-            <a:pPr marL="0" indent="0">
-              <a:buNone/>
-            </a:pPr>
-            <a:endParaRPr lang="en-US" dirty="0"/>
-          </a:p>
-          <a:p>
-            <a:r>
-              <a:rPr lang="en-US" dirty="0"/>
-              <a:t>most of dynamic textures are not linear </a:t>
-            </a:r>
-            <a:r>
-              <a:rPr lang="ru-RU" dirty="0" smtClean="0"/>
-              <a:t>– </a:t>
-            </a:r>
-            <a:r>
-              <a:rPr lang="en-US" dirty="0" smtClean="0"/>
-              <a:t>learning</a:t>
-            </a:r>
-            <a:r>
-              <a:rPr lang="ru-RU" dirty="0" smtClean="0"/>
               <a:t> </a:t>
             </a:r>
             <a:r>
               <a:rPr lang="en-US" dirty="0" smtClean="0"/>
-              <a:t>algorithm cannot </a:t>
-            </a:r>
-            <a:r>
-              <a:rPr lang="en-US" dirty="0"/>
-              <a:t>be </a:t>
-            </a:r>
-            <a:r>
-              <a:rPr lang="en-US" dirty="0" smtClean="0"/>
-              <a:t>linear</a:t>
-            </a:r>
-            <a:endParaRPr lang="ru-RU" dirty="0" smtClean="0"/>
-          </a:p>
-          <a:p>
-            <a:pPr marL="0" indent="0">
-              <a:buNone/>
-            </a:pPr>
-            <a:r>
-              <a:rPr lang="en-US" b="1" dirty="0">
-                <a:solidFill>
-                  <a:srgbClr val="FF0000"/>
-                </a:solidFill>
-              </a:rPr>
-              <a:t>more flexible model must be </a:t>
-            </a:r>
-            <a:r>
-              <a:rPr lang="en-US" b="1" dirty="0" smtClean="0">
-                <a:solidFill>
-                  <a:srgbClr val="FF0000"/>
-                </a:solidFill>
-              </a:rPr>
-              <a:t>found</a:t>
-            </a:r>
-            <a:endParaRPr lang="ru-RU" b="1" dirty="0" smtClean="0">
-              <a:solidFill>
-                <a:srgbClr val="FF0000"/>
-              </a:solidFill>
-            </a:endParaRPr>
-          </a:p>
-          <a:p>
-            <a:pPr marL="0" indent="0">
-              <a:buNone/>
-            </a:pPr>
-            <a:endParaRPr lang="ru-RU" dirty="0" smtClean="0"/>
-          </a:p>
-          <a:p>
-            <a:r>
-              <a:rPr lang="en-US" dirty="0"/>
-              <a:t>big computational cost of </a:t>
-            </a:r>
-            <a:r>
-              <a:rPr lang="en-US" dirty="0" smtClean="0"/>
-              <a:t>optimization</a:t>
-            </a:r>
-            <a:r>
-              <a:rPr lang="ru-RU" dirty="0" smtClean="0"/>
-              <a:t> – </a:t>
-            </a:r>
-            <a:r>
-              <a:rPr lang="en-US" dirty="0"/>
-              <a:t>necessary to have a good </a:t>
-            </a:r>
-            <a:r>
-              <a:rPr lang="en-US" dirty="0" smtClean="0"/>
-              <a:t>performance</a:t>
-            </a:r>
-            <a:endParaRPr lang="ru-RU" dirty="0" smtClean="0"/>
-          </a:p>
-          <a:p>
-            <a:pPr marL="0" indent="0">
-              <a:buNone/>
-            </a:pPr>
-            <a:r>
-              <a:rPr lang="en-US" b="1" dirty="0">
-                <a:solidFill>
-                  <a:srgbClr val="FF0000"/>
-                </a:solidFill>
-              </a:rPr>
-              <a:t>first-order Markov model </a:t>
-            </a:r>
-            <a:r>
-              <a:rPr lang="en-US" b="1" dirty="0" smtClean="0">
-                <a:solidFill>
-                  <a:srgbClr val="FF0000"/>
-                </a:solidFill>
-              </a:rPr>
-              <a:t>for </a:t>
-            </a:r>
-            <a:r>
-              <a:rPr lang="en-US" b="1" dirty="0">
-                <a:solidFill>
-                  <a:srgbClr val="FF0000"/>
-                </a:solidFill>
-              </a:rPr>
-              <a:t>dynamical texture </a:t>
-            </a:r>
-            <a:r>
-              <a:rPr lang="en-US" b="1" dirty="0" smtClean="0">
-                <a:solidFill>
-                  <a:srgbClr val="FF0000"/>
-                </a:solidFill>
-              </a:rPr>
-              <a:t>synthesis</a:t>
-            </a:r>
-            <a:r>
-              <a:rPr lang="ru-RU" b="1" dirty="0" smtClean="0">
-                <a:solidFill>
-                  <a:srgbClr val="FF0000"/>
-                </a:solidFill>
-              </a:rPr>
-              <a:t> </a:t>
-            </a:r>
-            <a:r>
-              <a:rPr lang="en-US" b="1" dirty="0" smtClean="0">
-                <a:solidFill>
-                  <a:srgbClr val="FF0000"/>
-                </a:solidFill>
-              </a:rPr>
-              <a:t>can be used</a:t>
-            </a:r>
-            <a:endParaRPr lang="en-GB" b="1" dirty="0">
-              <a:solidFill>
-                <a:srgbClr val="FF0000"/>
-              </a:solidFill>
-            </a:endParaRPr>
+              <a:t>– more universal, automatic</a:t>
+            </a:r>
+            <a:endParaRPr lang="en-GB" dirty="0"/>
+          </a:p>
+          <a:p>
+            <a:endParaRPr lang="en-GB" dirty="0"/>
           </a:p>
         </p:txBody>
       </p:sp>
     </p:spTree>
     <p:extLst>
       <p:ext uri="{BB962C8B-B14F-4D97-AF65-F5344CB8AC3E}">
-        <p14:creationId xmlns:p14="http://schemas.microsoft.com/office/powerpoint/2010/main" val="45704887"/>
+        <p14:creationId xmlns:p14="http://schemas.microsoft.com/office/powerpoint/2010/main" val="1508539610"/>
       </p:ext>
     </p:extLst>
   </p:cSld>
@@ -6602,6 +6498,504 @@
             <a:spLocks noGrp="1"/>
           </p:cNvSpPr>
           <p:nvPr>
+            <p:ph type="title"/>
+          </p:nvPr>
+        </p:nvSpPr>
+        <p:spPr/>
+        <p:txBody>
+          <a:bodyPr/>
+          <a:lstStyle/>
+          <a:p>
+            <a:r>
+              <a:rPr lang="en-US" b="1" dirty="0" smtClean="0">
+                <a:solidFill>
+                  <a:schemeClr val="tx1"/>
+                </a:solidFill>
+              </a:rPr>
+              <a:t>Learning </a:t>
+            </a:r>
+            <a:r>
+              <a:rPr lang="en-US" b="1" dirty="0">
+                <a:solidFill>
+                  <a:schemeClr val="tx1"/>
+                </a:solidFill>
+              </a:rPr>
+              <a:t>based methods</a:t>
+            </a:r>
+            <a:endParaRPr lang="en-GB" dirty="0">
+              <a:solidFill>
+                <a:schemeClr val="tx1"/>
+              </a:solidFill>
+            </a:endParaRPr>
+          </a:p>
+        </p:txBody>
+      </p:sp>
+      <p:sp>
+        <p:nvSpPr>
+          <p:cNvPr id="3" name="Content Placeholder 2"/>
+          <p:cNvSpPr>
+            <a:spLocks noGrp="1"/>
+          </p:cNvSpPr>
+          <p:nvPr>
+            <p:ph idx="1"/>
+          </p:nvPr>
+        </p:nvSpPr>
+        <p:spPr/>
+        <p:txBody>
+          <a:bodyPr>
+            <a:normAutofit/>
+          </a:bodyPr>
+          <a:lstStyle/>
+          <a:p>
+            <a:r>
+              <a:rPr lang="en-US" dirty="0" smtClean="0"/>
+              <a:t>high dimensionality </a:t>
+            </a:r>
+            <a:r>
+              <a:rPr lang="ru-RU" dirty="0" smtClean="0"/>
+              <a:t>– </a:t>
+            </a:r>
+            <a:r>
+              <a:rPr lang="en-US" dirty="0" smtClean="0"/>
+              <a:t>curse </a:t>
+            </a:r>
+            <a:r>
+              <a:rPr lang="en-US" dirty="0"/>
+              <a:t>of </a:t>
+            </a:r>
+            <a:r>
+              <a:rPr lang="en-US" dirty="0" smtClean="0"/>
+              <a:t>dimensionality</a:t>
+            </a:r>
+            <a:endParaRPr lang="ru-RU" dirty="0" smtClean="0"/>
+          </a:p>
+          <a:p>
+            <a:pPr marL="0" indent="0">
+              <a:buNone/>
+            </a:pPr>
+            <a:endParaRPr lang="en-US" dirty="0" smtClean="0"/>
+          </a:p>
+          <a:p>
+            <a:pPr marL="0" indent="0">
+              <a:buNone/>
+            </a:pPr>
+            <a:endParaRPr lang="en-US" dirty="0"/>
+          </a:p>
+          <a:p>
+            <a:r>
+              <a:rPr lang="en-US" dirty="0"/>
+              <a:t>most of dynamic textures are not linear </a:t>
+            </a:r>
+            <a:r>
+              <a:rPr lang="ru-RU" dirty="0" smtClean="0"/>
+              <a:t>– </a:t>
+            </a:r>
+            <a:r>
+              <a:rPr lang="en-US" dirty="0" smtClean="0"/>
+              <a:t>learning</a:t>
+            </a:r>
+            <a:r>
+              <a:rPr lang="ru-RU" dirty="0" smtClean="0"/>
+              <a:t> </a:t>
+            </a:r>
+            <a:r>
+              <a:rPr lang="en-US" dirty="0" smtClean="0"/>
+              <a:t>algorithm cannot </a:t>
+            </a:r>
+            <a:r>
+              <a:rPr lang="en-US" dirty="0"/>
+              <a:t>be </a:t>
+            </a:r>
+            <a:r>
+              <a:rPr lang="en-US" dirty="0" smtClean="0"/>
+              <a:t>linear</a:t>
+            </a:r>
+            <a:endParaRPr lang="ru-RU" dirty="0" smtClean="0"/>
+          </a:p>
+          <a:p>
+            <a:pPr marL="0" indent="0">
+              <a:buNone/>
+            </a:pPr>
+            <a:endParaRPr lang="en-US" dirty="0" smtClean="0"/>
+          </a:p>
+          <a:p>
+            <a:pPr marL="0" indent="0">
+              <a:buNone/>
+            </a:pPr>
+            <a:endParaRPr lang="ru-RU" dirty="0" smtClean="0"/>
+          </a:p>
+          <a:p>
+            <a:r>
+              <a:rPr lang="en-US" dirty="0"/>
+              <a:t>big computational cost of </a:t>
+            </a:r>
+            <a:r>
+              <a:rPr lang="en-US" dirty="0" smtClean="0"/>
+              <a:t>optimization</a:t>
+            </a:r>
+            <a:r>
+              <a:rPr lang="ru-RU" dirty="0" smtClean="0"/>
+              <a:t> – </a:t>
+            </a:r>
+            <a:r>
+              <a:rPr lang="en-US" dirty="0"/>
+              <a:t>necessary to have a good </a:t>
+            </a:r>
+            <a:r>
+              <a:rPr lang="en-US" dirty="0" smtClean="0"/>
+              <a:t>performance</a:t>
+            </a:r>
+          </a:p>
+          <a:p>
+            <a:endParaRPr lang="ru-RU" dirty="0" smtClean="0"/>
+          </a:p>
+        </p:txBody>
+      </p:sp>
+    </p:spTree>
+    <p:extLst>
+      <p:ext uri="{BB962C8B-B14F-4D97-AF65-F5344CB8AC3E}">
+        <p14:creationId xmlns:p14="http://schemas.microsoft.com/office/powerpoint/2010/main" val="750442935"/>
+      </p:ext>
+    </p:extLst>
+  </p:cSld>
+  <p:clrMapOvr>
+    <a:masterClrMapping/>
+  </p:clrMapOvr>
+  <p:timing>
+    <p:tnLst>
+      <p:par>
+        <p:cTn id="1" dur="indefinite" restart="never" nodeType="tmRoot"/>
+      </p:par>
+    </p:tnLst>
+  </p:timing>
+</p:sld>
+</file>
+
+<file path=ppt/slides/slide26.xml><?xml version="1.0" encoding="utf-8"?>
+<p:sld xmlns:a="http://schemas.openxmlformats.org/drawingml/2006/main" xmlns:r="http://schemas.openxmlformats.org/officeDocument/2006/relationships" xmlns:p="http://schemas.openxmlformats.org/presentationml/2006/main">
+  <p:cSld>
+    <p:spTree>
+      <p:nvGrpSpPr>
+        <p:cNvPr id="1" name=""/>
+        <p:cNvGrpSpPr/>
+        <p:nvPr/>
+      </p:nvGrpSpPr>
+      <p:grpSpPr>
+        <a:xfrm>
+          <a:off x="0" y="0"/>
+          <a:ext cx="0" cy="0"/>
+          <a:chOff x="0" y="0"/>
+          <a:chExt cx="0" cy="0"/>
+        </a:xfrm>
+      </p:grpSpPr>
+      <p:sp>
+        <p:nvSpPr>
+          <p:cNvPr id="2" name="Title 1"/>
+          <p:cNvSpPr>
+            <a:spLocks noGrp="1"/>
+          </p:cNvSpPr>
+          <p:nvPr>
+            <p:ph type="title"/>
+          </p:nvPr>
+        </p:nvSpPr>
+        <p:spPr/>
+        <p:txBody>
+          <a:bodyPr/>
+          <a:lstStyle/>
+          <a:p>
+            <a:r>
+              <a:rPr lang="en-US" b="1" dirty="0" smtClean="0">
+                <a:solidFill>
+                  <a:schemeClr val="tx1"/>
+                </a:solidFill>
+              </a:rPr>
+              <a:t>Learning </a:t>
+            </a:r>
+            <a:r>
+              <a:rPr lang="en-US" b="1" dirty="0">
+                <a:solidFill>
+                  <a:schemeClr val="tx1"/>
+                </a:solidFill>
+              </a:rPr>
+              <a:t>based methods</a:t>
+            </a:r>
+            <a:endParaRPr lang="en-GB" dirty="0">
+              <a:solidFill>
+                <a:schemeClr val="tx1"/>
+              </a:solidFill>
+            </a:endParaRPr>
+          </a:p>
+        </p:txBody>
+      </p:sp>
+      <p:sp>
+        <p:nvSpPr>
+          <p:cNvPr id="3" name="Content Placeholder 2"/>
+          <p:cNvSpPr>
+            <a:spLocks noGrp="1"/>
+          </p:cNvSpPr>
+          <p:nvPr>
+            <p:ph idx="1"/>
+          </p:nvPr>
+        </p:nvSpPr>
+        <p:spPr/>
+        <p:txBody>
+          <a:bodyPr>
+            <a:normAutofit/>
+          </a:bodyPr>
+          <a:lstStyle/>
+          <a:p>
+            <a:r>
+              <a:rPr lang="en-US" dirty="0" smtClean="0"/>
+              <a:t>high dimensionality </a:t>
+            </a:r>
+            <a:r>
+              <a:rPr lang="ru-RU" dirty="0" smtClean="0"/>
+              <a:t>– </a:t>
+            </a:r>
+            <a:r>
+              <a:rPr lang="en-US" dirty="0" smtClean="0"/>
+              <a:t>curse </a:t>
+            </a:r>
+            <a:r>
+              <a:rPr lang="en-US" dirty="0"/>
+              <a:t>of </a:t>
+            </a:r>
+            <a:r>
+              <a:rPr lang="en-US" dirty="0" smtClean="0"/>
+              <a:t>dimensionality</a:t>
+            </a:r>
+            <a:endParaRPr lang="ru-RU" dirty="0" smtClean="0"/>
+          </a:p>
+          <a:p>
+            <a:pPr marL="0" indent="0">
+              <a:buNone/>
+            </a:pPr>
+            <a:r>
+              <a:rPr lang="en-US" b="1" dirty="0" smtClean="0">
+                <a:solidFill>
+                  <a:srgbClr val="FF0000"/>
+                </a:solidFill>
+              </a:rPr>
+              <a:t>dimensionality </a:t>
+            </a:r>
+            <a:r>
+              <a:rPr lang="en-US" b="1" dirty="0">
+                <a:solidFill>
+                  <a:srgbClr val="FF0000"/>
+                </a:solidFill>
+              </a:rPr>
+              <a:t>reduction process must be </a:t>
+            </a:r>
+            <a:r>
+              <a:rPr lang="en-US" b="1" dirty="0" smtClean="0">
+                <a:solidFill>
+                  <a:srgbClr val="FF0000"/>
+                </a:solidFill>
+              </a:rPr>
+              <a:t>applied</a:t>
+            </a:r>
+            <a:endParaRPr lang="ru-RU" b="1" dirty="0" smtClean="0">
+              <a:solidFill>
+                <a:srgbClr val="FF0000"/>
+              </a:solidFill>
+            </a:endParaRPr>
+          </a:p>
+          <a:p>
+            <a:pPr marL="0" indent="0">
+              <a:buNone/>
+            </a:pPr>
+            <a:endParaRPr lang="en-US" dirty="0"/>
+          </a:p>
+          <a:p>
+            <a:r>
+              <a:rPr lang="en-US" dirty="0"/>
+              <a:t>most of dynamic textures are not linear </a:t>
+            </a:r>
+            <a:r>
+              <a:rPr lang="ru-RU" dirty="0" smtClean="0"/>
+              <a:t>– </a:t>
+            </a:r>
+            <a:r>
+              <a:rPr lang="en-US" dirty="0" smtClean="0"/>
+              <a:t>learning</a:t>
+            </a:r>
+            <a:r>
+              <a:rPr lang="ru-RU" dirty="0" smtClean="0"/>
+              <a:t> </a:t>
+            </a:r>
+            <a:r>
+              <a:rPr lang="en-US" dirty="0" smtClean="0"/>
+              <a:t>algorithm cannot </a:t>
+            </a:r>
+            <a:r>
+              <a:rPr lang="en-US" dirty="0"/>
+              <a:t>be </a:t>
+            </a:r>
+            <a:r>
+              <a:rPr lang="en-US" dirty="0" smtClean="0"/>
+              <a:t>linear</a:t>
+            </a:r>
+            <a:endParaRPr lang="ru-RU" dirty="0" smtClean="0"/>
+          </a:p>
+          <a:p>
+            <a:pPr marL="0" indent="0">
+              <a:buNone/>
+            </a:pPr>
+            <a:r>
+              <a:rPr lang="en-US" b="1" dirty="0">
+                <a:solidFill>
+                  <a:srgbClr val="FF0000"/>
+                </a:solidFill>
+              </a:rPr>
+              <a:t>more flexible model must be </a:t>
+            </a:r>
+            <a:r>
+              <a:rPr lang="en-US" b="1" dirty="0" smtClean="0">
+                <a:solidFill>
+                  <a:srgbClr val="FF0000"/>
+                </a:solidFill>
+              </a:rPr>
+              <a:t>found</a:t>
+            </a:r>
+            <a:endParaRPr lang="ru-RU" b="1" dirty="0" smtClean="0">
+              <a:solidFill>
+                <a:srgbClr val="FF0000"/>
+              </a:solidFill>
+            </a:endParaRPr>
+          </a:p>
+          <a:p>
+            <a:pPr marL="0" indent="0">
+              <a:buNone/>
+            </a:pPr>
+            <a:endParaRPr lang="ru-RU" dirty="0" smtClean="0"/>
+          </a:p>
+          <a:p>
+            <a:r>
+              <a:rPr lang="en-US" dirty="0"/>
+              <a:t>big computational cost of </a:t>
+            </a:r>
+            <a:r>
+              <a:rPr lang="en-US" dirty="0" smtClean="0"/>
+              <a:t>optimization</a:t>
+            </a:r>
+            <a:r>
+              <a:rPr lang="ru-RU" dirty="0" smtClean="0"/>
+              <a:t> – </a:t>
+            </a:r>
+            <a:r>
+              <a:rPr lang="en-US" dirty="0"/>
+              <a:t>necessary to have a good </a:t>
+            </a:r>
+            <a:r>
+              <a:rPr lang="en-US" dirty="0" smtClean="0"/>
+              <a:t>performance</a:t>
+            </a:r>
+            <a:endParaRPr lang="ru-RU" dirty="0" smtClean="0"/>
+          </a:p>
+          <a:p>
+            <a:pPr marL="0" indent="0">
+              <a:buNone/>
+            </a:pPr>
+            <a:r>
+              <a:rPr lang="en-US" b="1" dirty="0">
+                <a:solidFill>
+                  <a:srgbClr val="FF0000"/>
+                </a:solidFill>
+              </a:rPr>
+              <a:t>first-order Markov model </a:t>
+            </a:r>
+            <a:r>
+              <a:rPr lang="en-US" b="1" dirty="0" smtClean="0">
+                <a:solidFill>
+                  <a:srgbClr val="FF0000"/>
+                </a:solidFill>
+              </a:rPr>
+              <a:t>for </a:t>
+            </a:r>
+            <a:r>
+              <a:rPr lang="en-US" b="1" dirty="0">
+                <a:solidFill>
+                  <a:srgbClr val="FF0000"/>
+                </a:solidFill>
+              </a:rPr>
+              <a:t>dynamical texture </a:t>
+            </a:r>
+            <a:r>
+              <a:rPr lang="en-US" b="1" dirty="0" smtClean="0">
+                <a:solidFill>
+                  <a:srgbClr val="FF0000"/>
+                </a:solidFill>
+              </a:rPr>
+              <a:t>synthesis</a:t>
+            </a:r>
+            <a:r>
+              <a:rPr lang="ru-RU" b="1" dirty="0" smtClean="0">
+                <a:solidFill>
+                  <a:srgbClr val="FF0000"/>
+                </a:solidFill>
+              </a:rPr>
+              <a:t> </a:t>
+            </a:r>
+            <a:r>
+              <a:rPr lang="en-US" b="1" dirty="0" smtClean="0">
+                <a:solidFill>
+                  <a:srgbClr val="FF0000"/>
+                </a:solidFill>
+              </a:rPr>
+              <a:t>can be used</a:t>
+            </a:r>
+            <a:endParaRPr lang="en-GB" b="1" dirty="0">
+              <a:solidFill>
+                <a:srgbClr val="FF0000"/>
+              </a:solidFill>
+            </a:endParaRPr>
+          </a:p>
+        </p:txBody>
+      </p:sp>
+    </p:spTree>
+    <p:extLst>
+      <p:ext uri="{BB962C8B-B14F-4D97-AF65-F5344CB8AC3E}">
+        <p14:creationId xmlns:p14="http://schemas.microsoft.com/office/powerpoint/2010/main" val="45704887"/>
+      </p:ext>
+    </p:extLst>
+  </p:cSld>
+  <p:clrMapOvr>
+    <a:masterClrMapping/>
+  </p:clrMapOvr>
+  <p:timing>
+    <p:tnLst>
+      <p:par>
+        <p:cTn id="1" dur="indefinite" restart="never" nodeType="tmRoot"/>
+      </p:par>
+    </p:tnLst>
+  </p:timing>
+</p:sld>
+</file>
+
+<file path=ppt/slides/slide27.xml><?xml version="1.0" encoding="utf-8"?>
+<p:sld xmlns:a="http://schemas.openxmlformats.org/drawingml/2006/main" xmlns:r="http://schemas.openxmlformats.org/officeDocument/2006/relationships" xmlns:p="http://schemas.openxmlformats.org/presentationml/2006/main">
+  <p:cSld>
+    <p:spTree>
+      <p:nvGrpSpPr>
+        <p:cNvPr id="1" name=""/>
+        <p:cNvGrpSpPr/>
+        <p:nvPr/>
+      </p:nvGrpSpPr>
+      <p:grpSpPr>
+        <a:xfrm>
+          <a:off x="0" y="0"/>
+          <a:ext cx="0" cy="0"/>
+          <a:chOff x="0" y="0"/>
+          <a:chExt cx="0" cy="0"/>
+        </a:xfrm>
+      </p:grpSpPr>
+      <p:sp>
+        <p:nvSpPr>
+          <p:cNvPr id="2" name="Title 1"/>
+          <p:cNvSpPr>
+            <a:spLocks noGrp="1"/>
+          </p:cNvSpPr>
+          <p:nvPr>
             <p:ph type="ctrTitle"/>
           </p:nvPr>
         </p:nvSpPr>
@@ -6643,7 +7037,7 @@
 </p:sld>
 </file>
 
-<file path=ppt/slides/slide26.xml><?xml version="1.0" encoding="utf-8"?>
+<file path=ppt/slides/slide28.xml><?xml version="1.0" encoding="utf-8"?>
 <p:sld xmlns:a="http://schemas.openxmlformats.org/drawingml/2006/main" xmlns:r="http://schemas.openxmlformats.org/officeDocument/2006/relationships" xmlns:p="http://schemas.openxmlformats.org/presentationml/2006/main">
   <p:cSld>
     <p:spTree>
@@ -6859,7 +7253,7 @@
 </p:sld>
 </file>
 
-<file path=ppt/slides/slide27.xml><?xml version="1.0" encoding="utf-8"?>
+<file path=ppt/slides/slide29.xml><?xml version="1.0" encoding="utf-8"?>
 <p:sld xmlns:a="http://schemas.openxmlformats.org/drawingml/2006/main" xmlns:r="http://schemas.openxmlformats.org/officeDocument/2006/relationships" xmlns:p="http://schemas.openxmlformats.org/presentationml/2006/main">
   <p:cSld>
     <p:spTree>
@@ -6980,535 +7374,6 @@
     <p:extLst>
       <p:ext uri="{BB962C8B-B14F-4D97-AF65-F5344CB8AC3E}">
         <p14:creationId xmlns:p14="http://schemas.microsoft.com/office/powerpoint/2010/main" val="2646660001"/>
-      </p:ext>
-    </p:extLst>
-  </p:cSld>
-  <p:clrMapOvr>
-    <a:masterClrMapping/>
-  </p:clrMapOvr>
-  <p:timing>
-    <p:tnLst>
-      <p:par>
-        <p:cTn id="1" dur="indefinite" restart="never" nodeType="tmRoot"/>
-      </p:par>
-    </p:tnLst>
-  </p:timing>
-</p:sld>
-</file>
-
-<file path=ppt/slides/slide28.xml><?xml version="1.0" encoding="utf-8"?>
-<p:sld xmlns:a="http://schemas.openxmlformats.org/drawingml/2006/main" xmlns:r="http://schemas.openxmlformats.org/officeDocument/2006/relationships" xmlns:p="http://schemas.openxmlformats.org/presentationml/2006/main">
-  <p:cSld>
-    <p:spTree>
-      <p:nvGrpSpPr>
-        <p:cNvPr id="1" name=""/>
-        <p:cNvGrpSpPr/>
-        <p:nvPr/>
-      </p:nvGrpSpPr>
-      <p:grpSpPr>
-        <a:xfrm>
-          <a:off x="0" y="0"/>
-          <a:ext cx="0" cy="0"/>
-          <a:chOff x="0" y="0"/>
-          <a:chExt cx="0" cy="0"/>
-        </a:xfrm>
-      </p:grpSpPr>
-      <p:sp>
-        <p:nvSpPr>
-          <p:cNvPr id="2" name="Title 1"/>
-          <p:cNvSpPr>
-            <a:spLocks noGrp="1"/>
-          </p:cNvSpPr>
-          <p:nvPr>
-            <p:ph type="title"/>
-          </p:nvPr>
-        </p:nvSpPr>
-        <p:spPr/>
-        <p:txBody>
-          <a:bodyPr/>
-          <a:lstStyle/>
-          <a:p>
-            <a:r>
-              <a:rPr lang="en-GB" dirty="0" smtClean="0"/>
-              <a:t>Multivariate Gaussian distribution</a:t>
-            </a:r>
-            <a:endParaRPr lang="en-GB" dirty="0"/>
-          </a:p>
-        </p:txBody>
-      </p:sp>
-      <p:sp>
-        <p:nvSpPr>
-          <p:cNvPr id="3" name="Content Placeholder 2"/>
-          <p:cNvSpPr>
-            <a:spLocks noGrp="1"/>
-          </p:cNvSpPr>
-          <p:nvPr>
-            <p:ph idx="1"/>
-          </p:nvPr>
-        </p:nvSpPr>
-        <p:spPr>
-          <a:xfrm>
-            <a:off x="1371600" y="1665961"/>
-            <a:ext cx="9601200" cy="5285984"/>
-          </a:xfrm>
-        </p:spPr>
-        <p:txBody>
-          <a:bodyPr>
-            <a:normAutofit/>
-          </a:bodyPr>
-          <a:lstStyle/>
-          <a:p>
-            <a:pPr marL="0" indent="0">
-              <a:buNone/>
-            </a:pPr>
-            <a:r>
-              <a:rPr lang="en-US" dirty="0" smtClean="0"/>
-              <a:t>	</a:t>
-            </a:r>
-            <a:r>
-              <a:rPr lang="en-US" b="1" dirty="0" smtClean="0"/>
-              <a:t>Bivariate </a:t>
-            </a:r>
-            <a:r>
-              <a:rPr lang="en-US" b="1" dirty="0"/>
-              <a:t>case </a:t>
-            </a:r>
-            <a:r>
-              <a:rPr lang="en-US" dirty="0"/>
-              <a:t>– for any fixed X1 value the distribution of associated X2 values is normal and for any fixed X2 value the distribution of X1 value is normal</a:t>
-            </a:r>
-            <a:r>
-              <a:rPr lang="en-US" dirty="0" smtClean="0"/>
-              <a:t>.</a:t>
-            </a:r>
-          </a:p>
-          <a:p>
-            <a:pPr marL="0" indent="0">
-              <a:buNone/>
-            </a:pPr>
-            <a:endParaRPr lang="en-US" dirty="0" smtClean="0"/>
-          </a:p>
-          <a:p>
-            <a:pPr marL="0" indent="0">
-              <a:buNone/>
-            </a:pPr>
-            <a:endParaRPr lang="en-US" dirty="0"/>
-          </a:p>
-          <a:p>
-            <a:pPr marL="0" indent="0">
-              <a:buNone/>
-            </a:pPr>
-            <a:endParaRPr lang="en-US" dirty="0" smtClean="0"/>
-          </a:p>
-          <a:p>
-            <a:pPr marL="0" indent="0">
-              <a:buNone/>
-            </a:pPr>
-            <a:endParaRPr lang="en-US" dirty="0" smtClean="0"/>
-          </a:p>
-          <a:p>
-            <a:pPr marL="0" indent="0">
-              <a:buNone/>
-            </a:pPr>
-            <a:endParaRPr lang="en-US" dirty="0" smtClean="0"/>
-          </a:p>
-          <a:p>
-            <a:pPr marL="0" indent="0">
-              <a:buNone/>
-            </a:pPr>
-            <a:endParaRPr lang="en-US" dirty="0"/>
-          </a:p>
-          <a:p>
-            <a:pPr marL="0" indent="0">
-              <a:buNone/>
-            </a:pPr>
-            <a:r>
-              <a:rPr lang="en-US" dirty="0" smtClean="0"/>
-              <a:t>	</a:t>
-            </a:r>
-            <a:r>
-              <a:rPr lang="en-US" b="1" dirty="0" smtClean="0"/>
-              <a:t>Multivariate </a:t>
-            </a:r>
-            <a:r>
-              <a:rPr lang="en-US" b="1" dirty="0"/>
-              <a:t>case</a:t>
-            </a:r>
-            <a:r>
-              <a:rPr lang="en-US" dirty="0"/>
-              <a:t> (2 or more dimensions) – characterized </a:t>
-            </a:r>
-            <a:r>
-              <a:rPr lang="en-US" dirty="0" smtClean="0"/>
-              <a:t>by:</a:t>
-            </a:r>
-            <a:endParaRPr lang="en-GB" dirty="0" smtClean="0"/>
-          </a:p>
-          <a:p>
-            <a:pPr lvl="0"/>
-            <a:r>
-              <a:rPr lang="en-US" i="1" dirty="0"/>
-              <a:t>Mean vector </a:t>
-            </a:r>
-            <a:r>
-              <a:rPr lang="en-US" dirty="0"/>
-              <a:t>– the same size as data</a:t>
-            </a:r>
-            <a:endParaRPr lang="en-GB" dirty="0"/>
-          </a:p>
-          <a:p>
-            <a:pPr lvl="0"/>
-            <a:r>
-              <a:rPr lang="en-US" i="1" dirty="0"/>
-              <a:t>Covariance matrix</a:t>
-            </a:r>
-            <a:r>
-              <a:rPr lang="en-US" dirty="0"/>
-              <a:t> – squared matrix </a:t>
-            </a:r>
-            <a:r>
-              <a:rPr lang="en-US" dirty="0" err="1" smtClean="0"/>
-              <a:t>NxN</a:t>
-            </a:r>
-            <a:r>
-              <a:rPr lang="en-US" dirty="0" smtClean="0"/>
-              <a:t>, </a:t>
-            </a:r>
-            <a:r>
-              <a:rPr lang="en-US" dirty="0"/>
-              <a:t>where </a:t>
-            </a:r>
-            <a:r>
-              <a:rPr lang="en-US" dirty="0" smtClean="0"/>
-              <a:t>N </a:t>
-            </a:r>
-            <a:r>
-              <a:rPr lang="en-US" dirty="0"/>
-              <a:t>– </a:t>
-            </a:r>
-            <a:r>
-              <a:rPr lang="en-US" dirty="0" smtClean="0"/>
-              <a:t>dimensionality</a:t>
-            </a:r>
-            <a:endParaRPr lang="en-GB" dirty="0"/>
-          </a:p>
-          <a:p>
-            <a:pPr lvl="0"/>
-            <a:r>
-              <a:rPr lang="en-US" i="1" dirty="0"/>
-              <a:t>Shape of a </a:t>
-            </a:r>
-            <a:r>
-              <a:rPr lang="en-US" i="1" dirty="0" smtClean="0"/>
-              <a:t>cut </a:t>
-            </a:r>
-            <a:r>
-              <a:rPr lang="en-US" dirty="0" smtClean="0"/>
-              <a:t>– 2D projection)</a:t>
-            </a:r>
-            <a:endParaRPr lang="en-GB" dirty="0"/>
-          </a:p>
-          <a:p>
-            <a:endParaRPr lang="en-GB" dirty="0" smtClean="0"/>
-          </a:p>
-          <a:p>
-            <a:pPr marL="0" indent="0">
-              <a:buNone/>
-            </a:pPr>
-            <a:endParaRPr lang="en-GB" dirty="0"/>
-          </a:p>
-        </p:txBody>
-      </p:sp>
-      <p:pic>
-        <p:nvPicPr>
-          <p:cNvPr id="6" name="Picture 5"/>
-          <p:cNvPicPr>
-            <a:picLocks noChangeAspect="1"/>
-          </p:cNvPicPr>
-          <p:nvPr/>
-        </p:nvPicPr>
-        <p:blipFill>
-          <a:blip r:embed="rId2"/>
-          <a:stretch>
-            <a:fillRect/>
-          </a:stretch>
-        </p:blipFill>
-        <p:spPr>
-          <a:xfrm>
-            <a:off x="2877855" y="2417457"/>
-            <a:ext cx="5334000" cy="2524125"/>
-          </a:xfrm>
-          <a:prstGeom prst="rect">
-            <a:avLst/>
-          </a:prstGeom>
-        </p:spPr>
-      </p:pic>
-    </p:spTree>
-    <p:extLst>
-      <p:ext uri="{BB962C8B-B14F-4D97-AF65-F5344CB8AC3E}">
-        <p14:creationId xmlns:p14="http://schemas.microsoft.com/office/powerpoint/2010/main" val="6459764"/>
-      </p:ext>
-    </p:extLst>
-  </p:cSld>
-  <p:clrMapOvr>
-    <a:masterClrMapping/>
-  </p:clrMapOvr>
-  <p:timing>
-    <p:tnLst>
-      <p:par>
-        <p:cTn id="1" dur="indefinite" restart="never" nodeType="tmRoot"/>
-      </p:par>
-    </p:tnLst>
-  </p:timing>
-</p:sld>
-</file>
-
-<file path=ppt/slides/slide29.xml><?xml version="1.0" encoding="utf-8"?>
-<p:sld xmlns:a="http://schemas.openxmlformats.org/drawingml/2006/main" xmlns:r="http://schemas.openxmlformats.org/officeDocument/2006/relationships" xmlns:p="http://schemas.openxmlformats.org/presentationml/2006/main">
-  <p:cSld>
-    <p:spTree>
-      <p:nvGrpSpPr>
-        <p:cNvPr id="1" name=""/>
-        <p:cNvGrpSpPr/>
-        <p:nvPr/>
-      </p:nvGrpSpPr>
-      <p:grpSpPr>
-        <a:xfrm>
-          <a:off x="0" y="0"/>
-          <a:ext cx="0" cy="0"/>
-          <a:chOff x="0" y="0"/>
-          <a:chExt cx="0" cy="0"/>
-        </a:xfrm>
-      </p:grpSpPr>
-      <p:sp>
-        <p:nvSpPr>
-          <p:cNvPr id="2" name="Title 1"/>
-          <p:cNvSpPr>
-            <a:spLocks noGrp="1"/>
-          </p:cNvSpPr>
-          <p:nvPr>
-            <p:ph type="title"/>
-          </p:nvPr>
-        </p:nvSpPr>
-        <p:spPr/>
-        <p:txBody>
-          <a:bodyPr/>
-          <a:lstStyle/>
-          <a:p>
-            <a:r>
-              <a:rPr lang="en-GB" dirty="0" smtClean="0"/>
-              <a:t>Gaussian process</a:t>
-            </a:r>
-            <a:endParaRPr lang="en-GB" dirty="0"/>
-          </a:p>
-        </p:txBody>
-      </p:sp>
-      <p:sp>
-        <p:nvSpPr>
-          <p:cNvPr id="3" name="Content Placeholder 2"/>
-          <p:cNvSpPr>
-            <a:spLocks noGrp="1"/>
-          </p:cNvSpPr>
-          <p:nvPr>
-            <p:ph idx="1"/>
-          </p:nvPr>
-        </p:nvSpPr>
-        <p:spPr>
-          <a:xfrm>
-            <a:off x="1371599" y="1615858"/>
-            <a:ext cx="10152345" cy="4251542"/>
-          </a:xfrm>
-        </p:spPr>
-        <p:txBody>
-          <a:bodyPr/>
-          <a:lstStyle/>
-          <a:p>
-            <a:pPr marL="0" indent="0">
-              <a:buNone/>
-            </a:pPr>
-            <a:r>
-              <a:rPr lang="en-US" b="1" dirty="0" smtClean="0"/>
-              <a:t>Definition</a:t>
-            </a:r>
-          </a:p>
-          <a:p>
-            <a:pPr marL="0" indent="0">
-              <a:buNone/>
-            </a:pPr>
-            <a:r>
-              <a:rPr lang="en-GB" dirty="0" smtClean="0"/>
-              <a:t>Gaussian </a:t>
-            </a:r>
-            <a:r>
-              <a:rPr lang="en-GB" dirty="0"/>
-              <a:t>processes </a:t>
-            </a:r>
-            <a:r>
-              <a:rPr lang="en-GB" dirty="0" smtClean="0"/>
-              <a:t>– infinite-dimensional </a:t>
-            </a:r>
-            <a:r>
-              <a:rPr lang="en-GB" dirty="0"/>
-              <a:t>generalization of multivariate normal </a:t>
-            </a:r>
-            <a:r>
-              <a:rPr lang="en-GB" dirty="0" smtClean="0"/>
-              <a:t>distributions</a:t>
-            </a:r>
-          </a:p>
-          <a:p>
-            <a:endParaRPr lang="en-US" dirty="0" smtClean="0"/>
-          </a:p>
-          <a:p>
-            <a:pPr marL="0" indent="0">
-              <a:buNone/>
-            </a:pPr>
-            <a:r>
-              <a:rPr lang="en-US" dirty="0" smtClean="0"/>
-              <a:t>Initially we have:</a:t>
-            </a:r>
-            <a:endParaRPr lang="en-US" dirty="0" smtClean="0"/>
-          </a:p>
-          <a:p>
-            <a:r>
-              <a:rPr lang="en-US" dirty="0" smtClean="0"/>
-              <a:t>d </a:t>
-            </a:r>
-            <a:r>
-              <a:rPr lang="en-US" dirty="0"/>
-              <a:t>random variables (X</a:t>
-            </a:r>
-            <a:r>
-              <a:rPr lang="en-US" baseline="-25000" dirty="0"/>
-              <a:t>t1</a:t>
-            </a:r>
-            <a:r>
-              <a:rPr lang="en-US" dirty="0"/>
-              <a:t>,…, </a:t>
-            </a:r>
-            <a:r>
-              <a:rPr lang="en-US" dirty="0" err="1" smtClean="0"/>
-              <a:t>X</a:t>
-            </a:r>
-            <a:r>
-              <a:rPr lang="en-US" baseline="-25000" dirty="0" err="1" smtClean="0"/>
-              <a:t>td</a:t>
-            </a:r>
-            <a:r>
-              <a:rPr lang="en-US" dirty="0" smtClean="0"/>
-              <a:t>) not </a:t>
-            </a:r>
-            <a:r>
-              <a:rPr lang="en-US" dirty="0"/>
-              <a:t>equally spaced </a:t>
-            </a:r>
-            <a:endParaRPr lang="en-US" dirty="0" smtClean="0"/>
-          </a:p>
-          <a:p>
-            <a:r>
-              <a:rPr lang="en-US" dirty="0" smtClean="0"/>
-              <a:t>timeline </a:t>
-            </a:r>
-            <a:r>
-              <a:rPr lang="en-US" dirty="0" err="1" smtClean="0"/>
-              <a:t>t</a:t>
-            </a:r>
-            <a:r>
-              <a:rPr lang="en-US" baseline="-25000" dirty="0" err="1" smtClean="0"/>
-              <a:t>i</a:t>
-            </a:r>
-            <a:endParaRPr lang="en-US" baseline="-25000" dirty="0" smtClean="0"/>
-          </a:p>
-          <a:p>
-            <a:r>
-              <a:rPr lang="en-GB" dirty="0" smtClean="0"/>
-              <a:t>d </a:t>
-            </a:r>
-            <a:r>
-              <a:rPr lang="en-GB" dirty="0"/>
-              <a:t>= 100 </a:t>
-            </a:r>
-            <a:endParaRPr lang="en-GB" dirty="0" smtClean="0"/>
-          </a:p>
-          <a:p>
-            <a:r>
-              <a:rPr lang="en-US" dirty="0" smtClean="0"/>
-              <a:t>100 </a:t>
-            </a:r>
-            <a:r>
-              <a:rPr lang="en-US" dirty="0"/>
-              <a:t>time indexes </a:t>
-            </a:r>
-            <a:r>
-              <a:rPr lang="en-US" dirty="0" err="1" smtClean="0"/>
-              <a:t>t</a:t>
-            </a:r>
-            <a:r>
-              <a:rPr lang="en-US" baseline="-25000" dirty="0" err="1" smtClean="0"/>
-              <a:t>i</a:t>
-            </a:r>
-            <a:endParaRPr lang="en-US" baseline="-25000" dirty="0" smtClean="0"/>
-          </a:p>
-          <a:p>
-            <a:r>
-              <a:rPr lang="en-US" dirty="0"/>
-              <a:t>i</a:t>
-            </a:r>
-            <a:r>
-              <a:rPr lang="en-US" baseline="-25000" dirty="0"/>
-              <a:t>0</a:t>
-            </a:r>
-            <a:r>
-              <a:rPr lang="en-US" dirty="0"/>
-              <a:t> – index when space is increased</a:t>
-            </a:r>
-            <a:endParaRPr lang="en-GB" dirty="0" smtClean="0"/>
-          </a:p>
-          <a:p>
-            <a:pPr marL="0" indent="0">
-              <a:buNone/>
-            </a:pPr>
-            <a:endParaRPr lang="en-GB" dirty="0"/>
-          </a:p>
-        </p:txBody>
-      </p:sp>
-      <p:pic>
-        <p:nvPicPr>
-          <p:cNvPr id="4" name="Picture 3"/>
-          <p:cNvPicPr/>
-          <p:nvPr/>
-        </p:nvPicPr>
-        <p:blipFill>
-          <a:blip r:embed="rId2">
-            <a:extLst>
-              <a:ext uri="{28A0092B-C50C-407E-A947-70E740481C1C}">
-                <a14:useLocalDpi xmlns:a14="http://schemas.microsoft.com/office/drawing/2010/main" val="0"/>
-              </a:ext>
-            </a:extLst>
-          </a:blip>
-          <a:srcRect/>
-          <a:stretch>
-            <a:fillRect/>
-          </a:stretch>
-        </p:blipFill>
-        <p:spPr bwMode="auto">
-          <a:xfrm>
-            <a:off x="7394953" y="2615405"/>
-            <a:ext cx="4028784" cy="4019214"/>
-          </a:xfrm>
-          <a:prstGeom prst="rect">
-            <a:avLst/>
-          </a:prstGeom>
-          <a:noFill/>
-          <a:ln>
-            <a:noFill/>
-          </a:ln>
-        </p:spPr>
-      </p:pic>
-    </p:spTree>
-    <p:extLst>
-      <p:ext uri="{BB962C8B-B14F-4D97-AF65-F5344CB8AC3E}">
-        <p14:creationId xmlns:p14="http://schemas.microsoft.com/office/powerpoint/2010/main" val="2629724451"/>
       </p:ext>
     </p:extLst>
   </p:cSld>
@@ -7822,6 +7687,534 @@
           <a:p>
             <a:r>
               <a:rPr lang="en-GB" dirty="0" smtClean="0"/>
+              <a:t>Multivariate Gaussian distribution</a:t>
+            </a:r>
+            <a:endParaRPr lang="en-GB" dirty="0"/>
+          </a:p>
+        </p:txBody>
+      </p:sp>
+      <p:sp>
+        <p:nvSpPr>
+          <p:cNvPr id="3" name="Content Placeholder 2"/>
+          <p:cNvSpPr>
+            <a:spLocks noGrp="1"/>
+          </p:cNvSpPr>
+          <p:nvPr>
+            <p:ph idx="1"/>
+          </p:nvPr>
+        </p:nvSpPr>
+        <p:spPr>
+          <a:xfrm>
+            <a:off x="1371600" y="1665961"/>
+            <a:ext cx="9601200" cy="5285984"/>
+          </a:xfrm>
+        </p:spPr>
+        <p:txBody>
+          <a:bodyPr>
+            <a:normAutofit/>
+          </a:bodyPr>
+          <a:lstStyle/>
+          <a:p>
+            <a:pPr marL="0" indent="0">
+              <a:buNone/>
+            </a:pPr>
+            <a:r>
+              <a:rPr lang="en-US" dirty="0" smtClean="0"/>
+              <a:t>	</a:t>
+            </a:r>
+            <a:r>
+              <a:rPr lang="en-US" b="1" dirty="0" smtClean="0"/>
+              <a:t>Bivariate </a:t>
+            </a:r>
+            <a:r>
+              <a:rPr lang="en-US" b="1" dirty="0"/>
+              <a:t>case </a:t>
+            </a:r>
+            <a:r>
+              <a:rPr lang="en-US" dirty="0"/>
+              <a:t>– for any fixed X1 value the distribution of associated X2 values is normal and for any fixed X2 value the distribution of X1 value is normal</a:t>
+            </a:r>
+            <a:r>
+              <a:rPr lang="en-US" dirty="0" smtClean="0"/>
+              <a:t>.</a:t>
+            </a:r>
+          </a:p>
+          <a:p>
+            <a:pPr marL="0" indent="0">
+              <a:buNone/>
+            </a:pPr>
+            <a:endParaRPr lang="en-US" dirty="0" smtClean="0"/>
+          </a:p>
+          <a:p>
+            <a:pPr marL="0" indent="0">
+              <a:buNone/>
+            </a:pPr>
+            <a:endParaRPr lang="en-US" dirty="0"/>
+          </a:p>
+          <a:p>
+            <a:pPr marL="0" indent="0">
+              <a:buNone/>
+            </a:pPr>
+            <a:endParaRPr lang="en-US" dirty="0" smtClean="0"/>
+          </a:p>
+          <a:p>
+            <a:pPr marL="0" indent="0">
+              <a:buNone/>
+            </a:pPr>
+            <a:endParaRPr lang="en-US" dirty="0" smtClean="0"/>
+          </a:p>
+          <a:p>
+            <a:pPr marL="0" indent="0">
+              <a:buNone/>
+            </a:pPr>
+            <a:endParaRPr lang="en-US" dirty="0" smtClean="0"/>
+          </a:p>
+          <a:p>
+            <a:pPr marL="0" indent="0">
+              <a:buNone/>
+            </a:pPr>
+            <a:endParaRPr lang="en-US" dirty="0"/>
+          </a:p>
+          <a:p>
+            <a:pPr marL="0" indent="0">
+              <a:buNone/>
+            </a:pPr>
+            <a:r>
+              <a:rPr lang="en-US" dirty="0" smtClean="0"/>
+              <a:t>	</a:t>
+            </a:r>
+            <a:r>
+              <a:rPr lang="en-US" b="1" dirty="0" smtClean="0"/>
+              <a:t>Multivariate </a:t>
+            </a:r>
+            <a:r>
+              <a:rPr lang="en-US" b="1" dirty="0"/>
+              <a:t>case</a:t>
+            </a:r>
+            <a:r>
+              <a:rPr lang="en-US" dirty="0"/>
+              <a:t> (2 or more dimensions) – characterized </a:t>
+            </a:r>
+            <a:r>
+              <a:rPr lang="en-US" dirty="0" smtClean="0"/>
+              <a:t>by:</a:t>
+            </a:r>
+            <a:endParaRPr lang="en-GB" dirty="0" smtClean="0"/>
+          </a:p>
+          <a:p>
+            <a:pPr lvl="0"/>
+            <a:r>
+              <a:rPr lang="en-US" i="1" dirty="0"/>
+              <a:t>Mean vector </a:t>
+            </a:r>
+            <a:r>
+              <a:rPr lang="en-US" dirty="0"/>
+              <a:t>– the same size as data</a:t>
+            </a:r>
+            <a:endParaRPr lang="en-GB" dirty="0"/>
+          </a:p>
+          <a:p>
+            <a:pPr lvl="0"/>
+            <a:r>
+              <a:rPr lang="en-US" i="1" dirty="0"/>
+              <a:t>Covariance matrix</a:t>
+            </a:r>
+            <a:r>
+              <a:rPr lang="en-US" dirty="0"/>
+              <a:t> – squared matrix </a:t>
+            </a:r>
+            <a:r>
+              <a:rPr lang="en-US" dirty="0" err="1" smtClean="0"/>
+              <a:t>NxN</a:t>
+            </a:r>
+            <a:r>
+              <a:rPr lang="en-US" dirty="0" smtClean="0"/>
+              <a:t>, </a:t>
+            </a:r>
+            <a:r>
+              <a:rPr lang="en-US" dirty="0"/>
+              <a:t>where </a:t>
+            </a:r>
+            <a:r>
+              <a:rPr lang="en-US" dirty="0" smtClean="0"/>
+              <a:t>N </a:t>
+            </a:r>
+            <a:r>
+              <a:rPr lang="en-US" dirty="0"/>
+              <a:t>– </a:t>
+            </a:r>
+            <a:r>
+              <a:rPr lang="en-US" dirty="0" smtClean="0"/>
+              <a:t>dimensionality</a:t>
+            </a:r>
+            <a:endParaRPr lang="en-GB" dirty="0"/>
+          </a:p>
+          <a:p>
+            <a:pPr lvl="0"/>
+            <a:r>
+              <a:rPr lang="en-US" i="1" dirty="0"/>
+              <a:t>Shape of a </a:t>
+            </a:r>
+            <a:r>
+              <a:rPr lang="en-US" i="1" dirty="0" smtClean="0"/>
+              <a:t>cut </a:t>
+            </a:r>
+            <a:r>
+              <a:rPr lang="en-US" dirty="0" smtClean="0"/>
+              <a:t>– 2D projection)</a:t>
+            </a:r>
+            <a:endParaRPr lang="en-GB" dirty="0"/>
+          </a:p>
+          <a:p>
+            <a:endParaRPr lang="en-GB" dirty="0" smtClean="0"/>
+          </a:p>
+          <a:p>
+            <a:pPr marL="0" indent="0">
+              <a:buNone/>
+            </a:pPr>
+            <a:endParaRPr lang="en-GB" dirty="0"/>
+          </a:p>
+        </p:txBody>
+      </p:sp>
+      <p:pic>
+        <p:nvPicPr>
+          <p:cNvPr id="6" name="Picture 5"/>
+          <p:cNvPicPr>
+            <a:picLocks noChangeAspect="1"/>
+          </p:cNvPicPr>
+          <p:nvPr/>
+        </p:nvPicPr>
+        <p:blipFill>
+          <a:blip r:embed="rId2"/>
+          <a:stretch>
+            <a:fillRect/>
+          </a:stretch>
+        </p:blipFill>
+        <p:spPr>
+          <a:xfrm>
+            <a:off x="2877855" y="2417457"/>
+            <a:ext cx="5334000" cy="2524125"/>
+          </a:xfrm>
+          <a:prstGeom prst="rect">
+            <a:avLst/>
+          </a:prstGeom>
+        </p:spPr>
+      </p:pic>
+    </p:spTree>
+    <p:extLst>
+      <p:ext uri="{BB962C8B-B14F-4D97-AF65-F5344CB8AC3E}">
+        <p14:creationId xmlns:p14="http://schemas.microsoft.com/office/powerpoint/2010/main" val="6459764"/>
+      </p:ext>
+    </p:extLst>
+  </p:cSld>
+  <p:clrMapOvr>
+    <a:masterClrMapping/>
+  </p:clrMapOvr>
+  <p:timing>
+    <p:tnLst>
+      <p:par>
+        <p:cTn id="1" dur="indefinite" restart="never" nodeType="tmRoot"/>
+      </p:par>
+    </p:tnLst>
+  </p:timing>
+</p:sld>
+</file>
+
+<file path=ppt/slides/slide31.xml><?xml version="1.0" encoding="utf-8"?>
+<p:sld xmlns:a="http://schemas.openxmlformats.org/drawingml/2006/main" xmlns:r="http://schemas.openxmlformats.org/officeDocument/2006/relationships" xmlns:p="http://schemas.openxmlformats.org/presentationml/2006/main">
+  <p:cSld>
+    <p:spTree>
+      <p:nvGrpSpPr>
+        <p:cNvPr id="1" name=""/>
+        <p:cNvGrpSpPr/>
+        <p:nvPr/>
+      </p:nvGrpSpPr>
+      <p:grpSpPr>
+        <a:xfrm>
+          <a:off x="0" y="0"/>
+          <a:ext cx="0" cy="0"/>
+          <a:chOff x="0" y="0"/>
+          <a:chExt cx="0" cy="0"/>
+        </a:xfrm>
+      </p:grpSpPr>
+      <p:sp>
+        <p:nvSpPr>
+          <p:cNvPr id="2" name="Title 1"/>
+          <p:cNvSpPr>
+            <a:spLocks noGrp="1"/>
+          </p:cNvSpPr>
+          <p:nvPr>
+            <p:ph type="title"/>
+          </p:nvPr>
+        </p:nvSpPr>
+        <p:spPr/>
+        <p:txBody>
+          <a:bodyPr/>
+          <a:lstStyle/>
+          <a:p>
+            <a:r>
+              <a:rPr lang="en-GB" dirty="0" smtClean="0"/>
+              <a:t>Gaussian process</a:t>
+            </a:r>
+            <a:endParaRPr lang="en-GB" dirty="0"/>
+          </a:p>
+        </p:txBody>
+      </p:sp>
+      <p:sp>
+        <p:nvSpPr>
+          <p:cNvPr id="3" name="Content Placeholder 2"/>
+          <p:cNvSpPr>
+            <a:spLocks noGrp="1"/>
+          </p:cNvSpPr>
+          <p:nvPr>
+            <p:ph idx="1"/>
+          </p:nvPr>
+        </p:nvSpPr>
+        <p:spPr>
+          <a:xfrm>
+            <a:off x="1371599" y="1615858"/>
+            <a:ext cx="10152345" cy="4251542"/>
+          </a:xfrm>
+        </p:spPr>
+        <p:txBody>
+          <a:bodyPr/>
+          <a:lstStyle/>
+          <a:p>
+            <a:pPr marL="0" indent="0">
+              <a:buNone/>
+            </a:pPr>
+            <a:r>
+              <a:rPr lang="en-US" b="1" dirty="0" smtClean="0"/>
+              <a:t>Definition</a:t>
+            </a:r>
+          </a:p>
+          <a:p>
+            <a:pPr marL="0" indent="0">
+              <a:buNone/>
+            </a:pPr>
+            <a:r>
+              <a:rPr lang="en-GB" dirty="0" smtClean="0"/>
+              <a:t>Gaussian </a:t>
+            </a:r>
+            <a:r>
+              <a:rPr lang="en-GB" dirty="0"/>
+              <a:t>processes </a:t>
+            </a:r>
+            <a:r>
+              <a:rPr lang="en-GB" dirty="0" smtClean="0"/>
+              <a:t>– infinite-dimensional </a:t>
+            </a:r>
+            <a:r>
+              <a:rPr lang="en-GB" dirty="0"/>
+              <a:t>generalization of multivariate normal </a:t>
+            </a:r>
+            <a:r>
+              <a:rPr lang="en-GB" dirty="0" smtClean="0"/>
+              <a:t>distributions</a:t>
+            </a:r>
+          </a:p>
+          <a:p>
+            <a:endParaRPr lang="en-US" dirty="0" smtClean="0"/>
+          </a:p>
+          <a:p>
+            <a:pPr marL="0" indent="0">
+              <a:buNone/>
+            </a:pPr>
+            <a:r>
+              <a:rPr lang="en-US" dirty="0" smtClean="0"/>
+              <a:t>Initially we have:</a:t>
+            </a:r>
+          </a:p>
+          <a:p>
+            <a:r>
+              <a:rPr lang="en-US" dirty="0" smtClean="0"/>
+              <a:t>d </a:t>
+            </a:r>
+            <a:r>
+              <a:rPr lang="en-US" dirty="0"/>
+              <a:t>random variables (X</a:t>
+            </a:r>
+            <a:r>
+              <a:rPr lang="en-US" baseline="-25000" dirty="0"/>
+              <a:t>t1</a:t>
+            </a:r>
+            <a:r>
+              <a:rPr lang="en-US" dirty="0"/>
+              <a:t>,…, </a:t>
+            </a:r>
+            <a:r>
+              <a:rPr lang="en-US" dirty="0" err="1" smtClean="0"/>
+              <a:t>X</a:t>
+            </a:r>
+            <a:r>
+              <a:rPr lang="en-US" baseline="-25000" dirty="0" err="1" smtClean="0"/>
+              <a:t>td</a:t>
+            </a:r>
+            <a:r>
+              <a:rPr lang="en-US" dirty="0" smtClean="0"/>
+              <a:t>) not </a:t>
+            </a:r>
+            <a:r>
+              <a:rPr lang="en-US" dirty="0"/>
+              <a:t>equally spaced </a:t>
+            </a:r>
+            <a:endParaRPr lang="en-US" dirty="0" smtClean="0"/>
+          </a:p>
+          <a:p>
+            <a:r>
+              <a:rPr lang="en-US" dirty="0" smtClean="0"/>
+              <a:t>timeline </a:t>
+            </a:r>
+            <a:r>
+              <a:rPr lang="en-US" dirty="0" err="1" smtClean="0"/>
+              <a:t>t</a:t>
+            </a:r>
+            <a:r>
+              <a:rPr lang="en-US" baseline="-25000" dirty="0" err="1" smtClean="0"/>
+              <a:t>i</a:t>
+            </a:r>
+            <a:endParaRPr lang="en-US" baseline="-25000" dirty="0" smtClean="0"/>
+          </a:p>
+          <a:p>
+            <a:r>
+              <a:rPr lang="en-GB" dirty="0" smtClean="0"/>
+              <a:t>d </a:t>
+            </a:r>
+            <a:r>
+              <a:rPr lang="en-GB" dirty="0"/>
+              <a:t>= 100 </a:t>
+            </a:r>
+            <a:endParaRPr lang="en-GB" dirty="0" smtClean="0"/>
+          </a:p>
+          <a:p>
+            <a:r>
+              <a:rPr lang="en-US" dirty="0" smtClean="0"/>
+              <a:t>100 </a:t>
+            </a:r>
+            <a:r>
+              <a:rPr lang="en-US" dirty="0"/>
+              <a:t>time indexes </a:t>
+            </a:r>
+            <a:r>
+              <a:rPr lang="en-US" dirty="0" err="1" smtClean="0"/>
+              <a:t>t</a:t>
+            </a:r>
+            <a:r>
+              <a:rPr lang="en-US" baseline="-25000" dirty="0" err="1" smtClean="0"/>
+              <a:t>i</a:t>
+            </a:r>
+            <a:endParaRPr lang="en-US" baseline="-25000" dirty="0" smtClean="0"/>
+          </a:p>
+          <a:p>
+            <a:r>
+              <a:rPr lang="en-US" dirty="0"/>
+              <a:t>i</a:t>
+            </a:r>
+            <a:r>
+              <a:rPr lang="en-US" baseline="-25000" dirty="0"/>
+              <a:t>0</a:t>
+            </a:r>
+            <a:r>
+              <a:rPr lang="en-US" dirty="0"/>
+              <a:t> – index when space is increased</a:t>
+            </a:r>
+            <a:endParaRPr lang="en-GB" dirty="0" smtClean="0"/>
+          </a:p>
+          <a:p>
+            <a:pPr marL="0" indent="0">
+              <a:buNone/>
+            </a:pPr>
+            <a:endParaRPr lang="en-GB" dirty="0"/>
+          </a:p>
+        </p:txBody>
+      </p:sp>
+      <p:pic>
+        <p:nvPicPr>
+          <p:cNvPr id="4" name="Picture 3"/>
+          <p:cNvPicPr/>
+          <p:nvPr/>
+        </p:nvPicPr>
+        <p:blipFill>
+          <a:blip r:embed="rId2">
+            <a:extLst>
+              <a:ext uri="{28A0092B-C50C-407E-A947-70E740481C1C}">
+                <a14:useLocalDpi xmlns:a14="http://schemas.microsoft.com/office/drawing/2010/main" val="0"/>
+              </a:ext>
+            </a:extLst>
+          </a:blip>
+          <a:srcRect/>
+          <a:stretch>
+            <a:fillRect/>
+          </a:stretch>
+        </p:blipFill>
+        <p:spPr bwMode="auto">
+          <a:xfrm>
+            <a:off x="7394953" y="2615405"/>
+            <a:ext cx="4028784" cy="4019214"/>
+          </a:xfrm>
+          <a:prstGeom prst="rect">
+            <a:avLst/>
+          </a:prstGeom>
+          <a:noFill/>
+          <a:ln>
+            <a:noFill/>
+          </a:ln>
+        </p:spPr>
+      </p:pic>
+    </p:spTree>
+    <p:extLst>
+      <p:ext uri="{BB962C8B-B14F-4D97-AF65-F5344CB8AC3E}">
+        <p14:creationId xmlns:p14="http://schemas.microsoft.com/office/powerpoint/2010/main" val="2629724451"/>
+      </p:ext>
+    </p:extLst>
+  </p:cSld>
+  <p:clrMapOvr>
+    <a:masterClrMapping/>
+  </p:clrMapOvr>
+  <p:timing>
+    <p:tnLst>
+      <p:par>
+        <p:cTn id="1" dur="indefinite" restart="never" nodeType="tmRoot"/>
+      </p:par>
+    </p:tnLst>
+  </p:timing>
+</p:sld>
+</file>
+
+<file path=ppt/slides/slide32.xml><?xml version="1.0" encoding="utf-8"?>
+<p:sld xmlns:a="http://schemas.openxmlformats.org/drawingml/2006/main" xmlns:r="http://schemas.openxmlformats.org/officeDocument/2006/relationships" xmlns:p="http://schemas.openxmlformats.org/presentationml/2006/main">
+  <p:cSld>
+    <p:spTree>
+      <p:nvGrpSpPr>
+        <p:cNvPr id="1" name=""/>
+        <p:cNvGrpSpPr/>
+        <p:nvPr/>
+      </p:nvGrpSpPr>
+      <p:grpSpPr>
+        <a:xfrm>
+          <a:off x="0" y="0"/>
+          <a:ext cx="0" cy="0"/>
+          <a:chOff x="0" y="0"/>
+          <a:chExt cx="0" cy="0"/>
+        </a:xfrm>
+      </p:grpSpPr>
+      <p:sp>
+        <p:nvSpPr>
+          <p:cNvPr id="2" name="Title 1"/>
+          <p:cNvSpPr>
+            <a:spLocks noGrp="1"/>
+          </p:cNvSpPr>
+          <p:nvPr>
+            <p:ph type="title"/>
+          </p:nvPr>
+        </p:nvSpPr>
+        <p:spPr/>
+        <p:txBody>
+          <a:bodyPr/>
+          <a:lstStyle/>
+          <a:p>
+            <a:r>
+              <a:rPr lang="en-GB" dirty="0" smtClean="0"/>
               <a:t>Gaussian process</a:t>
             </a:r>
             <a:endParaRPr lang="en-GB" dirty="0"/>
@@ -8066,7 +8459,7 @@
 </p:sld>
 </file>
 
-<file path=ppt/slides/slide31.xml><?xml version="1.0" encoding="utf-8"?>
+<file path=ppt/slides/slide33.xml><?xml version="1.0" encoding="utf-8"?>
 <p:sld xmlns:a="http://schemas.openxmlformats.org/drawingml/2006/main" xmlns:r="http://schemas.openxmlformats.org/officeDocument/2006/relationships" xmlns:p="http://schemas.openxmlformats.org/presentationml/2006/main">
   <p:cSld>
     <p:spTree>
@@ -8357,7 +8750,7 @@
 </p:sld>
 </file>
 
-<file path=ppt/slides/slide32.xml><?xml version="1.0" encoding="utf-8"?>
+<file path=ppt/slides/slide34.xml><?xml version="1.0" encoding="utf-8"?>
 <p:sld xmlns:a="http://schemas.openxmlformats.org/drawingml/2006/main" xmlns:r="http://schemas.openxmlformats.org/officeDocument/2006/relationships" xmlns:p="http://schemas.openxmlformats.org/presentationml/2006/main">
   <p:cSld>
     <p:spTree>
@@ -8845,7 +9238,7 @@
 </p:sld>
 </file>
 
-<file path=ppt/slides/slide33.xml><?xml version="1.0" encoding="utf-8"?>
+<file path=ppt/slides/slide35.xml><?xml version="1.0" encoding="utf-8"?>
 <p:sld xmlns:a="http://schemas.openxmlformats.org/drawingml/2006/main" xmlns:r="http://schemas.openxmlformats.org/officeDocument/2006/relationships" xmlns:p="http://schemas.openxmlformats.org/presentationml/2006/main">
   <p:cSld>
     <p:spTree>
@@ -9012,7 +9405,7 @@
 </p:sld>
 </file>
 
-<file path=ppt/slides/slide34.xml><?xml version="1.0" encoding="utf-8"?>
+<file path=ppt/slides/slide36.xml><?xml version="1.0" encoding="utf-8"?>
 <p:sld xmlns:a="http://schemas.openxmlformats.org/drawingml/2006/main" xmlns:r="http://schemas.openxmlformats.org/officeDocument/2006/relationships" xmlns:p="http://schemas.openxmlformats.org/presentationml/2006/main">
   <p:cSld>
     <p:spTree>
@@ -9271,180 +9664,6 @@
 </p:sld>
 </file>
 
-<file path=ppt/slides/slide35.xml><?xml version="1.0" encoding="utf-8"?>
-<p:sld xmlns:a="http://schemas.openxmlformats.org/drawingml/2006/main" xmlns:r="http://schemas.openxmlformats.org/officeDocument/2006/relationships" xmlns:p="http://schemas.openxmlformats.org/presentationml/2006/main">
-  <p:cSld>
-    <p:spTree>
-      <p:nvGrpSpPr>
-        <p:cNvPr id="1" name=""/>
-        <p:cNvGrpSpPr/>
-        <p:nvPr/>
-      </p:nvGrpSpPr>
-      <p:grpSpPr>
-        <a:xfrm>
-          <a:off x="0" y="0"/>
-          <a:ext cx="0" cy="0"/>
-          <a:chOff x="0" y="0"/>
-          <a:chExt cx="0" cy="0"/>
-        </a:xfrm>
-      </p:grpSpPr>
-      <p:sp>
-        <p:nvSpPr>
-          <p:cNvPr id="2" name="Title 1"/>
-          <p:cNvSpPr>
-            <a:spLocks noGrp="1"/>
-          </p:cNvSpPr>
-          <p:nvPr>
-            <p:ph type="title"/>
-          </p:nvPr>
-        </p:nvSpPr>
-        <p:spPr/>
-        <p:txBody>
-          <a:bodyPr/>
-          <a:lstStyle/>
-          <a:p>
-            <a:r>
-              <a:rPr lang="en-GB" dirty="0" smtClean="0"/>
-              <a:t>Linear dynamic system</a:t>
-            </a:r>
-            <a:endParaRPr lang="en-GB" dirty="0"/>
-          </a:p>
-        </p:txBody>
-      </p:sp>
-    </p:spTree>
-    <p:extLst>
-      <p:ext uri="{BB962C8B-B14F-4D97-AF65-F5344CB8AC3E}">
-        <p14:creationId xmlns:p14="http://schemas.microsoft.com/office/powerpoint/2010/main" val="4123951925"/>
-      </p:ext>
-    </p:extLst>
-  </p:cSld>
-  <p:clrMapOvr>
-    <a:masterClrMapping/>
-  </p:clrMapOvr>
-  <p:timing>
-    <p:tnLst>
-      <p:par>
-        <p:cTn id="1" dur="indefinite" restart="never" nodeType="tmRoot"/>
-      </p:par>
-    </p:tnLst>
-  </p:timing>
-</p:sld>
-</file>
-
-<file path=ppt/slides/slide36.xml><?xml version="1.0" encoding="utf-8"?>
-<p:sld xmlns:a="http://schemas.openxmlformats.org/drawingml/2006/main" xmlns:r="http://schemas.openxmlformats.org/officeDocument/2006/relationships" xmlns:p="http://schemas.openxmlformats.org/presentationml/2006/main">
-  <p:cSld>
-    <p:spTree>
-      <p:nvGrpSpPr>
-        <p:cNvPr id="1" name=""/>
-        <p:cNvGrpSpPr/>
-        <p:nvPr/>
-      </p:nvGrpSpPr>
-      <p:grpSpPr>
-        <a:xfrm>
-          <a:off x="0" y="0"/>
-          <a:ext cx="0" cy="0"/>
-          <a:chOff x="0" y="0"/>
-          <a:chExt cx="0" cy="0"/>
-        </a:xfrm>
-      </p:grpSpPr>
-      <p:sp>
-        <p:nvSpPr>
-          <p:cNvPr id="2" name="Title 1"/>
-          <p:cNvSpPr>
-            <a:spLocks noGrp="1"/>
-          </p:cNvSpPr>
-          <p:nvPr>
-            <p:ph type="title"/>
-          </p:nvPr>
-        </p:nvSpPr>
-        <p:spPr/>
-        <p:txBody>
-          <a:bodyPr/>
-          <a:lstStyle/>
-          <a:p>
-            <a:r>
-              <a:rPr lang="en-GB" dirty="0" smtClean="0"/>
-              <a:t>Linear dynamic system</a:t>
-            </a:r>
-            <a:endParaRPr lang="en-GB" dirty="0"/>
-          </a:p>
-        </p:txBody>
-      </p:sp>
-      <p:sp>
-        <p:nvSpPr>
-          <p:cNvPr id="3" name="Content Placeholder 2"/>
-          <p:cNvSpPr>
-            <a:spLocks noGrp="1"/>
-          </p:cNvSpPr>
-          <p:nvPr>
-            <p:ph idx="1"/>
-          </p:nvPr>
-        </p:nvSpPr>
-        <p:spPr>
-          <a:xfrm>
-            <a:off x="1371600" y="2286000"/>
-            <a:ext cx="9601200" cy="3901858"/>
-          </a:xfrm>
-        </p:spPr>
-        <p:txBody>
-          <a:bodyPr/>
-          <a:lstStyle/>
-          <a:p>
-            <a:pPr marL="0" indent="0">
-              <a:buNone/>
-            </a:pPr>
-            <a:r>
-              <a:rPr lang="en-US" dirty="0"/>
-              <a:t>In this work dynamical texture modeling consists of two </a:t>
-            </a:r>
-            <a:r>
-              <a:rPr lang="en-US" dirty="0" smtClean="0"/>
-              <a:t>steps:</a:t>
-            </a:r>
-          </a:p>
-          <a:p>
-            <a:r>
-              <a:rPr lang="en-US" dirty="0" smtClean="0"/>
-              <a:t>dimensionality reduction</a:t>
-            </a:r>
-          </a:p>
-          <a:p>
-            <a:r>
-              <a:rPr lang="en-US" dirty="0" smtClean="0"/>
-              <a:t>dynamic </a:t>
-            </a:r>
-            <a:r>
-              <a:rPr lang="en-US" dirty="0"/>
-              <a:t>texture </a:t>
-            </a:r>
-            <a:r>
-              <a:rPr lang="en-US" dirty="0" smtClean="0"/>
-              <a:t>learning</a:t>
-            </a:r>
-          </a:p>
-        </p:txBody>
-      </p:sp>
-    </p:spTree>
-    <p:extLst>
-      <p:ext uri="{BB962C8B-B14F-4D97-AF65-F5344CB8AC3E}">
-        <p14:creationId xmlns:p14="http://schemas.microsoft.com/office/powerpoint/2010/main" val="3288649230"/>
-      </p:ext>
-    </p:extLst>
-  </p:cSld>
-  <p:clrMapOvr>
-    <a:masterClrMapping/>
-  </p:clrMapOvr>
-  <p:timing>
-    <p:tnLst>
-      <p:par>
-        <p:cTn id="1" dur="indefinite" restart="never" nodeType="tmRoot"/>
-      </p:par>
-    </p:tnLst>
-  </p:timing>
-</p:sld>
-</file>
-
 <file path=ppt/slides/slide37.xml><?xml version="1.0" encoding="utf-8"?>
 <p:sld xmlns:a="http://schemas.openxmlformats.org/drawingml/2006/main" xmlns:r="http://schemas.openxmlformats.org/officeDocument/2006/relationships" xmlns:p="http://schemas.openxmlformats.org/presentationml/2006/main">
   <p:cSld>
@@ -9485,265 +9704,10 @@
           </a:p>
         </p:txBody>
       </p:sp>
-      <p:sp>
-        <p:nvSpPr>
-          <p:cNvPr id="3" name="Content Placeholder 2"/>
-          <p:cNvSpPr>
-            <a:spLocks noGrp="1"/>
-          </p:cNvSpPr>
-          <p:nvPr>
-            <p:ph idx="1"/>
-          </p:nvPr>
-        </p:nvSpPr>
-        <p:spPr>
-          <a:xfrm>
-            <a:off x="1371600" y="2286000"/>
-            <a:ext cx="9601200" cy="3901858"/>
-          </a:xfrm>
-        </p:spPr>
-        <p:txBody>
-          <a:bodyPr/>
-          <a:lstStyle/>
-          <a:p>
-            <a:pPr marL="0" indent="0">
-              <a:buNone/>
-            </a:pPr>
-            <a:r>
-              <a:rPr lang="en-US" dirty="0"/>
-              <a:t>In this work dynamical texture modeling consists of two </a:t>
-            </a:r>
-            <a:r>
-              <a:rPr lang="en-US" dirty="0" smtClean="0"/>
-              <a:t>steps:</a:t>
-            </a:r>
-          </a:p>
-          <a:p>
-            <a:r>
-              <a:rPr lang="en-US" dirty="0" smtClean="0"/>
-              <a:t>dimensionality reduction</a:t>
-            </a:r>
-          </a:p>
-          <a:p>
-            <a:r>
-              <a:rPr lang="en-US" dirty="0" smtClean="0"/>
-              <a:t>dynamic </a:t>
-            </a:r>
-            <a:r>
-              <a:rPr lang="en-US" dirty="0"/>
-              <a:t>texture </a:t>
-            </a:r>
-            <a:r>
-              <a:rPr lang="en-US" dirty="0" smtClean="0"/>
-              <a:t>learning</a:t>
-            </a:r>
-          </a:p>
-          <a:p>
-            <a:pPr marL="0" indent="0">
-              <a:buNone/>
-            </a:pPr>
-            <a:r>
-              <a:rPr lang="en-US" dirty="0"/>
-              <a:t>They can be expressed </a:t>
-            </a:r>
-            <a:r>
-              <a:rPr lang="en-US" dirty="0" smtClean="0"/>
-              <a:t>as:</a:t>
-            </a:r>
-            <a:endParaRPr lang="en-GB" dirty="0" smtClean="0"/>
-          </a:p>
-          <a:p>
-            <a:pPr marL="0" indent="0">
-              <a:buNone/>
-            </a:pPr>
-            <a:r>
-              <a:rPr lang="en-US" dirty="0" smtClean="0"/>
-              <a:t>			            – linear dynamic model</a:t>
-            </a:r>
-          </a:p>
-          <a:p>
-            <a:pPr marL="0" indent="0">
-              <a:buNone/>
-            </a:pPr>
-            <a:r>
-              <a:rPr lang="en-US" dirty="0"/>
-              <a:t>	</a:t>
-            </a:r>
-            <a:r>
-              <a:rPr lang="en-US" dirty="0" smtClean="0"/>
-              <a:t>		</a:t>
-            </a:r>
-            <a:r>
-              <a:rPr lang="en-US" dirty="0"/>
-              <a:t> </a:t>
-            </a:r>
-            <a:r>
-              <a:rPr lang="en-US" dirty="0" smtClean="0"/>
-              <a:t>           – dimensionality reduction </a:t>
-            </a:r>
-          </a:p>
-          <a:p>
-            <a:pPr marL="0" indent="0">
-              <a:buNone/>
-            </a:pPr>
-            <a:r>
-              <a:rPr lang="en-US" dirty="0" smtClean="0"/>
-              <a:t>x</a:t>
-            </a:r>
-            <a:r>
-              <a:rPr lang="en-US" baseline="-25000" dirty="0" smtClean="0"/>
-              <a:t>t</a:t>
-            </a:r>
-            <a:r>
-              <a:rPr lang="en-US" dirty="0" smtClean="0"/>
-              <a:t> </a:t>
-            </a:r>
-            <a:r>
-              <a:rPr lang="en-US" dirty="0"/>
-              <a:t>- latent variable which affects dynamic behavior, x</a:t>
-            </a:r>
-            <a:r>
-              <a:rPr lang="en-US" baseline="-25000" dirty="0"/>
-              <a:t>t </a:t>
-            </a:r>
-            <a:r>
-              <a:rPr lang="en-US" dirty="0"/>
-              <a:t>∈ </a:t>
-            </a:r>
-            <a:r>
-              <a:rPr lang="en-US" dirty="0" smtClean="0"/>
-              <a:t>R</a:t>
-            </a:r>
-            <a:r>
-              <a:rPr lang="en-US" baseline="30000" dirty="0" smtClean="0"/>
-              <a:t>Q</a:t>
-            </a:r>
-          </a:p>
-          <a:p>
-            <a:pPr marL="0" indent="0">
-              <a:buNone/>
-            </a:pPr>
-            <a:r>
-              <a:rPr lang="en-US" dirty="0"/>
-              <a:t>y</a:t>
-            </a:r>
-            <a:r>
-              <a:rPr lang="en-US" baseline="-25000" dirty="0"/>
-              <a:t>t</a:t>
-            </a:r>
-            <a:r>
-              <a:rPr lang="en-US" dirty="0"/>
-              <a:t> - column vector unfolded from the </a:t>
-            </a:r>
-            <a:r>
-              <a:rPr lang="en-US" dirty="0" smtClean="0"/>
-              <a:t>frame </a:t>
-            </a:r>
-            <a:r>
-              <a:rPr lang="en-US" dirty="0"/>
-              <a:t>at time t, y</a:t>
-            </a:r>
-            <a:r>
-              <a:rPr lang="en-US" baseline="-25000" dirty="0"/>
-              <a:t>t </a:t>
-            </a:r>
-            <a:r>
-              <a:rPr lang="en-US" dirty="0"/>
-              <a:t>∈ R</a:t>
-            </a:r>
-            <a:r>
-              <a:rPr lang="en-US" baseline="30000" dirty="0"/>
-              <a:t>D</a:t>
-            </a:r>
-            <a:r>
-              <a:rPr lang="en-US" dirty="0"/>
-              <a:t>, D – large, Q&lt;&lt;D </a:t>
-            </a:r>
-            <a:endParaRPr lang="en-US" dirty="0" smtClean="0"/>
-          </a:p>
-          <a:p>
-            <a:pPr marL="0" indent="0">
-              <a:buNone/>
-            </a:pPr>
-            <a:r>
-              <a:rPr lang="en-GB" dirty="0" smtClean="0"/>
-              <a:t>n</a:t>
-            </a:r>
-            <a:r>
-              <a:rPr lang="en-GB" baseline="-25000" dirty="0" smtClean="0"/>
-              <a:t>x</a:t>
-            </a:r>
-            <a:r>
-              <a:rPr lang="en-GB" dirty="0" smtClean="0"/>
-              <a:t>,</a:t>
-            </a:r>
-            <a:r>
-              <a:rPr lang="en-GB" baseline="-25000" dirty="0" smtClean="0"/>
-              <a:t>t</a:t>
-            </a:r>
-            <a:r>
-              <a:rPr lang="en-GB" dirty="0" smtClean="0"/>
-              <a:t>, n</a:t>
-            </a:r>
-            <a:r>
-              <a:rPr lang="en-GB" baseline="-25000" dirty="0" smtClean="0"/>
-              <a:t>y</a:t>
-            </a:r>
-            <a:r>
-              <a:rPr lang="en-GB" dirty="0" smtClean="0"/>
-              <a:t>,</a:t>
-            </a:r>
-            <a:r>
-              <a:rPr lang="en-GB" baseline="-25000" dirty="0" smtClean="0"/>
-              <a:t>t</a:t>
-            </a:r>
-            <a:r>
-              <a:rPr lang="en-GB" dirty="0" smtClean="0"/>
-              <a:t> </a:t>
-            </a:r>
-            <a:r>
-              <a:rPr lang="en-GB" dirty="0"/>
-              <a:t>- </a:t>
-            </a:r>
-            <a:r>
-              <a:rPr lang="en-GB" dirty="0" smtClean="0"/>
-              <a:t>represent </a:t>
-            </a:r>
-            <a:r>
-              <a:rPr lang="en-GB" dirty="0"/>
-              <a:t>the noise </a:t>
-            </a:r>
-            <a:endParaRPr lang="en-US" baseline="30000" dirty="0" smtClean="0"/>
-          </a:p>
-        </p:txBody>
-      </p:sp>
-      <p:pic>
-        <p:nvPicPr>
-          <p:cNvPr id="4" name="Picture 3"/>
-          <p:cNvPicPr>
-            <a:picLocks noChangeAspect="1"/>
-          </p:cNvPicPr>
-          <p:nvPr/>
-        </p:nvPicPr>
-        <p:blipFill>
-          <a:blip r:embed="rId2"/>
-          <a:stretch>
-            <a:fillRect/>
-          </a:stretch>
-        </p:blipFill>
-        <p:spPr>
-          <a:xfrm>
-            <a:off x="1797681" y="4076700"/>
-            <a:ext cx="3069594" cy="839440"/>
-          </a:xfrm>
-          <a:prstGeom prst="rect">
-            <a:avLst/>
-          </a:prstGeom>
-        </p:spPr>
-      </p:pic>
     </p:spTree>
     <p:extLst>
       <p:ext uri="{BB962C8B-B14F-4D97-AF65-F5344CB8AC3E}">
-        <p14:creationId xmlns:p14="http://schemas.microsoft.com/office/powerpoint/2010/main" val="2292532737"/>
+        <p14:creationId xmlns:p14="http://schemas.microsoft.com/office/powerpoint/2010/main" val="4123951925"/>
       </p:ext>
     </p:extLst>
   </p:cSld>
@@ -9794,16 +9758,70 @@
           <a:p>
             <a:r>
               <a:rPr lang="en-GB" dirty="0" smtClean="0"/>
-              <a:t>GP dynamic model</a:t>
+              <a:t>Linear dynamic system</a:t>
             </a:r>
             <a:endParaRPr lang="en-GB" dirty="0"/>
+          </a:p>
+        </p:txBody>
+      </p:sp>
+      <p:sp>
+        <p:nvSpPr>
+          <p:cNvPr id="3" name="Content Placeholder 2"/>
+          <p:cNvSpPr>
+            <a:spLocks noGrp="1"/>
+          </p:cNvSpPr>
+          <p:nvPr>
+            <p:ph idx="1"/>
+          </p:nvPr>
+        </p:nvSpPr>
+        <p:spPr>
+          <a:xfrm>
+            <a:off x="1371600" y="2286000"/>
+            <a:ext cx="9601200" cy="3901858"/>
+          </a:xfrm>
+        </p:spPr>
+        <p:txBody>
+          <a:bodyPr/>
+          <a:lstStyle/>
+          <a:p>
+            <a:pPr marL="0" indent="0">
+              <a:buNone/>
+            </a:pPr>
+            <a:r>
+              <a:rPr lang="en-US" dirty="0"/>
+              <a:t>In this work dynamical texture modeling consists of two </a:t>
+            </a:r>
+            <a:r>
+              <a:rPr lang="en-US" dirty="0" smtClean="0"/>
+              <a:t>steps:</a:t>
+            </a:r>
+          </a:p>
+          <a:p>
+            <a:r>
+              <a:rPr lang="en-US" dirty="0" smtClean="0"/>
+              <a:t>dimensionality reduction</a:t>
+            </a:r>
+          </a:p>
+          <a:p>
+            <a:r>
+              <a:rPr lang="en-US" dirty="0" smtClean="0"/>
+              <a:t>dynamic </a:t>
+            </a:r>
+            <a:r>
+              <a:rPr lang="en-US" dirty="0"/>
+              <a:t>texture </a:t>
+            </a:r>
+            <a:r>
+              <a:rPr lang="en-US" dirty="0" smtClean="0"/>
+              <a:t>learning</a:t>
+            </a:r>
           </a:p>
         </p:txBody>
       </p:sp>
     </p:spTree>
     <p:extLst>
       <p:ext uri="{BB962C8B-B14F-4D97-AF65-F5344CB8AC3E}">
-        <p14:creationId xmlns:p14="http://schemas.microsoft.com/office/powerpoint/2010/main" val="2709926862"/>
+        <p14:creationId xmlns:p14="http://schemas.microsoft.com/office/powerpoint/2010/main" val="3288649230"/>
       </p:ext>
     </p:extLst>
   </p:cSld>
@@ -9854,7 +9872,7 @@
           <a:p>
             <a:r>
               <a:rPr lang="en-GB" dirty="0" smtClean="0"/>
-              <a:t>GP dynamic model</a:t>
+              <a:t>Linear dynamic system</a:t>
             </a:r>
             <a:endParaRPr lang="en-GB" dirty="0"/>
           </a:p>
@@ -9872,172 +9890,253 @@
         </p:nvSpPr>
         <p:spPr>
           <a:xfrm>
-            <a:off x="1371600" y="1691013"/>
-            <a:ext cx="9601200" cy="5022937"/>
+            <a:off x="1371600" y="2286000"/>
+            <a:ext cx="9601200" cy="3901858"/>
           </a:xfrm>
         </p:spPr>
         <p:txBody>
-          <a:bodyPr>
-            <a:normAutofit/>
-          </a:bodyPr>
+          <a:bodyPr/>
           <a:lstStyle/>
           <a:p>
-            <a:r>
-              <a:rPr lang="en-US" sz="1800" dirty="0" smtClean="0"/>
-              <a:t>latent </a:t>
-            </a:r>
-            <a:r>
-              <a:rPr lang="en-US" sz="1800" dirty="0"/>
-              <a:t>variable </a:t>
-            </a:r>
-            <a:r>
-              <a:rPr lang="en-US" sz="1800" dirty="0" smtClean="0"/>
-              <a:t>model</a:t>
-            </a:r>
-          </a:p>
-          <a:p>
-            <a:r>
-              <a:rPr lang="en-US" sz="1800" dirty="0" smtClean="0"/>
-              <a:t>mapping </a:t>
-            </a:r>
-            <a:r>
-              <a:rPr lang="en-US" sz="1800" dirty="0"/>
-              <a:t>from a latent space X to the observation space </a:t>
-            </a:r>
-            <a:r>
-              <a:rPr lang="en-US" sz="1800" dirty="0" smtClean="0"/>
-              <a:t>Y</a:t>
-            </a:r>
-          </a:p>
-          <a:p>
-            <a:r>
-              <a:rPr lang="en-US" sz="1800" dirty="0" smtClean="0"/>
-              <a:t>mapping dynamic behavior of latent variables</a:t>
-            </a:r>
-          </a:p>
-          <a:p>
-            <a:r>
-              <a:rPr lang="en-US" sz="1800" b="1" dirty="0" smtClean="0"/>
-              <a:t>two kernel functions</a:t>
-            </a:r>
-          </a:p>
-          <a:p>
-            <a:endParaRPr lang="en-US" sz="1800" dirty="0"/>
-          </a:p>
-          <a:p>
-            <a:endParaRPr lang="en-US" sz="1800" dirty="0" smtClean="0"/>
-          </a:p>
-          <a:p>
-            <a:endParaRPr lang="en-US" sz="1800" dirty="0"/>
-          </a:p>
-          <a:p>
-            <a:endParaRPr lang="en-US" sz="1800" dirty="0" smtClean="0"/>
-          </a:p>
-          <a:p>
             <a:pPr marL="0" indent="0">
               <a:buNone/>
             </a:pPr>
-            <a:endParaRPr lang="en-US" sz="1800" dirty="0" smtClean="0"/>
+            <a:r>
+              <a:rPr lang="en-US" dirty="0"/>
+              <a:t>In this work dynamical texture modeling consists of two </a:t>
+            </a:r>
+            <a:r>
+              <a:rPr lang="en-US" dirty="0" smtClean="0"/>
+              <a:t>steps:</a:t>
+            </a:r>
+          </a:p>
+          <a:p>
+            <a:r>
+              <a:rPr lang="en-US" dirty="0" smtClean="0"/>
+              <a:t>dimensionality reduction</a:t>
+            </a:r>
+          </a:p>
+          <a:p>
+            <a:r>
+              <a:rPr lang="en-US" dirty="0" smtClean="0"/>
+              <a:t>dynamic </a:t>
+            </a:r>
+            <a:r>
+              <a:rPr lang="en-US" dirty="0"/>
+              <a:t>texture </a:t>
+            </a:r>
+            <a:r>
+              <a:rPr lang="en-US" dirty="0" smtClean="0"/>
+              <a:t>learning</a:t>
+            </a:r>
           </a:p>
           <a:p>
             <a:pPr marL="0" indent="0">
               <a:buNone/>
             </a:pPr>
             <a:r>
-              <a:rPr lang="en-US" sz="1800" dirty="0"/>
-              <a:t>Y</a:t>
-            </a:r>
-            <a:r>
-              <a:rPr lang="en-US" sz="1800" baseline="-25000" dirty="0"/>
-              <a:t>i</a:t>
-            </a:r>
-            <a:r>
-              <a:rPr lang="en-US" sz="1800" dirty="0"/>
-              <a:t> is a multivariate Gaussian process indexed by X</a:t>
-            </a:r>
-            <a:r>
-              <a:rPr lang="en-US" sz="1800" baseline="-25000" dirty="0"/>
-              <a:t>i</a:t>
-            </a:r>
-            <a:r>
-              <a:rPr lang="en-US" sz="1800" dirty="0"/>
-              <a:t> expressed by </a:t>
-            </a:r>
-            <a:r>
-              <a:rPr lang="en-US" sz="1800" dirty="0" smtClean="0"/>
-              <a:t>likelihood</a:t>
-            </a:r>
-            <a:endParaRPr lang="en-GB" sz="1800" dirty="0"/>
+              <a:rPr lang="en-US" dirty="0"/>
+              <a:t>They can be expressed </a:t>
+            </a:r>
+            <a:r>
+              <a:rPr lang="en-US" dirty="0" smtClean="0"/>
+              <a:t>as:</a:t>
+            </a:r>
+            <a:endParaRPr lang="en-GB" dirty="0" smtClean="0"/>
+          </a:p>
+          <a:p>
+            <a:pPr marL="0" indent="0">
+              <a:buNone/>
+            </a:pPr>
+            <a:r>
+              <a:rPr lang="en-US" dirty="0" smtClean="0"/>
+              <a:t>			            – linear dynamic model</a:t>
+            </a:r>
+          </a:p>
+          <a:p>
+            <a:pPr marL="0" indent="0">
+              <a:buNone/>
+            </a:pPr>
+            <a:r>
+              <a:rPr lang="en-US" dirty="0"/>
+              <a:t>	</a:t>
+            </a:r>
+            <a:r>
+              <a:rPr lang="en-US" dirty="0" smtClean="0"/>
+              <a:t>		</a:t>
+            </a:r>
+            <a:r>
+              <a:rPr lang="en-US" dirty="0"/>
+              <a:t> </a:t>
+            </a:r>
+            <a:r>
+              <a:rPr lang="en-US" dirty="0" smtClean="0"/>
+              <a:t>           – dimensionality reduction </a:t>
+            </a:r>
+          </a:p>
+          <a:p>
+            <a:pPr marL="0" indent="0">
+              <a:buNone/>
+            </a:pPr>
+            <a:r>
+              <a:rPr lang="en-US" dirty="0" smtClean="0"/>
+              <a:t>x</a:t>
+            </a:r>
+            <a:r>
+              <a:rPr lang="en-US" baseline="-25000" dirty="0" smtClean="0"/>
+              <a:t>t</a:t>
+            </a:r>
+            <a:r>
+              <a:rPr lang="en-US" dirty="0" smtClean="0"/>
+              <a:t> </a:t>
+            </a:r>
+            <a:r>
+              <a:rPr lang="en-US" dirty="0"/>
+              <a:t>- latent variable which affects dynamic behavior, x</a:t>
+            </a:r>
+            <a:r>
+              <a:rPr lang="en-US" baseline="-25000" dirty="0"/>
+              <a:t>t </a:t>
+            </a:r>
+            <a:r>
+              <a:rPr lang="en-US" dirty="0"/>
+              <a:t>∈ </a:t>
+            </a:r>
+            <a:r>
+              <a:rPr lang="en-US" dirty="0" smtClean="0"/>
+              <a:t>R</a:t>
+            </a:r>
+            <a:r>
+              <a:rPr lang="en-US" baseline="30000" dirty="0" smtClean="0"/>
+              <a:t>Q</a:t>
+            </a:r>
+          </a:p>
+          <a:p>
+            <a:pPr marL="0" indent="0">
+              <a:buNone/>
+            </a:pPr>
+            <a:r>
+              <a:rPr lang="en-US" dirty="0"/>
+              <a:t>y</a:t>
+            </a:r>
+            <a:r>
+              <a:rPr lang="en-US" baseline="-25000" dirty="0"/>
+              <a:t>t</a:t>
+            </a:r>
+            <a:r>
+              <a:rPr lang="en-US" dirty="0"/>
+              <a:t> - column vector unfolded from the </a:t>
+            </a:r>
+            <a:r>
+              <a:rPr lang="en-US" dirty="0" smtClean="0"/>
+              <a:t>frame </a:t>
+            </a:r>
+            <a:r>
+              <a:rPr lang="en-US" dirty="0"/>
+              <a:t>at time t, y</a:t>
+            </a:r>
+            <a:r>
+              <a:rPr lang="en-US" baseline="-25000" dirty="0"/>
+              <a:t>t </a:t>
+            </a:r>
+            <a:r>
+              <a:rPr lang="en-US" dirty="0"/>
+              <a:t>∈ R</a:t>
+            </a:r>
+            <a:r>
+              <a:rPr lang="en-US" baseline="30000" dirty="0"/>
+              <a:t>D</a:t>
+            </a:r>
+            <a:r>
+              <a:rPr lang="en-US" dirty="0"/>
+              <a:t>, D – large, Q&lt;&lt;D </a:t>
+            </a:r>
+            <a:endParaRPr lang="en-US" dirty="0" smtClean="0"/>
+          </a:p>
+          <a:p>
+            <a:pPr marL="0" indent="0">
+              <a:buNone/>
+            </a:pPr>
+            <a:r>
+              <a:rPr lang="en-GB" dirty="0" smtClean="0"/>
+              <a:t>n</a:t>
+            </a:r>
+            <a:r>
+              <a:rPr lang="en-GB" baseline="-25000" dirty="0" smtClean="0"/>
+              <a:t>x</a:t>
+            </a:r>
+            <a:r>
+              <a:rPr lang="en-GB" dirty="0" smtClean="0"/>
+              <a:t>,</a:t>
+            </a:r>
+            <a:r>
+              <a:rPr lang="en-GB" baseline="-25000" dirty="0" smtClean="0"/>
+              <a:t>t</a:t>
+            </a:r>
+            <a:r>
+              <a:rPr lang="en-GB" dirty="0" smtClean="0"/>
+              <a:t>, n</a:t>
+            </a:r>
+            <a:r>
+              <a:rPr lang="en-GB" baseline="-25000" dirty="0" smtClean="0"/>
+              <a:t>y</a:t>
+            </a:r>
+            <a:r>
+              <a:rPr lang="en-GB" dirty="0" smtClean="0"/>
+              <a:t>,</a:t>
+            </a:r>
+            <a:r>
+              <a:rPr lang="en-GB" baseline="-25000" dirty="0" smtClean="0"/>
+              <a:t>t</a:t>
+            </a:r>
+            <a:r>
+              <a:rPr lang="en-GB" dirty="0" smtClean="0"/>
+              <a:t> </a:t>
+            </a:r>
+            <a:r>
+              <a:rPr lang="en-GB" dirty="0"/>
+              <a:t>- </a:t>
+            </a:r>
+            <a:r>
+              <a:rPr lang="en-GB" dirty="0" smtClean="0"/>
+              <a:t>represent </a:t>
+            </a:r>
+            <a:r>
+              <a:rPr lang="en-GB" dirty="0"/>
+              <a:t>the noise </a:t>
+            </a:r>
+            <a:endParaRPr lang="en-US" baseline="30000" dirty="0" smtClean="0"/>
           </a:p>
         </p:txBody>
       </p:sp>
       <p:pic>
         <p:nvPicPr>
-          <p:cNvPr id="5" name="Picture 4"/>
+          <p:cNvPr id="4" name="Picture 3"/>
           <p:cNvPicPr>
             <a:picLocks noChangeAspect="1"/>
           </p:cNvPicPr>
           <p:nvPr/>
         </p:nvPicPr>
         <p:blipFill>
-          <a:blip r:embed="rId2">
-            <a:extLst>
-              <a:ext uri="{28A0092B-C50C-407E-A947-70E740481C1C}">
-                <a14:useLocalDpi xmlns:a14="http://schemas.microsoft.com/office/drawing/2010/main" val="0"/>
-              </a:ext>
-            </a:extLst>
-          </a:blip>
+          <a:blip r:embed="rId2"/>
           <a:stretch>
             <a:fillRect/>
           </a:stretch>
         </p:blipFill>
         <p:spPr>
           <a:xfrm>
-            <a:off x="3518355" y="3365209"/>
-            <a:ext cx="4160100" cy="2004258"/>
+            <a:off x="1797681" y="4076700"/>
+            <a:ext cx="3069594" cy="839440"/>
           </a:xfrm>
           <a:prstGeom prst="rect">
             <a:avLst/>
           </a:prstGeom>
         </p:spPr>
       </p:pic>
-      <p:pic>
-        <p:nvPicPr>
-          <p:cNvPr id="6" name="Picture 5"/>
-          <p:cNvPicPr/>
-          <p:nvPr/>
-        </p:nvPicPr>
-        <p:blipFill>
-          <a:blip r:embed="rId3">
-            <a:extLst>
-              <a:ext uri="{28A0092B-C50C-407E-A947-70E740481C1C}">
-                <a14:useLocalDpi xmlns:a14="http://schemas.microsoft.com/office/drawing/2010/main" val="0"/>
-              </a:ext>
-            </a:extLst>
-          </a:blip>
-          <a:srcRect/>
-          <a:stretch>
-            <a:fillRect/>
-          </a:stretch>
-        </p:blipFill>
-        <p:spPr bwMode="auto">
-          <a:xfrm>
-            <a:off x="2195313" y="5746059"/>
-            <a:ext cx="7044178" cy="816917"/>
-          </a:xfrm>
-          <a:prstGeom prst="rect">
-            <a:avLst/>
-          </a:prstGeom>
-          <a:noFill/>
-          <a:ln>
-            <a:noFill/>
-          </a:ln>
-        </p:spPr>
-      </p:pic>
     </p:spTree>
     <p:extLst>
       <p:ext uri="{BB962C8B-B14F-4D97-AF65-F5344CB8AC3E}">
-        <p14:creationId xmlns:p14="http://schemas.microsoft.com/office/powerpoint/2010/main" val="233945800"/>
+        <p14:creationId xmlns:p14="http://schemas.microsoft.com/office/powerpoint/2010/main" val="2292532737"/>
       </p:ext>
     </p:extLst>
   </p:cSld>
@@ -10289,7 +10388,7 @@
           <a:graphicData uri="http://schemas.openxmlformats.org/presentationml/2006/ole">
             <mc:AlternateContent xmlns:mc="http://schemas.openxmlformats.org/markup-compatibility/2006">
               <mc:Choice xmlns:v="urn:schemas-microsoft-com:vml" Requires="v">
-                <p:oleObj spid="_x0000_s2059" name="Bitmap Image" r:id="rId4" imgW="1935238" imgH="1546994" progId="Paint.Picture">
+                <p:oleObj spid="_x0000_s2061" name="Bitmap Image" r:id="rId4" imgW="1935238" imgH="1546994" progId="Paint.Picture">
                   <p:embed/>
                 </p:oleObj>
               </mc:Choice>
@@ -10411,6 +10510,300 @@
           <a:lstStyle/>
           <a:p>
             <a:r>
+              <a:rPr lang="en-GB" dirty="0" smtClean="0"/>
+              <a:t>GP dynamic model</a:t>
+            </a:r>
+            <a:endParaRPr lang="en-GB" dirty="0"/>
+          </a:p>
+        </p:txBody>
+      </p:sp>
+    </p:spTree>
+    <p:extLst>
+      <p:ext uri="{BB962C8B-B14F-4D97-AF65-F5344CB8AC3E}">
+        <p14:creationId xmlns:p14="http://schemas.microsoft.com/office/powerpoint/2010/main" val="2709926862"/>
+      </p:ext>
+    </p:extLst>
+  </p:cSld>
+  <p:clrMapOvr>
+    <a:masterClrMapping/>
+  </p:clrMapOvr>
+  <p:timing>
+    <p:tnLst>
+      <p:par>
+        <p:cTn id="1" dur="indefinite" restart="never" nodeType="tmRoot"/>
+      </p:par>
+    </p:tnLst>
+  </p:timing>
+</p:sld>
+</file>
+
+<file path=ppt/slides/slide41.xml><?xml version="1.0" encoding="utf-8"?>
+<p:sld xmlns:a="http://schemas.openxmlformats.org/drawingml/2006/main" xmlns:r="http://schemas.openxmlformats.org/officeDocument/2006/relationships" xmlns:p="http://schemas.openxmlformats.org/presentationml/2006/main">
+  <p:cSld>
+    <p:spTree>
+      <p:nvGrpSpPr>
+        <p:cNvPr id="1" name=""/>
+        <p:cNvGrpSpPr/>
+        <p:nvPr/>
+      </p:nvGrpSpPr>
+      <p:grpSpPr>
+        <a:xfrm>
+          <a:off x="0" y="0"/>
+          <a:ext cx="0" cy="0"/>
+          <a:chOff x="0" y="0"/>
+          <a:chExt cx="0" cy="0"/>
+        </a:xfrm>
+      </p:grpSpPr>
+      <p:sp>
+        <p:nvSpPr>
+          <p:cNvPr id="2" name="Title 1"/>
+          <p:cNvSpPr>
+            <a:spLocks noGrp="1"/>
+          </p:cNvSpPr>
+          <p:nvPr>
+            <p:ph type="title"/>
+          </p:nvPr>
+        </p:nvSpPr>
+        <p:spPr/>
+        <p:txBody>
+          <a:bodyPr/>
+          <a:lstStyle/>
+          <a:p>
+            <a:r>
+              <a:rPr lang="en-GB" dirty="0" smtClean="0"/>
+              <a:t>GP dynamic model</a:t>
+            </a:r>
+            <a:endParaRPr lang="en-GB" dirty="0"/>
+          </a:p>
+        </p:txBody>
+      </p:sp>
+      <p:sp>
+        <p:nvSpPr>
+          <p:cNvPr id="3" name="Content Placeholder 2"/>
+          <p:cNvSpPr>
+            <a:spLocks noGrp="1"/>
+          </p:cNvSpPr>
+          <p:nvPr>
+            <p:ph idx="1"/>
+          </p:nvPr>
+        </p:nvSpPr>
+        <p:spPr>
+          <a:xfrm>
+            <a:off x="1371600" y="1691013"/>
+            <a:ext cx="9601200" cy="5022937"/>
+          </a:xfrm>
+        </p:spPr>
+        <p:txBody>
+          <a:bodyPr>
+            <a:normAutofit/>
+          </a:bodyPr>
+          <a:lstStyle/>
+          <a:p>
+            <a:r>
+              <a:rPr lang="en-US" sz="1800" dirty="0" smtClean="0"/>
+              <a:t>latent </a:t>
+            </a:r>
+            <a:r>
+              <a:rPr lang="en-US" sz="1800" dirty="0"/>
+              <a:t>variable </a:t>
+            </a:r>
+            <a:r>
+              <a:rPr lang="en-US" sz="1800" dirty="0" smtClean="0"/>
+              <a:t>model</a:t>
+            </a:r>
+          </a:p>
+          <a:p>
+            <a:r>
+              <a:rPr lang="en-US" sz="1800" dirty="0" smtClean="0"/>
+              <a:t>mapping </a:t>
+            </a:r>
+            <a:r>
+              <a:rPr lang="en-US" sz="1800" dirty="0"/>
+              <a:t>from a latent space X to the observation space </a:t>
+            </a:r>
+            <a:r>
+              <a:rPr lang="en-US" sz="1800" dirty="0" smtClean="0"/>
+              <a:t>Y</a:t>
+            </a:r>
+          </a:p>
+          <a:p>
+            <a:r>
+              <a:rPr lang="en-US" sz="1800" dirty="0" smtClean="0"/>
+              <a:t>mapping dynamic behavior of latent variables</a:t>
+            </a:r>
+          </a:p>
+          <a:p>
+            <a:r>
+              <a:rPr lang="en-US" sz="1800" b="1" dirty="0" smtClean="0"/>
+              <a:t>two kernel functions</a:t>
+            </a:r>
+          </a:p>
+          <a:p>
+            <a:endParaRPr lang="en-US" sz="1800" dirty="0"/>
+          </a:p>
+          <a:p>
+            <a:endParaRPr lang="en-US" sz="1800" dirty="0" smtClean="0"/>
+          </a:p>
+          <a:p>
+            <a:endParaRPr lang="en-US" sz="1800" dirty="0"/>
+          </a:p>
+          <a:p>
+            <a:endParaRPr lang="en-US" sz="1800" dirty="0" smtClean="0"/>
+          </a:p>
+          <a:p>
+            <a:pPr marL="0" indent="0">
+              <a:buNone/>
+            </a:pPr>
+            <a:endParaRPr lang="en-US" sz="1800" dirty="0" smtClean="0"/>
+          </a:p>
+          <a:p>
+            <a:pPr marL="0" indent="0">
+              <a:buNone/>
+            </a:pPr>
+            <a:r>
+              <a:rPr lang="en-US" sz="1800" dirty="0"/>
+              <a:t>Y</a:t>
+            </a:r>
+            <a:r>
+              <a:rPr lang="en-US" sz="1800" baseline="-25000" dirty="0"/>
+              <a:t>i</a:t>
+            </a:r>
+            <a:r>
+              <a:rPr lang="en-US" sz="1800" dirty="0"/>
+              <a:t> is a multivariate Gaussian process indexed by X</a:t>
+            </a:r>
+            <a:r>
+              <a:rPr lang="en-US" sz="1800" baseline="-25000" dirty="0"/>
+              <a:t>i</a:t>
+            </a:r>
+            <a:r>
+              <a:rPr lang="en-US" sz="1800" dirty="0"/>
+              <a:t> expressed by </a:t>
+            </a:r>
+            <a:r>
+              <a:rPr lang="en-US" sz="1800" dirty="0" smtClean="0"/>
+              <a:t>likelihood</a:t>
+            </a:r>
+            <a:endParaRPr lang="en-GB" sz="1800" dirty="0"/>
+          </a:p>
+        </p:txBody>
+      </p:sp>
+      <p:pic>
+        <p:nvPicPr>
+          <p:cNvPr id="5" name="Picture 4"/>
+          <p:cNvPicPr>
+            <a:picLocks noChangeAspect="1"/>
+          </p:cNvPicPr>
+          <p:nvPr/>
+        </p:nvPicPr>
+        <p:blipFill>
+          <a:blip r:embed="rId2">
+            <a:extLst>
+              <a:ext uri="{28A0092B-C50C-407E-A947-70E740481C1C}">
+                <a14:useLocalDpi xmlns:a14="http://schemas.microsoft.com/office/drawing/2010/main" val="0"/>
+              </a:ext>
+            </a:extLst>
+          </a:blip>
+          <a:stretch>
+            <a:fillRect/>
+          </a:stretch>
+        </p:blipFill>
+        <p:spPr>
+          <a:xfrm>
+            <a:off x="3518355" y="3365209"/>
+            <a:ext cx="4160100" cy="2004258"/>
+          </a:xfrm>
+          <a:prstGeom prst="rect">
+            <a:avLst/>
+          </a:prstGeom>
+        </p:spPr>
+      </p:pic>
+      <p:pic>
+        <p:nvPicPr>
+          <p:cNvPr id="6" name="Picture 5"/>
+          <p:cNvPicPr/>
+          <p:nvPr/>
+        </p:nvPicPr>
+        <p:blipFill>
+          <a:blip r:embed="rId3">
+            <a:extLst>
+              <a:ext uri="{28A0092B-C50C-407E-A947-70E740481C1C}">
+                <a14:useLocalDpi xmlns:a14="http://schemas.microsoft.com/office/drawing/2010/main" val="0"/>
+              </a:ext>
+            </a:extLst>
+          </a:blip>
+          <a:srcRect/>
+          <a:stretch>
+            <a:fillRect/>
+          </a:stretch>
+        </p:blipFill>
+        <p:spPr bwMode="auto">
+          <a:xfrm>
+            <a:off x="2195313" y="5746059"/>
+            <a:ext cx="7044178" cy="816917"/>
+          </a:xfrm>
+          <a:prstGeom prst="rect">
+            <a:avLst/>
+          </a:prstGeom>
+          <a:noFill/>
+          <a:ln>
+            <a:noFill/>
+          </a:ln>
+        </p:spPr>
+      </p:pic>
+    </p:spTree>
+    <p:extLst>
+      <p:ext uri="{BB962C8B-B14F-4D97-AF65-F5344CB8AC3E}">
+        <p14:creationId xmlns:p14="http://schemas.microsoft.com/office/powerpoint/2010/main" val="233945800"/>
+      </p:ext>
+    </p:extLst>
+  </p:cSld>
+  <p:clrMapOvr>
+    <a:masterClrMapping/>
+  </p:clrMapOvr>
+  <p:timing>
+    <p:tnLst>
+      <p:par>
+        <p:cTn id="1" dur="indefinite" restart="never" nodeType="tmRoot"/>
+      </p:par>
+    </p:tnLst>
+  </p:timing>
+</p:sld>
+</file>
+
+<file path=ppt/slides/slide42.xml><?xml version="1.0" encoding="utf-8"?>
+<p:sld xmlns:a="http://schemas.openxmlformats.org/drawingml/2006/main" xmlns:r="http://schemas.openxmlformats.org/officeDocument/2006/relationships" xmlns:p="http://schemas.openxmlformats.org/presentationml/2006/main">
+  <p:cSld>
+    <p:spTree>
+      <p:nvGrpSpPr>
+        <p:cNvPr id="1" name=""/>
+        <p:cNvGrpSpPr/>
+        <p:nvPr/>
+      </p:nvGrpSpPr>
+      <p:grpSpPr>
+        <a:xfrm>
+          <a:off x="0" y="0"/>
+          <a:ext cx="0" cy="0"/>
+          <a:chOff x="0" y="0"/>
+          <a:chExt cx="0" cy="0"/>
+        </a:xfrm>
+      </p:grpSpPr>
+      <p:sp>
+        <p:nvSpPr>
+          <p:cNvPr id="2" name="Title 1"/>
+          <p:cNvSpPr>
+            <a:spLocks noGrp="1"/>
+          </p:cNvSpPr>
+          <p:nvPr>
+            <p:ph type="title"/>
+          </p:nvPr>
+        </p:nvSpPr>
+        <p:spPr/>
+        <p:txBody>
+          <a:bodyPr/>
+          <a:lstStyle/>
+          <a:p>
+            <a:r>
               <a:rPr lang="en-GB" dirty="0"/>
               <a:t>Multi-kernel GP dynamic model</a:t>
             </a:r>
@@ -10622,7 +11015,7 @@
           <a:graphicData uri="http://schemas.openxmlformats.org/presentationml/2006/ole">
             <mc:AlternateContent xmlns:mc="http://schemas.openxmlformats.org/markup-compatibility/2006">
               <mc:Choice xmlns:v="urn:schemas-microsoft-com:vml" Requires="v">
-                <p:oleObj spid="_x0000_s12307" name="Bitmap Image" r:id="rId3" imgW="3696020" imgH="350625" progId="Paint.Picture">
+                <p:oleObj spid="_x0000_s12311" name="Bitmap Image" r:id="rId3" imgW="3696020" imgH="350625" progId="Paint.Picture">
                   <p:embed/>
                 </p:oleObj>
               </mc:Choice>
@@ -10690,7 +11083,7 @@
           <a:graphicData uri="http://schemas.openxmlformats.org/presentationml/2006/ole">
             <mc:AlternateContent xmlns:mc="http://schemas.openxmlformats.org/markup-compatibility/2006">
               <mc:Choice xmlns:v="urn:schemas-microsoft-com:vml" Requires="v">
-                <p:oleObj spid="_x0000_s12308" name="Bitmap Image" r:id="rId5" imgW="2225233" imgH="411516" progId="Paint.Picture">
+                <p:oleObj spid="_x0000_s12312" name="Bitmap Image" r:id="rId5" imgW="2225233" imgH="411516" progId="Paint.Picture">
                   <p:embed/>
                 </p:oleObj>
               </mc:Choice>
@@ -10756,7 +11149,7 @@
 </p:sld>
 </file>
 
-<file path=ppt/slides/slide41.xml><?xml version="1.0" encoding="utf-8"?>
+<file path=ppt/slides/slide43.xml><?xml version="1.0" encoding="utf-8"?>
 <p:sld xmlns:a="http://schemas.openxmlformats.org/drawingml/2006/main" xmlns:r="http://schemas.openxmlformats.org/officeDocument/2006/relationships" xmlns:p="http://schemas.openxmlformats.org/presentationml/2006/main">
   <p:cSld>
     <p:spTree>
@@ -11012,7 +11405,7 @@
 </p:sld>
 </file>
 
-<file path=ppt/slides/slide42.xml><?xml version="1.0" encoding="utf-8"?>
+<file path=ppt/slides/slide44.xml><?xml version="1.0" encoding="utf-8"?>
 <p:sld xmlns:a="http://schemas.openxmlformats.org/drawingml/2006/main" xmlns:r="http://schemas.openxmlformats.org/officeDocument/2006/relationships" xmlns:p="http://schemas.openxmlformats.org/presentationml/2006/main">
   <p:cSld>
     <p:spTree>
@@ -11288,7 +11681,7 @@
           <a:graphicData uri="http://schemas.openxmlformats.org/presentationml/2006/ole">
             <mc:AlternateContent xmlns:mc="http://schemas.openxmlformats.org/markup-compatibility/2006">
               <mc:Choice xmlns:v="urn:schemas-microsoft-com:vml" Requires="v">
-                <p:oleObj spid="_x0000_s13324" name="Bitmap Image" r:id="rId4" imgW="1744762" imgH="380872" progId="Paint.Picture">
+                <p:oleObj spid="_x0000_s13326" name="Bitmap Image" r:id="rId4" imgW="1744762" imgH="380872" progId="Paint.Picture">
                   <p:embed/>
                 </p:oleObj>
               </mc:Choice>
@@ -11450,7 +11843,7 @@
 </p:sld>
 </file>
 
-<file path=ppt/slides/slide43.xml><?xml version="1.0" encoding="utf-8"?>
+<file path=ppt/slides/slide45.xml><?xml version="1.0" encoding="utf-8"?>
 <p:sld xmlns:a="http://schemas.openxmlformats.org/drawingml/2006/main" xmlns:r="http://schemas.openxmlformats.org/officeDocument/2006/relationships" xmlns:p="http://schemas.openxmlformats.org/presentationml/2006/main">
   <p:cSld>
     <p:spTree>
@@ -11510,7 +11903,7 @@
 </p:sld>
 </file>
 
-<file path=ppt/slides/slide44.xml><?xml version="1.0" encoding="utf-8"?>
+<file path=ppt/slides/slide46.xml><?xml version="1.0" encoding="utf-8"?>
 <p:sld xmlns:a="http://schemas.openxmlformats.org/drawingml/2006/main" xmlns:r="http://schemas.openxmlformats.org/officeDocument/2006/relationships" xmlns:p="http://schemas.openxmlformats.org/presentationml/2006/main">
   <p:cSld>
     <p:spTree>
@@ -11590,13 +11983,8 @@
             </a:r>
             <a:r>
               <a:rPr lang="en-US" dirty="0" smtClean="0"/>
-              <a:t>Python </a:t>
-            </a:r>
-            <a:r>
-              <a:rPr lang="en-US" dirty="0" smtClean="0"/>
-              <a:t>– understand things:</a:t>
-            </a:r>
-            <a:endParaRPr lang="en-US" dirty="0" smtClean="0"/>
+              <a:t>Python – understand things:</a:t>
+            </a:r>
           </a:p>
           <a:p>
             <a:r>
@@ -11658,7 +12046,7 @@
 </p:sld>
 </file>
 
-<file path=ppt/slides/slide45.xml><?xml version="1.0" encoding="utf-8"?>
+<file path=ppt/slides/slide47.xml><?xml version="1.0" encoding="utf-8"?>
 <p:sld xmlns:a="http://schemas.openxmlformats.org/drawingml/2006/main" xmlns:r="http://schemas.openxmlformats.org/officeDocument/2006/relationships" xmlns:p="http://schemas.openxmlformats.org/presentationml/2006/main">
   <p:cSld>
     <p:spTree>
@@ -11895,7 +12283,6 @@
               <a:rPr lang="en-US" dirty="0" smtClean="0"/>
               <a:t>descent</a:t>
             </a:r>
-            <a:endParaRPr lang="en-US" dirty="0" smtClean="0"/>
           </a:p>
           <a:p>
             <a:endParaRPr lang="en-US" dirty="0" smtClean="0"/>
@@ -12040,7 +12427,7 @@
 </p:sld>
 </file>
 
-<file path=ppt/slides/slide46.xml><?xml version="1.0" encoding="utf-8"?>
+<file path=ppt/slides/slide48.xml><?xml version="1.0" encoding="utf-8"?>
 <p:sld xmlns:a="http://schemas.openxmlformats.org/drawingml/2006/main" xmlns:r="http://schemas.openxmlformats.org/officeDocument/2006/relationships" xmlns:p="http://schemas.openxmlformats.org/presentationml/2006/main">
   <p:cSld>
     <p:spTree>
@@ -12100,7 +12487,7 @@
 </p:sld>
 </file>
 
-<file path=ppt/slides/slide47.xml><?xml version="1.0" encoding="utf-8"?>
+<file path=ppt/slides/slide49.xml><?xml version="1.0" encoding="utf-8"?>
 <p:sld xmlns:a="http://schemas.openxmlformats.org/drawingml/2006/main" xmlns:r="http://schemas.openxmlformats.org/officeDocument/2006/relationships" xmlns:p="http://schemas.openxmlformats.org/presentationml/2006/main">
   <p:cSld>
     <p:spTree>
@@ -13110,7 +13497,369 @@
 </p:sld>
 </file>
 
-<file path=ppt/slides/slide48.xml><?xml version="1.0" encoding="utf-8"?>
+<file path=ppt/slides/slide5.xml><?xml version="1.0" encoding="utf-8"?>
+<p:sld xmlns:a="http://schemas.openxmlformats.org/drawingml/2006/main" xmlns:r="http://schemas.openxmlformats.org/officeDocument/2006/relationships" xmlns:p="http://schemas.openxmlformats.org/presentationml/2006/main">
+  <p:cSld>
+    <p:bg>
+      <p:bgPr>
+        <a:solidFill>
+          <a:schemeClr val="tx1"/>
+        </a:solidFill>
+        <a:effectLst/>
+      </p:bgPr>
+    </p:bg>
+    <p:spTree>
+      <p:nvGrpSpPr>
+        <p:cNvPr id="1" name=""/>
+        <p:cNvGrpSpPr/>
+        <p:nvPr/>
+      </p:nvGrpSpPr>
+      <p:grpSpPr>
+        <a:xfrm>
+          <a:off x="0" y="0"/>
+          <a:ext cx="0" cy="0"/>
+          <a:chOff x="0" y="0"/>
+          <a:chExt cx="0" cy="0"/>
+        </a:xfrm>
+      </p:grpSpPr>
+      <p:pic>
+        <p:nvPicPr>
+          <p:cNvPr id="4" name="Picture 3"/>
+          <p:cNvPicPr>
+            <a:picLocks noChangeAspect="1"/>
+          </p:cNvPicPr>
+          <p:nvPr/>
+        </p:nvPicPr>
+        <p:blipFill>
+          <a:blip r:embed="rId3">
+            <a:extLst>
+              <a:ext uri="{28A0092B-C50C-407E-A947-70E740481C1C}">
+                <a14:useLocalDpi xmlns:a14="http://schemas.microsoft.com/office/drawing/2010/main" val="0"/>
+              </a:ext>
+            </a:extLst>
+          </a:blip>
+          <a:stretch>
+            <a:fillRect/>
+          </a:stretch>
+        </p:blipFill>
+        <p:spPr>
+          <a:xfrm>
+            <a:off x="0" y="655514"/>
+            <a:ext cx="9919448" cy="5579690"/>
+          </a:xfrm>
+          <a:prstGeom prst="rect">
+            <a:avLst/>
+          </a:prstGeom>
+        </p:spPr>
+      </p:pic>
+      <p:sp>
+        <p:nvSpPr>
+          <p:cNvPr id="5" name="TextBox 4"/>
+          <p:cNvSpPr txBox="1"/>
+          <p:nvPr/>
+        </p:nvSpPr>
+        <p:spPr>
+          <a:xfrm>
+            <a:off x="3882866" y="0"/>
+            <a:ext cx="8309134" cy="1569660"/>
+          </a:xfrm>
+          <a:prstGeom prst="rect">
+            <a:avLst/>
+          </a:prstGeom>
+          <a:noFill/>
+        </p:spPr>
+        <p:txBody>
+          <a:bodyPr wrap="none" rtlCol="0">
+            <a:spAutoFit/>
+          </a:bodyPr>
+          <a:lstStyle/>
+          <a:p>
+            <a:pPr algn="r"/>
+            <a:r>
+              <a:rPr lang="en-US" sz="3200" b="1" dirty="0">
+                <a:solidFill>
+                  <a:schemeClr val="bg1"/>
+                </a:solidFill>
+              </a:rPr>
+              <a:t>Dynamic texture modeling </a:t>
+            </a:r>
+            <a:r>
+              <a:rPr lang="en-US" sz="3200" b="1" dirty="0" smtClean="0">
+                <a:solidFill>
+                  <a:schemeClr val="bg1"/>
+                </a:solidFill>
+              </a:rPr>
+              <a:t>and </a:t>
+            </a:r>
+            <a:r>
+              <a:rPr lang="en-US" sz="3200" b="1" dirty="0">
+                <a:solidFill>
+                  <a:schemeClr val="bg1"/>
+                </a:solidFill>
+              </a:rPr>
+              <a:t>synthesis using </a:t>
+            </a:r>
+            <a:r>
+              <a:rPr lang="en-US" sz="3200" b="1" dirty="0" smtClean="0">
+                <a:solidFill>
+                  <a:schemeClr val="bg1"/>
+                </a:solidFill>
+              </a:rPr>
+              <a:t/>
+            </a:r>
+            <a:br>
+              <a:rPr lang="en-US" sz="3200" b="1" dirty="0" smtClean="0">
+                <a:solidFill>
+                  <a:schemeClr val="bg1"/>
+                </a:solidFill>
+              </a:rPr>
+            </a:br>
+            <a:r>
+              <a:rPr lang="en-US" sz="3200" b="1" dirty="0" smtClean="0">
+                <a:solidFill>
+                  <a:schemeClr val="bg1"/>
+                </a:solidFill>
+              </a:rPr>
+              <a:t>Multi-kernel </a:t>
+            </a:r>
+            <a:r>
+              <a:rPr lang="en-US" sz="3200" b="1" dirty="0">
+                <a:solidFill>
+                  <a:schemeClr val="bg1"/>
+                </a:solidFill>
+              </a:rPr>
+              <a:t>Gaussian process </a:t>
+            </a:r>
+            <a:br>
+              <a:rPr lang="en-US" sz="3200" b="1" dirty="0">
+                <a:solidFill>
+                  <a:schemeClr val="bg1"/>
+                </a:solidFill>
+              </a:rPr>
+            </a:br>
+            <a:r>
+              <a:rPr lang="en-US" sz="3200" b="1" dirty="0">
+                <a:solidFill>
+                  <a:schemeClr val="bg1"/>
+                </a:solidFill>
+              </a:rPr>
+              <a:t>Dynamic model</a:t>
+            </a:r>
+            <a:endParaRPr lang="en-GB" sz="3200" b="1" dirty="0">
+              <a:solidFill>
+                <a:schemeClr val="bg1"/>
+              </a:solidFill>
+            </a:endParaRPr>
+          </a:p>
+        </p:txBody>
+      </p:sp>
+      <p:sp>
+        <p:nvSpPr>
+          <p:cNvPr id="12" name="TextBox 11"/>
+          <p:cNvSpPr txBox="1"/>
+          <p:nvPr/>
+        </p:nvSpPr>
+        <p:spPr>
+          <a:xfrm>
+            <a:off x="9256143" y="4898314"/>
+            <a:ext cx="2935857" cy="461665"/>
+          </a:xfrm>
+          <a:prstGeom prst="rect">
+            <a:avLst/>
+          </a:prstGeom>
+          <a:noFill/>
+        </p:spPr>
+        <p:txBody>
+          <a:bodyPr wrap="square" rtlCol="0">
+            <a:spAutoFit/>
+          </a:bodyPr>
+          <a:lstStyle/>
+          <a:p>
+            <a:r>
+              <a:rPr lang="en-US" sz="2400" b="1" dirty="0" smtClean="0">
+                <a:solidFill>
+                  <a:srgbClr val="0070C0"/>
+                </a:solidFill>
+              </a:rPr>
+              <a:t>MAKSIM KOPTELOV</a:t>
+            </a:r>
+            <a:endParaRPr lang="en-GB" sz="2400" b="1" dirty="0">
+              <a:solidFill>
+                <a:srgbClr val="0070C0"/>
+              </a:solidFill>
+            </a:endParaRPr>
+          </a:p>
+        </p:txBody>
+      </p:sp>
+      <p:sp>
+        <p:nvSpPr>
+          <p:cNvPr id="16" name="Rectangle 4"/>
+          <p:cNvSpPr>
+            <a:spLocks noChangeArrowheads="1"/>
+          </p:cNvSpPr>
+          <p:nvPr/>
+        </p:nvSpPr>
+        <p:spPr bwMode="auto">
+          <a:xfrm>
+            <a:off x="10088142" y="1561653"/>
+            <a:ext cx="12192000" cy="0"/>
+          </a:xfrm>
+          <a:prstGeom prst="rect">
+            <a:avLst/>
+          </a:prstGeom>
+          <a:noFill/>
+          <a:ln>
+            <a:noFill/>
+          </a:ln>
+          <a:effectLst/>
+          <a:extLst>
+            <a:ext uri="{909E8E84-426E-40DD-AFC4-6F175D3DCCD1}">
+              <a14:hiddenFill xmlns:a14="http://schemas.microsoft.com/office/drawing/2010/main">
+                <a:solidFill>
+                  <a:schemeClr val="accent1"/>
+                </a:solidFill>
+              </a14:hiddenFill>
+            </a:ext>
+            <a:ext uri="{91240B29-F687-4F45-9708-019B960494DF}">
+              <a14:hiddenLine xmlns:a14="http://schemas.microsoft.com/office/drawing/2010/main" w="9525">
+                <a:solidFill>
+                  <a:schemeClr val="tx1"/>
+                </a:solidFill>
+                <a:miter lim="800000"/>
+                <a:headEnd/>
+                <a:tailEnd/>
+              </a14:hiddenLine>
+            </a:ext>
+            <a:ext uri="{AF507438-7753-43E0-B8FC-AC1667EBCBE1}">
+              <a14:hiddenEffects xmlns:a14="http://schemas.microsoft.com/office/drawing/2010/main">
+                <a:effectLst>
+                  <a:outerShdw dist="35921" dir="2700000" algn="ctr" rotWithShape="0">
+                    <a:schemeClr val="bg2"/>
+                  </a:outerShdw>
+                </a:effectLst>
+              </a14:hiddenEffects>
+            </a:ext>
+          </a:extLst>
+        </p:spPr>
+        <p:txBody>
+          <a:bodyPr vert="horz" wrap="none" lIns="91440" tIns="45720" rIns="91440" bIns="45720" numCol="1" anchor="ctr" anchorCtr="0" compatLnSpc="1">
+            <a:prstTxWarp prst="textNoShape">
+              <a:avLst/>
+            </a:prstTxWarp>
+            <a:spAutoFit/>
+          </a:bodyPr>
+          <a:lstStyle/>
+          <a:p>
+            <a:endParaRPr lang="en-GB"/>
+          </a:p>
+        </p:txBody>
+      </p:sp>
+      <p:graphicFrame>
+        <p:nvGraphicFramePr>
+          <p:cNvPr id="17" name="Object 16"/>
+          <p:cNvGraphicFramePr>
+            <a:graphicFrameLocks noChangeAspect="1"/>
+          </p:cNvGraphicFramePr>
+          <p:nvPr/>
+        </p:nvGraphicFramePr>
+        <p:xfrm>
+          <a:off x="10088142" y="3303462"/>
+          <a:ext cx="1861204" cy="1487131"/>
+        </p:xfrm>
+        <a:graphic>
+          <a:graphicData uri="http://schemas.openxmlformats.org/presentationml/2006/ole">
+            <mc:AlternateContent xmlns:mc="http://schemas.openxmlformats.org/markup-compatibility/2006">
+              <mc:Choice xmlns:v="urn:schemas-microsoft-com:vml" Requires="v">
+                <p:oleObj spid="_x0000_s5135" name="Bitmap Image" r:id="rId4" imgW="1935238" imgH="1546994" progId="Paint.Picture">
+                  <p:embed/>
+                </p:oleObj>
+              </mc:Choice>
+              <mc:Fallback>
+                <p:oleObj name="Bitmap Image" r:id="rId4" imgW="1935238" imgH="1546994" progId="Paint.Picture">
+                  <p:embed/>
+                  <p:pic>
+                    <p:nvPicPr>
+                      <p:cNvPr id="0" name=""/>
+                      <p:cNvPicPr>
+                        <a:picLocks noChangeAspect="1" noChangeArrowheads="1"/>
+                      </p:cNvPicPr>
+                      <p:nvPr/>
+                    </p:nvPicPr>
+                    <p:blipFill>
+                      <a:blip r:embed="rId5">
+                        <a:extLst>
+                          <a:ext uri="{28A0092B-C50C-407E-A947-70E740481C1C}">
+                            <a14:useLocalDpi xmlns:a14="http://schemas.microsoft.com/office/drawing/2010/main" val="0"/>
+                          </a:ext>
+                        </a:extLst>
+                      </a:blip>
+                      <a:srcRect/>
+                      <a:stretch>
+                        <a:fillRect/>
+                      </a:stretch>
+                    </p:blipFill>
+                    <p:spPr bwMode="auto">
+                      <a:xfrm>
+                        <a:off x="10088142" y="3303462"/>
+                        <a:ext cx="1861204" cy="1487131"/>
+                      </a:xfrm>
+                      <a:prstGeom prst="rect">
+                        <a:avLst/>
+                      </a:prstGeom>
+                      <a:noFill/>
+                    </p:spPr>
+                  </p:pic>
+                </p:oleObj>
+              </mc:Fallback>
+            </mc:AlternateContent>
+          </a:graphicData>
+        </a:graphic>
+      </p:graphicFrame>
+      <p:pic>
+        <p:nvPicPr>
+          <p:cNvPr id="18" name="Picture 17"/>
+          <p:cNvPicPr>
+            <a:picLocks noChangeAspect="1"/>
+          </p:cNvPicPr>
+          <p:nvPr/>
+        </p:nvPicPr>
+        <p:blipFill>
+          <a:blip r:embed="rId6"/>
+          <a:stretch>
+            <a:fillRect/>
+          </a:stretch>
+        </p:blipFill>
+        <p:spPr>
+          <a:xfrm>
+            <a:off x="10078397" y="1722553"/>
+            <a:ext cx="1870949" cy="1473188"/>
+          </a:xfrm>
+          <a:prstGeom prst="rect">
+            <a:avLst/>
+          </a:prstGeom>
+        </p:spPr>
+      </p:pic>
+    </p:spTree>
+    <p:extLst>
+      <p:ext uri="{BB962C8B-B14F-4D97-AF65-F5344CB8AC3E}">
+        <p14:creationId xmlns:p14="http://schemas.microsoft.com/office/powerpoint/2010/main" val="35865243"/>
+      </p:ext>
+    </p:extLst>
+  </p:cSld>
+  <p:clrMapOvr>
+    <a:masterClrMapping/>
+  </p:clrMapOvr>
+  <p:timing>
+    <p:tnLst>
+      <p:par>
+        <p:cTn id="1" dur="indefinite" restart="never" nodeType="tmRoot"/>
+      </p:par>
+    </p:tnLst>
+  </p:timing>
+</p:sld>
+</file>
+
+<file path=ppt/slides/slide50.xml><?xml version="1.0" encoding="utf-8"?>
 <p:sld xmlns:a="http://schemas.openxmlformats.org/drawingml/2006/main" xmlns:r="http://schemas.openxmlformats.org/officeDocument/2006/relationships" xmlns:p="http://schemas.openxmlformats.org/presentationml/2006/main">
   <p:cSld>
     <p:spTree>
@@ -14340,7 +15089,7 @@
 </p:sld>
 </file>
 
-<file path=ppt/slides/slide49.xml><?xml version="1.0" encoding="utf-8"?>
+<file path=ppt/slides/slide51.xml><?xml version="1.0" encoding="utf-8"?>
 <p:sld xmlns:a="http://schemas.openxmlformats.org/drawingml/2006/main" xmlns:r="http://schemas.openxmlformats.org/officeDocument/2006/relationships" xmlns:p="http://schemas.openxmlformats.org/presentationml/2006/main">
   <p:cSld>
     <p:spTree>
@@ -15489,369 +16238,7 @@
 </p:sld>
 </file>
 
-<file path=ppt/slides/slide5.xml><?xml version="1.0" encoding="utf-8"?>
-<p:sld xmlns:a="http://schemas.openxmlformats.org/drawingml/2006/main" xmlns:r="http://schemas.openxmlformats.org/officeDocument/2006/relationships" xmlns:p="http://schemas.openxmlformats.org/presentationml/2006/main">
-  <p:cSld>
-    <p:bg>
-      <p:bgPr>
-        <a:solidFill>
-          <a:schemeClr val="tx1"/>
-        </a:solidFill>
-        <a:effectLst/>
-      </p:bgPr>
-    </p:bg>
-    <p:spTree>
-      <p:nvGrpSpPr>
-        <p:cNvPr id="1" name=""/>
-        <p:cNvGrpSpPr/>
-        <p:nvPr/>
-      </p:nvGrpSpPr>
-      <p:grpSpPr>
-        <a:xfrm>
-          <a:off x="0" y="0"/>
-          <a:ext cx="0" cy="0"/>
-          <a:chOff x="0" y="0"/>
-          <a:chExt cx="0" cy="0"/>
-        </a:xfrm>
-      </p:grpSpPr>
-      <p:pic>
-        <p:nvPicPr>
-          <p:cNvPr id="4" name="Picture 3"/>
-          <p:cNvPicPr>
-            <a:picLocks noChangeAspect="1"/>
-          </p:cNvPicPr>
-          <p:nvPr/>
-        </p:nvPicPr>
-        <p:blipFill>
-          <a:blip r:embed="rId3">
-            <a:extLst>
-              <a:ext uri="{28A0092B-C50C-407E-A947-70E740481C1C}">
-                <a14:useLocalDpi xmlns:a14="http://schemas.microsoft.com/office/drawing/2010/main" val="0"/>
-              </a:ext>
-            </a:extLst>
-          </a:blip>
-          <a:stretch>
-            <a:fillRect/>
-          </a:stretch>
-        </p:blipFill>
-        <p:spPr>
-          <a:xfrm>
-            <a:off x="0" y="655514"/>
-            <a:ext cx="9919448" cy="5579690"/>
-          </a:xfrm>
-          <a:prstGeom prst="rect">
-            <a:avLst/>
-          </a:prstGeom>
-        </p:spPr>
-      </p:pic>
-      <p:sp>
-        <p:nvSpPr>
-          <p:cNvPr id="5" name="TextBox 4"/>
-          <p:cNvSpPr txBox="1"/>
-          <p:nvPr/>
-        </p:nvSpPr>
-        <p:spPr>
-          <a:xfrm>
-            <a:off x="3882866" y="0"/>
-            <a:ext cx="8309134" cy="1569660"/>
-          </a:xfrm>
-          <a:prstGeom prst="rect">
-            <a:avLst/>
-          </a:prstGeom>
-          <a:noFill/>
-        </p:spPr>
-        <p:txBody>
-          <a:bodyPr wrap="none" rtlCol="0">
-            <a:spAutoFit/>
-          </a:bodyPr>
-          <a:lstStyle/>
-          <a:p>
-            <a:pPr algn="r"/>
-            <a:r>
-              <a:rPr lang="en-US" sz="3200" b="1" dirty="0">
-                <a:solidFill>
-                  <a:schemeClr val="bg1"/>
-                </a:solidFill>
-              </a:rPr>
-              <a:t>Dynamic texture modeling </a:t>
-            </a:r>
-            <a:r>
-              <a:rPr lang="en-US" sz="3200" b="1" dirty="0" smtClean="0">
-                <a:solidFill>
-                  <a:schemeClr val="bg1"/>
-                </a:solidFill>
-              </a:rPr>
-              <a:t>and </a:t>
-            </a:r>
-            <a:r>
-              <a:rPr lang="en-US" sz="3200" b="1" dirty="0">
-                <a:solidFill>
-                  <a:schemeClr val="bg1"/>
-                </a:solidFill>
-              </a:rPr>
-              <a:t>synthesis using </a:t>
-            </a:r>
-            <a:r>
-              <a:rPr lang="en-US" sz="3200" b="1" dirty="0" smtClean="0">
-                <a:solidFill>
-                  <a:schemeClr val="bg1"/>
-                </a:solidFill>
-              </a:rPr>
-              <a:t/>
-            </a:r>
-            <a:br>
-              <a:rPr lang="en-US" sz="3200" b="1" dirty="0" smtClean="0">
-                <a:solidFill>
-                  <a:schemeClr val="bg1"/>
-                </a:solidFill>
-              </a:rPr>
-            </a:br>
-            <a:r>
-              <a:rPr lang="en-US" sz="3200" b="1" dirty="0" smtClean="0">
-                <a:solidFill>
-                  <a:schemeClr val="bg1"/>
-                </a:solidFill>
-              </a:rPr>
-              <a:t>Multi-kernel </a:t>
-            </a:r>
-            <a:r>
-              <a:rPr lang="en-US" sz="3200" b="1" dirty="0">
-                <a:solidFill>
-                  <a:schemeClr val="bg1"/>
-                </a:solidFill>
-              </a:rPr>
-              <a:t>Gaussian process </a:t>
-            </a:r>
-            <a:br>
-              <a:rPr lang="en-US" sz="3200" b="1" dirty="0">
-                <a:solidFill>
-                  <a:schemeClr val="bg1"/>
-                </a:solidFill>
-              </a:rPr>
-            </a:br>
-            <a:r>
-              <a:rPr lang="en-US" sz="3200" b="1" dirty="0">
-                <a:solidFill>
-                  <a:schemeClr val="bg1"/>
-                </a:solidFill>
-              </a:rPr>
-              <a:t>Dynamic model</a:t>
-            </a:r>
-            <a:endParaRPr lang="en-GB" sz="3200" b="1" dirty="0">
-              <a:solidFill>
-                <a:schemeClr val="bg1"/>
-              </a:solidFill>
-            </a:endParaRPr>
-          </a:p>
-        </p:txBody>
-      </p:sp>
-      <p:sp>
-        <p:nvSpPr>
-          <p:cNvPr id="12" name="TextBox 11"/>
-          <p:cNvSpPr txBox="1"/>
-          <p:nvPr/>
-        </p:nvSpPr>
-        <p:spPr>
-          <a:xfrm>
-            <a:off x="9256143" y="4898314"/>
-            <a:ext cx="2935857" cy="461665"/>
-          </a:xfrm>
-          <a:prstGeom prst="rect">
-            <a:avLst/>
-          </a:prstGeom>
-          <a:noFill/>
-        </p:spPr>
-        <p:txBody>
-          <a:bodyPr wrap="square" rtlCol="0">
-            <a:spAutoFit/>
-          </a:bodyPr>
-          <a:lstStyle/>
-          <a:p>
-            <a:r>
-              <a:rPr lang="en-US" sz="2400" b="1" dirty="0" smtClean="0">
-                <a:solidFill>
-                  <a:srgbClr val="0070C0"/>
-                </a:solidFill>
-              </a:rPr>
-              <a:t>MAKSIM KOPTELOV</a:t>
-            </a:r>
-            <a:endParaRPr lang="en-GB" sz="2400" b="1" dirty="0">
-              <a:solidFill>
-                <a:srgbClr val="0070C0"/>
-              </a:solidFill>
-            </a:endParaRPr>
-          </a:p>
-        </p:txBody>
-      </p:sp>
-      <p:sp>
-        <p:nvSpPr>
-          <p:cNvPr id="16" name="Rectangle 4"/>
-          <p:cNvSpPr>
-            <a:spLocks noChangeArrowheads="1"/>
-          </p:cNvSpPr>
-          <p:nvPr/>
-        </p:nvSpPr>
-        <p:spPr bwMode="auto">
-          <a:xfrm>
-            <a:off x="10088142" y="1561653"/>
-            <a:ext cx="12192000" cy="0"/>
-          </a:xfrm>
-          <a:prstGeom prst="rect">
-            <a:avLst/>
-          </a:prstGeom>
-          <a:noFill/>
-          <a:ln>
-            <a:noFill/>
-          </a:ln>
-          <a:effectLst/>
-          <a:extLst>
-            <a:ext uri="{909E8E84-426E-40DD-AFC4-6F175D3DCCD1}">
-              <a14:hiddenFill xmlns:a14="http://schemas.microsoft.com/office/drawing/2010/main">
-                <a:solidFill>
-                  <a:schemeClr val="accent1"/>
-                </a:solidFill>
-              </a14:hiddenFill>
-            </a:ext>
-            <a:ext uri="{91240B29-F687-4F45-9708-019B960494DF}">
-              <a14:hiddenLine xmlns:a14="http://schemas.microsoft.com/office/drawing/2010/main" w="9525">
-                <a:solidFill>
-                  <a:schemeClr val="tx1"/>
-                </a:solidFill>
-                <a:miter lim="800000"/>
-                <a:headEnd/>
-                <a:tailEnd/>
-              </a14:hiddenLine>
-            </a:ext>
-            <a:ext uri="{AF507438-7753-43E0-B8FC-AC1667EBCBE1}">
-              <a14:hiddenEffects xmlns:a14="http://schemas.microsoft.com/office/drawing/2010/main">
-                <a:effectLst>
-                  <a:outerShdw dist="35921" dir="2700000" algn="ctr" rotWithShape="0">
-                    <a:schemeClr val="bg2"/>
-                  </a:outerShdw>
-                </a:effectLst>
-              </a14:hiddenEffects>
-            </a:ext>
-          </a:extLst>
-        </p:spPr>
-        <p:txBody>
-          <a:bodyPr vert="horz" wrap="none" lIns="91440" tIns="45720" rIns="91440" bIns="45720" numCol="1" anchor="ctr" anchorCtr="0" compatLnSpc="1">
-            <a:prstTxWarp prst="textNoShape">
-              <a:avLst/>
-            </a:prstTxWarp>
-            <a:spAutoFit/>
-          </a:bodyPr>
-          <a:lstStyle/>
-          <a:p>
-            <a:endParaRPr lang="en-GB"/>
-          </a:p>
-        </p:txBody>
-      </p:sp>
-      <p:graphicFrame>
-        <p:nvGraphicFramePr>
-          <p:cNvPr id="17" name="Object 16"/>
-          <p:cNvGraphicFramePr>
-            <a:graphicFrameLocks noChangeAspect="1"/>
-          </p:cNvGraphicFramePr>
-          <p:nvPr/>
-        </p:nvGraphicFramePr>
-        <p:xfrm>
-          <a:off x="10088142" y="3303462"/>
-          <a:ext cx="1861204" cy="1487131"/>
-        </p:xfrm>
-        <a:graphic>
-          <a:graphicData uri="http://schemas.openxmlformats.org/presentationml/2006/ole">
-            <mc:AlternateContent xmlns:mc="http://schemas.openxmlformats.org/markup-compatibility/2006">
-              <mc:Choice xmlns:v="urn:schemas-microsoft-com:vml" Requires="v">
-                <p:oleObj spid="_x0000_s5133" name="Bitmap Image" r:id="rId4" imgW="1935238" imgH="1546994" progId="Paint.Picture">
-                  <p:embed/>
-                </p:oleObj>
-              </mc:Choice>
-              <mc:Fallback>
-                <p:oleObj name="Bitmap Image" r:id="rId4" imgW="1935238" imgH="1546994" progId="Paint.Picture">
-                  <p:embed/>
-                  <p:pic>
-                    <p:nvPicPr>
-                      <p:cNvPr id="0" name=""/>
-                      <p:cNvPicPr>
-                        <a:picLocks noChangeAspect="1" noChangeArrowheads="1"/>
-                      </p:cNvPicPr>
-                      <p:nvPr/>
-                    </p:nvPicPr>
-                    <p:blipFill>
-                      <a:blip r:embed="rId5">
-                        <a:extLst>
-                          <a:ext uri="{28A0092B-C50C-407E-A947-70E740481C1C}">
-                            <a14:useLocalDpi xmlns:a14="http://schemas.microsoft.com/office/drawing/2010/main" val="0"/>
-                          </a:ext>
-                        </a:extLst>
-                      </a:blip>
-                      <a:srcRect/>
-                      <a:stretch>
-                        <a:fillRect/>
-                      </a:stretch>
-                    </p:blipFill>
-                    <p:spPr bwMode="auto">
-                      <a:xfrm>
-                        <a:off x="10088142" y="3303462"/>
-                        <a:ext cx="1861204" cy="1487131"/>
-                      </a:xfrm>
-                      <a:prstGeom prst="rect">
-                        <a:avLst/>
-                      </a:prstGeom>
-                      <a:noFill/>
-                    </p:spPr>
-                  </p:pic>
-                </p:oleObj>
-              </mc:Fallback>
-            </mc:AlternateContent>
-          </a:graphicData>
-        </a:graphic>
-      </p:graphicFrame>
-      <p:pic>
-        <p:nvPicPr>
-          <p:cNvPr id="18" name="Picture 17"/>
-          <p:cNvPicPr>
-            <a:picLocks noChangeAspect="1"/>
-          </p:cNvPicPr>
-          <p:nvPr/>
-        </p:nvPicPr>
-        <p:blipFill>
-          <a:blip r:embed="rId6"/>
-          <a:stretch>
-            <a:fillRect/>
-          </a:stretch>
-        </p:blipFill>
-        <p:spPr>
-          <a:xfrm>
-            <a:off x="10078397" y="1722553"/>
-            <a:ext cx="1870949" cy="1473188"/>
-          </a:xfrm>
-          <a:prstGeom prst="rect">
-            <a:avLst/>
-          </a:prstGeom>
-        </p:spPr>
-      </p:pic>
-    </p:spTree>
-    <p:extLst>
-      <p:ext uri="{BB962C8B-B14F-4D97-AF65-F5344CB8AC3E}">
-        <p14:creationId xmlns:p14="http://schemas.microsoft.com/office/powerpoint/2010/main" val="35865243"/>
-      </p:ext>
-    </p:extLst>
-  </p:cSld>
-  <p:clrMapOvr>
-    <a:masterClrMapping/>
-  </p:clrMapOvr>
-  <p:timing>
-    <p:tnLst>
-      <p:par>
-        <p:cTn id="1" dur="indefinite" restart="never" nodeType="tmRoot"/>
-      </p:par>
-    </p:tnLst>
-  </p:timing>
-</p:sld>
-</file>
-
-<file path=ppt/slides/slide50.xml><?xml version="1.0" encoding="utf-8"?>
+<file path=ppt/slides/slide52.xml><?xml version="1.0" encoding="utf-8"?>
 <p:sld xmlns:a="http://schemas.openxmlformats.org/drawingml/2006/main" xmlns:r="http://schemas.openxmlformats.org/officeDocument/2006/relationships" xmlns:p="http://schemas.openxmlformats.org/presentationml/2006/main">
   <p:cSld>
     <p:spTree>
@@ -16053,278 +16440,6 @@
     <p:extLst>
       <p:ext uri="{BB962C8B-B14F-4D97-AF65-F5344CB8AC3E}">
         <p14:creationId xmlns:p14="http://schemas.microsoft.com/office/powerpoint/2010/main" val="2979015396"/>
-      </p:ext>
-    </p:extLst>
-  </p:cSld>
-  <p:clrMapOvr>
-    <a:masterClrMapping/>
-  </p:clrMapOvr>
-  <p:timing>
-    <p:tnLst>
-      <p:par>
-        <p:cTn id="1" dur="indefinite" restart="never" nodeType="tmRoot"/>
-      </p:par>
-    </p:tnLst>
-  </p:timing>
-</p:sld>
-</file>
-
-<file path=ppt/slides/slide51.xml><?xml version="1.0" encoding="utf-8"?>
-<p:sld xmlns:a="http://schemas.openxmlformats.org/drawingml/2006/main" xmlns:r="http://schemas.openxmlformats.org/officeDocument/2006/relationships" xmlns:p="http://schemas.openxmlformats.org/presentationml/2006/main">
-  <p:cSld>
-    <p:spTree>
-      <p:nvGrpSpPr>
-        <p:cNvPr id="1" name=""/>
-        <p:cNvGrpSpPr/>
-        <p:nvPr/>
-      </p:nvGrpSpPr>
-      <p:grpSpPr>
-        <a:xfrm>
-          <a:off x="0" y="0"/>
-          <a:ext cx="0" cy="0"/>
-          <a:chOff x="0" y="0"/>
-          <a:chExt cx="0" cy="0"/>
-        </a:xfrm>
-      </p:grpSpPr>
-      <p:sp>
-        <p:nvSpPr>
-          <p:cNvPr id="2" name="Title 1"/>
-          <p:cNvSpPr>
-            <a:spLocks noGrp="1"/>
-          </p:cNvSpPr>
-          <p:nvPr>
-            <p:ph type="title"/>
-          </p:nvPr>
-        </p:nvSpPr>
-        <p:spPr/>
-        <p:txBody>
-          <a:bodyPr/>
-          <a:lstStyle/>
-          <a:p>
-            <a:r>
-              <a:rPr lang="en-US" dirty="0" smtClean="0"/>
-              <a:t>Python implementation properties</a:t>
-            </a:r>
-            <a:endParaRPr lang="en-US" dirty="0"/>
-          </a:p>
-        </p:txBody>
-      </p:sp>
-      <p:sp>
-        <p:nvSpPr>
-          <p:cNvPr id="3" name="Content Placeholder 2"/>
-          <p:cNvSpPr>
-            <a:spLocks noGrp="1"/>
-          </p:cNvSpPr>
-          <p:nvPr>
-            <p:ph idx="1"/>
-          </p:nvPr>
-        </p:nvSpPr>
-        <p:spPr>
-          <a:xfrm>
-            <a:off x="1371600" y="2286000"/>
-            <a:ext cx="9601200" cy="4287328"/>
-          </a:xfrm>
-        </p:spPr>
-        <p:txBody>
-          <a:bodyPr/>
-          <a:lstStyle/>
-          <a:p>
-            <a:pPr marL="0" indent="0">
-              <a:buNone/>
-            </a:pPr>
-            <a:r>
-              <a:rPr lang="en-US" dirty="0" smtClean="0"/>
-              <a:t>Implementation in Python:</a:t>
-            </a:r>
-          </a:p>
-          <a:p>
-            <a:r>
-              <a:rPr lang="en-US" dirty="0"/>
-              <a:t>GPLVM is not a dynamical </a:t>
-            </a:r>
-            <a:r>
-              <a:rPr lang="en-US" dirty="0" smtClean="0"/>
-              <a:t>model –no </a:t>
-            </a:r>
-            <a:r>
-              <a:rPr lang="en-US" dirty="0"/>
-              <a:t>separate kernel </a:t>
-            </a:r>
-            <a:r>
-              <a:rPr lang="en-US" dirty="0" smtClean="0"/>
-              <a:t>function </a:t>
-            </a:r>
-            <a:r>
-              <a:rPr lang="en-US" dirty="0"/>
-              <a:t>for dynamic modeling</a:t>
-            </a:r>
-            <a:endParaRPr lang="en-US" dirty="0" smtClean="0"/>
-          </a:p>
-          <a:p>
-            <a:r>
-              <a:rPr lang="en-US" dirty="0"/>
-              <a:t>data are generated independently, ignoring temporal </a:t>
-            </a:r>
-            <a:r>
-              <a:rPr lang="en-US" dirty="0" smtClean="0"/>
-              <a:t>structure</a:t>
-            </a:r>
-          </a:p>
-          <a:p>
-            <a:pPr marL="0" indent="0">
-              <a:buNone/>
-            </a:pPr>
-            <a:r>
-              <a:rPr lang="en-US" dirty="0" smtClean="0"/>
-              <a:t>The </a:t>
-            </a:r>
-            <a:r>
-              <a:rPr lang="en-US" dirty="0"/>
-              <a:t>results are quite </a:t>
-            </a:r>
-            <a:r>
-              <a:rPr lang="en-US" dirty="0" smtClean="0"/>
-              <a:t>surprising:</a:t>
-            </a:r>
-          </a:p>
-          <a:p>
-            <a:r>
-              <a:rPr lang="en-US" dirty="0"/>
-              <a:t>it is </a:t>
-            </a:r>
-            <a:r>
-              <a:rPr lang="en-US" dirty="0" smtClean="0"/>
-              <a:t>stable</a:t>
-            </a:r>
-          </a:p>
-          <a:p>
-            <a:r>
-              <a:rPr lang="en-US" dirty="0" smtClean="0"/>
-              <a:t>it </a:t>
-            </a:r>
-            <a:r>
-              <a:rPr lang="en-US" dirty="0"/>
-              <a:t>is able to generate new sequences of dynamic textures without visible </a:t>
-            </a:r>
-            <a:r>
-              <a:rPr lang="en-US" dirty="0" smtClean="0"/>
-              <a:t>repetitions</a:t>
-            </a:r>
-          </a:p>
-          <a:p>
-            <a:r>
-              <a:rPr lang="en-GB" dirty="0" smtClean="0"/>
-              <a:t>it </a:t>
-            </a:r>
-            <a:r>
-              <a:rPr lang="en-GB" dirty="0"/>
-              <a:t>t</a:t>
-            </a:r>
-            <a:r>
-              <a:rPr lang="en-GB" dirty="0" smtClean="0"/>
-              <a:t>akes </a:t>
-            </a:r>
-            <a:r>
-              <a:rPr lang="en-GB" dirty="0"/>
-              <a:t>a lot of time to perform optimization </a:t>
-            </a:r>
-            <a:endParaRPr lang="en-GB" dirty="0" smtClean="0"/>
-          </a:p>
-          <a:p>
-            <a:r>
-              <a:rPr lang="en-GB" dirty="0" smtClean="0"/>
-              <a:t>visible </a:t>
-            </a:r>
-            <a:r>
-              <a:rPr lang="en-GB" dirty="0"/>
-              <a:t>result is still not good due to some random noise </a:t>
-            </a:r>
-            <a:endParaRPr lang="en-US" dirty="0"/>
-          </a:p>
-          <a:p>
-            <a:endParaRPr lang="en-US" dirty="0" smtClean="0"/>
-          </a:p>
-          <a:p>
-            <a:pPr marL="0" indent="0">
-              <a:buNone/>
-            </a:pPr>
-            <a:endParaRPr lang="en-US" dirty="0" smtClean="0"/>
-          </a:p>
-          <a:p>
-            <a:endParaRPr lang="en-GB" dirty="0" smtClean="0"/>
-          </a:p>
-          <a:p>
-            <a:pPr marL="0" indent="0">
-              <a:buNone/>
-            </a:pPr>
-            <a:endParaRPr lang="en-GB" dirty="0"/>
-          </a:p>
-        </p:txBody>
-      </p:sp>
-    </p:spTree>
-    <p:extLst>
-      <p:ext uri="{BB962C8B-B14F-4D97-AF65-F5344CB8AC3E}">
-        <p14:creationId xmlns:p14="http://schemas.microsoft.com/office/powerpoint/2010/main" val="800128757"/>
-      </p:ext>
-    </p:extLst>
-  </p:cSld>
-  <p:clrMapOvr>
-    <a:masterClrMapping/>
-  </p:clrMapOvr>
-  <p:timing>
-    <p:tnLst>
-      <p:par>
-        <p:cTn id="1" dur="indefinite" restart="never" nodeType="tmRoot"/>
-      </p:par>
-    </p:tnLst>
-  </p:timing>
-</p:sld>
-</file>
-
-<file path=ppt/slides/slide52.xml><?xml version="1.0" encoding="utf-8"?>
-<p:sld xmlns:a="http://schemas.openxmlformats.org/drawingml/2006/main" xmlns:r="http://schemas.openxmlformats.org/officeDocument/2006/relationships" xmlns:p="http://schemas.openxmlformats.org/presentationml/2006/main">
-  <p:cSld>
-    <p:spTree>
-      <p:nvGrpSpPr>
-        <p:cNvPr id="1" name=""/>
-        <p:cNvGrpSpPr/>
-        <p:nvPr/>
-      </p:nvGrpSpPr>
-      <p:grpSpPr>
-        <a:xfrm>
-          <a:off x="0" y="0"/>
-          <a:ext cx="0" cy="0"/>
-          <a:chOff x="0" y="0"/>
-          <a:chExt cx="0" cy="0"/>
-        </a:xfrm>
-      </p:grpSpPr>
-      <p:sp>
-        <p:nvSpPr>
-          <p:cNvPr id="2" name="Title 1"/>
-          <p:cNvSpPr>
-            <a:spLocks noGrp="1"/>
-          </p:cNvSpPr>
-          <p:nvPr>
-            <p:ph type="ctrTitle"/>
-          </p:nvPr>
-        </p:nvSpPr>
-        <p:spPr/>
-        <p:txBody>
-          <a:bodyPr/>
-          <a:lstStyle/>
-          <a:p>
-            <a:r>
-              <a:rPr lang="en-GB" b="1" dirty="0" smtClean="0"/>
-              <a:t>Example</a:t>
-            </a:r>
-            <a:endParaRPr lang="en-GB" dirty="0"/>
-          </a:p>
-        </p:txBody>
-      </p:sp>
-    </p:spTree>
-    <p:extLst>
-      <p:ext uri="{BB962C8B-B14F-4D97-AF65-F5344CB8AC3E}">
-        <p14:creationId xmlns:p14="http://schemas.microsoft.com/office/powerpoint/2010/main" val="1147314060"/>
       </p:ext>
     </p:extLst>
   </p:cSld>
@@ -16374,10 +16489,10 @@
           <a:lstStyle/>
           <a:p>
             <a:r>
-              <a:rPr lang="en-US" b="1" dirty="0" smtClean="0"/>
-              <a:t>Examples</a:t>
-            </a:r>
-            <a:endParaRPr lang="en-GB" b="1" dirty="0"/>
+              <a:rPr lang="en-US" dirty="0" smtClean="0"/>
+              <a:t>Python implementation properties</a:t>
+            </a:r>
+            <a:endParaRPr lang="en-US" dirty="0"/>
           </a:p>
         </p:txBody>
       </p:sp>
@@ -16393,85 +16508,136 @@
         </p:nvSpPr>
         <p:spPr>
           <a:xfrm>
-            <a:off x="1371600" y="1910219"/>
-            <a:ext cx="9601200" cy="3581400"/>
+            <a:off x="1371600" y="2286000"/>
+            <a:ext cx="9601200" cy="4287328"/>
           </a:xfrm>
         </p:spPr>
         <p:txBody>
-          <a:bodyPr>
-            <a:normAutofit/>
-          </a:bodyPr>
+          <a:bodyPr/>
           <a:lstStyle/>
           <a:p>
             <a:pPr marL="0" indent="0">
               <a:buNone/>
             </a:pPr>
             <a:r>
+              <a:rPr lang="en-US" dirty="0" smtClean="0"/>
+              <a:t>Implementation in Python:</a:t>
+            </a:r>
+          </a:p>
+          <a:p>
+            <a:r>
+              <a:rPr lang="en-US" dirty="0"/>
+              <a:t>GPLVM is not a dynamical </a:t>
+            </a:r>
+            <a:r>
+              <a:rPr lang="en-US" dirty="0" smtClean="0"/>
+              <a:t>model –no </a:t>
+            </a:r>
+            <a:r>
+              <a:rPr lang="en-US" dirty="0"/>
+              <a:t>separate kernel </a:t>
+            </a:r>
+            <a:r>
+              <a:rPr lang="en-US" dirty="0" smtClean="0"/>
+              <a:t>function </a:t>
+            </a:r>
+            <a:r>
+              <a:rPr lang="en-US" dirty="0"/>
+              <a:t>for dynamic modeling</a:t>
+            </a:r>
+            <a:endParaRPr lang="en-US" dirty="0" smtClean="0"/>
+          </a:p>
+          <a:p>
+            <a:r>
+              <a:rPr lang="en-US" dirty="0"/>
+              <a:t>data are generated independently, ignoring temporal </a:t>
+            </a:r>
+            <a:r>
+              <a:rPr lang="en-US" dirty="0" smtClean="0"/>
+              <a:t>structure</a:t>
+            </a:r>
+          </a:p>
+          <a:p>
+            <a:pPr marL="0" indent="0">
+              <a:buNone/>
+            </a:pPr>
+            <a:r>
+              <a:rPr lang="en-US" dirty="0" smtClean="0"/>
+              <a:t>The </a:t>
+            </a:r>
+            <a:r>
+              <a:rPr lang="en-US" dirty="0"/>
+              <a:t>results are quite </a:t>
+            </a:r>
+            <a:r>
+              <a:rPr lang="en-US" dirty="0" smtClean="0"/>
+              <a:t>surprising:</a:t>
+            </a:r>
+          </a:p>
+          <a:p>
+            <a:r>
+              <a:rPr lang="en-US" dirty="0"/>
+              <a:t>it is </a:t>
+            </a:r>
+            <a:r>
+              <a:rPr lang="en-US" dirty="0" smtClean="0"/>
+              <a:t>stable</a:t>
+            </a:r>
+          </a:p>
+          <a:p>
+            <a:r>
+              <a:rPr lang="en-US" dirty="0" smtClean="0"/>
+              <a:t>it </a:t>
+            </a:r>
+            <a:r>
+              <a:rPr lang="en-US" dirty="0"/>
+              <a:t>is able to generate new sequences of dynamic textures without visible </a:t>
+            </a:r>
+            <a:r>
+              <a:rPr lang="en-US" dirty="0" smtClean="0"/>
+              <a:t>repetitions</a:t>
+            </a:r>
+          </a:p>
+          <a:p>
+            <a:r>
               <a:rPr lang="en-GB" dirty="0" smtClean="0"/>
-              <a:t>Matlab implementation:</a:t>
-            </a:r>
-          </a:p>
-          <a:p>
-            <a:r>
-              <a:rPr lang="en-US" dirty="0" smtClean="0"/>
-              <a:t>Input videos </a:t>
-            </a:r>
-            <a:r>
-              <a:rPr lang="en-US" b="1" i="1" dirty="0" smtClean="0"/>
-              <a:t>sunshade.avi</a:t>
-            </a:r>
-            <a:r>
-              <a:rPr lang="en-US" dirty="0"/>
-              <a:t> </a:t>
-            </a:r>
-            <a:r>
-              <a:rPr lang="en-US" dirty="0" smtClean="0"/>
-              <a:t>and </a:t>
-            </a:r>
-            <a:r>
-              <a:rPr lang="en-US" b="1" i="1" dirty="0">
-                <a:solidFill>
-                  <a:schemeClr val="tx1"/>
-                </a:solidFill>
-              </a:rPr>
-              <a:t>straw.avi</a:t>
-            </a:r>
-            <a:endParaRPr lang="en-GB" b="1" i="1" dirty="0" smtClean="0">
-              <a:solidFill>
-                <a:schemeClr val="tx1"/>
-              </a:solidFill>
-            </a:endParaRPr>
-          </a:p>
-          <a:p>
-            <a:r>
-              <a:rPr lang="en-US" dirty="0" smtClean="0"/>
-              <a:t>Example of a good result (sunshade.avi)</a:t>
-            </a:r>
-          </a:p>
-          <a:p>
-            <a:r>
-              <a:rPr lang="en-US" dirty="0" smtClean="0"/>
-              <a:t>Example of a bad result (straw.avi)</a:t>
+              <a:t>it </a:t>
+            </a:r>
+            <a:r>
+              <a:rPr lang="en-GB" dirty="0"/>
+              <a:t>t</a:t>
+            </a:r>
+            <a:r>
+              <a:rPr lang="en-GB" dirty="0" smtClean="0"/>
+              <a:t>akes </a:t>
+            </a:r>
+            <a:r>
+              <a:rPr lang="en-GB" dirty="0"/>
+              <a:t>a lot of time to perform optimization </a:t>
             </a:r>
             <a:endParaRPr lang="en-GB" dirty="0" smtClean="0"/>
           </a:p>
           <a:p>
+            <a:r>
+              <a:rPr lang="en-GB" dirty="0" smtClean="0"/>
+              <a:t>visible </a:t>
+            </a:r>
+            <a:r>
+              <a:rPr lang="en-GB" dirty="0"/>
+              <a:t>result is still not good due to some random noise </a:t>
+            </a:r>
+            <a:endParaRPr lang="en-US" dirty="0"/>
+          </a:p>
+          <a:p>
             <a:endParaRPr lang="en-US" dirty="0" smtClean="0"/>
           </a:p>
           <a:p>
             <a:pPr marL="0" indent="0">
               <a:buNone/>
             </a:pPr>
-            <a:r>
-              <a:rPr lang="en-US" dirty="0" smtClean="0"/>
-              <a:t>Python implementation</a:t>
-            </a:r>
-          </a:p>
-          <a:p>
-            <a:r>
-              <a:rPr lang="en-US" dirty="0" smtClean="0"/>
-              <a:t>Example of a good result (straw.avi)</a:t>
-            </a:r>
+            <a:endParaRPr lang="en-US" dirty="0" smtClean="0"/>
+          </a:p>
+          <a:p>
             <a:endParaRPr lang="en-GB" dirty="0" smtClean="0"/>
           </a:p>
           <a:p>
@@ -16485,7 +16651,7 @@
     </p:spTree>
     <p:extLst>
       <p:ext uri="{BB962C8B-B14F-4D97-AF65-F5344CB8AC3E}">
-        <p14:creationId xmlns:p14="http://schemas.microsoft.com/office/powerpoint/2010/main" val="3034222392"/>
+        <p14:creationId xmlns:p14="http://schemas.microsoft.com/office/powerpoint/2010/main" val="800128757"/>
       </p:ext>
     </p:extLst>
   </p:cSld>
@@ -16536,7 +16702,7 @@
           <a:p>
             <a:r>
               <a:rPr lang="en-GB" b="1" dirty="0" smtClean="0"/>
-              <a:t>Perspectives</a:t>
+              <a:t>Example</a:t>
             </a:r>
             <a:endParaRPr lang="en-GB" dirty="0"/>
           </a:p>
@@ -16545,7 +16711,7 @@
     </p:spTree>
     <p:extLst>
       <p:ext uri="{BB962C8B-B14F-4D97-AF65-F5344CB8AC3E}">
-        <p14:creationId xmlns:p14="http://schemas.microsoft.com/office/powerpoint/2010/main" val="645625018"/>
+        <p14:creationId xmlns:p14="http://schemas.microsoft.com/office/powerpoint/2010/main" val="1147314060"/>
       </p:ext>
     </p:extLst>
   </p:cSld>
@@ -16595,8 +16761,8 @@
           <a:lstStyle/>
           <a:p>
             <a:r>
-              <a:rPr lang="en-GB" b="1" dirty="0" smtClean="0"/>
-              <a:t>Perspectives</a:t>
+              <a:rPr lang="en-US" b="1" dirty="0" smtClean="0"/>
+              <a:t>Examples</a:t>
             </a:r>
             <a:endParaRPr lang="en-GB" b="1" dirty="0"/>
           </a:p>
@@ -16612,118 +16778,87 @@
             <p:ph idx="1"/>
           </p:nvPr>
         </p:nvSpPr>
-        <p:spPr/>
+        <p:spPr>
+          <a:xfrm>
+            <a:off x="1371600" y="1910219"/>
+            <a:ext cx="9601200" cy="3581400"/>
+          </a:xfrm>
+        </p:spPr>
         <p:txBody>
-          <a:bodyPr/>
+          <a:bodyPr>
+            <a:normAutofit/>
+          </a:bodyPr>
           <a:lstStyle/>
           <a:p>
-            <a:r>
-              <a:rPr lang="en-US" dirty="0" smtClean="0"/>
-              <a:t>MK-GPLVM reimplementation </a:t>
-            </a:r>
-            <a:r>
-              <a:rPr lang="en-US" dirty="0"/>
-              <a:t>in Python </a:t>
-            </a:r>
-            <a:r>
-              <a:rPr lang="en-US" dirty="0" smtClean="0"/>
-              <a:t>is </a:t>
-            </a:r>
-            <a:r>
-              <a:rPr lang="en-US" dirty="0"/>
-              <a:t>not </a:t>
-            </a:r>
-            <a:r>
-              <a:rPr lang="en-US" dirty="0" smtClean="0"/>
-              <a:t>finished – </a:t>
-            </a:r>
-            <a:r>
-              <a:rPr lang="en-US" dirty="0"/>
-              <a:t>problems with </a:t>
-            </a:r>
-            <a:r>
-              <a:rPr lang="en-US" dirty="0" smtClean="0"/>
-              <a:t>gradients</a:t>
-            </a:r>
-            <a:endParaRPr lang="en-GB" dirty="0"/>
-          </a:p>
-          <a:p>
+            <a:pPr marL="0" indent="0">
+              <a:buNone/>
+            </a:pPr>
             <a:r>
               <a:rPr lang="en-GB" dirty="0" smtClean="0"/>
-              <a:t>no</a:t>
-            </a:r>
-            <a:r>
-              <a:rPr lang="en-GB" b="1" dirty="0" smtClean="0"/>
+              <a:t>Matlab implementation:</a:t>
+            </a:r>
+          </a:p>
+          <a:p>
+            <a:r>
+              <a:rPr lang="en-US" dirty="0" smtClean="0"/>
+              <a:t>Input videos </a:t>
+            </a:r>
+            <a:r>
+              <a:rPr lang="en-US" b="1" i="1" dirty="0" smtClean="0"/>
+              <a:t>sunshade.avi</a:t>
+            </a:r>
+            <a:r>
+              <a:rPr lang="en-US" dirty="0"/>
               <a:t> </a:t>
             </a:r>
             <a:r>
-              <a:rPr lang="en-GB" dirty="0"/>
-              <a:t>numerical criteria for quality </a:t>
-            </a:r>
-            <a:r>
-              <a:rPr lang="en-US" dirty="0" smtClean="0"/>
-              <a:t>measuring – </a:t>
-            </a:r>
-            <a:r>
-              <a:rPr lang="en-GB" dirty="0" smtClean="0"/>
-              <a:t>implement </a:t>
-            </a:r>
-            <a:r>
-              <a:rPr lang="en-GB" dirty="0"/>
-              <a:t>an evaluation </a:t>
-            </a:r>
-            <a:r>
-              <a:rPr lang="en-GB" dirty="0" smtClean="0"/>
-              <a:t>method</a:t>
-            </a:r>
-            <a:endParaRPr lang="en-GB" dirty="0"/>
-          </a:p>
-          <a:p>
-            <a:r>
-              <a:rPr lang="en-US" dirty="0" smtClean="0"/>
-              <a:t>GPLVM </a:t>
-            </a:r>
-            <a:r>
-              <a:rPr lang="en-US" dirty="0"/>
-              <a:t>implementation </a:t>
-            </a:r>
-            <a:r>
-              <a:rPr lang="en-US" dirty="0" smtClean="0"/>
-              <a:t>in Python is </a:t>
-            </a:r>
-            <a:r>
-              <a:rPr lang="en-US" dirty="0"/>
-              <a:t>done and provides quite interesting </a:t>
-            </a:r>
-            <a:r>
-              <a:rPr lang="en-US" dirty="0" smtClean="0"/>
-              <a:t>result – improve the results</a:t>
-            </a:r>
-          </a:p>
-          <a:p>
-            <a:r>
-              <a:rPr lang="en-US" dirty="0"/>
-              <a:t>try wavelets to reduce dimensionality of original </a:t>
-            </a:r>
-            <a:r>
-              <a:rPr lang="en-US" dirty="0" smtClean="0"/>
-              <a:t>input </a:t>
-            </a:r>
-            <a:r>
-              <a:rPr lang="en-US" dirty="0"/>
-              <a:t>to decrease </a:t>
-            </a:r>
-            <a:r>
-              <a:rPr lang="en-US" dirty="0" smtClean="0"/>
-              <a:t>time for </a:t>
-            </a:r>
-            <a:r>
-              <a:rPr lang="en-US" dirty="0"/>
-              <a:t>optimization</a:t>
-            </a:r>
+              <a:rPr lang="en-US" dirty="0" smtClean="0"/>
+              <a:t>and </a:t>
+            </a:r>
+            <a:r>
+              <a:rPr lang="en-US" b="1" i="1" dirty="0">
+                <a:solidFill>
+                  <a:schemeClr val="tx1"/>
+                </a:solidFill>
+              </a:rPr>
+              <a:t>straw.avi</a:t>
+            </a:r>
+            <a:endParaRPr lang="en-GB" b="1" i="1" dirty="0" smtClean="0">
+              <a:solidFill>
+                <a:schemeClr val="tx1"/>
+              </a:solidFill>
+            </a:endParaRPr>
+          </a:p>
+          <a:p>
+            <a:r>
+              <a:rPr lang="en-US" dirty="0" smtClean="0"/>
+              <a:t>Example of a good result (sunshade.avi)</a:t>
+            </a:r>
+          </a:p>
+          <a:p>
+            <a:r>
+              <a:rPr lang="en-US" dirty="0" smtClean="0"/>
+              <a:t>Example of a bad result (straw.avi)</a:t>
+            </a:r>
+            <a:endParaRPr lang="en-GB" dirty="0" smtClean="0"/>
+          </a:p>
+          <a:p>
             <a:endParaRPr lang="en-US" dirty="0" smtClean="0"/>
           </a:p>
           <a:p>
+            <a:pPr marL="0" indent="0">
+              <a:buNone/>
+            </a:pPr>
+            <a:r>
+              <a:rPr lang="en-US" dirty="0" smtClean="0"/>
+              <a:t>Python implementation</a:t>
+            </a:r>
+          </a:p>
+          <a:p>
+            <a:r>
+              <a:rPr lang="en-US" dirty="0" smtClean="0"/>
+              <a:t>Example of a good result (straw.avi)</a:t>
+            </a:r>
             <a:endParaRPr lang="en-GB" dirty="0" smtClean="0"/>
           </a:p>
           <a:p>
@@ -16737,7 +16872,7 @@
     </p:spTree>
     <p:extLst>
       <p:ext uri="{BB962C8B-B14F-4D97-AF65-F5344CB8AC3E}">
-        <p14:creationId xmlns:p14="http://schemas.microsoft.com/office/powerpoint/2010/main" val="1592686309"/>
+        <p14:creationId xmlns:p14="http://schemas.microsoft.com/office/powerpoint/2010/main" val="3034222392"/>
       </p:ext>
     </p:extLst>
   </p:cSld>
@@ -16787,6 +16922,258 @@
           <a:lstStyle/>
           <a:p>
             <a:r>
+              <a:rPr lang="en-GB" b="1" dirty="0" smtClean="0"/>
+              <a:t>Perspectives</a:t>
+            </a:r>
+            <a:endParaRPr lang="en-GB" dirty="0"/>
+          </a:p>
+        </p:txBody>
+      </p:sp>
+    </p:spTree>
+    <p:extLst>
+      <p:ext uri="{BB962C8B-B14F-4D97-AF65-F5344CB8AC3E}">
+        <p14:creationId xmlns:p14="http://schemas.microsoft.com/office/powerpoint/2010/main" val="645625018"/>
+      </p:ext>
+    </p:extLst>
+  </p:cSld>
+  <p:clrMapOvr>
+    <a:masterClrMapping/>
+  </p:clrMapOvr>
+  <p:timing>
+    <p:tnLst>
+      <p:par>
+        <p:cTn id="1" dur="indefinite" restart="never" nodeType="tmRoot"/>
+      </p:par>
+    </p:tnLst>
+  </p:timing>
+</p:sld>
+</file>
+
+<file path=ppt/slides/slide57.xml><?xml version="1.0" encoding="utf-8"?>
+<p:sld xmlns:a="http://schemas.openxmlformats.org/drawingml/2006/main" xmlns:r="http://schemas.openxmlformats.org/officeDocument/2006/relationships" xmlns:p="http://schemas.openxmlformats.org/presentationml/2006/main">
+  <p:cSld>
+    <p:spTree>
+      <p:nvGrpSpPr>
+        <p:cNvPr id="1" name=""/>
+        <p:cNvGrpSpPr/>
+        <p:nvPr/>
+      </p:nvGrpSpPr>
+      <p:grpSpPr>
+        <a:xfrm>
+          <a:off x="0" y="0"/>
+          <a:ext cx="0" cy="0"/>
+          <a:chOff x="0" y="0"/>
+          <a:chExt cx="0" cy="0"/>
+        </a:xfrm>
+      </p:grpSpPr>
+      <p:sp>
+        <p:nvSpPr>
+          <p:cNvPr id="2" name="Title 1"/>
+          <p:cNvSpPr>
+            <a:spLocks noGrp="1"/>
+          </p:cNvSpPr>
+          <p:nvPr>
+            <p:ph type="title"/>
+          </p:nvPr>
+        </p:nvSpPr>
+        <p:spPr/>
+        <p:txBody>
+          <a:bodyPr/>
+          <a:lstStyle/>
+          <a:p>
+            <a:r>
+              <a:rPr lang="en-GB" b="1" dirty="0" smtClean="0"/>
+              <a:t>Perspectives</a:t>
+            </a:r>
+            <a:endParaRPr lang="en-GB" b="1" dirty="0"/>
+          </a:p>
+        </p:txBody>
+      </p:sp>
+      <p:sp>
+        <p:nvSpPr>
+          <p:cNvPr id="3" name="Content Placeholder 2"/>
+          <p:cNvSpPr>
+            <a:spLocks noGrp="1"/>
+          </p:cNvSpPr>
+          <p:nvPr>
+            <p:ph idx="1"/>
+          </p:nvPr>
+        </p:nvSpPr>
+        <p:spPr/>
+        <p:txBody>
+          <a:bodyPr/>
+          <a:lstStyle/>
+          <a:p>
+            <a:r>
+              <a:rPr lang="en-US" dirty="0" smtClean="0"/>
+              <a:t>MK-GPLVM reimplementation </a:t>
+            </a:r>
+            <a:r>
+              <a:rPr lang="en-US" dirty="0"/>
+              <a:t>in Python </a:t>
+            </a:r>
+            <a:r>
+              <a:rPr lang="en-US" dirty="0" smtClean="0"/>
+              <a:t>is </a:t>
+            </a:r>
+            <a:r>
+              <a:rPr lang="en-US" dirty="0"/>
+              <a:t>not </a:t>
+            </a:r>
+            <a:r>
+              <a:rPr lang="en-US" dirty="0" smtClean="0"/>
+              <a:t>finished – </a:t>
+            </a:r>
+            <a:r>
+              <a:rPr lang="en-US" dirty="0"/>
+              <a:t>problems with </a:t>
+            </a:r>
+            <a:r>
+              <a:rPr lang="en-US" dirty="0" smtClean="0"/>
+              <a:t>gradients</a:t>
+            </a:r>
+            <a:endParaRPr lang="en-GB" dirty="0"/>
+          </a:p>
+          <a:p>
+            <a:r>
+              <a:rPr lang="en-GB" dirty="0" smtClean="0"/>
+              <a:t>no</a:t>
+            </a:r>
+            <a:r>
+              <a:rPr lang="en-GB" b="1" dirty="0" smtClean="0"/>
+              <a:t> </a:t>
+            </a:r>
+            <a:r>
+              <a:rPr lang="en-GB" dirty="0"/>
+              <a:t>numerical criteria for quality </a:t>
+            </a:r>
+            <a:r>
+              <a:rPr lang="en-US" dirty="0" smtClean="0"/>
+              <a:t>measuring – </a:t>
+            </a:r>
+            <a:r>
+              <a:rPr lang="en-GB" dirty="0" smtClean="0"/>
+              <a:t>implement </a:t>
+            </a:r>
+            <a:r>
+              <a:rPr lang="en-GB" dirty="0"/>
+              <a:t>an evaluation </a:t>
+            </a:r>
+            <a:r>
+              <a:rPr lang="en-GB" dirty="0" smtClean="0"/>
+              <a:t>method</a:t>
+            </a:r>
+            <a:endParaRPr lang="en-GB" dirty="0"/>
+          </a:p>
+          <a:p>
+            <a:r>
+              <a:rPr lang="en-US" dirty="0" smtClean="0"/>
+              <a:t>GPLVM </a:t>
+            </a:r>
+            <a:r>
+              <a:rPr lang="en-US" dirty="0"/>
+              <a:t>implementation </a:t>
+            </a:r>
+            <a:r>
+              <a:rPr lang="en-US" dirty="0" smtClean="0"/>
+              <a:t>in Python is </a:t>
+            </a:r>
+            <a:r>
+              <a:rPr lang="en-US" dirty="0"/>
+              <a:t>done and provides quite interesting </a:t>
+            </a:r>
+            <a:r>
+              <a:rPr lang="en-US" dirty="0" smtClean="0"/>
+              <a:t>result – improve the results</a:t>
+            </a:r>
+          </a:p>
+          <a:p>
+            <a:r>
+              <a:rPr lang="en-US" dirty="0"/>
+              <a:t>try wavelets to reduce dimensionality of original </a:t>
+            </a:r>
+            <a:r>
+              <a:rPr lang="en-US" dirty="0" smtClean="0"/>
+              <a:t>input </a:t>
+            </a:r>
+            <a:r>
+              <a:rPr lang="en-US" dirty="0"/>
+              <a:t>to decrease </a:t>
+            </a:r>
+            <a:r>
+              <a:rPr lang="en-US" dirty="0" smtClean="0"/>
+              <a:t>time for </a:t>
+            </a:r>
+            <a:r>
+              <a:rPr lang="en-US" dirty="0"/>
+              <a:t>optimization</a:t>
+            </a:r>
+            <a:endParaRPr lang="en-US" dirty="0" smtClean="0"/>
+          </a:p>
+          <a:p>
+            <a:endParaRPr lang="en-GB" dirty="0" smtClean="0"/>
+          </a:p>
+          <a:p>
+            <a:pPr marL="0" indent="0">
+              <a:buNone/>
+            </a:pPr>
+            <a:endParaRPr lang="en-GB" dirty="0"/>
+          </a:p>
+        </p:txBody>
+      </p:sp>
+    </p:spTree>
+    <p:extLst>
+      <p:ext uri="{BB962C8B-B14F-4D97-AF65-F5344CB8AC3E}">
+        <p14:creationId xmlns:p14="http://schemas.microsoft.com/office/powerpoint/2010/main" val="1592686309"/>
+      </p:ext>
+    </p:extLst>
+  </p:cSld>
+  <p:clrMapOvr>
+    <a:masterClrMapping/>
+  </p:clrMapOvr>
+  <p:timing>
+    <p:tnLst>
+      <p:par>
+        <p:cTn id="1" dur="indefinite" restart="never" nodeType="tmRoot"/>
+      </p:par>
+    </p:tnLst>
+  </p:timing>
+</p:sld>
+</file>
+
+<file path=ppt/slides/slide58.xml><?xml version="1.0" encoding="utf-8"?>
+<p:sld xmlns:a="http://schemas.openxmlformats.org/drawingml/2006/main" xmlns:r="http://schemas.openxmlformats.org/officeDocument/2006/relationships" xmlns:p="http://schemas.openxmlformats.org/presentationml/2006/main">
+  <p:cSld>
+    <p:spTree>
+      <p:nvGrpSpPr>
+        <p:cNvPr id="1" name=""/>
+        <p:cNvGrpSpPr/>
+        <p:nvPr/>
+      </p:nvGrpSpPr>
+      <p:grpSpPr>
+        <a:xfrm>
+          <a:off x="0" y="0"/>
+          <a:ext cx="0" cy="0"/>
+          <a:chOff x="0" y="0"/>
+          <a:chExt cx="0" cy="0"/>
+        </a:xfrm>
+      </p:grpSpPr>
+      <p:sp>
+        <p:nvSpPr>
+          <p:cNvPr id="2" name="Title 1"/>
+          <p:cNvSpPr>
+            <a:spLocks noGrp="1"/>
+          </p:cNvSpPr>
+          <p:nvPr>
+            <p:ph type="ctrTitle"/>
+          </p:nvPr>
+        </p:nvSpPr>
+        <p:spPr/>
+        <p:txBody>
+          <a:bodyPr/>
+          <a:lstStyle/>
+          <a:p>
+            <a:r>
               <a:rPr lang="en-US" b="1" dirty="0" smtClean="0"/>
               <a:t>QUESTIONS ?</a:t>
             </a:r>
@@ -16814,7 +17201,7 @@
 </p:sld>
 </file>
 
-<file path=ppt/slides/slide57.xml><?xml version="1.0" encoding="utf-8"?>
+<file path=ppt/slides/slide59.xml><?xml version="1.0" encoding="utf-8"?>
 <p:sld xmlns:a="http://schemas.openxmlformats.org/drawingml/2006/main" xmlns:r="http://schemas.openxmlformats.org/officeDocument/2006/relationships" xmlns:p="http://schemas.openxmlformats.org/presentationml/2006/main">
   <p:cSld>
     <p:spTree>
@@ -17147,7 +17534,7 @@
           <a:graphicData uri="http://schemas.openxmlformats.org/presentationml/2006/ole">
             <mc:AlternateContent xmlns:mc="http://schemas.openxmlformats.org/markup-compatibility/2006">
               <mc:Choice xmlns:v="urn:schemas-microsoft-com:vml" Requires="v">
-                <p:oleObj spid="_x0000_s6152" name="Bitmap Image" r:id="rId4" imgW="1935238" imgH="1546994" progId="Paint.Picture">
+                <p:oleObj spid="_x0000_s6154" name="Bitmap Image" r:id="rId4" imgW="1935238" imgH="1546994" progId="Paint.Picture">
                   <p:embed/>
                 </p:oleObj>
               </mc:Choice>
@@ -17714,7 +18101,7 @@
           <a:graphicData uri="http://schemas.openxmlformats.org/presentationml/2006/ole">
             <mc:AlternateContent xmlns:mc="http://schemas.openxmlformats.org/markup-compatibility/2006">
               <mc:Choice xmlns:v="urn:schemas-microsoft-com:vml" Requires="v">
-                <p:oleObj spid="_x0000_s7176" name="Bitmap Image" r:id="rId4" imgW="1935238" imgH="1546994" progId="Paint.Picture">
+                <p:oleObj spid="_x0000_s7178" name="Bitmap Image" r:id="rId4" imgW="1935238" imgH="1546994" progId="Paint.Picture">
                   <p:embed/>
                 </p:oleObj>
               </mc:Choice>

--- a/presentation.pptx
+++ b/presentation.pptx
@@ -25,45 +25,39 @@
     <p:sldId id="373" r:id="rId19"/>
     <p:sldId id="374" r:id="rId20"/>
     <p:sldId id="371" r:id="rId21"/>
-    <p:sldId id="376" r:id="rId22"/>
-    <p:sldId id="372" r:id="rId23"/>
-    <p:sldId id="375" r:id="rId24"/>
+    <p:sldId id="393" r:id="rId22"/>
+    <p:sldId id="394" r:id="rId23"/>
+    <p:sldId id="395" r:id="rId24"/>
     <p:sldId id="391" r:id="rId25"/>
-    <p:sldId id="392" r:id="rId26"/>
-    <p:sldId id="377" r:id="rId27"/>
-    <p:sldId id="282" r:id="rId28"/>
-    <p:sldId id="330" r:id="rId29"/>
-    <p:sldId id="350" r:id="rId30"/>
-    <p:sldId id="351" r:id="rId31"/>
+    <p:sldId id="296" r:id="rId26"/>
+    <p:sldId id="358" r:id="rId27"/>
+    <p:sldId id="398" r:id="rId28"/>
+    <p:sldId id="399" r:id="rId29"/>
+    <p:sldId id="377" r:id="rId30"/>
+    <p:sldId id="282" r:id="rId31"/>
     <p:sldId id="352" r:id="rId32"/>
     <p:sldId id="378" r:id="rId33"/>
     <p:sldId id="379" r:id="rId34"/>
     <p:sldId id="380" r:id="rId35"/>
-    <p:sldId id="353" r:id="rId36"/>
+    <p:sldId id="400" r:id="rId36"/>
     <p:sldId id="354" r:id="rId37"/>
     <p:sldId id="383" r:id="rId38"/>
     <p:sldId id="381" r:id="rId39"/>
     <p:sldId id="382" r:id="rId40"/>
     <p:sldId id="385" r:id="rId41"/>
     <p:sldId id="384" r:id="rId42"/>
-    <p:sldId id="386" r:id="rId43"/>
-    <p:sldId id="356" r:id="rId44"/>
-    <p:sldId id="357" r:id="rId45"/>
-    <p:sldId id="296" r:id="rId46"/>
-    <p:sldId id="358" r:id="rId47"/>
-    <p:sldId id="359" r:id="rId48"/>
-    <p:sldId id="291" r:id="rId49"/>
-    <p:sldId id="388" r:id="rId50"/>
-    <p:sldId id="387" r:id="rId51"/>
-    <p:sldId id="389" r:id="rId52"/>
-    <p:sldId id="390" r:id="rId53"/>
-    <p:sldId id="293" r:id="rId54"/>
-    <p:sldId id="297" r:id="rId55"/>
-    <p:sldId id="298" r:id="rId56"/>
-    <p:sldId id="299" r:id="rId57"/>
-    <p:sldId id="300" r:id="rId58"/>
-    <p:sldId id="303" r:id="rId59"/>
-    <p:sldId id="315" r:id="rId60"/>
+    <p:sldId id="356" r:id="rId43"/>
+    <p:sldId id="397" r:id="rId44"/>
+    <p:sldId id="359" r:id="rId45"/>
+    <p:sldId id="291" r:id="rId46"/>
+    <p:sldId id="396" r:id="rId47"/>
+    <p:sldId id="387" r:id="rId48"/>
+    <p:sldId id="293" r:id="rId49"/>
+    <p:sldId id="297" r:id="rId50"/>
+    <p:sldId id="298" r:id="rId51"/>
+    <p:sldId id="299" r:id="rId52"/>
+    <p:sldId id="300" r:id="rId53"/>
+    <p:sldId id="315" r:id="rId54"/>
   </p:sldIdLst>
   <p:sldSz cx="12192000" cy="6858000"/>
   <p:notesSz cx="6858000" cy="9144000"/>
@@ -340,7 +334,7 @@
             <a:fld id="{87DE6118-2437-4B30-8E3C-4D2BE6020583}" type="datetimeFigureOut">
               <a:rPr lang="en-US" dirty="0"/>
               <a:pPr/>
-              <a:t>6/28/2016</a:t>
+              <a:t>6/29/2016</a:t>
             </a:fld>
             <a:endParaRPr lang="en-US" dirty="0"/>
           </a:p>
@@ -666,7 +660,7 @@
           <a:p>
             <a:fld id="{87DE6118-2437-4B30-8E3C-4D2BE6020583}" type="datetimeFigureOut">
               <a:rPr lang="en-US" dirty="0"/>
-              <a:t>6/28/2016</a:t>
+              <a:t>6/29/2016</a:t>
             </a:fld>
             <a:endParaRPr lang="en-US" dirty="0"/>
           </a:p>
@@ -841,7 +835,7 @@
           <a:p>
             <a:fld id="{87DE6118-2437-4B30-8E3C-4D2BE6020583}" type="datetimeFigureOut">
               <a:rPr lang="en-US" dirty="0"/>
-              <a:t>6/28/2016</a:t>
+              <a:t>6/29/2016</a:t>
             </a:fld>
             <a:endParaRPr lang="en-US" dirty="0"/>
           </a:p>
@@ -1006,7 +1000,7 @@
           <a:p>
             <a:fld id="{87DE6118-2437-4B30-8E3C-4D2BE6020583}" type="datetimeFigureOut">
               <a:rPr lang="en-US" dirty="0"/>
-              <a:t>6/28/2016</a:t>
+              <a:t>6/29/2016</a:t>
             </a:fld>
             <a:endParaRPr lang="en-US" dirty="0"/>
           </a:p>
@@ -1279,7 +1273,7 @@
             <a:fld id="{87DE6118-2437-4B30-8E3C-4D2BE6020583}" type="datetimeFigureOut">
               <a:rPr lang="en-US" dirty="0"/>
               <a:pPr/>
-              <a:t>6/28/2016</a:t>
+              <a:t>6/29/2016</a:t>
             </a:fld>
             <a:endParaRPr lang="en-US" dirty="0"/>
           </a:p>
@@ -1669,7 +1663,7 @@
           <a:p>
             <a:fld id="{87DE6118-2437-4B30-8E3C-4D2BE6020583}" type="datetimeFigureOut">
               <a:rPr lang="en-US" dirty="0"/>
-              <a:t>6/28/2016</a:t>
+              <a:t>6/29/2016</a:t>
             </a:fld>
             <a:endParaRPr lang="en-US" dirty="0"/>
           </a:p>
@@ -2141,7 +2135,7 @@
           <a:p>
             <a:fld id="{87DE6118-2437-4B30-8E3C-4D2BE6020583}" type="datetimeFigureOut">
               <a:rPr lang="en-US" dirty="0"/>
-              <a:t>6/28/2016</a:t>
+              <a:t>6/29/2016</a:t>
             </a:fld>
             <a:endParaRPr lang="en-US" dirty="0"/>
           </a:p>
@@ -2254,7 +2248,7 @@
           <a:p>
             <a:fld id="{87DE6118-2437-4B30-8E3C-4D2BE6020583}" type="datetimeFigureOut">
               <a:rPr lang="en-US" dirty="0"/>
-              <a:t>6/28/2016</a:t>
+              <a:t>6/29/2016</a:t>
             </a:fld>
             <a:endParaRPr lang="en-US" dirty="0"/>
           </a:p>
@@ -2344,7 +2338,7 @@
           <a:p>
             <a:fld id="{87DE6118-2437-4B30-8E3C-4D2BE6020583}" type="datetimeFigureOut">
               <a:rPr lang="en-US" dirty="0"/>
-              <a:t>6/28/2016</a:t>
+              <a:t>6/29/2016</a:t>
             </a:fld>
             <a:endParaRPr lang="en-US" dirty="0"/>
           </a:p>
@@ -2686,7 +2680,7 @@
             <a:fld id="{87DE6118-2437-4B30-8E3C-4D2BE6020583}" type="datetimeFigureOut">
               <a:rPr lang="en-US" dirty="0"/>
               <a:pPr/>
-              <a:t>6/28/2016</a:t>
+              <a:t>6/29/2016</a:t>
             </a:fld>
             <a:endParaRPr lang="en-US" dirty="0"/>
           </a:p>
@@ -3071,7 +3065,7 @@
             <a:fld id="{87DE6118-2437-4B30-8E3C-4D2BE6020583}" type="datetimeFigureOut">
               <a:rPr lang="en-US" dirty="0"/>
               <a:pPr/>
-              <a:t>6/28/2016</a:t>
+              <a:t>6/29/2016</a:t>
             </a:fld>
             <a:endParaRPr lang="en-US" dirty="0"/>
           </a:p>
@@ -3346,7 +3340,7 @@
             <a:fld id="{87DE6118-2437-4B30-8E3C-4D2BE6020583}" type="datetimeFigureOut">
               <a:rPr lang="en-US" dirty="0"/>
               <a:pPr/>
-              <a:t>6/28/2016</a:t>
+              <a:t>6/29/2016</a:t>
             </a:fld>
             <a:endParaRPr lang="en-US" dirty="0"/>
           </a:p>
@@ -4113,6 +4107,39 @@
           </a:p>
         </p:txBody>
       </p:sp>
+      <p:sp>
+        <p:nvSpPr>
+          <p:cNvPr id="4" name="TextBox 3"/>
+          <p:cNvSpPr txBox="1"/>
+          <p:nvPr/>
+        </p:nvSpPr>
+        <p:spPr>
+          <a:xfrm>
+            <a:off x="11542143" y="6211669"/>
+            <a:ext cx="649857" cy="646331"/>
+          </a:xfrm>
+          <a:prstGeom prst="rect">
+            <a:avLst/>
+          </a:prstGeom>
+          <a:noFill/>
+        </p:spPr>
+        <p:txBody>
+          <a:bodyPr wrap="square" rtlCol="0">
+            <a:spAutoFit/>
+          </a:bodyPr>
+          <a:lstStyle/>
+          <a:p>
+            <a:r>
+              <a:rPr lang="ru-RU" dirty="0" smtClean="0"/>
+              <a:t>1</a:t>
+            </a:r>
+            <a:endParaRPr lang="ru-RU" dirty="0"/>
+          </a:p>
+          <a:p>
+            <a:endParaRPr lang="en-GB" dirty="0"/>
+          </a:p>
+        </p:txBody>
+      </p:sp>
     </p:spTree>
     <p:extLst>
       <p:ext uri="{BB962C8B-B14F-4D97-AF65-F5344CB8AC3E}">
@@ -4220,6 +4247,39 @@
           </a:p>
         </p:txBody>
       </p:sp>
+      <p:sp>
+        <p:nvSpPr>
+          <p:cNvPr id="4" name="TextBox 3"/>
+          <p:cNvSpPr txBox="1"/>
+          <p:nvPr/>
+        </p:nvSpPr>
+        <p:spPr>
+          <a:xfrm>
+            <a:off x="11542143" y="6220295"/>
+            <a:ext cx="649857" cy="646331"/>
+          </a:xfrm>
+          <a:prstGeom prst="rect">
+            <a:avLst/>
+          </a:prstGeom>
+          <a:noFill/>
+        </p:spPr>
+        <p:txBody>
+          <a:bodyPr wrap="square" rtlCol="0">
+            <a:spAutoFit/>
+          </a:bodyPr>
+          <a:lstStyle/>
+          <a:p>
+            <a:r>
+              <a:rPr lang="ru-RU" dirty="0" smtClean="0"/>
+              <a:t>1</a:t>
+            </a:r>
+            <a:endParaRPr lang="ru-RU" dirty="0"/>
+          </a:p>
+          <a:p>
+            <a:endParaRPr lang="en-GB" dirty="0"/>
+          </a:p>
+        </p:txBody>
+      </p:sp>
     </p:spTree>
     <p:extLst>
       <p:ext uri="{BB962C8B-B14F-4D97-AF65-F5344CB8AC3E}">
@@ -4357,6 +4417,39 @@
           </a:prstGeom>
         </p:spPr>
       </p:pic>
+      <p:sp>
+        <p:nvSpPr>
+          <p:cNvPr id="6" name="TextBox 5"/>
+          <p:cNvSpPr txBox="1"/>
+          <p:nvPr/>
+        </p:nvSpPr>
+        <p:spPr>
+          <a:xfrm>
+            <a:off x="11542143" y="6228921"/>
+            <a:ext cx="649857" cy="646331"/>
+          </a:xfrm>
+          <a:prstGeom prst="rect">
+            <a:avLst/>
+          </a:prstGeom>
+          <a:noFill/>
+        </p:spPr>
+        <p:txBody>
+          <a:bodyPr wrap="square" rtlCol="0">
+            <a:spAutoFit/>
+          </a:bodyPr>
+          <a:lstStyle/>
+          <a:p>
+            <a:r>
+              <a:rPr lang="ru-RU" dirty="0" smtClean="0"/>
+              <a:t>1</a:t>
+            </a:r>
+            <a:endParaRPr lang="ru-RU" dirty="0"/>
+          </a:p>
+          <a:p>
+            <a:endParaRPr lang="en-GB" dirty="0"/>
+          </a:p>
+        </p:txBody>
+      </p:sp>
     </p:spTree>
     <p:extLst>
       <p:ext uri="{BB962C8B-B14F-4D97-AF65-F5344CB8AC3E}">
@@ -4521,6 +4614,39 @@
           </a:prstGeom>
         </p:spPr>
       </p:pic>
+      <p:sp>
+        <p:nvSpPr>
+          <p:cNvPr id="7" name="TextBox 6"/>
+          <p:cNvSpPr txBox="1"/>
+          <p:nvPr/>
+        </p:nvSpPr>
+        <p:spPr>
+          <a:xfrm>
+            <a:off x="11542143" y="6211669"/>
+            <a:ext cx="649857" cy="646331"/>
+          </a:xfrm>
+          <a:prstGeom prst="rect">
+            <a:avLst/>
+          </a:prstGeom>
+          <a:noFill/>
+        </p:spPr>
+        <p:txBody>
+          <a:bodyPr wrap="square" rtlCol="0">
+            <a:spAutoFit/>
+          </a:bodyPr>
+          <a:lstStyle/>
+          <a:p>
+            <a:r>
+              <a:rPr lang="ru-RU" dirty="0" smtClean="0"/>
+              <a:t>1</a:t>
+            </a:r>
+            <a:endParaRPr lang="ru-RU" dirty="0"/>
+          </a:p>
+          <a:p>
+            <a:endParaRPr lang="en-GB" dirty="0"/>
+          </a:p>
+        </p:txBody>
+      </p:sp>
     </p:spTree>
     <p:extLst>
       <p:ext uri="{BB962C8B-B14F-4D97-AF65-F5344CB8AC3E}">
@@ -4715,6 +4841,39 @@
           </a:prstGeom>
         </p:spPr>
       </p:pic>
+      <p:sp>
+        <p:nvSpPr>
+          <p:cNvPr id="4" name="TextBox 3"/>
+          <p:cNvSpPr txBox="1"/>
+          <p:nvPr/>
+        </p:nvSpPr>
+        <p:spPr>
+          <a:xfrm>
+            <a:off x="11542143" y="6211669"/>
+            <a:ext cx="649857" cy="646331"/>
+          </a:xfrm>
+          <a:prstGeom prst="rect">
+            <a:avLst/>
+          </a:prstGeom>
+          <a:noFill/>
+        </p:spPr>
+        <p:txBody>
+          <a:bodyPr wrap="square" rtlCol="0">
+            <a:spAutoFit/>
+          </a:bodyPr>
+          <a:lstStyle/>
+          <a:p>
+            <a:r>
+              <a:rPr lang="ru-RU" dirty="0" smtClean="0"/>
+              <a:t>1</a:t>
+            </a:r>
+            <a:endParaRPr lang="ru-RU" dirty="0"/>
+          </a:p>
+          <a:p>
+            <a:endParaRPr lang="en-GB" dirty="0"/>
+          </a:p>
+        </p:txBody>
+      </p:sp>
     </p:spTree>
     <p:extLst>
       <p:ext uri="{BB962C8B-B14F-4D97-AF65-F5344CB8AC3E}">
@@ -4829,6 +4988,38 @@
           </a:p>
         </p:txBody>
       </p:sp>
+      <p:sp>
+        <p:nvSpPr>
+          <p:cNvPr id="4" name="TextBox 3"/>
+          <p:cNvSpPr txBox="1"/>
+          <p:nvPr/>
+        </p:nvSpPr>
+        <p:spPr>
+          <a:xfrm>
+            <a:off x="11542143" y="6211669"/>
+            <a:ext cx="649857" cy="646331"/>
+          </a:xfrm>
+          <a:prstGeom prst="rect">
+            <a:avLst/>
+          </a:prstGeom>
+          <a:noFill/>
+        </p:spPr>
+        <p:txBody>
+          <a:bodyPr wrap="square" rtlCol="0">
+            <a:spAutoFit/>
+          </a:bodyPr>
+          <a:lstStyle/>
+          <a:p>
+            <a:r>
+              <a:rPr lang="ru-RU" dirty="0"/>
+              <a:t>2</a:t>
+            </a:r>
+          </a:p>
+          <a:p>
+            <a:endParaRPr lang="en-GB" dirty="0"/>
+          </a:p>
+        </p:txBody>
+      </p:sp>
     </p:spTree>
     <p:extLst>
       <p:ext uri="{BB962C8B-B14F-4D97-AF65-F5344CB8AC3E}">
@@ -4972,6 +5163,38 @@
           </a:p>
         </p:txBody>
       </p:sp>
+      <p:sp>
+        <p:nvSpPr>
+          <p:cNvPr id="4" name="TextBox 3"/>
+          <p:cNvSpPr txBox="1"/>
+          <p:nvPr/>
+        </p:nvSpPr>
+        <p:spPr>
+          <a:xfrm>
+            <a:off x="11542143" y="6211669"/>
+            <a:ext cx="649857" cy="646331"/>
+          </a:xfrm>
+          <a:prstGeom prst="rect">
+            <a:avLst/>
+          </a:prstGeom>
+          <a:noFill/>
+        </p:spPr>
+        <p:txBody>
+          <a:bodyPr wrap="square" rtlCol="0">
+            <a:spAutoFit/>
+          </a:bodyPr>
+          <a:lstStyle/>
+          <a:p>
+            <a:r>
+              <a:rPr lang="ru-RU" dirty="0"/>
+              <a:t>2</a:t>
+            </a:r>
+          </a:p>
+          <a:p>
+            <a:endParaRPr lang="en-GB" dirty="0"/>
+          </a:p>
+        </p:txBody>
+      </p:sp>
     </p:spTree>
     <p:extLst>
       <p:ext uri="{BB962C8B-B14F-4D97-AF65-F5344CB8AC3E}">
@@ -5145,6 +5368,38 @@
           </a:prstGeom>
         </p:spPr>
       </p:pic>
+      <p:sp>
+        <p:nvSpPr>
+          <p:cNvPr id="5" name="TextBox 4"/>
+          <p:cNvSpPr txBox="1"/>
+          <p:nvPr/>
+        </p:nvSpPr>
+        <p:spPr>
+          <a:xfrm>
+            <a:off x="11542143" y="6211669"/>
+            <a:ext cx="649857" cy="646331"/>
+          </a:xfrm>
+          <a:prstGeom prst="rect">
+            <a:avLst/>
+          </a:prstGeom>
+          <a:noFill/>
+        </p:spPr>
+        <p:txBody>
+          <a:bodyPr wrap="square" rtlCol="0">
+            <a:spAutoFit/>
+          </a:bodyPr>
+          <a:lstStyle/>
+          <a:p>
+            <a:r>
+              <a:rPr lang="ru-RU" dirty="0"/>
+              <a:t>2</a:t>
+            </a:r>
+          </a:p>
+          <a:p>
+            <a:endParaRPr lang="en-GB" dirty="0"/>
+          </a:p>
+        </p:txBody>
+      </p:sp>
     </p:spTree>
     <p:extLst>
       <p:ext uri="{BB962C8B-B14F-4D97-AF65-F5344CB8AC3E}">
@@ -5209,6 +5464,38 @@
           </a:p>
         </p:txBody>
       </p:sp>
+      <p:sp>
+        <p:nvSpPr>
+          <p:cNvPr id="3" name="TextBox 2"/>
+          <p:cNvSpPr txBox="1"/>
+          <p:nvPr/>
+        </p:nvSpPr>
+        <p:spPr>
+          <a:xfrm>
+            <a:off x="11542143" y="6211669"/>
+            <a:ext cx="649857" cy="646331"/>
+          </a:xfrm>
+          <a:prstGeom prst="rect">
+            <a:avLst/>
+          </a:prstGeom>
+          <a:noFill/>
+        </p:spPr>
+        <p:txBody>
+          <a:bodyPr wrap="square" rtlCol="0">
+            <a:spAutoFit/>
+          </a:bodyPr>
+          <a:lstStyle/>
+          <a:p>
+            <a:r>
+              <a:rPr lang="ru-RU" dirty="0"/>
+              <a:t>3</a:t>
+            </a:r>
+          </a:p>
+          <a:p>
+            <a:endParaRPr lang="en-GB" dirty="0"/>
+          </a:p>
+        </p:txBody>
+      </p:sp>
     </p:spTree>
     <p:extLst>
       <p:ext uri="{BB962C8B-B14F-4D97-AF65-F5344CB8AC3E}">
@@ -5405,6 +5692,38 @@
           </a:prstGeom>
         </p:spPr>
       </p:pic>
+      <p:sp>
+        <p:nvSpPr>
+          <p:cNvPr id="5" name="TextBox 4"/>
+          <p:cNvSpPr txBox="1"/>
+          <p:nvPr/>
+        </p:nvSpPr>
+        <p:spPr>
+          <a:xfrm>
+            <a:off x="11542143" y="6211669"/>
+            <a:ext cx="649857" cy="646331"/>
+          </a:xfrm>
+          <a:prstGeom prst="rect">
+            <a:avLst/>
+          </a:prstGeom>
+          <a:noFill/>
+        </p:spPr>
+        <p:txBody>
+          <a:bodyPr wrap="square" rtlCol="0">
+            <a:spAutoFit/>
+          </a:bodyPr>
+          <a:lstStyle/>
+          <a:p>
+            <a:r>
+              <a:rPr lang="ru-RU" dirty="0"/>
+              <a:t>3</a:t>
+            </a:r>
+          </a:p>
+          <a:p>
+            <a:endParaRPr lang="en-GB" dirty="0"/>
+          </a:p>
+        </p:txBody>
+      </p:sp>
     </p:spTree>
     <p:extLst>
       <p:ext uri="{BB962C8B-B14F-4D97-AF65-F5344CB8AC3E}">
@@ -5905,6 +6224,38 @@
           </a:prstGeom>
         </p:spPr>
       </p:pic>
+      <p:sp>
+        <p:nvSpPr>
+          <p:cNvPr id="6" name="TextBox 5"/>
+          <p:cNvSpPr txBox="1"/>
+          <p:nvPr/>
+        </p:nvSpPr>
+        <p:spPr>
+          <a:xfrm>
+            <a:off x="11542143" y="6211669"/>
+            <a:ext cx="649857" cy="646331"/>
+          </a:xfrm>
+          <a:prstGeom prst="rect">
+            <a:avLst/>
+          </a:prstGeom>
+          <a:noFill/>
+        </p:spPr>
+        <p:txBody>
+          <a:bodyPr wrap="square" rtlCol="0">
+            <a:spAutoFit/>
+          </a:bodyPr>
+          <a:lstStyle/>
+          <a:p>
+            <a:r>
+              <a:rPr lang="ru-RU" dirty="0"/>
+              <a:t>3</a:t>
+            </a:r>
+          </a:p>
+          <a:p>
+            <a:endParaRPr lang="en-GB" dirty="0"/>
+          </a:p>
+        </p:txBody>
+      </p:sp>
     </p:spTree>
     <p:extLst>
       <p:ext uri="{BB962C8B-B14F-4D97-AF65-F5344CB8AC3E}">
@@ -5958,9 +6309,41 @@
           <a:lstStyle/>
           <a:p>
             <a:r>
-              <a:rPr lang="en-US" dirty="0" smtClean="0"/>
-              <a:t>How? </a:t>
-            </a:r>
+              <a:rPr lang="en-US" dirty="0"/>
+              <a:t>What we are doing </a:t>
+            </a:r>
+            <a:endParaRPr lang="en-GB" dirty="0"/>
+          </a:p>
+        </p:txBody>
+      </p:sp>
+      <p:sp>
+        <p:nvSpPr>
+          <p:cNvPr id="3" name="TextBox 2"/>
+          <p:cNvSpPr txBox="1"/>
+          <p:nvPr/>
+        </p:nvSpPr>
+        <p:spPr>
+          <a:xfrm>
+            <a:off x="11542143" y="6211669"/>
+            <a:ext cx="649857" cy="646331"/>
+          </a:xfrm>
+          <a:prstGeom prst="rect">
+            <a:avLst/>
+          </a:prstGeom>
+          <a:noFill/>
+        </p:spPr>
+        <p:txBody>
+          <a:bodyPr wrap="square" rtlCol="0">
+            <a:spAutoFit/>
+          </a:bodyPr>
+          <a:lstStyle/>
+          <a:p>
+            <a:r>
+              <a:rPr lang="ru-RU" dirty="0"/>
+              <a:t>4</a:t>
+            </a:r>
+          </a:p>
+          <a:p>
             <a:endParaRPr lang="en-GB" dirty="0"/>
           </a:p>
         </p:txBody>
@@ -5968,7 +6351,7 @@
     </p:spTree>
     <p:extLst>
       <p:ext uri="{BB962C8B-B14F-4D97-AF65-F5344CB8AC3E}">
-        <p14:creationId xmlns:p14="http://schemas.microsoft.com/office/powerpoint/2010/main" val="122837495"/>
+        <p14:creationId xmlns:p14="http://schemas.microsoft.com/office/powerpoint/2010/main" val="3849655282"/>
       </p:ext>
     </p:extLst>
   </p:cSld>
@@ -6018,8 +6401,8 @@
           <a:lstStyle/>
           <a:p>
             <a:r>
-              <a:rPr lang="en-US" dirty="0" smtClean="0"/>
-              <a:t>How? </a:t>
+              <a:rPr lang="en-US" dirty="0"/>
+              <a:t>What we are doing </a:t>
             </a:r>
             <a:endParaRPr lang="en-GB" dirty="0"/>
           </a:p>
@@ -6035,18 +6418,42 @@
             <p:ph idx="1"/>
           </p:nvPr>
         </p:nvSpPr>
-        <p:spPr/>
-        <p:txBody>
-          <a:bodyPr/>
-          <a:lstStyle/>
-          <a:p>
-            <a:r>
-              <a:rPr lang="en-US" dirty="0"/>
-              <a:t>D</a:t>
-            </a:r>
-            <a:r>
-              <a:rPr lang="en-US" dirty="0" smtClean="0"/>
-              <a:t>ynamic </a:t>
+        <p:spPr>
+          <a:xfrm>
+            <a:off x="1371600" y="1785668"/>
+            <a:ext cx="9601200" cy="4081732"/>
+          </a:xfrm>
+        </p:spPr>
+        <p:txBody>
+          <a:bodyPr>
+            <a:normAutofit lnSpcReduction="10000"/>
+          </a:bodyPr>
+          <a:lstStyle/>
+          <a:p>
+            <a:pPr marL="0" indent="0">
+              <a:buNone/>
+            </a:pPr>
+            <a:r>
+              <a:rPr lang="en-US" dirty="0" smtClean="0"/>
+              <a:t>Input – video t1 seconds</a:t>
+            </a:r>
+          </a:p>
+          <a:p>
+            <a:pPr marL="0" indent="0">
+              <a:buNone/>
+            </a:pPr>
+            <a:r>
+              <a:rPr lang="en-US" dirty="0" smtClean="0"/>
+              <a:t>Output – new videos t2 seconds, t2 &gt; 0</a:t>
+            </a:r>
+          </a:p>
+          <a:p>
+            <a:endParaRPr lang="en-US" dirty="0"/>
+          </a:p>
+          <a:p>
+            <a:r>
+              <a:rPr lang="en-US" dirty="0" smtClean="0"/>
+              <a:t>Dynamic </a:t>
             </a:r>
             <a:r>
               <a:rPr lang="en-US" dirty="0"/>
@@ -6078,6 +6485,88 @@
           </a:p>
           <a:p>
             <a:endParaRPr lang="en-US" dirty="0"/>
+          </a:p>
+          <a:p>
+            <a:pPr marL="0" indent="0">
+              <a:buNone/>
+            </a:pPr>
+            <a:r>
+              <a:rPr lang="en-US" b="1" dirty="0" smtClean="0"/>
+              <a:t> </a:t>
+            </a:r>
+          </a:p>
+          <a:p>
+            <a:pPr marL="0" indent="0">
+              <a:buNone/>
+            </a:pPr>
+            <a:r>
+              <a:rPr lang="en-US" b="1" dirty="0"/>
+              <a:t> </a:t>
+            </a:r>
+            <a:r>
+              <a:rPr lang="en-US" b="1" dirty="0" smtClean="0"/>
+              <a:t>  </a:t>
+            </a:r>
+          </a:p>
+          <a:p>
+            <a:pPr marL="0" indent="0">
+              <a:buNone/>
+            </a:pPr>
+            <a:r>
+              <a:rPr lang="en-US" b="1" dirty="0"/>
+              <a:t> </a:t>
+            </a:r>
+            <a:r>
+              <a:rPr lang="en-US" b="1" dirty="0" smtClean="0"/>
+              <a:t>  </a:t>
+            </a:r>
+          </a:p>
+          <a:p>
+            <a:pPr marL="0" indent="0">
+              <a:buNone/>
+            </a:pPr>
+            <a:r>
+              <a:rPr lang="en-US" b="1" dirty="0"/>
+              <a:t> </a:t>
+            </a:r>
+            <a:r>
+              <a:rPr lang="en-US" b="1" dirty="0" smtClean="0"/>
+              <a:t> </a:t>
+            </a:r>
+            <a:endParaRPr lang="en-GB" dirty="0" smtClean="0"/>
+          </a:p>
+          <a:p>
+            <a:endParaRPr lang="en-GB" dirty="0"/>
+          </a:p>
+        </p:txBody>
+      </p:sp>
+      <p:sp>
+        <p:nvSpPr>
+          <p:cNvPr id="4" name="TextBox 3"/>
+          <p:cNvSpPr txBox="1"/>
+          <p:nvPr/>
+        </p:nvSpPr>
+        <p:spPr>
+          <a:xfrm>
+            <a:off x="11542143" y="6211669"/>
+            <a:ext cx="649857" cy="646331"/>
+          </a:xfrm>
+          <a:prstGeom prst="rect">
+            <a:avLst/>
+          </a:prstGeom>
+          <a:noFill/>
+        </p:spPr>
+        <p:txBody>
+          <a:bodyPr wrap="square" rtlCol="0">
+            <a:spAutoFit/>
+          </a:bodyPr>
+          <a:lstStyle/>
+          <a:p>
+            <a:r>
+              <a:rPr lang="ru-RU" dirty="0" smtClean="0"/>
+              <a:t>4</a:t>
+            </a:r>
+            <a:endParaRPr lang="ru-RU" dirty="0"/>
           </a:p>
           <a:p>
             <a:endParaRPr lang="en-GB" dirty="0"/>
@@ -6087,7 +6576,7 @@
     </p:spTree>
     <p:extLst>
       <p:ext uri="{BB962C8B-B14F-4D97-AF65-F5344CB8AC3E}">
-        <p14:creationId xmlns:p14="http://schemas.microsoft.com/office/powerpoint/2010/main" val="1948468639"/>
+        <p14:creationId xmlns:p14="http://schemas.microsoft.com/office/powerpoint/2010/main" val="3239265614"/>
       </p:ext>
     </p:extLst>
   </p:cSld>
@@ -6137,8 +6626,8 @@
           <a:lstStyle/>
           <a:p>
             <a:r>
-              <a:rPr lang="en-US" dirty="0" smtClean="0"/>
-              <a:t>How? </a:t>
+              <a:rPr lang="en-US" dirty="0"/>
+              <a:t>What we are doing </a:t>
             </a:r>
             <a:endParaRPr lang="en-GB" dirty="0"/>
           </a:p>
@@ -6154,18 +6643,42 @@
             <p:ph idx="1"/>
           </p:nvPr>
         </p:nvSpPr>
-        <p:spPr/>
-        <p:txBody>
-          <a:bodyPr/>
-          <a:lstStyle/>
-          <a:p>
-            <a:r>
-              <a:rPr lang="en-US" dirty="0"/>
-              <a:t>D</a:t>
-            </a:r>
-            <a:r>
-              <a:rPr lang="en-US" dirty="0" smtClean="0"/>
-              <a:t>ynamic </a:t>
+        <p:spPr>
+          <a:xfrm>
+            <a:off x="1371600" y="1785668"/>
+            <a:ext cx="9601200" cy="4081732"/>
+          </a:xfrm>
+        </p:spPr>
+        <p:txBody>
+          <a:bodyPr>
+            <a:normAutofit lnSpcReduction="10000"/>
+          </a:bodyPr>
+          <a:lstStyle/>
+          <a:p>
+            <a:pPr marL="0" indent="0">
+              <a:buNone/>
+            </a:pPr>
+            <a:r>
+              <a:rPr lang="en-US" dirty="0" smtClean="0"/>
+              <a:t>Input – video t1 seconds</a:t>
+            </a:r>
+          </a:p>
+          <a:p>
+            <a:pPr marL="0" indent="0">
+              <a:buNone/>
+            </a:pPr>
+            <a:r>
+              <a:rPr lang="en-US" dirty="0" smtClean="0"/>
+              <a:t>Output – new videos t2 seconds, t2 &gt; 0</a:t>
+            </a:r>
+          </a:p>
+          <a:p>
+            <a:endParaRPr lang="en-US" dirty="0"/>
+          </a:p>
+          <a:p>
+            <a:r>
+              <a:rPr lang="en-US" dirty="0" smtClean="0"/>
+              <a:t>Dynamic </a:t>
             </a:r>
             <a:r>
               <a:rPr lang="en-US" dirty="0"/>
@@ -6237,22 +6750,74 @@
           </a:p>
           <a:p>
             <a:r>
-              <a:rPr lang="en-US" i="1" dirty="0" smtClean="0"/>
+              <a:rPr lang="en-US" i="1" dirty="0" smtClean="0">
+                <a:solidFill>
+                  <a:schemeClr val="tx1"/>
+                </a:solidFill>
+              </a:rPr>
               <a:t>learning </a:t>
             </a:r>
             <a:r>
-              <a:rPr lang="en-US" i="1" dirty="0"/>
+              <a:rPr lang="en-US" i="1" dirty="0">
+                <a:solidFill>
+                  <a:schemeClr val="tx1"/>
+                </a:solidFill>
+              </a:rPr>
               <a:t>based </a:t>
             </a:r>
             <a:r>
-              <a:rPr lang="en-US" i="1" dirty="0" smtClean="0"/>
+              <a:rPr lang="en-US" i="1" dirty="0" smtClean="0">
+                <a:solidFill>
+                  <a:schemeClr val="tx1"/>
+                </a:solidFill>
+              </a:rPr>
               <a:t>methods</a:t>
             </a:r>
             <a:r>
-              <a:rPr lang="en-US" dirty="0" smtClean="0"/>
-              <a:t> – more universal, automatic</a:t>
+              <a:rPr lang="en-US" dirty="0" smtClean="0">
+                <a:solidFill>
+                  <a:schemeClr val="tx1"/>
+                </a:solidFill>
+              </a:rPr>
+              <a:t> </a:t>
+            </a:r>
+            <a:r>
+              <a:rPr lang="en-US" dirty="0" smtClean="0"/>
+              <a:t>– more universal, automatic</a:t>
             </a:r>
             <a:endParaRPr lang="en-GB" dirty="0"/>
+          </a:p>
+          <a:p>
+            <a:endParaRPr lang="en-GB" dirty="0"/>
+          </a:p>
+        </p:txBody>
+      </p:sp>
+      <p:sp>
+        <p:nvSpPr>
+          <p:cNvPr id="4" name="TextBox 3"/>
+          <p:cNvSpPr txBox="1"/>
+          <p:nvPr/>
+        </p:nvSpPr>
+        <p:spPr>
+          <a:xfrm>
+            <a:off x="11542143" y="6211669"/>
+            <a:ext cx="649857" cy="646331"/>
+          </a:xfrm>
+          <a:prstGeom prst="rect">
+            <a:avLst/>
+          </a:prstGeom>
+          <a:noFill/>
+        </p:spPr>
+        <p:txBody>
+          <a:bodyPr wrap="square" rtlCol="0">
+            <a:spAutoFit/>
+          </a:bodyPr>
+          <a:lstStyle/>
+          <a:p>
+            <a:r>
+              <a:rPr lang="ru-RU" dirty="0"/>
+              <a:t>4</a:t>
+            </a:r>
           </a:p>
           <a:p>
             <a:endParaRPr lang="en-GB" dirty="0"/>
@@ -6262,7 +6827,7 @@
     </p:spTree>
     <p:extLst>
       <p:ext uri="{BB962C8B-B14F-4D97-AF65-F5344CB8AC3E}">
-        <p14:creationId xmlns:p14="http://schemas.microsoft.com/office/powerpoint/2010/main" val="1782682693"/>
+        <p14:creationId xmlns:p14="http://schemas.microsoft.com/office/powerpoint/2010/main" val="1739683126"/>
       </p:ext>
     </p:extLst>
   </p:cSld>
@@ -6312,8 +6877,8 @@
           <a:lstStyle/>
           <a:p>
             <a:r>
-              <a:rPr lang="en-US" dirty="0" smtClean="0"/>
-              <a:t>How? </a:t>
+              <a:rPr lang="en-US" dirty="0"/>
+              <a:t>What we are doing </a:t>
             </a:r>
             <a:endParaRPr lang="en-GB" dirty="0"/>
           </a:p>
@@ -6329,18 +6894,42 @@
             <p:ph idx="1"/>
           </p:nvPr>
         </p:nvSpPr>
-        <p:spPr/>
-        <p:txBody>
-          <a:bodyPr/>
-          <a:lstStyle/>
-          <a:p>
-            <a:r>
-              <a:rPr lang="en-US" dirty="0"/>
-              <a:t>D</a:t>
-            </a:r>
-            <a:r>
-              <a:rPr lang="en-US" dirty="0" smtClean="0"/>
-              <a:t>ynamic </a:t>
+        <p:spPr>
+          <a:xfrm>
+            <a:off x="1371600" y="1785668"/>
+            <a:ext cx="9601200" cy="4081732"/>
+          </a:xfrm>
+        </p:spPr>
+        <p:txBody>
+          <a:bodyPr>
+            <a:normAutofit lnSpcReduction="10000"/>
+          </a:bodyPr>
+          <a:lstStyle/>
+          <a:p>
+            <a:pPr marL="0" indent="0">
+              <a:buNone/>
+            </a:pPr>
+            <a:r>
+              <a:rPr lang="en-US" dirty="0" smtClean="0"/>
+              <a:t>Input – video t1 seconds</a:t>
+            </a:r>
+          </a:p>
+          <a:p>
+            <a:pPr marL="0" indent="0">
+              <a:buNone/>
+            </a:pPr>
+            <a:r>
+              <a:rPr lang="en-US" dirty="0" smtClean="0"/>
+              <a:t>Output – new videos t2 seconds, t2 &gt; 0</a:t>
+            </a:r>
+          </a:p>
+          <a:p>
+            <a:endParaRPr lang="en-US" dirty="0"/>
+          </a:p>
+          <a:p>
+            <a:r>
+              <a:rPr lang="en-US" dirty="0" smtClean="0"/>
+              <a:t>Dynamic </a:t>
             </a:r>
             <a:r>
               <a:rPr lang="en-US" dirty="0"/>
@@ -6448,6 +7037,38 @@
               <a:t>– more universal, automatic</a:t>
             </a:r>
             <a:endParaRPr lang="en-GB" dirty="0"/>
+          </a:p>
+          <a:p>
+            <a:endParaRPr lang="en-GB" dirty="0"/>
+          </a:p>
+        </p:txBody>
+      </p:sp>
+      <p:sp>
+        <p:nvSpPr>
+          <p:cNvPr id="4" name="TextBox 3"/>
+          <p:cNvSpPr txBox="1"/>
+          <p:nvPr/>
+        </p:nvSpPr>
+        <p:spPr>
+          <a:xfrm>
+            <a:off x="11542143" y="6211669"/>
+            <a:ext cx="649857" cy="646331"/>
+          </a:xfrm>
+          <a:prstGeom prst="rect">
+            <a:avLst/>
+          </a:prstGeom>
+          <a:noFill/>
+        </p:spPr>
+        <p:txBody>
+          <a:bodyPr wrap="square" rtlCol="0">
+            <a:spAutoFit/>
+          </a:bodyPr>
+          <a:lstStyle/>
+          <a:p>
+            <a:r>
+              <a:rPr lang="ru-RU" dirty="0"/>
+              <a:t>4</a:t>
+            </a:r>
           </a:p>
           <a:p>
             <a:endParaRPr lang="en-GB" dirty="0"/>
@@ -6498,7 +7119,7 @@
             <a:spLocks noGrp="1"/>
           </p:cNvSpPr>
           <p:nvPr>
-            <p:ph type="title"/>
+            <p:ph type="ctrTitle"/>
           </p:nvPr>
         </p:nvSpPr>
         <p:spPr/>
@@ -6507,154 +7128,17 @@
           <a:lstStyle/>
           <a:p>
             <a:r>
-              <a:rPr lang="en-US" b="1" dirty="0" smtClean="0">
-                <a:solidFill>
-                  <a:schemeClr val="tx1"/>
-                </a:solidFill>
-              </a:rPr>
-              <a:t>Learning </a:t>
-            </a:r>
-            <a:r>
-              <a:rPr lang="en-US" b="1" dirty="0">
-                <a:solidFill>
-                  <a:schemeClr val="tx1"/>
-                </a:solidFill>
-              </a:rPr>
-              <a:t>based methods</a:t>
-            </a:r>
-            <a:endParaRPr lang="en-GB" dirty="0">
-              <a:solidFill>
-                <a:schemeClr val="tx1"/>
-              </a:solidFill>
-            </a:endParaRPr>
-          </a:p>
-        </p:txBody>
-      </p:sp>
-      <p:sp>
-        <p:nvSpPr>
-          <p:cNvPr id="3" name="Content Placeholder 2"/>
-          <p:cNvSpPr>
-            <a:spLocks noGrp="1"/>
-          </p:cNvSpPr>
-          <p:nvPr>
-            <p:ph idx="1"/>
-          </p:nvPr>
-        </p:nvSpPr>
-        <p:spPr/>
-        <p:txBody>
-          <a:bodyPr>
-            <a:normAutofit/>
-          </a:bodyPr>
-          <a:lstStyle/>
-          <a:p>
-            <a:r>
-              <a:rPr lang="en-US" dirty="0" smtClean="0"/>
-              <a:t>high dimensionality </a:t>
-            </a:r>
-            <a:r>
-              <a:rPr lang="ru-RU" dirty="0" smtClean="0"/>
-              <a:t>– </a:t>
-            </a:r>
-            <a:r>
-              <a:rPr lang="en-US" dirty="0" smtClean="0"/>
-              <a:t>curse </a:t>
-            </a:r>
-            <a:r>
-              <a:rPr lang="en-US" dirty="0"/>
-              <a:t>of </a:t>
-            </a:r>
-            <a:r>
-              <a:rPr lang="en-US" dirty="0" smtClean="0"/>
-              <a:t>dimensionality</a:t>
-            </a:r>
-            <a:endParaRPr lang="ru-RU" dirty="0" smtClean="0"/>
-          </a:p>
-          <a:p>
-            <a:pPr marL="0" indent="0">
-              <a:buNone/>
-            </a:pPr>
-            <a:endParaRPr lang="en-US" dirty="0" smtClean="0"/>
-          </a:p>
-          <a:p>
-            <a:pPr marL="0" indent="0">
-              <a:buNone/>
-            </a:pPr>
-            <a:endParaRPr lang="en-US" dirty="0"/>
-          </a:p>
-          <a:p>
-            <a:r>
-              <a:rPr lang="en-US" dirty="0"/>
-              <a:t>most of dynamic textures are not linear </a:t>
-            </a:r>
-            <a:r>
-              <a:rPr lang="ru-RU" dirty="0" smtClean="0"/>
-              <a:t>– </a:t>
-            </a:r>
-            <a:r>
-              <a:rPr lang="en-US" dirty="0" smtClean="0"/>
-              <a:t>learning</a:t>
-            </a:r>
-            <a:r>
-              <a:rPr lang="ru-RU" dirty="0" smtClean="0"/>
-              <a:t> </a:t>
-            </a:r>
-            <a:r>
-              <a:rPr lang="en-US" dirty="0" smtClean="0"/>
-              <a:t>algorithm cannot </a:t>
-            </a:r>
-            <a:r>
-              <a:rPr lang="en-US" dirty="0"/>
-              <a:t>be </a:t>
-            </a:r>
-            <a:r>
-              <a:rPr lang="en-US" dirty="0" smtClean="0"/>
-              <a:t>linear</a:t>
-            </a:r>
-            <a:endParaRPr lang="ru-RU" dirty="0" smtClean="0"/>
-          </a:p>
-          <a:p>
-            <a:pPr marL="0" indent="0">
-              <a:buNone/>
-            </a:pPr>
-            <a:endParaRPr lang="en-US" dirty="0" smtClean="0"/>
-          </a:p>
-          <a:p>
-            <a:pPr marL="0" indent="0">
-              <a:buNone/>
-            </a:pPr>
-            <a:endParaRPr lang="ru-RU" dirty="0" smtClean="0"/>
-          </a:p>
-          <a:p>
-            <a:r>
-              <a:rPr lang="en-US" dirty="0"/>
-              <a:t>big computational cost of </a:t>
-            </a:r>
-            <a:r>
-              <a:rPr lang="en-US" dirty="0" smtClean="0"/>
-              <a:t>optimization</a:t>
-            </a:r>
-            <a:r>
-              <a:rPr lang="ru-RU" dirty="0" smtClean="0"/>
-              <a:t> – </a:t>
-            </a:r>
-            <a:r>
-              <a:rPr lang="en-US" dirty="0"/>
-              <a:t>necessary to have a good </a:t>
-            </a:r>
-            <a:r>
-              <a:rPr lang="en-US" dirty="0" smtClean="0"/>
-              <a:t>performance</a:t>
-            </a:r>
-          </a:p>
-          <a:p>
-            <a:endParaRPr lang="ru-RU" dirty="0" smtClean="0"/>
+              <a:rPr lang="en-US" b="1" dirty="0" smtClean="0"/>
+              <a:t>contribution</a:t>
+            </a:r>
+            <a:endParaRPr lang="en-GB" dirty="0"/>
           </a:p>
         </p:txBody>
       </p:sp>
     </p:spTree>
     <p:extLst>
       <p:ext uri="{BB962C8B-B14F-4D97-AF65-F5344CB8AC3E}">
-        <p14:creationId xmlns:p14="http://schemas.microsoft.com/office/powerpoint/2010/main" val="750442935"/>
+        <p14:creationId xmlns:p14="http://schemas.microsoft.com/office/powerpoint/2010/main" val="2461335229"/>
       </p:ext>
     </p:extLst>
   </p:cSld>
@@ -6704,26 +7188,10 @@
           <a:lstStyle/>
           <a:p>
             <a:r>
-              <a:rPr lang="en-US" b="1" dirty="0" smtClean="0">
-                <a:solidFill>
-                  <a:schemeClr val="tx1"/>
-                </a:solidFill>
-              </a:rPr>
-              <a:t>Learning </a:t>
-            </a:r>
-            <a:r>
-              <a:rPr lang="en-US" b="1" dirty="0">
-                <a:solidFill>
-                  <a:schemeClr val="tx1"/>
-                </a:solidFill>
-              </a:rPr>
-              <a:t>based methods</a:t>
-            </a:r>
-            <a:endParaRPr lang="en-GB" dirty="0">
-              <a:solidFill>
-                <a:schemeClr val="tx1"/>
-              </a:solidFill>
-            </a:endParaRPr>
+              <a:rPr lang="en-US" dirty="0" smtClean="0"/>
+              <a:t>Contribution</a:t>
+            </a:r>
+            <a:endParaRPr lang="en-GB" dirty="0"/>
           </a:p>
         </p:txBody>
       </p:sp>
@@ -6737,68 +7205,23 @@
             <p:ph idx="1"/>
           </p:nvPr>
         </p:nvSpPr>
-        <p:spPr/>
-        <p:txBody>
-          <a:bodyPr>
-            <a:normAutofit/>
-          </a:bodyPr>
-          <a:lstStyle/>
-          <a:p>
-            <a:r>
-              <a:rPr lang="en-US" dirty="0" smtClean="0"/>
-              <a:t>high dimensionality </a:t>
-            </a:r>
-            <a:r>
-              <a:rPr lang="ru-RU" dirty="0" smtClean="0"/>
-              <a:t>– </a:t>
-            </a:r>
-            <a:r>
-              <a:rPr lang="en-US" dirty="0" smtClean="0"/>
-              <a:t>curse </a:t>
-            </a:r>
-            <a:r>
-              <a:rPr lang="en-US" dirty="0"/>
-              <a:t>of </a:t>
-            </a:r>
-            <a:r>
-              <a:rPr lang="en-US" dirty="0" smtClean="0"/>
-              <a:t>dimensionality</a:t>
-            </a:r>
-            <a:endParaRPr lang="ru-RU" dirty="0" smtClean="0"/>
-          </a:p>
+        <p:spPr>
+          <a:xfrm>
+            <a:off x="1371600" y="1759788"/>
+            <a:ext cx="9601200" cy="4107611"/>
+          </a:xfrm>
+        </p:spPr>
+        <p:txBody>
+          <a:bodyPr/>
+          <a:lstStyle/>
           <a:p>
             <a:pPr marL="0" indent="0">
               <a:buNone/>
             </a:pPr>
             <a:r>
-              <a:rPr lang="en-US" b="1" dirty="0" smtClean="0">
-                <a:solidFill>
-                  <a:srgbClr val="FF0000"/>
-                </a:solidFill>
-              </a:rPr>
-              <a:t>dimensionality </a:t>
-            </a:r>
-            <a:r>
-              <a:rPr lang="en-US" b="1" dirty="0">
-                <a:solidFill>
-                  <a:srgbClr val="FF0000"/>
-                </a:solidFill>
-              </a:rPr>
-              <a:t>reduction process must be </a:t>
-            </a:r>
-            <a:r>
-              <a:rPr lang="en-US" b="1" dirty="0" smtClean="0">
-                <a:solidFill>
-                  <a:srgbClr val="FF0000"/>
-                </a:solidFill>
-              </a:rPr>
-              <a:t>applied</a:t>
-            </a:r>
-            <a:endParaRPr lang="ru-RU" b="1" dirty="0" smtClean="0">
-              <a:solidFill>
-                <a:srgbClr val="FF0000"/>
-              </a:solidFill>
-            </a:endParaRPr>
+              <a:rPr lang="en-US" dirty="0" smtClean="0"/>
+              <a:t>First mission – understand the model</a:t>
+            </a:r>
           </a:p>
           <a:p>
             <a:pPr marL="0" indent="0">
@@ -6807,155 +7230,118 @@
             <a:endParaRPr lang="en-US" dirty="0"/>
           </a:p>
           <a:p>
-            <a:r>
-              <a:rPr lang="en-US" dirty="0"/>
-              <a:t>most of dynamic textures are not linear </a:t>
-            </a:r>
-            <a:r>
-              <a:rPr lang="ru-RU" dirty="0" smtClean="0"/>
-              <a:t>– </a:t>
-            </a:r>
-            <a:r>
-              <a:rPr lang="en-US" dirty="0" smtClean="0"/>
-              <a:t>learning</a:t>
-            </a:r>
-            <a:r>
-              <a:rPr lang="ru-RU" dirty="0" smtClean="0"/>
-              <a:t> </a:t>
-            </a:r>
-            <a:r>
-              <a:rPr lang="en-US" dirty="0" smtClean="0"/>
-              <a:t>algorithm cannot </a:t>
-            </a:r>
-            <a:r>
-              <a:rPr lang="en-US" dirty="0"/>
-              <a:t>be </a:t>
-            </a:r>
-            <a:r>
-              <a:rPr lang="en-US" dirty="0" smtClean="0"/>
-              <a:t>linear</a:t>
-            </a:r>
-            <a:endParaRPr lang="ru-RU" dirty="0" smtClean="0"/>
-          </a:p>
-          <a:p>
             <a:pPr marL="0" indent="0">
               <a:buNone/>
             </a:pPr>
             <a:r>
-              <a:rPr lang="en-US" b="1" dirty="0">
-                <a:solidFill>
-                  <a:srgbClr val="FF0000"/>
-                </a:solidFill>
-              </a:rPr>
-              <a:t>more flexible model must be </a:t>
-            </a:r>
-            <a:r>
-              <a:rPr lang="en-US" b="1" dirty="0" smtClean="0">
-                <a:solidFill>
-                  <a:srgbClr val="FF0000"/>
-                </a:solidFill>
-              </a:rPr>
-              <a:t>found</a:t>
-            </a:r>
-            <a:endParaRPr lang="ru-RU" b="1" dirty="0" smtClean="0">
-              <a:solidFill>
-                <a:srgbClr val="FF0000"/>
-              </a:solidFill>
-            </a:endParaRPr>
+              <a:rPr lang="en-US" dirty="0" smtClean="0"/>
+              <a:t>Reimplementation </a:t>
+            </a:r>
+            <a:r>
+              <a:rPr lang="en-US" dirty="0"/>
+              <a:t>of </a:t>
+            </a:r>
+            <a:r>
+              <a:rPr lang="en-US" dirty="0" smtClean="0"/>
+              <a:t>the </a:t>
+            </a:r>
+            <a:r>
+              <a:rPr lang="en-US" dirty="0"/>
+              <a:t>method in </a:t>
+            </a:r>
+            <a:r>
+              <a:rPr lang="en-US" dirty="0" smtClean="0"/>
+              <a:t>Python – understand things:</a:t>
+            </a:r>
+          </a:p>
+          <a:p>
+            <a:r>
+              <a:rPr lang="en-US" dirty="0" smtClean="0"/>
+              <a:t>Gaussian process</a:t>
+            </a:r>
+          </a:p>
+          <a:p>
+            <a:r>
+              <a:rPr lang="en-US" dirty="0" smtClean="0"/>
+              <a:t>MK-GPDM</a:t>
+            </a:r>
+          </a:p>
+          <a:p>
+            <a:r>
+              <a:rPr lang="en-US" dirty="0"/>
+              <a:t>sequence of steps of learning </a:t>
+            </a:r>
+            <a:r>
+              <a:rPr lang="en-US" dirty="0" smtClean="0"/>
+              <a:t>algorithm</a:t>
+            </a:r>
+          </a:p>
+          <a:p>
+            <a:r>
+              <a:rPr lang="en-US" dirty="0"/>
+              <a:t>functions which must be </a:t>
+            </a:r>
+            <a:r>
+              <a:rPr lang="en-US" dirty="0" smtClean="0"/>
+              <a:t>optimized</a:t>
+            </a:r>
+          </a:p>
+          <a:p>
+            <a:r>
+              <a:rPr lang="en-US" dirty="0" smtClean="0"/>
+              <a:t>functions gradients derivation</a:t>
+            </a:r>
+          </a:p>
+          <a:p>
+            <a:r>
+              <a:rPr lang="en-US" dirty="0"/>
+              <a:t>dimensionality analysis</a:t>
+            </a:r>
           </a:p>
           <a:p>
             <a:pPr marL="0" indent="0">
               <a:buNone/>
             </a:pPr>
-            <a:endParaRPr lang="ru-RU" dirty="0" smtClean="0"/>
-          </a:p>
-          <a:p>
-            <a:r>
-              <a:rPr lang="en-US" dirty="0"/>
-              <a:t>big computational cost of </a:t>
-            </a:r>
-            <a:r>
-              <a:rPr lang="en-US" dirty="0" smtClean="0"/>
-              <a:t>optimization</a:t>
-            </a:r>
-            <a:r>
-              <a:rPr lang="ru-RU" dirty="0" smtClean="0"/>
-              <a:t> – </a:t>
-            </a:r>
-            <a:r>
-              <a:rPr lang="en-US" dirty="0"/>
-              <a:t>necessary to have a good </a:t>
-            </a:r>
-            <a:r>
-              <a:rPr lang="en-US" dirty="0" smtClean="0"/>
-              <a:t>performance</a:t>
-            </a:r>
-            <a:endParaRPr lang="ru-RU" dirty="0" smtClean="0"/>
-          </a:p>
-          <a:p>
-            <a:pPr marL="0" indent="0">
-              <a:buNone/>
-            </a:pPr>
-            <a:r>
-              <a:rPr lang="en-US" b="1" dirty="0">
-                <a:solidFill>
-                  <a:srgbClr val="FF0000"/>
-                </a:solidFill>
-              </a:rPr>
-              <a:t>first-order Markov model </a:t>
-            </a:r>
-            <a:r>
-              <a:rPr lang="en-US" b="1" dirty="0" smtClean="0">
-                <a:solidFill>
-                  <a:srgbClr val="FF0000"/>
-                </a:solidFill>
-              </a:rPr>
-              <a:t>for </a:t>
-            </a:r>
-            <a:r>
-              <a:rPr lang="en-US" b="1" dirty="0">
-                <a:solidFill>
-                  <a:srgbClr val="FF0000"/>
-                </a:solidFill>
-              </a:rPr>
-              <a:t>dynamical texture </a:t>
-            </a:r>
-            <a:r>
-              <a:rPr lang="en-US" b="1" dirty="0" smtClean="0">
-                <a:solidFill>
-                  <a:srgbClr val="FF0000"/>
-                </a:solidFill>
-              </a:rPr>
-              <a:t>synthesis</a:t>
-            </a:r>
-            <a:r>
-              <a:rPr lang="ru-RU" b="1" dirty="0" smtClean="0">
-                <a:solidFill>
-                  <a:srgbClr val="FF0000"/>
-                </a:solidFill>
-              </a:rPr>
-              <a:t> </a:t>
-            </a:r>
-            <a:r>
-              <a:rPr lang="en-US" b="1" dirty="0" smtClean="0">
-                <a:solidFill>
-                  <a:srgbClr val="FF0000"/>
-                </a:solidFill>
-              </a:rPr>
-              <a:t>can be used</a:t>
-            </a:r>
-            <a:endParaRPr lang="en-GB" b="1" dirty="0">
-              <a:solidFill>
-                <a:srgbClr val="FF0000"/>
-              </a:solidFill>
-            </a:endParaRPr>
+            <a:endParaRPr lang="en-GB" dirty="0"/>
+          </a:p>
+        </p:txBody>
+      </p:sp>
+      <p:sp>
+        <p:nvSpPr>
+          <p:cNvPr id="4" name="TextBox 3"/>
+          <p:cNvSpPr txBox="1"/>
+          <p:nvPr/>
+        </p:nvSpPr>
+        <p:spPr>
+          <a:xfrm>
+            <a:off x="11542143" y="6211669"/>
+            <a:ext cx="649857" cy="646331"/>
+          </a:xfrm>
+          <a:prstGeom prst="rect">
+            <a:avLst/>
+          </a:prstGeom>
+          <a:noFill/>
+        </p:spPr>
+        <p:txBody>
+          <a:bodyPr wrap="square" rtlCol="0">
+            <a:spAutoFit/>
+          </a:bodyPr>
+          <a:lstStyle/>
+          <a:p>
+            <a:r>
+              <a:rPr lang="ru-RU" dirty="0"/>
+              <a:t>5</a:t>
+            </a:r>
+          </a:p>
+          <a:p>
+            <a:endParaRPr lang="en-GB" dirty="0"/>
           </a:p>
         </p:txBody>
       </p:sp>
     </p:spTree>
     <p:extLst>
       <p:ext uri="{BB962C8B-B14F-4D97-AF65-F5344CB8AC3E}">
-        <p14:creationId xmlns:p14="http://schemas.microsoft.com/office/powerpoint/2010/main" val="45704887"/>
+        <p14:creationId xmlns:p14="http://schemas.microsoft.com/office/powerpoint/2010/main" val="721614636"/>
       </p:ext>
     </p:extLst>
   </p:cSld>
@@ -6996,23 +7382,200 @@
             <a:spLocks noGrp="1"/>
           </p:cNvSpPr>
           <p:nvPr>
-            <p:ph type="ctrTitle"/>
+            <p:ph type="title"/>
+          </p:nvPr>
+        </p:nvSpPr>
+        <p:spPr/>
+        <p:txBody>
+          <a:bodyPr/>
+          <a:lstStyle/>
+          <a:p>
+            <a:r>
+              <a:rPr lang="en-US" b="1" dirty="0" smtClean="0">
+                <a:solidFill>
+                  <a:schemeClr val="tx1"/>
+                </a:solidFill>
+              </a:rPr>
+              <a:t>Learning </a:t>
+            </a:r>
+            <a:r>
+              <a:rPr lang="en-US" b="1" dirty="0">
+                <a:solidFill>
+                  <a:schemeClr val="tx1"/>
+                </a:solidFill>
+              </a:rPr>
+              <a:t>based methods</a:t>
+            </a:r>
+            <a:endParaRPr lang="en-GB" dirty="0">
+              <a:solidFill>
+                <a:schemeClr val="tx1"/>
+              </a:solidFill>
+            </a:endParaRPr>
+          </a:p>
+        </p:txBody>
+      </p:sp>
+      <p:sp>
+        <p:nvSpPr>
+          <p:cNvPr id="3" name="Content Placeholder 2"/>
+          <p:cNvSpPr>
+            <a:spLocks noGrp="1"/>
+          </p:cNvSpPr>
+          <p:nvPr>
+            <p:ph idx="1"/>
           </p:nvPr>
         </p:nvSpPr>
         <p:spPr>
           <a:xfrm>
-            <a:off x="1915128" y="1788453"/>
-            <a:ext cx="8361229" cy="2662523"/>
+            <a:off x="1371600" y="1630391"/>
+            <a:ext cx="9601200" cy="4753155"/>
           </a:xfrm>
         </p:spPr>
         <p:txBody>
-          <a:bodyPr/>
-          <a:lstStyle/>
-          <a:p>
-            <a:r>
-              <a:rPr lang="en-GB" b="1" dirty="0" smtClean="0"/>
-              <a:t>Gaussian process</a:t>
-            </a:r>
+          <a:bodyPr>
+            <a:normAutofit/>
+          </a:bodyPr>
+          <a:lstStyle/>
+          <a:p>
+            <a:r>
+              <a:rPr lang="en-US" dirty="0" smtClean="0"/>
+              <a:t>high dimensionality </a:t>
+            </a:r>
+            <a:r>
+              <a:rPr lang="ru-RU" dirty="0" smtClean="0"/>
+              <a:t>– </a:t>
+            </a:r>
+            <a:r>
+              <a:rPr lang="en-US" dirty="0" smtClean="0"/>
+              <a:t>curse </a:t>
+            </a:r>
+            <a:r>
+              <a:rPr lang="en-US" dirty="0"/>
+              <a:t>of </a:t>
+            </a:r>
+            <a:r>
+              <a:rPr lang="en-US" dirty="0" smtClean="0"/>
+              <a:t>dimensionality</a:t>
+            </a:r>
+            <a:endParaRPr lang="ru-RU" dirty="0" smtClean="0"/>
+          </a:p>
+          <a:p>
+            <a:pPr marL="0" indent="0">
+              <a:buNone/>
+            </a:pPr>
+            <a:endParaRPr lang="en-US" dirty="0" smtClean="0"/>
+          </a:p>
+          <a:p>
+            <a:pPr marL="0" indent="0">
+              <a:buNone/>
+            </a:pPr>
+            <a:endParaRPr lang="en-US" dirty="0"/>
+          </a:p>
+          <a:p>
+            <a:r>
+              <a:rPr lang="en-US" dirty="0"/>
+              <a:t>most of dynamic textures are not linear </a:t>
+            </a:r>
+            <a:r>
+              <a:rPr lang="ru-RU" dirty="0" smtClean="0"/>
+              <a:t>– </a:t>
+            </a:r>
+            <a:r>
+              <a:rPr lang="en-US" dirty="0" smtClean="0"/>
+              <a:t>learning</a:t>
+            </a:r>
+            <a:r>
+              <a:rPr lang="ru-RU" dirty="0" smtClean="0"/>
+              <a:t> </a:t>
+            </a:r>
+            <a:r>
+              <a:rPr lang="en-US" dirty="0" smtClean="0"/>
+              <a:t>algorithm cannot </a:t>
+            </a:r>
+            <a:r>
+              <a:rPr lang="en-US" dirty="0"/>
+              <a:t>be </a:t>
+            </a:r>
+            <a:r>
+              <a:rPr lang="en-US" dirty="0" smtClean="0"/>
+              <a:t>linear</a:t>
+            </a:r>
+            <a:endParaRPr lang="ru-RU" dirty="0" smtClean="0"/>
+          </a:p>
+          <a:p>
+            <a:pPr marL="0" indent="0">
+              <a:buNone/>
+            </a:pPr>
+            <a:endParaRPr lang="en-US" dirty="0" smtClean="0"/>
+          </a:p>
+          <a:p>
+            <a:pPr marL="0" indent="0">
+              <a:buNone/>
+            </a:pPr>
+            <a:endParaRPr lang="ru-RU" dirty="0" smtClean="0"/>
+          </a:p>
+          <a:p>
+            <a:r>
+              <a:rPr lang="en-US" dirty="0"/>
+              <a:t>big computational cost of </a:t>
+            </a:r>
+            <a:r>
+              <a:rPr lang="en-US" dirty="0" smtClean="0"/>
+              <a:t>optimization</a:t>
+            </a:r>
+            <a:r>
+              <a:rPr lang="ru-RU" dirty="0" smtClean="0"/>
+              <a:t> – </a:t>
+            </a:r>
+            <a:r>
+              <a:rPr lang="en-US" dirty="0"/>
+              <a:t>necessary to have a good </a:t>
+            </a:r>
+            <a:r>
+              <a:rPr lang="en-US" dirty="0" smtClean="0"/>
+              <a:t>performance</a:t>
+            </a:r>
+            <a:endParaRPr lang="ru-RU" dirty="0" smtClean="0"/>
+          </a:p>
+          <a:p>
+            <a:pPr marL="0" indent="0">
+              <a:buNone/>
+            </a:pPr>
+            <a:endParaRPr lang="en-US" b="1" dirty="0">
+              <a:solidFill>
+                <a:schemeClr val="tx1"/>
+              </a:solidFill>
+            </a:endParaRPr>
+          </a:p>
+        </p:txBody>
+      </p:sp>
+      <p:sp>
+        <p:nvSpPr>
+          <p:cNvPr id="4" name="TextBox 3"/>
+          <p:cNvSpPr txBox="1"/>
+          <p:nvPr/>
+        </p:nvSpPr>
+        <p:spPr>
+          <a:xfrm>
+            <a:off x="11542143" y="6211669"/>
+            <a:ext cx="649857" cy="646331"/>
+          </a:xfrm>
+          <a:prstGeom prst="rect">
+            <a:avLst/>
+          </a:prstGeom>
+          <a:noFill/>
+        </p:spPr>
+        <p:txBody>
+          <a:bodyPr wrap="square" rtlCol="0">
+            <a:spAutoFit/>
+          </a:bodyPr>
+          <a:lstStyle/>
+          <a:p>
+            <a:r>
+              <a:rPr lang="ru-RU" dirty="0"/>
+              <a:t>6</a:t>
+            </a:r>
+          </a:p>
+          <a:p>
             <a:endParaRPr lang="en-GB" dirty="0"/>
           </a:p>
         </p:txBody>
@@ -7020,7 +7583,7 @@
     </p:spTree>
     <p:extLst>
       <p:ext uri="{BB962C8B-B14F-4D97-AF65-F5344CB8AC3E}">
-        <p14:creationId xmlns:p14="http://schemas.microsoft.com/office/powerpoint/2010/main" val="2197755600"/>
+        <p14:creationId xmlns:p14="http://schemas.microsoft.com/office/powerpoint/2010/main" val="1621856219"/>
       </p:ext>
     </p:extLst>
   </p:cSld>
@@ -7070,10 +7633,26 @@
           <a:lstStyle/>
           <a:p>
             <a:r>
-              <a:rPr lang="en-GB" dirty="0" smtClean="0"/>
-              <a:t>Gaussian distribution</a:t>
-            </a:r>
-            <a:endParaRPr lang="en-GB" dirty="0"/>
+              <a:rPr lang="en-US" b="1" dirty="0" smtClean="0">
+                <a:solidFill>
+                  <a:schemeClr val="tx1"/>
+                </a:solidFill>
+              </a:rPr>
+              <a:t>Learning </a:t>
+            </a:r>
+            <a:r>
+              <a:rPr lang="en-US" b="1" dirty="0">
+                <a:solidFill>
+                  <a:schemeClr val="tx1"/>
+                </a:solidFill>
+              </a:rPr>
+              <a:t>based methods</a:t>
+            </a:r>
+            <a:endParaRPr lang="en-GB" dirty="0">
+              <a:solidFill>
+                <a:schemeClr val="tx1"/>
+              </a:solidFill>
+            </a:endParaRPr>
           </a:p>
         </p:txBody>
       </p:sp>
@@ -7089,37 +7668,103 @@
         </p:nvSpPr>
         <p:spPr>
           <a:xfrm>
-            <a:off x="1371600" y="1653435"/>
-            <a:ext cx="9601200" cy="4985359"/>
+            <a:off x="1371600" y="1630391"/>
+            <a:ext cx="9601200" cy="4753155"/>
           </a:xfrm>
         </p:spPr>
         <p:txBody>
-          <a:bodyPr/>
-          <a:lstStyle/>
+          <a:bodyPr>
+            <a:normAutofit/>
+          </a:bodyPr>
+          <a:lstStyle/>
+          <a:p>
+            <a:r>
+              <a:rPr lang="en-US" dirty="0" smtClean="0"/>
+              <a:t>high dimensionality </a:t>
+            </a:r>
+            <a:r>
+              <a:rPr lang="ru-RU" dirty="0" smtClean="0"/>
+              <a:t>– </a:t>
+            </a:r>
+            <a:r>
+              <a:rPr lang="en-US" dirty="0" smtClean="0"/>
+              <a:t>curse </a:t>
+            </a:r>
+            <a:r>
+              <a:rPr lang="en-US" dirty="0"/>
+              <a:t>of </a:t>
+            </a:r>
+            <a:r>
+              <a:rPr lang="en-US" dirty="0" smtClean="0"/>
+              <a:t>dimensionality</a:t>
+            </a:r>
+            <a:endParaRPr lang="ru-RU" dirty="0" smtClean="0"/>
+          </a:p>
           <a:p>
             <a:pPr marL="0" indent="0">
               <a:buNone/>
             </a:pPr>
             <a:r>
-              <a:rPr lang="en-US" dirty="0" smtClean="0"/>
-              <a:t>	</a:t>
-            </a:r>
-            <a:r>
-              <a:rPr lang="en-US" b="1" dirty="0" smtClean="0"/>
+              <a:rPr lang="en-US" b="1" dirty="0" smtClean="0">
+                <a:solidFill>
+                  <a:srgbClr val="FF0000"/>
+                </a:solidFill>
+              </a:rPr>
+              <a:t>dimensionality </a:t>
+            </a:r>
+            <a:r>
+              <a:rPr lang="en-US" b="1" dirty="0">
+                <a:solidFill>
+                  <a:srgbClr val="FF0000"/>
+                </a:solidFill>
+              </a:rPr>
+              <a:t>reduction process must be </a:t>
+            </a:r>
+            <a:r>
+              <a:rPr lang="en-US" b="1" dirty="0" smtClean="0">
+                <a:solidFill>
+                  <a:srgbClr val="FF0000"/>
+                </a:solidFill>
+              </a:rPr>
+              <a:t>applied </a:t>
+            </a:r>
+            <a:r>
+              <a:rPr lang="en-US" b="1" dirty="0" smtClean="0">
+                <a:solidFill>
+                  <a:schemeClr val="tx1"/>
+                </a:solidFill>
+              </a:rPr>
+              <a:t>-</a:t>
+            </a:r>
+            <a:r>
+              <a:rPr lang="en-US" b="1" dirty="0" smtClean="0">
+                <a:solidFill>
+                  <a:srgbClr val="FF0000"/>
+                </a:solidFill>
+              </a:rPr>
+              <a:t> </a:t>
+            </a:r>
+            <a:r>
+              <a:rPr lang="en-GB" b="1" dirty="0" smtClean="0"/>
+              <a:t>infers </a:t>
+            </a:r>
+            <a:r>
+              <a:rPr lang="en-GB" b="1" dirty="0"/>
+              <a:t>by </a:t>
+            </a:r>
+            <a:r>
+              <a:rPr lang="en-GB" b="1" dirty="0" smtClean="0"/>
               <a:t>Gaussian </a:t>
             </a:r>
             <a:r>
-              <a:rPr lang="en-US" b="1" dirty="0"/>
-              <a:t>(normal) distribution </a:t>
-            </a:r>
-            <a:r>
-              <a:rPr lang="en-US" dirty="0"/>
-              <a:t>– continuous probability distribution, bell shaped and symmetric. Characterized by mean and standard deviation. Total area under the distribution curve equals to 1</a:t>
-            </a:r>
-            <a:r>
-              <a:rPr lang="en-US" dirty="0" smtClean="0"/>
-              <a:t>.</a:t>
-            </a:r>
+              <a:rPr lang="en-GB" b="1" dirty="0"/>
+              <a:t>process</a:t>
+            </a:r>
+            <a:endParaRPr lang="ru-RU" b="1" dirty="0" smtClean="0">
+              <a:solidFill>
+                <a:srgbClr val="FF0000"/>
+              </a:solidFill>
+            </a:endParaRPr>
           </a:p>
           <a:p>
             <a:pPr marL="0" indent="0">
@@ -7128,115 +7773,184 @@
             <a:endParaRPr lang="en-US" dirty="0"/>
           </a:p>
           <a:p>
+            <a:r>
+              <a:rPr lang="en-US" dirty="0"/>
+              <a:t>most of dynamic textures are not linear </a:t>
+            </a:r>
+            <a:r>
+              <a:rPr lang="ru-RU" dirty="0" smtClean="0"/>
+              <a:t>– </a:t>
+            </a:r>
+            <a:r>
+              <a:rPr lang="en-US" dirty="0" smtClean="0"/>
+              <a:t>learning</a:t>
+            </a:r>
+            <a:r>
+              <a:rPr lang="ru-RU" dirty="0" smtClean="0"/>
+              <a:t> </a:t>
+            </a:r>
+            <a:r>
+              <a:rPr lang="en-US" dirty="0" smtClean="0"/>
+              <a:t>algorithm cannot </a:t>
+            </a:r>
+            <a:r>
+              <a:rPr lang="en-US" dirty="0"/>
+              <a:t>be </a:t>
+            </a:r>
+            <a:r>
+              <a:rPr lang="en-US" dirty="0" smtClean="0"/>
+              <a:t>linear</a:t>
+            </a:r>
+            <a:endParaRPr lang="ru-RU" dirty="0" smtClean="0"/>
+          </a:p>
+          <a:p>
             <a:pPr marL="0" indent="0">
               <a:buNone/>
             </a:pPr>
-            <a:endParaRPr lang="en-US" dirty="0" smtClean="0"/>
+            <a:r>
+              <a:rPr lang="en-US" b="1" dirty="0">
+                <a:solidFill>
+                  <a:srgbClr val="FF0000"/>
+                </a:solidFill>
+              </a:rPr>
+              <a:t>more flexible model must be </a:t>
+            </a:r>
+            <a:r>
+              <a:rPr lang="en-US" b="1" dirty="0" smtClean="0">
+                <a:solidFill>
+                  <a:srgbClr val="FF0000"/>
+                </a:solidFill>
+              </a:rPr>
+              <a:t>found </a:t>
+            </a:r>
+            <a:r>
+              <a:rPr lang="en-US" b="1" dirty="0" smtClean="0">
+                <a:solidFill>
+                  <a:schemeClr val="tx1"/>
+                </a:solidFill>
+              </a:rPr>
+              <a:t>– based of Gaussian process</a:t>
+            </a:r>
+            <a:endParaRPr lang="ru-RU" b="1" dirty="0" smtClean="0">
+              <a:solidFill>
+                <a:schemeClr val="tx1"/>
+              </a:solidFill>
+            </a:endParaRPr>
           </a:p>
           <a:p>
             <a:pPr marL="0" indent="0">
               <a:buNone/>
             </a:pPr>
-            <a:endParaRPr lang="en-US" dirty="0"/>
+            <a:endParaRPr lang="ru-RU" dirty="0" smtClean="0"/>
+          </a:p>
+          <a:p>
+            <a:r>
+              <a:rPr lang="en-US" dirty="0"/>
+              <a:t>big computational cost of </a:t>
+            </a:r>
+            <a:r>
+              <a:rPr lang="en-US" dirty="0" smtClean="0"/>
+              <a:t>optimization</a:t>
+            </a:r>
+            <a:r>
+              <a:rPr lang="ru-RU" dirty="0" smtClean="0"/>
+              <a:t> – </a:t>
+            </a:r>
+            <a:r>
+              <a:rPr lang="en-US" dirty="0"/>
+              <a:t>necessary to have a good </a:t>
+            </a:r>
+            <a:r>
+              <a:rPr lang="en-US" dirty="0" smtClean="0"/>
+              <a:t>performance</a:t>
+            </a:r>
+            <a:endParaRPr lang="ru-RU" dirty="0" smtClean="0"/>
           </a:p>
           <a:p>
             <a:pPr marL="0" indent="0">
               <a:buNone/>
             </a:pPr>
-            <a:endParaRPr lang="en-US" dirty="0" smtClean="0"/>
+            <a:r>
+              <a:rPr lang="en-GB" b="1" dirty="0">
+                <a:solidFill>
+                  <a:srgbClr val="FF0000"/>
+                </a:solidFill>
+              </a:rPr>
+              <a:t>first-order Markov model </a:t>
+            </a:r>
+            <a:r>
+              <a:rPr lang="en-GB" b="1" dirty="0" smtClean="0">
+                <a:solidFill>
+                  <a:schemeClr val="tx1"/>
+                </a:solidFill>
+              </a:rPr>
+              <a:t>- based </a:t>
+            </a:r>
+            <a:r>
+              <a:rPr lang="en-GB" b="1" dirty="0">
+                <a:solidFill>
+                  <a:schemeClr val="tx1"/>
+                </a:solidFill>
+              </a:rPr>
+              <a:t>on Gaussian </a:t>
+            </a:r>
+            <a:r>
+              <a:rPr lang="en-GB" b="1" dirty="0" smtClean="0">
+                <a:solidFill>
+                  <a:schemeClr val="tx1"/>
+                </a:solidFill>
+              </a:rPr>
+              <a:t>process</a:t>
+            </a:r>
           </a:p>
           <a:p>
             <a:pPr marL="0" indent="0">
               <a:buNone/>
             </a:pPr>
-            <a:endParaRPr lang="en-US" dirty="0"/>
-          </a:p>
-          <a:p>
-            <a:pPr marL="0" indent="0">
-              <a:buNone/>
-            </a:pPr>
-            <a:endParaRPr lang="en-US" dirty="0" smtClean="0"/>
-          </a:p>
-          <a:p>
-            <a:r>
-              <a:rPr lang="en-US" i="1" dirty="0" smtClean="0"/>
-              <a:t>Mean</a:t>
-            </a:r>
-            <a:r>
-              <a:rPr lang="en-US" dirty="0" smtClean="0"/>
-              <a:t> </a:t>
-            </a:r>
-            <a:r>
-              <a:rPr lang="en-US" dirty="0"/>
-              <a:t>– describes where corresponding curve is centered.</a:t>
-            </a:r>
-            <a:endParaRPr lang="en-GB" dirty="0"/>
-          </a:p>
-          <a:p>
-            <a:r>
-              <a:rPr lang="en-US" i="1" dirty="0"/>
-              <a:t>Standard deviation </a:t>
-            </a:r>
-            <a:r>
-              <a:rPr lang="en-US" dirty="0"/>
-              <a:t>– describes how much the curve spreads out around center.</a:t>
-            </a:r>
-            <a:endParaRPr lang="en-GB" dirty="0"/>
-          </a:p>
-          <a:p>
-            <a:pPr marL="0" indent="0">
-              <a:buNone/>
-            </a:pPr>
-            <a:endParaRPr lang="en-GB" dirty="0"/>
-          </a:p>
-          <a:p>
-            <a:endParaRPr lang="en-GB" dirty="0" smtClean="0"/>
-          </a:p>
-          <a:p>
-            <a:pPr marL="0" indent="0">
-              <a:buNone/>
-            </a:pPr>
-            <a:endParaRPr lang="en-GB" dirty="0"/>
-          </a:p>
-        </p:txBody>
-      </p:sp>
-      <p:pic>
-        <p:nvPicPr>
-          <p:cNvPr id="4" name="Picture 3"/>
-          <p:cNvPicPr/>
+            <a:endParaRPr lang="en-US" b="1" dirty="0">
+              <a:solidFill>
+                <a:schemeClr val="tx1"/>
+              </a:solidFill>
+            </a:endParaRPr>
+          </a:p>
+        </p:txBody>
+      </p:sp>
+      <p:sp>
+        <p:nvSpPr>
+          <p:cNvPr id="4" name="TextBox 3"/>
+          <p:cNvSpPr txBox="1"/>
           <p:nvPr/>
-        </p:nvPicPr>
-        <p:blipFill>
-          <a:blip r:embed="rId2">
-            <a:extLst>
-              <a:ext uri="{28A0092B-C50C-407E-A947-70E740481C1C}">
-                <a14:useLocalDpi xmlns:a14="http://schemas.microsoft.com/office/drawing/2010/main" val="0"/>
-              </a:ext>
-            </a:extLst>
-          </a:blip>
-          <a:srcRect/>
-          <a:stretch>
-            <a:fillRect/>
-          </a:stretch>
-        </p:blipFill>
-        <p:spPr bwMode="auto">
+        </p:nvSpPr>
+        <p:spPr>
           <a:xfrm>
-            <a:off x="3743141" y="2752073"/>
-            <a:ext cx="5144761" cy="2220760"/>
+            <a:off x="11542143" y="6211669"/>
+            <a:ext cx="649857" cy="646331"/>
           </a:xfrm>
           <a:prstGeom prst="rect">
             <a:avLst/>
           </a:prstGeom>
           <a:noFill/>
-          <a:ln>
-            <a:noFill/>
-          </a:ln>
         </p:spPr>
-      </p:pic>
+        <p:txBody>
+          <a:bodyPr wrap="square" rtlCol="0">
+            <a:spAutoFit/>
+          </a:bodyPr>
+          <a:lstStyle/>
+          <a:p>
+            <a:r>
+              <a:rPr lang="ru-RU" dirty="0"/>
+              <a:t>6</a:t>
+            </a:r>
+          </a:p>
+          <a:p>
+            <a:endParaRPr lang="en-GB" dirty="0"/>
+          </a:p>
+        </p:txBody>
+      </p:sp>
     </p:spTree>
     <p:extLst>
       <p:ext uri="{BB962C8B-B14F-4D97-AF65-F5344CB8AC3E}">
-        <p14:creationId xmlns:p14="http://schemas.microsoft.com/office/powerpoint/2010/main" val="2461705818"/>
+        <p14:creationId xmlns:p14="http://schemas.microsoft.com/office/powerpoint/2010/main" val="321712883"/>
       </p:ext>
     </p:extLst>
   </p:cSld>
@@ -7286,10 +8000,26 @@
           <a:lstStyle/>
           <a:p>
             <a:r>
-              <a:rPr lang="en-GB" dirty="0" smtClean="0"/>
-              <a:t>Joint distribution of two events</a:t>
-            </a:r>
-            <a:endParaRPr lang="en-GB" dirty="0"/>
+              <a:rPr lang="en-US" b="1" dirty="0" smtClean="0">
+                <a:solidFill>
+                  <a:schemeClr val="tx1"/>
+                </a:solidFill>
+              </a:rPr>
+              <a:t>Learning </a:t>
+            </a:r>
+            <a:r>
+              <a:rPr lang="en-US" b="1" dirty="0">
+                <a:solidFill>
+                  <a:schemeClr val="tx1"/>
+                </a:solidFill>
+              </a:rPr>
+              <a:t>based methods</a:t>
+            </a:r>
+            <a:endParaRPr lang="en-GB" dirty="0">
+              <a:solidFill>
+                <a:schemeClr val="tx1"/>
+              </a:solidFill>
+            </a:endParaRPr>
           </a:p>
         </p:txBody>
       </p:sp>
@@ -7305,75 +8035,302 @@
         </p:nvSpPr>
         <p:spPr>
           <a:xfrm>
-            <a:off x="1371600" y="1816274"/>
-            <a:ext cx="9601200" cy="4051126"/>
+            <a:off x="1371600" y="1630391"/>
+            <a:ext cx="9601200" cy="4753155"/>
           </a:xfrm>
         </p:spPr>
         <p:txBody>
-          <a:bodyPr/>
-          <a:lstStyle/>
+          <a:bodyPr>
+            <a:normAutofit/>
+          </a:bodyPr>
+          <a:lstStyle/>
+          <a:p>
+            <a:r>
+              <a:rPr lang="en-US" dirty="0" smtClean="0"/>
+              <a:t>high dimensionality </a:t>
+            </a:r>
+            <a:r>
+              <a:rPr lang="ru-RU" dirty="0" smtClean="0"/>
+              <a:t>– </a:t>
+            </a:r>
+            <a:r>
+              <a:rPr lang="en-US" dirty="0" smtClean="0"/>
+              <a:t>curse </a:t>
+            </a:r>
+            <a:r>
+              <a:rPr lang="en-US" dirty="0"/>
+              <a:t>of </a:t>
+            </a:r>
+            <a:r>
+              <a:rPr lang="en-US" dirty="0" smtClean="0"/>
+              <a:t>dimensionality</a:t>
+            </a:r>
+            <a:endParaRPr lang="ru-RU" dirty="0" smtClean="0"/>
+          </a:p>
           <a:p>
             <a:pPr marL="0" indent="0">
               <a:buNone/>
             </a:pPr>
             <a:r>
-              <a:rPr lang="en-US" dirty="0" smtClean="0"/>
-              <a:t>	Joint </a:t>
-            </a:r>
-            <a:r>
-              <a:rPr lang="en-US" dirty="0"/>
-              <a:t>distribution of two dependent/independent events</a:t>
-            </a:r>
-            <a:endParaRPr lang="en-GB" dirty="0"/>
-          </a:p>
-          <a:p>
-            <a:endParaRPr lang="en-GB" dirty="0" smtClean="0"/>
+              <a:rPr lang="en-US" b="1" dirty="0" smtClean="0">
+                <a:solidFill>
+                  <a:srgbClr val="FF0000"/>
+                </a:solidFill>
+              </a:rPr>
+              <a:t>dimensionality </a:t>
+            </a:r>
+            <a:r>
+              <a:rPr lang="en-US" b="1" dirty="0">
+                <a:solidFill>
+                  <a:srgbClr val="FF0000"/>
+                </a:solidFill>
+              </a:rPr>
+              <a:t>reduction process must be </a:t>
+            </a:r>
+            <a:r>
+              <a:rPr lang="en-US" b="1" dirty="0" smtClean="0">
+                <a:solidFill>
+                  <a:srgbClr val="FF0000"/>
+                </a:solidFill>
+              </a:rPr>
+              <a:t>applied </a:t>
+            </a:r>
+            <a:r>
+              <a:rPr lang="en-US" b="1" dirty="0" smtClean="0">
+                <a:solidFill>
+                  <a:schemeClr val="tx1"/>
+                </a:solidFill>
+              </a:rPr>
+              <a:t>-</a:t>
+            </a:r>
+            <a:r>
+              <a:rPr lang="en-US" b="1" dirty="0" smtClean="0">
+                <a:solidFill>
+                  <a:srgbClr val="FF0000"/>
+                </a:solidFill>
+              </a:rPr>
+              <a:t> </a:t>
+            </a:r>
+            <a:r>
+              <a:rPr lang="en-GB" b="1" dirty="0" smtClean="0"/>
+              <a:t>infers </a:t>
+            </a:r>
+            <a:r>
+              <a:rPr lang="en-GB" b="1" dirty="0"/>
+              <a:t>by </a:t>
+            </a:r>
+            <a:r>
+              <a:rPr lang="en-GB" b="1" dirty="0" smtClean="0"/>
+              <a:t>Gaussian </a:t>
+            </a:r>
+            <a:r>
+              <a:rPr lang="en-GB" b="1" dirty="0"/>
+              <a:t>process</a:t>
+            </a:r>
+            <a:endParaRPr lang="ru-RU" b="1" dirty="0" smtClean="0">
+              <a:solidFill>
+                <a:srgbClr val="FF0000"/>
+              </a:solidFill>
+            </a:endParaRPr>
           </a:p>
           <a:p>
             <a:pPr marL="0" indent="0">
               <a:buNone/>
             </a:pPr>
-            <a:endParaRPr lang="en-GB" dirty="0"/>
-          </a:p>
-        </p:txBody>
-      </p:sp>
-      <p:pic>
-        <p:nvPicPr>
-          <p:cNvPr id="4" name="Picture 3"/>
-          <p:cNvPicPr/>
+            <a:endParaRPr lang="en-US" dirty="0"/>
+          </a:p>
+          <a:p>
+            <a:r>
+              <a:rPr lang="en-US" dirty="0"/>
+              <a:t>most of dynamic textures are not linear </a:t>
+            </a:r>
+            <a:r>
+              <a:rPr lang="ru-RU" dirty="0" smtClean="0"/>
+              <a:t>– </a:t>
+            </a:r>
+            <a:r>
+              <a:rPr lang="en-US" dirty="0" smtClean="0"/>
+              <a:t>learning</a:t>
+            </a:r>
+            <a:r>
+              <a:rPr lang="ru-RU" dirty="0" smtClean="0"/>
+              <a:t> </a:t>
+            </a:r>
+            <a:r>
+              <a:rPr lang="en-US" dirty="0" smtClean="0"/>
+              <a:t>algorithm cannot </a:t>
+            </a:r>
+            <a:r>
+              <a:rPr lang="en-US" dirty="0"/>
+              <a:t>be </a:t>
+            </a:r>
+            <a:r>
+              <a:rPr lang="en-US" dirty="0" smtClean="0"/>
+              <a:t>linear</a:t>
+            </a:r>
+            <a:endParaRPr lang="ru-RU" dirty="0" smtClean="0"/>
+          </a:p>
+          <a:p>
+            <a:pPr marL="0" indent="0">
+              <a:buNone/>
+            </a:pPr>
+            <a:r>
+              <a:rPr lang="en-US" b="1" dirty="0">
+                <a:solidFill>
+                  <a:srgbClr val="FF0000"/>
+                </a:solidFill>
+              </a:rPr>
+              <a:t>more flexible model must be </a:t>
+            </a:r>
+            <a:r>
+              <a:rPr lang="en-US" b="1" dirty="0" smtClean="0">
+                <a:solidFill>
+                  <a:srgbClr val="FF0000"/>
+                </a:solidFill>
+              </a:rPr>
+              <a:t>found </a:t>
+            </a:r>
+            <a:r>
+              <a:rPr lang="en-US" b="1" dirty="0" smtClean="0">
+                <a:solidFill>
+                  <a:schemeClr val="tx1"/>
+                </a:solidFill>
+              </a:rPr>
+              <a:t>– based of Gaussian process</a:t>
+            </a:r>
+            <a:endParaRPr lang="ru-RU" b="1" dirty="0" smtClean="0">
+              <a:solidFill>
+                <a:schemeClr val="tx1"/>
+              </a:solidFill>
+            </a:endParaRPr>
+          </a:p>
+          <a:p>
+            <a:pPr marL="0" indent="0">
+              <a:buNone/>
+            </a:pPr>
+            <a:endParaRPr lang="ru-RU" dirty="0" smtClean="0"/>
+          </a:p>
+          <a:p>
+            <a:r>
+              <a:rPr lang="en-US" dirty="0"/>
+              <a:t>big computational cost of </a:t>
+            </a:r>
+            <a:r>
+              <a:rPr lang="en-US" dirty="0" smtClean="0"/>
+              <a:t>optimization</a:t>
+            </a:r>
+            <a:r>
+              <a:rPr lang="ru-RU" dirty="0" smtClean="0"/>
+              <a:t> – </a:t>
+            </a:r>
+            <a:r>
+              <a:rPr lang="en-US" dirty="0"/>
+              <a:t>necessary to have a good </a:t>
+            </a:r>
+            <a:r>
+              <a:rPr lang="en-US" dirty="0" smtClean="0"/>
+              <a:t>performance</a:t>
+            </a:r>
+            <a:endParaRPr lang="ru-RU" dirty="0" smtClean="0"/>
+          </a:p>
+          <a:p>
+            <a:pPr marL="0" indent="0">
+              <a:buNone/>
+            </a:pPr>
+            <a:r>
+              <a:rPr lang="en-GB" b="1" dirty="0">
+                <a:solidFill>
+                  <a:srgbClr val="FF0000"/>
+                </a:solidFill>
+              </a:rPr>
+              <a:t>first-order Markov model </a:t>
+            </a:r>
+            <a:r>
+              <a:rPr lang="en-GB" b="1" dirty="0" smtClean="0">
+                <a:solidFill>
+                  <a:schemeClr val="tx1"/>
+                </a:solidFill>
+              </a:rPr>
+              <a:t>- based </a:t>
+            </a:r>
+            <a:r>
+              <a:rPr lang="en-GB" b="1" dirty="0">
+                <a:solidFill>
+                  <a:schemeClr val="tx1"/>
+                </a:solidFill>
+              </a:rPr>
+              <a:t>on Gaussian </a:t>
+            </a:r>
+            <a:r>
+              <a:rPr lang="en-GB" b="1" dirty="0" smtClean="0">
+                <a:solidFill>
+                  <a:schemeClr val="tx1"/>
+                </a:solidFill>
+              </a:rPr>
+              <a:t>process</a:t>
+            </a:r>
+          </a:p>
+          <a:p>
+            <a:pPr marL="0" indent="0">
+              <a:buNone/>
+            </a:pPr>
+            <a:endParaRPr lang="en-US" b="1" dirty="0">
+              <a:solidFill>
+                <a:schemeClr val="tx1"/>
+              </a:solidFill>
+            </a:endParaRPr>
+          </a:p>
+          <a:p>
+            <a:pPr marL="0" indent="0">
+              <a:buNone/>
+            </a:pPr>
+            <a:r>
+              <a:rPr lang="en-US" dirty="0" smtClean="0">
+                <a:solidFill>
+                  <a:schemeClr val="tx1"/>
+                </a:solidFill>
+              </a:rPr>
+              <a:t>Why Gaussian process? Not many approaches can be used for modeling and synthesis </a:t>
+            </a:r>
+          </a:p>
+        </p:txBody>
+      </p:sp>
+      <p:sp>
+        <p:nvSpPr>
+          <p:cNvPr id="4" name="TextBox 3"/>
+          <p:cNvSpPr txBox="1"/>
           <p:nvPr/>
-        </p:nvPicPr>
-        <p:blipFill>
-          <a:blip r:embed="rId2">
-            <a:extLst>
-              <a:ext uri="{28A0092B-C50C-407E-A947-70E740481C1C}">
-                <a14:useLocalDpi xmlns:a14="http://schemas.microsoft.com/office/drawing/2010/main" val="0"/>
-              </a:ext>
-            </a:extLst>
-          </a:blip>
-          <a:srcRect/>
-          <a:stretch>
-            <a:fillRect/>
-          </a:stretch>
-        </p:blipFill>
-        <p:spPr bwMode="auto">
+        </p:nvSpPr>
+        <p:spPr>
           <a:xfrm>
-            <a:off x="2377082" y="2492680"/>
-            <a:ext cx="9372332" cy="3645464"/>
+            <a:off x="11542143" y="6211669"/>
+            <a:ext cx="649857" cy="646331"/>
           </a:xfrm>
           <a:prstGeom prst="rect">
             <a:avLst/>
           </a:prstGeom>
           <a:noFill/>
-          <a:ln>
-            <a:noFill/>
-          </a:ln>
         </p:spPr>
-      </p:pic>
+        <p:txBody>
+          <a:bodyPr wrap="square" rtlCol="0">
+            <a:spAutoFit/>
+          </a:bodyPr>
+          <a:lstStyle/>
+          <a:p>
+            <a:r>
+              <a:rPr lang="ru-RU" dirty="0"/>
+              <a:t>6</a:t>
+            </a:r>
+          </a:p>
+          <a:p>
+            <a:endParaRPr lang="en-GB" dirty="0"/>
+          </a:p>
+        </p:txBody>
+      </p:sp>
     </p:spTree>
     <p:extLst>
       <p:ext uri="{BB962C8B-B14F-4D97-AF65-F5344CB8AC3E}">
-        <p14:creationId xmlns:p14="http://schemas.microsoft.com/office/powerpoint/2010/main" val="2646660001"/>
+        <p14:creationId xmlns:p14="http://schemas.microsoft.com/office/powerpoint/2010/main" val="45704887"/>
       </p:ext>
     </p:extLst>
   </p:cSld>
@@ -7677,233 +8634,31 @@
             <a:spLocks noGrp="1"/>
           </p:cNvSpPr>
           <p:nvPr>
-            <p:ph type="title"/>
-          </p:nvPr>
-        </p:nvSpPr>
-        <p:spPr/>
-        <p:txBody>
-          <a:bodyPr/>
-          <a:lstStyle/>
-          <a:p>
-            <a:r>
-              <a:rPr lang="en-GB" dirty="0" smtClean="0"/>
-              <a:t>Multivariate Gaussian distribution</a:t>
-            </a:r>
-            <a:endParaRPr lang="en-GB" dirty="0"/>
-          </a:p>
-        </p:txBody>
-      </p:sp>
-      <p:sp>
-        <p:nvSpPr>
-          <p:cNvPr id="3" name="Content Placeholder 2"/>
-          <p:cNvSpPr>
-            <a:spLocks noGrp="1"/>
-          </p:cNvSpPr>
-          <p:nvPr>
-            <p:ph idx="1"/>
+            <p:ph type="ctrTitle"/>
           </p:nvPr>
         </p:nvSpPr>
         <p:spPr>
           <a:xfrm>
-            <a:off x="1371600" y="1665961"/>
-            <a:ext cx="9601200" cy="5285984"/>
+            <a:off x="1915128" y="1788453"/>
+            <a:ext cx="8361229" cy="2662523"/>
           </a:xfrm>
         </p:spPr>
         <p:txBody>
-          <a:bodyPr>
-            <a:normAutofit/>
-          </a:bodyPr>
-          <a:lstStyle/>
-          <a:p>
-            <a:pPr marL="0" indent="0">
-              <a:buNone/>
-            </a:pPr>
-            <a:r>
-              <a:rPr lang="en-US" dirty="0" smtClean="0"/>
-              <a:t>	</a:t>
-            </a:r>
-            <a:r>
-              <a:rPr lang="en-US" b="1" dirty="0" smtClean="0"/>
-              <a:t>Bivariate </a:t>
-            </a:r>
-            <a:r>
-              <a:rPr lang="en-US" b="1" dirty="0"/>
-              <a:t>case </a:t>
-            </a:r>
-            <a:r>
-              <a:rPr lang="en-US" dirty="0"/>
-              <a:t>– for any fixed X1 value the distribution of associated X2 values is normal and for any fixed X2 value the distribution of X1 value is normal</a:t>
-            </a:r>
-            <a:r>
-              <a:rPr lang="en-US" dirty="0" smtClean="0"/>
-              <a:t>.</a:t>
-            </a:r>
-          </a:p>
-          <a:p>
-            <a:pPr marL="0" indent="0">
-              <a:buNone/>
-            </a:pPr>
-            <a:endParaRPr lang="en-US" dirty="0" smtClean="0"/>
-          </a:p>
-          <a:p>
-            <a:pPr marL="0" indent="0">
-              <a:buNone/>
-            </a:pPr>
-            <a:endParaRPr lang="en-US" dirty="0"/>
-          </a:p>
-          <a:p>
-            <a:pPr marL="0" indent="0">
-              <a:buNone/>
-            </a:pPr>
-            <a:endParaRPr lang="en-US" dirty="0" smtClean="0"/>
-          </a:p>
-          <a:p>
-            <a:pPr marL="0" indent="0">
-              <a:buNone/>
-            </a:pPr>
-            <a:endParaRPr lang="en-US" dirty="0" smtClean="0"/>
-          </a:p>
-          <a:p>
-            <a:pPr marL="0" indent="0">
-              <a:buNone/>
-            </a:pPr>
-            <a:endParaRPr lang="en-US" dirty="0" smtClean="0"/>
-          </a:p>
-          <a:p>
-            <a:pPr marL="0" indent="0">
-              <a:buNone/>
-            </a:pPr>
-            <a:endParaRPr lang="en-US" dirty="0"/>
-          </a:p>
-          <a:p>
-            <a:pPr marL="0" indent="0">
-              <a:buNone/>
-            </a:pPr>
-            <a:r>
-              <a:rPr lang="en-US" dirty="0" smtClean="0"/>
-              <a:t>	</a:t>
-            </a:r>
-            <a:r>
-              <a:rPr lang="en-US" b="1" dirty="0" smtClean="0"/>
-              <a:t>Multivariate </a:t>
-            </a:r>
-            <a:r>
-              <a:rPr lang="en-US" b="1" dirty="0"/>
-              <a:t>case</a:t>
-            </a:r>
-            <a:r>
-              <a:rPr lang="en-US" dirty="0"/>
-              <a:t> (2 or more dimensions) – characterized </a:t>
-            </a:r>
-            <a:r>
-              <a:rPr lang="en-US" dirty="0" smtClean="0"/>
-              <a:t>by:</a:t>
-            </a:r>
-            <a:endParaRPr lang="en-GB" dirty="0" smtClean="0"/>
-          </a:p>
-          <a:p>
-            <a:pPr lvl="0"/>
-            <a:r>
-              <a:rPr lang="en-US" i="1" dirty="0"/>
-              <a:t>Mean vector </a:t>
-            </a:r>
-            <a:r>
-              <a:rPr lang="en-US" dirty="0"/>
-              <a:t>– the same size as data</a:t>
+          <a:bodyPr/>
+          <a:lstStyle/>
+          <a:p>
+            <a:r>
+              <a:rPr lang="en-GB" b="1" dirty="0" smtClean="0"/>
+              <a:t>Gaussian process</a:t>
             </a:r>
             <a:endParaRPr lang="en-GB" dirty="0"/>
           </a:p>
-          <a:p>
-            <a:pPr lvl="0"/>
-            <a:r>
-              <a:rPr lang="en-US" i="1" dirty="0"/>
-              <a:t>Covariance matrix</a:t>
-            </a:r>
-            <a:r>
-              <a:rPr lang="en-US" dirty="0"/>
-              <a:t> – squared matrix </a:t>
-            </a:r>
-            <a:r>
-              <a:rPr lang="en-US" dirty="0" err="1" smtClean="0"/>
-              <a:t>NxN</a:t>
-            </a:r>
-            <a:r>
-              <a:rPr lang="en-US" dirty="0" smtClean="0"/>
-              <a:t>, </a:t>
-            </a:r>
-            <a:r>
-              <a:rPr lang="en-US" dirty="0"/>
-              <a:t>where </a:t>
-            </a:r>
-            <a:r>
-              <a:rPr lang="en-US" dirty="0" smtClean="0"/>
-              <a:t>N </a:t>
-            </a:r>
-            <a:r>
-              <a:rPr lang="en-US" dirty="0"/>
-              <a:t>– </a:t>
-            </a:r>
-            <a:r>
-              <a:rPr lang="en-US" dirty="0" smtClean="0"/>
-              <a:t>dimensionality</a:t>
-            </a:r>
-            <a:endParaRPr lang="en-GB" dirty="0"/>
-          </a:p>
-          <a:p>
-            <a:pPr lvl="0"/>
-            <a:r>
-              <a:rPr lang="en-US" i="1" dirty="0"/>
-              <a:t>Shape of a </a:t>
-            </a:r>
-            <a:r>
-              <a:rPr lang="en-US" i="1" dirty="0" smtClean="0"/>
-              <a:t>cut </a:t>
-            </a:r>
-            <a:r>
-              <a:rPr lang="en-US" dirty="0" smtClean="0"/>
-              <a:t>– 2D projection)</a:t>
-            </a:r>
-            <a:endParaRPr lang="en-GB" dirty="0"/>
-          </a:p>
-          <a:p>
-            <a:endParaRPr lang="en-GB" dirty="0" smtClean="0"/>
-          </a:p>
-          <a:p>
-            <a:pPr marL="0" indent="0">
-              <a:buNone/>
-            </a:pPr>
-            <a:endParaRPr lang="en-GB" dirty="0"/>
-          </a:p>
-        </p:txBody>
-      </p:sp>
-      <p:pic>
-        <p:nvPicPr>
-          <p:cNvPr id="6" name="Picture 5"/>
-          <p:cNvPicPr>
-            <a:picLocks noChangeAspect="1"/>
-          </p:cNvPicPr>
-          <p:nvPr/>
-        </p:nvPicPr>
-        <p:blipFill>
-          <a:blip r:embed="rId2"/>
-          <a:stretch>
-            <a:fillRect/>
-          </a:stretch>
-        </p:blipFill>
-        <p:spPr>
-          <a:xfrm>
-            <a:off x="2877855" y="2417457"/>
-            <a:ext cx="5334000" cy="2524125"/>
-          </a:xfrm>
-          <a:prstGeom prst="rect">
-            <a:avLst/>
-          </a:prstGeom>
-        </p:spPr>
-      </p:pic>
+        </p:txBody>
+      </p:sp>
     </p:spTree>
     <p:extLst>
       <p:ext uri="{BB962C8B-B14F-4D97-AF65-F5344CB8AC3E}">
-        <p14:creationId xmlns:p14="http://schemas.microsoft.com/office/powerpoint/2010/main" val="6459764"/>
+        <p14:creationId xmlns:p14="http://schemas.microsoft.com/office/powerpoint/2010/main" val="2197755600"/>
       </p:ext>
     </p:extLst>
   </p:cSld>
@@ -7972,12 +8727,14 @@
         </p:nvSpPr>
         <p:spPr>
           <a:xfrm>
-            <a:off x="1371599" y="1615858"/>
-            <a:ext cx="10152345" cy="4251542"/>
+            <a:off x="1371599" y="1615857"/>
+            <a:ext cx="10152345" cy="4603787"/>
           </a:xfrm>
         </p:spPr>
         <p:txBody>
-          <a:bodyPr/>
+          <a:bodyPr>
+            <a:normAutofit/>
+          </a:bodyPr>
           <a:lstStyle/>
           <a:p>
             <a:pPr marL="0" indent="0">
@@ -8116,7 +8873,17 @@
             </a:r>
             <a:r>
               <a:rPr lang="en-US" dirty="0"/>
-              <a:t> – index when space is increased</a:t>
+              <a:t> – index when space is </a:t>
+            </a:r>
+            <a:r>
+              <a:rPr lang="en-US" dirty="0" smtClean="0"/>
+              <a:t>increased</a:t>
+            </a:r>
+          </a:p>
+          <a:p>
+            <a:r>
+              <a:rPr lang="en-US" dirty="0" smtClean="0"/>
+              <a:t>not regular sampling</a:t>
             </a:r>
             <a:endParaRPr lang="en-GB" dirty="0" smtClean="0"/>
           </a:p>
@@ -8161,6 +8928,38 @@
           </a:ln>
         </p:spPr>
       </p:pic>
+      <p:sp>
+        <p:nvSpPr>
+          <p:cNvPr id="5" name="TextBox 4"/>
+          <p:cNvSpPr txBox="1"/>
+          <p:nvPr/>
+        </p:nvSpPr>
+        <p:spPr>
+          <a:xfrm>
+            <a:off x="11542143" y="6211669"/>
+            <a:ext cx="649857" cy="646331"/>
+          </a:xfrm>
+          <a:prstGeom prst="rect">
+            <a:avLst/>
+          </a:prstGeom>
+          <a:noFill/>
+        </p:spPr>
+        <p:txBody>
+          <a:bodyPr wrap="square" rtlCol="0">
+            <a:spAutoFit/>
+          </a:bodyPr>
+          <a:lstStyle/>
+          <a:p>
+            <a:r>
+              <a:rPr lang="ru-RU" dirty="0"/>
+              <a:t>7</a:t>
+            </a:r>
+          </a:p>
+          <a:p>
+            <a:endParaRPr lang="en-GB" dirty="0"/>
+          </a:p>
+        </p:txBody>
+      </p:sp>
     </p:spTree>
     <p:extLst>
       <p:ext uri="{BB962C8B-B14F-4D97-AF65-F5344CB8AC3E}">
@@ -8439,6 +9238,38 @@
           </a:ln>
         </p:spPr>
       </p:pic>
+      <p:sp>
+        <p:nvSpPr>
+          <p:cNvPr id="7" name="TextBox 6"/>
+          <p:cNvSpPr txBox="1"/>
+          <p:nvPr/>
+        </p:nvSpPr>
+        <p:spPr>
+          <a:xfrm>
+            <a:off x="11542143" y="6211669"/>
+            <a:ext cx="649857" cy="646331"/>
+          </a:xfrm>
+          <a:prstGeom prst="rect">
+            <a:avLst/>
+          </a:prstGeom>
+          <a:noFill/>
+        </p:spPr>
+        <p:txBody>
+          <a:bodyPr wrap="square" rtlCol="0">
+            <a:spAutoFit/>
+          </a:bodyPr>
+          <a:lstStyle/>
+          <a:p>
+            <a:r>
+              <a:rPr lang="ru-RU" dirty="0"/>
+              <a:t>8</a:t>
+            </a:r>
+          </a:p>
+          <a:p>
+            <a:endParaRPr lang="en-GB" dirty="0"/>
+          </a:p>
+        </p:txBody>
+      </p:sp>
     </p:spTree>
     <p:extLst>
       <p:ext uri="{BB962C8B-B14F-4D97-AF65-F5344CB8AC3E}">
@@ -8730,6 +9561,38 @@
           </a:ln>
         </p:spPr>
       </p:pic>
+      <p:sp>
+        <p:nvSpPr>
+          <p:cNvPr id="5" name="TextBox 4"/>
+          <p:cNvSpPr txBox="1"/>
+          <p:nvPr/>
+        </p:nvSpPr>
+        <p:spPr>
+          <a:xfrm>
+            <a:off x="11542143" y="6211669"/>
+            <a:ext cx="649857" cy="646331"/>
+          </a:xfrm>
+          <a:prstGeom prst="rect">
+            <a:avLst/>
+          </a:prstGeom>
+          <a:noFill/>
+        </p:spPr>
+        <p:txBody>
+          <a:bodyPr wrap="square" rtlCol="0">
+            <a:spAutoFit/>
+          </a:bodyPr>
+          <a:lstStyle/>
+          <a:p>
+            <a:r>
+              <a:rPr lang="ru-RU" dirty="0"/>
+              <a:t>9</a:t>
+            </a:r>
+          </a:p>
+          <a:p>
+            <a:endParaRPr lang="en-GB" dirty="0"/>
+          </a:p>
+        </p:txBody>
+      </p:sp>
     </p:spTree>
     <p:extLst>
       <p:ext uri="{BB962C8B-B14F-4D97-AF65-F5344CB8AC3E}">
@@ -8802,8 +9665,8 @@
         </p:nvSpPr>
         <p:spPr>
           <a:xfrm>
-            <a:off x="1371600" y="1615858"/>
-            <a:ext cx="9601200" cy="4251542"/>
+            <a:off x="1371600" y="1529592"/>
+            <a:ext cx="9601200" cy="5406046"/>
           </a:xfrm>
         </p:spPr>
         <p:txBody>
@@ -9087,8 +9950,37 @@
             </a:pPr>
             <a:r>
               <a:rPr lang="en-US" sz="1900" dirty="0"/>
-              <a:t>conditional distribution:</a:t>
-            </a:r>
+              <a:t>conditional distribution</a:t>
+            </a:r>
+            <a:r>
+              <a:rPr lang="en-US" sz="1900" dirty="0" smtClean="0"/>
+              <a:t>:</a:t>
+            </a:r>
+          </a:p>
+          <a:p>
+            <a:pPr marL="0" indent="0">
+              <a:buNone/>
+            </a:pPr>
+            <a:endParaRPr lang="en-US" sz="1900" dirty="0"/>
+          </a:p>
+          <a:p>
+            <a:pPr marL="0" indent="0">
+              <a:buNone/>
+            </a:pPr>
+            <a:r>
+              <a:rPr lang="en-US" sz="1900" dirty="0" smtClean="0"/>
+              <a:t>Important property of Gaussian processes</a:t>
+            </a:r>
+          </a:p>
+          <a:p>
+            <a:pPr marL="0" indent="0">
+              <a:buNone/>
+            </a:pPr>
+            <a:r>
+              <a:rPr lang="en-US" sz="1900" dirty="0" smtClean="0"/>
+              <a:t>Interpolation can be performed using this approach</a:t>
+            </a:r>
+            <a:endParaRPr lang="en-US" sz="1900" dirty="0"/>
           </a:p>
           <a:p>
             <a:pPr marL="0" indent="0">
@@ -9177,7 +10069,7 @@
         </p:blipFill>
         <p:spPr>
           <a:xfrm>
-            <a:off x="1465546" y="2707841"/>
+            <a:off x="1465546" y="2613576"/>
             <a:ext cx="6791722" cy="485123"/>
           </a:xfrm>
           <a:prstGeom prst="rect">
@@ -9206,7 +10098,7 @@
         </p:blipFill>
         <p:spPr bwMode="auto">
           <a:xfrm>
-            <a:off x="6172200" y="3415431"/>
+            <a:off x="6172200" y="3247041"/>
             <a:ext cx="5659374" cy="3169450"/>
           </a:xfrm>
           <a:prstGeom prst="rect">
@@ -9218,6 +10110,39 @@
           </a:ln>
         </p:spPr>
       </p:pic>
+      <p:sp>
+        <p:nvSpPr>
+          <p:cNvPr id="7" name="TextBox 6"/>
+          <p:cNvSpPr txBox="1"/>
+          <p:nvPr/>
+        </p:nvSpPr>
+        <p:spPr>
+          <a:xfrm>
+            <a:off x="11542143" y="6211669"/>
+            <a:ext cx="649857" cy="646331"/>
+          </a:xfrm>
+          <a:prstGeom prst="rect">
+            <a:avLst/>
+          </a:prstGeom>
+          <a:noFill/>
+        </p:spPr>
+        <p:txBody>
+          <a:bodyPr wrap="square" rtlCol="0">
+            <a:spAutoFit/>
+          </a:bodyPr>
+          <a:lstStyle/>
+          <a:p>
+            <a:r>
+              <a:rPr lang="ru-RU" dirty="0" smtClean="0"/>
+              <a:t>10</a:t>
+            </a:r>
+            <a:endParaRPr lang="ru-RU" dirty="0"/>
+          </a:p>
+          <a:p>
+            <a:endParaRPr lang="en-GB" dirty="0"/>
+          </a:p>
+        </p:txBody>
+      </p:sp>
     </p:spTree>
     <p:extLst>
       <p:ext uri="{BB962C8B-B14F-4D97-AF65-F5344CB8AC3E}">
@@ -9272,7 +10197,7 @@
           <a:p>
             <a:r>
               <a:rPr lang="en-GB" dirty="0" smtClean="0"/>
-              <a:t>Kernels</a:t>
+              <a:t>GP with latent variables</a:t>
             </a:r>
             <a:endParaRPr lang="en-GB" dirty="0"/>
           </a:p>
@@ -9280,115 +10205,41 @@
       </p:sp>
       <p:sp>
         <p:nvSpPr>
-          <p:cNvPr id="3" name="Content Placeholder 2"/>
-          <p:cNvSpPr>
-            <a:spLocks noGrp="1"/>
-          </p:cNvSpPr>
-          <p:nvPr>
-            <p:ph idx="1"/>
-          </p:nvPr>
+          <p:cNvPr id="6" name="TextBox 5"/>
+          <p:cNvSpPr txBox="1"/>
+          <p:nvPr/>
         </p:nvSpPr>
         <p:spPr>
           <a:xfrm>
-            <a:off x="1371600" y="1565753"/>
-            <a:ext cx="9601200" cy="4301647"/>
-          </a:xfrm>
-        </p:spPr>
-        <p:txBody>
-          <a:bodyPr/>
-          <a:lstStyle/>
-          <a:p>
-            <a:pPr marL="0" indent="0">
-              <a:buNone/>
-            </a:pPr>
-            <a:r>
-              <a:rPr lang="en-US" dirty="0"/>
-              <a:t>List of most popular kernels along with its covariance matrices for the given </a:t>
-            </a:r>
-            <a:r>
-              <a:rPr lang="en-US" dirty="0" err="1" smtClean="0"/>
-              <a:t>timeset</a:t>
-            </a:r>
-            <a:endParaRPr lang="en-US" dirty="0" smtClean="0"/>
-          </a:p>
-          <a:p>
-            <a:endParaRPr lang="en-GB" dirty="0" smtClean="0"/>
-          </a:p>
-          <a:p>
-            <a:pPr marL="0" indent="0">
-              <a:buNone/>
-            </a:pPr>
-            <a:endParaRPr lang="en-GB" dirty="0"/>
-          </a:p>
-        </p:txBody>
-      </p:sp>
-      <p:sp>
-        <p:nvSpPr>
-          <p:cNvPr id="4" name="Rectangle 2"/>
-          <p:cNvSpPr>
-            <a:spLocks noChangeArrowheads="1"/>
-          </p:cNvSpPr>
-          <p:nvPr/>
-        </p:nvSpPr>
-        <p:spPr bwMode="auto">
-          <a:xfrm>
-            <a:off x="0" y="0"/>
-            <a:ext cx="12192000" cy="0"/>
+            <a:off x="11542143" y="6211669"/>
+            <a:ext cx="649857" cy="646331"/>
           </a:xfrm>
           <a:prstGeom prst="rect">
             <a:avLst/>
           </a:prstGeom>
           <a:noFill/>
-          <a:ln>
-            <a:noFill/>
-          </a:ln>
-          <a:effectLst/>
-          <a:extLst>
-            <a:ext uri="{909E8E84-426E-40DD-AFC4-6F175D3DCCD1}">
-              <a14:hiddenFill xmlns:a14="http://schemas.microsoft.com/office/drawing/2010/main">
-                <a:solidFill>
-                  <a:schemeClr val="accent1"/>
-                </a:solidFill>
-              </a14:hiddenFill>
-            </a:ext>
-            <a:ext uri="{91240B29-F687-4F45-9708-019B960494DF}">
-              <a14:hiddenLine xmlns:a14="http://schemas.microsoft.com/office/drawing/2010/main" w="9525">
-                <a:solidFill>
-                  <a:schemeClr val="tx1"/>
-                </a:solidFill>
-                <a:miter lim="800000"/>
-                <a:headEnd/>
-                <a:tailEnd/>
-              </a14:hiddenLine>
-            </a:ext>
-            <a:ext uri="{AF507438-7753-43E0-B8FC-AC1667EBCBE1}">
-              <a14:hiddenEffects xmlns:a14="http://schemas.microsoft.com/office/drawing/2010/main">
-                <a:effectLst>
-                  <a:outerShdw dist="35921" dir="2700000" algn="ctr" rotWithShape="0">
-                    <a:schemeClr val="bg2"/>
-                  </a:outerShdw>
-                </a:effectLst>
-              </a14:hiddenEffects>
-            </a:ext>
-          </a:extLst>
         </p:spPr>
         <p:txBody>
-          <a:bodyPr vert="horz" wrap="none" lIns="91440" tIns="45720" rIns="91440" bIns="45720" numCol="1" anchor="ctr" anchorCtr="0" compatLnSpc="1">
-            <a:prstTxWarp prst="textNoShape">
-              <a:avLst/>
-            </a:prstTxWarp>
+          <a:bodyPr wrap="square" rtlCol="0">
             <a:spAutoFit/>
           </a:bodyPr>
           <a:lstStyle/>
           <a:p>
-            <a:endParaRPr lang="en-GB"/>
+            <a:r>
+              <a:rPr lang="ru-RU" dirty="0" smtClean="0"/>
+              <a:t>11</a:t>
+            </a:r>
+            <a:endParaRPr lang="ru-RU" dirty="0"/>
+          </a:p>
+          <a:p>
+            <a:endParaRPr lang="en-GB" dirty="0"/>
           </a:p>
         </p:txBody>
       </p:sp>
     </p:spTree>
     <p:extLst>
       <p:ext uri="{BB962C8B-B14F-4D97-AF65-F5344CB8AC3E}">
-        <p14:creationId xmlns:p14="http://schemas.microsoft.com/office/powerpoint/2010/main" val="102941858"/>
+        <p14:creationId xmlns:p14="http://schemas.microsoft.com/office/powerpoint/2010/main" val="560565240"/>
       </p:ext>
     </p:extLst>
   </p:cSld>
@@ -9455,9 +10306,16 @@
             <p:ph idx="1"/>
           </p:nvPr>
         </p:nvSpPr>
-        <p:spPr/>
-        <p:txBody>
-          <a:bodyPr/>
+        <p:spPr>
+          <a:xfrm>
+            <a:off x="1371600" y="1733909"/>
+            <a:ext cx="9601200" cy="4692769"/>
+          </a:xfrm>
+        </p:spPr>
+        <p:txBody>
+          <a:bodyPr>
+            <a:normAutofit lnSpcReduction="10000"/>
+          </a:bodyPr>
           <a:lstStyle/>
           <a:p>
             <a:r>
@@ -9552,6 +10410,15 @@
               <a:rPr lang="en-US" b="1" dirty="0" smtClean="0"/>
               <a:t>ne kernel function is used</a:t>
             </a:r>
+          </a:p>
+          <a:p>
+            <a:endParaRPr lang="en-US" b="1" dirty="0" smtClean="0"/>
+          </a:p>
+          <a:p>
+            <a:endParaRPr lang="en-US" b="1" dirty="0"/>
+          </a:p>
+          <a:p>
+            <a:endParaRPr lang="en-US" b="1" dirty="0" smtClean="0"/>
           </a:p>
           <a:p>
             <a:r>
@@ -9632,7 +10499,7 @@
         </p:blipFill>
         <p:spPr bwMode="auto">
           <a:xfrm>
-            <a:off x="6488482" y="4958680"/>
+            <a:off x="6605318" y="5251978"/>
             <a:ext cx="3231714" cy="771948"/>
           </a:xfrm>
           <a:prstGeom prst="rect">
@@ -9644,6 +10511,63 @@
           </a:ln>
         </p:spPr>
       </p:pic>
+      <p:pic>
+        <p:nvPicPr>
+          <p:cNvPr id="5" name="Picture 4"/>
+          <p:cNvPicPr>
+            <a:picLocks noChangeAspect="1"/>
+          </p:cNvPicPr>
+          <p:nvPr/>
+        </p:nvPicPr>
+        <p:blipFill>
+          <a:blip r:embed="rId3"/>
+          <a:stretch>
+            <a:fillRect/>
+          </a:stretch>
+        </p:blipFill>
+        <p:spPr>
+          <a:xfrm>
+            <a:off x="1842818" y="3510700"/>
+            <a:ext cx="4762500" cy="923925"/>
+          </a:xfrm>
+          <a:prstGeom prst="rect">
+            <a:avLst/>
+          </a:prstGeom>
+        </p:spPr>
+      </p:pic>
+      <p:sp>
+        <p:nvSpPr>
+          <p:cNvPr id="6" name="TextBox 5"/>
+          <p:cNvSpPr txBox="1"/>
+          <p:nvPr/>
+        </p:nvSpPr>
+        <p:spPr>
+          <a:xfrm>
+            <a:off x="11542143" y="6211669"/>
+            <a:ext cx="649857" cy="646331"/>
+          </a:xfrm>
+          <a:prstGeom prst="rect">
+            <a:avLst/>
+          </a:prstGeom>
+          <a:noFill/>
+        </p:spPr>
+        <p:txBody>
+          <a:bodyPr wrap="square" rtlCol="0">
+            <a:spAutoFit/>
+          </a:bodyPr>
+          <a:lstStyle/>
+          <a:p>
+            <a:r>
+              <a:rPr lang="ru-RU" dirty="0" smtClean="0"/>
+              <a:t>11</a:t>
+            </a:r>
+            <a:endParaRPr lang="ru-RU" dirty="0"/>
+          </a:p>
+          <a:p>
+            <a:endParaRPr lang="en-GB" dirty="0"/>
+          </a:p>
+        </p:txBody>
+      </p:sp>
     </p:spTree>
     <p:extLst>
       <p:ext uri="{BB962C8B-B14F-4D97-AF65-F5344CB8AC3E}">
@@ -9698,8 +10622,41 @@
           <a:p>
             <a:r>
               <a:rPr lang="en-GB" dirty="0" smtClean="0"/>
-              <a:t>Linear dynamic system</a:t>
-            </a:r>
+              <a:t>Dynamic system</a:t>
+            </a:r>
+            <a:endParaRPr lang="en-GB" dirty="0"/>
+          </a:p>
+        </p:txBody>
+      </p:sp>
+      <p:sp>
+        <p:nvSpPr>
+          <p:cNvPr id="3" name="TextBox 2"/>
+          <p:cNvSpPr txBox="1"/>
+          <p:nvPr/>
+        </p:nvSpPr>
+        <p:spPr>
+          <a:xfrm>
+            <a:off x="11542143" y="6211669"/>
+            <a:ext cx="649857" cy="646331"/>
+          </a:xfrm>
+          <a:prstGeom prst="rect">
+            <a:avLst/>
+          </a:prstGeom>
+          <a:noFill/>
+        </p:spPr>
+        <p:txBody>
+          <a:bodyPr wrap="square" rtlCol="0">
+            <a:spAutoFit/>
+          </a:bodyPr>
+          <a:lstStyle/>
+          <a:p>
+            <a:r>
+              <a:rPr lang="ru-RU" dirty="0" smtClean="0"/>
+              <a:t>12</a:t>
+            </a:r>
+            <a:endParaRPr lang="ru-RU" dirty="0"/>
+          </a:p>
+          <a:p>
             <a:endParaRPr lang="en-GB" dirty="0"/>
           </a:p>
         </p:txBody>
@@ -9758,7 +10715,7 @@
           <a:p>
             <a:r>
               <a:rPr lang="en-GB" dirty="0" smtClean="0"/>
-              <a:t>Linear dynamic system</a:t>
+              <a:t>Dynamic system</a:t>
             </a:r>
             <a:endParaRPr lang="en-GB" dirty="0"/>
           </a:p>
@@ -9815,6 +10772,39 @@
               <a:rPr lang="en-US" dirty="0" smtClean="0"/>
               <a:t>learning</a:t>
             </a:r>
+          </a:p>
+        </p:txBody>
+      </p:sp>
+      <p:sp>
+        <p:nvSpPr>
+          <p:cNvPr id="4" name="TextBox 3"/>
+          <p:cNvSpPr txBox="1"/>
+          <p:nvPr/>
+        </p:nvSpPr>
+        <p:spPr>
+          <a:xfrm>
+            <a:off x="11542143" y="6211669"/>
+            <a:ext cx="649857" cy="646331"/>
+          </a:xfrm>
+          <a:prstGeom prst="rect">
+            <a:avLst/>
+          </a:prstGeom>
+          <a:noFill/>
+        </p:spPr>
+        <p:txBody>
+          <a:bodyPr wrap="square" rtlCol="0">
+            <a:spAutoFit/>
+          </a:bodyPr>
+          <a:lstStyle/>
+          <a:p>
+            <a:r>
+              <a:rPr lang="ru-RU" dirty="0" smtClean="0"/>
+              <a:t>12</a:t>
+            </a:r>
+            <a:endParaRPr lang="ru-RU" dirty="0"/>
+          </a:p>
+          <a:p>
+            <a:endParaRPr lang="en-GB" dirty="0"/>
           </a:p>
         </p:txBody>
       </p:sp>
@@ -9872,7 +10862,7 @@
           <a:p>
             <a:r>
               <a:rPr lang="en-GB" dirty="0" smtClean="0"/>
-              <a:t>Linear dynamic system</a:t>
+              <a:t>Dynamic system</a:t>
             </a:r>
             <a:endParaRPr lang="en-GB" dirty="0"/>
           </a:p>
@@ -9950,7 +10940,15 @@
             </a:pPr>
             <a:r>
               <a:rPr lang="en-US" dirty="0" smtClean="0"/>
-              <a:t>			            – linear dynamic model</a:t>
+              <a:t>			            – </a:t>
+            </a:r>
+            <a:r>
+              <a:rPr lang="en-US" dirty="0" smtClean="0"/>
+              <a:t>dynamic </a:t>
+            </a:r>
+            <a:r>
+              <a:rPr lang="en-US" dirty="0" smtClean="0"/>
+              <a:t>model</a:t>
             </a:r>
           </a:p>
           <a:p>
@@ -10133,6 +11131,39 @@
           </a:prstGeom>
         </p:spPr>
       </p:pic>
+      <p:sp>
+        <p:nvSpPr>
+          <p:cNvPr id="5" name="TextBox 4"/>
+          <p:cNvSpPr txBox="1"/>
+          <p:nvPr/>
+        </p:nvSpPr>
+        <p:spPr>
+          <a:xfrm>
+            <a:off x="11542143" y="6211669"/>
+            <a:ext cx="649857" cy="646331"/>
+          </a:xfrm>
+          <a:prstGeom prst="rect">
+            <a:avLst/>
+          </a:prstGeom>
+          <a:noFill/>
+        </p:spPr>
+        <p:txBody>
+          <a:bodyPr wrap="square" rtlCol="0">
+            <a:spAutoFit/>
+          </a:bodyPr>
+          <a:lstStyle/>
+          <a:p>
+            <a:r>
+              <a:rPr lang="ru-RU" dirty="0" smtClean="0"/>
+              <a:t>12</a:t>
+            </a:r>
+            <a:endParaRPr lang="ru-RU" dirty="0"/>
+          </a:p>
+          <a:p>
+            <a:endParaRPr lang="en-GB" dirty="0"/>
+          </a:p>
+        </p:txBody>
+      </p:sp>
     </p:spTree>
     <p:extLst>
       <p:ext uri="{BB962C8B-B14F-4D97-AF65-F5344CB8AC3E}">
@@ -10388,7 +11419,7 @@
           <a:graphicData uri="http://schemas.openxmlformats.org/presentationml/2006/ole">
             <mc:AlternateContent xmlns:mc="http://schemas.openxmlformats.org/markup-compatibility/2006">
               <mc:Choice xmlns:v="urn:schemas-microsoft-com:vml" Requires="v">
-                <p:oleObj spid="_x0000_s2061" name="Bitmap Image" r:id="rId4" imgW="1935238" imgH="1546994" progId="Paint.Picture">
+                <p:oleObj spid="_x0000_s2074" name="Bitmap Image" r:id="rId4" imgW="1935238" imgH="1546994" progId="Paint.Picture">
                   <p:embed/>
                 </p:oleObj>
               </mc:Choice>
@@ -10517,6 +11548,39 @@
           </a:p>
         </p:txBody>
       </p:sp>
+      <p:sp>
+        <p:nvSpPr>
+          <p:cNvPr id="3" name="TextBox 2"/>
+          <p:cNvSpPr txBox="1"/>
+          <p:nvPr/>
+        </p:nvSpPr>
+        <p:spPr>
+          <a:xfrm>
+            <a:off x="11542143" y="6211669"/>
+            <a:ext cx="649857" cy="646331"/>
+          </a:xfrm>
+          <a:prstGeom prst="rect">
+            <a:avLst/>
+          </a:prstGeom>
+          <a:noFill/>
+        </p:spPr>
+        <p:txBody>
+          <a:bodyPr wrap="square" rtlCol="0">
+            <a:spAutoFit/>
+          </a:bodyPr>
+          <a:lstStyle/>
+          <a:p>
+            <a:r>
+              <a:rPr lang="ru-RU" dirty="0" smtClean="0"/>
+              <a:t>13</a:t>
+            </a:r>
+            <a:endParaRPr lang="ru-RU" dirty="0"/>
+          </a:p>
+          <a:p>
+            <a:endParaRPr lang="en-GB" dirty="0"/>
+          </a:p>
+        </p:txBody>
+      </p:sp>
     </p:spTree>
     <p:extLst>
       <p:ext uri="{BB962C8B-B14F-4D97-AF65-F5344CB8AC3E}">
@@ -10589,8 +11653,8 @@
         </p:nvSpPr>
         <p:spPr>
           <a:xfrm>
-            <a:off x="1371600" y="1691013"/>
-            <a:ext cx="9601200" cy="5022937"/>
+            <a:off x="1371600" y="1526875"/>
+            <a:ext cx="9601200" cy="5187075"/>
           </a:xfrm>
         </p:spPr>
         <p:txBody>
@@ -10600,91 +11664,121 @@
           <a:lstStyle/>
           <a:p>
             <a:r>
-              <a:rPr lang="en-US" sz="1800" dirty="0" smtClean="0"/>
+              <a:rPr lang="en-US" sz="1600" dirty="0" smtClean="0"/>
               <a:t>latent </a:t>
             </a:r>
             <a:r>
-              <a:rPr lang="en-US" sz="1800" dirty="0"/>
+              <a:rPr lang="en-US" sz="1600" dirty="0"/>
               <a:t>variable </a:t>
             </a:r>
             <a:r>
-              <a:rPr lang="en-US" sz="1800" dirty="0" smtClean="0"/>
+              <a:rPr lang="en-US" sz="1600" dirty="0" smtClean="0"/>
               <a:t>model</a:t>
             </a:r>
           </a:p>
           <a:p>
             <a:r>
-              <a:rPr lang="en-US" sz="1800" dirty="0" smtClean="0"/>
-              <a:t>mapping </a:t>
-            </a:r>
-            <a:r>
-              <a:rPr lang="en-US" sz="1800" dirty="0"/>
-              <a:t>from a latent space X to the observation space </a:t>
-            </a:r>
-            <a:r>
-              <a:rPr lang="en-US" sz="1800" dirty="0" smtClean="0"/>
+              <a:rPr lang="en-US" sz="1600" dirty="0" smtClean="0"/>
+              <a:t>2 mappings: from </a:t>
+            </a:r>
+            <a:r>
+              <a:rPr lang="en-US" sz="1600" dirty="0"/>
+              <a:t>a latent space X to the observation space </a:t>
+            </a:r>
+            <a:r>
+              <a:rPr lang="en-US" sz="1600" dirty="0" smtClean="0"/>
+              <a:t>Y and dynamic behavior of latent variables</a:t>
+            </a:r>
+          </a:p>
+          <a:p>
+            <a:r>
+              <a:rPr lang="en-US" sz="1600" b="1" dirty="0" smtClean="0"/>
+              <a:t>2 kernel functions</a:t>
+            </a:r>
+          </a:p>
+          <a:p>
+            <a:r>
+              <a:rPr lang="en-US" sz="1600" b="1" dirty="0" smtClean="0"/>
+              <a:t>X – sequence of row-vectors of artificial frames, Y – sequence of row-vectors of observed frames </a:t>
+            </a:r>
+          </a:p>
+          <a:p>
+            <a:r>
+              <a:rPr lang="en-US" sz="1600" dirty="0" smtClean="0"/>
+              <a:t>A – K</a:t>
+            </a:r>
+            <a:r>
+              <a:rPr lang="en-US" sz="1600" baseline="-25000" dirty="0" smtClean="0"/>
               <a:t>Y</a:t>
             </a:r>
-          </a:p>
-          <a:p>
-            <a:r>
-              <a:rPr lang="en-US" sz="1800" dirty="0" smtClean="0"/>
-              <a:t>mapping dynamic behavior of latent variables</a:t>
-            </a:r>
-          </a:p>
-          <a:p>
-            <a:r>
-              <a:rPr lang="en-US" sz="1800" b="1" dirty="0" smtClean="0"/>
-              <a:t>two kernel functions</a:t>
-            </a:r>
-          </a:p>
-          <a:p>
-            <a:endParaRPr lang="en-US" sz="1800" dirty="0"/>
-          </a:p>
-          <a:p>
-            <a:endParaRPr lang="en-US" sz="1800" dirty="0" smtClean="0"/>
-          </a:p>
-          <a:p>
-            <a:endParaRPr lang="en-US" sz="1800" dirty="0"/>
-          </a:p>
-          <a:p>
-            <a:endParaRPr lang="en-US" sz="1800" dirty="0" smtClean="0"/>
+            <a:r>
+              <a:rPr lang="en-US" sz="1600" dirty="0" smtClean="0"/>
+              <a:t> parameters </a:t>
+            </a:r>
+            <a:r>
+              <a:rPr lang="el-GR" sz="1600" dirty="0"/>
+              <a:t>θ</a:t>
+            </a:r>
+            <a:r>
+              <a:rPr lang="en-US" sz="1600" dirty="0" smtClean="0"/>
+              <a:t>, B – K</a:t>
+            </a:r>
+            <a:r>
+              <a:rPr lang="en-US" sz="1600" baseline="-25000" dirty="0" smtClean="0"/>
+              <a:t>X</a:t>
+            </a:r>
+            <a:r>
+              <a:rPr lang="en-US" sz="1600" dirty="0" smtClean="0"/>
+              <a:t> kernel weights W</a:t>
+            </a:r>
+          </a:p>
+          <a:p>
+            <a:endParaRPr lang="en-US" sz="1600" dirty="0"/>
+          </a:p>
+          <a:p>
+            <a:endParaRPr lang="en-US" sz="1600" dirty="0" smtClean="0"/>
+          </a:p>
+          <a:p>
+            <a:endParaRPr lang="en-US" sz="1600" dirty="0"/>
+          </a:p>
+          <a:p>
+            <a:endParaRPr lang="en-US" sz="1600" dirty="0" smtClean="0"/>
           </a:p>
           <a:p>
             <a:pPr marL="0" indent="0">
               <a:buNone/>
             </a:pPr>
-            <a:endParaRPr lang="en-US" sz="1800" dirty="0" smtClean="0"/>
+            <a:endParaRPr lang="en-US" sz="1600" dirty="0" smtClean="0"/>
           </a:p>
           <a:p>
             <a:pPr marL="0" indent="0">
               <a:buNone/>
             </a:pPr>
             <a:r>
-              <a:rPr lang="en-US" sz="1800" dirty="0"/>
+              <a:rPr lang="en-US" sz="1600" dirty="0"/>
               <a:t>Y</a:t>
             </a:r>
             <a:r>
-              <a:rPr lang="en-US" sz="1800" baseline="-25000" dirty="0"/>
+              <a:rPr lang="en-US" sz="1600" baseline="-25000" dirty="0"/>
               <a:t>i</a:t>
             </a:r>
             <a:r>
-              <a:rPr lang="en-US" sz="1800" dirty="0"/>
+              <a:rPr lang="en-US" sz="1600" dirty="0"/>
               <a:t> is a multivariate Gaussian process indexed by X</a:t>
             </a:r>
             <a:r>
-              <a:rPr lang="en-US" sz="1800" baseline="-25000" dirty="0"/>
+              <a:rPr lang="en-US" sz="1600" baseline="-25000" dirty="0"/>
               <a:t>i</a:t>
             </a:r>
             <a:r>
-              <a:rPr lang="en-US" sz="1800" dirty="0"/>
+              <a:rPr lang="en-US" sz="1600" dirty="0"/>
               <a:t> expressed by </a:t>
             </a:r>
             <a:r>
-              <a:rPr lang="en-US" sz="1800" dirty="0" smtClean="0"/>
+              <a:rPr lang="en-US" sz="1600" dirty="0" smtClean="0"/>
               <a:t>likelihood</a:t>
             </a:r>
-            <a:endParaRPr lang="en-GB" sz="1800" dirty="0"/>
+            <a:endParaRPr lang="en-GB" sz="1600" dirty="0"/>
           </a:p>
         </p:txBody>
       </p:sp>
@@ -10710,8 +11804,8 @@
         </p:blipFill>
         <p:spPr>
           <a:xfrm>
-            <a:off x="3518355" y="3365209"/>
-            <a:ext cx="4160100" cy="2004258"/>
+            <a:off x="3683479" y="3391088"/>
+            <a:ext cx="4003602" cy="1928860"/>
           </a:xfrm>
           <a:prstGeom prst="rect">
             <a:avLst/>
@@ -10751,6 +11845,39 @@
           </a:ln>
         </p:spPr>
       </p:pic>
+      <p:sp>
+        <p:nvSpPr>
+          <p:cNvPr id="7" name="TextBox 6"/>
+          <p:cNvSpPr txBox="1"/>
+          <p:nvPr/>
+        </p:nvSpPr>
+        <p:spPr>
+          <a:xfrm>
+            <a:off x="11542143" y="6211669"/>
+            <a:ext cx="649857" cy="646331"/>
+          </a:xfrm>
+          <a:prstGeom prst="rect">
+            <a:avLst/>
+          </a:prstGeom>
+          <a:noFill/>
+        </p:spPr>
+        <p:txBody>
+          <a:bodyPr wrap="square" rtlCol="0">
+            <a:spAutoFit/>
+          </a:bodyPr>
+          <a:lstStyle/>
+          <a:p>
+            <a:r>
+              <a:rPr lang="ru-RU" dirty="0" smtClean="0"/>
+              <a:t>13</a:t>
+            </a:r>
+            <a:endParaRPr lang="ru-RU" dirty="0"/>
+          </a:p>
+          <a:p>
+            <a:endParaRPr lang="en-GB" dirty="0"/>
+          </a:p>
+        </p:txBody>
+      </p:sp>
     </p:spTree>
     <p:extLst>
       <p:ext uri="{BB962C8B-B14F-4D97-AF65-F5344CB8AC3E}">
@@ -10804,9 +11931,10 @@
           <a:lstStyle/>
           <a:p>
             <a:r>
-              <a:rPr lang="en-GB" dirty="0"/>
+              <a:rPr lang="en-GB" dirty="0" smtClean="0"/>
               <a:t>Multi-kernel GP dynamic model</a:t>
             </a:r>
+            <a:endParaRPr lang="en-GB" dirty="0"/>
           </a:p>
         </p:txBody>
       </p:sp>
@@ -10822,38 +11950,24 @@
         </p:nvSpPr>
         <p:spPr>
           <a:xfrm>
-            <a:off x="1371600" y="1578279"/>
-            <a:ext cx="9601200" cy="5135671"/>
+            <a:off x="1371600" y="1766170"/>
+            <a:ext cx="9601200" cy="4659682"/>
           </a:xfrm>
         </p:spPr>
         <p:txBody>
-          <a:bodyPr/>
+          <a:bodyPr>
+            <a:normAutofit/>
+          </a:bodyPr>
           <a:lstStyle/>
           <a:p>
             <a:pPr marL="0" indent="0">
               <a:buNone/>
             </a:pPr>
             <a:r>
-              <a:rPr lang="en-US" dirty="0"/>
-              <a:t>To achieve nonlinear mapping from a latent space X to the observation space Y</a:t>
-            </a:r>
-          </a:p>
-          <a:p>
-            <a:pPr marL="0" indent="0">
-              <a:buNone/>
-            </a:pPr>
-            <a:r>
-              <a:rPr lang="en-US" dirty="0" smtClean="0"/>
-              <a:t>special </a:t>
-            </a:r>
-            <a:r>
-              <a:rPr lang="en-US" dirty="0"/>
-              <a:t>squared exponential covariance </a:t>
-            </a:r>
-            <a:r>
-              <a:rPr lang="en-US" dirty="0" smtClean="0"/>
-              <a:t>function is used</a:t>
-            </a:r>
+              <a:rPr lang="en-US" dirty="0" smtClean="0"/>
+              <a:t>The likelihood extends to the following equation:</a:t>
+            </a:r>
+            <a:endParaRPr lang="en-GB" dirty="0" smtClean="0"/>
           </a:p>
           <a:p>
             <a:pPr marL="0" indent="0">
@@ -10871,6 +11985,36 @@
             <a:pPr marL="0" indent="0">
               <a:buNone/>
             </a:pPr>
+            <a:r>
+              <a:rPr lang="en-US" dirty="0" smtClean="0"/>
+              <a:t>X – latent variable vector</a:t>
+            </a:r>
+          </a:p>
+          <a:p>
+            <a:pPr marL="0" indent="0">
+              <a:buNone/>
+            </a:pPr>
+            <a:r>
+              <a:rPr lang="en-US" dirty="0" smtClean="0"/>
+              <a:t>Y – </a:t>
+            </a:r>
+            <a:r>
+              <a:rPr lang="en-US" dirty="0"/>
+              <a:t>observed dynamic texture sequence </a:t>
+            </a:r>
+            <a:r>
+              <a:rPr lang="en-US" dirty="0" smtClean="0"/>
+              <a:t>vector</a:t>
+            </a:r>
+          </a:p>
+          <a:p>
+            <a:pPr marL="0" indent="0">
+              <a:buNone/>
+            </a:pPr>
+            <a:r>
+              <a:rPr lang="en-US" dirty="0"/>
+              <a:t>N – number of frames in original sample </a:t>
+            </a:r>
             <a:endParaRPr lang="en-US" dirty="0" smtClean="0"/>
           </a:p>
           <a:p>
@@ -10878,70 +12022,77 @@
               <a:buNone/>
             </a:pPr>
             <a:r>
-              <a:rPr lang="en-US" dirty="0" smtClean="0"/>
-              <a:t>To map dynamic behavior of latent variables</a:t>
-            </a:r>
-          </a:p>
-          <a:p>
-            <a:r>
-              <a:rPr lang="en-US" dirty="0" smtClean="0"/>
-              <a:t>Latent </a:t>
-            </a:r>
-            <a:r>
-              <a:rPr lang="en-US" dirty="0"/>
-              <a:t>dynamic behavior varies greatly among different types of dynamic </a:t>
-            </a:r>
-            <a:r>
-              <a:rPr lang="en-US" dirty="0" smtClean="0"/>
-              <a:t>textures</a:t>
-            </a:r>
-          </a:p>
-          <a:p>
-            <a:r>
-              <a:rPr lang="en-US" dirty="0" smtClean="0"/>
-              <a:t>Difficult </a:t>
-            </a:r>
-            <a:r>
-              <a:rPr lang="en-US" dirty="0"/>
-              <a:t>to design the most suitable kernel for a dynamic texture </a:t>
-            </a:r>
-            <a:r>
-              <a:rPr lang="en-US" dirty="0" smtClean="0"/>
-              <a:t>empirically</a:t>
-            </a:r>
+              <a:rPr lang="en-GB" dirty="0"/>
+              <a:t>Q – latent </a:t>
+            </a:r>
+            <a:r>
+              <a:rPr lang="en-GB" dirty="0" smtClean="0"/>
+              <a:t>dimensionality</a:t>
+            </a:r>
+            <a:endParaRPr lang="en-US" dirty="0" smtClean="0"/>
           </a:p>
           <a:p>
             <a:pPr marL="0" indent="0">
               <a:buNone/>
             </a:pPr>
             <a:r>
-              <a:rPr lang="en-US" dirty="0" smtClean="0"/>
-              <a:t>Multi-kernel </a:t>
-            </a:r>
-            <a:r>
-              <a:rPr lang="en-US" dirty="0"/>
-              <a:t>dynamic model for dynamic texture modeling is </a:t>
-            </a:r>
-            <a:r>
-              <a:rPr lang="en-US" dirty="0" smtClean="0"/>
-              <a:t>proposed</a:t>
-            </a:r>
+              <a:rPr lang="en-GB" dirty="0"/>
+              <a:t>W – vector of weights of kernel functions K = k</a:t>
+            </a:r>
+            <a:r>
+              <a:rPr lang="en-GB" baseline="-25000" dirty="0"/>
+              <a:t>l</a:t>
+            </a:r>
+            <a:r>
+              <a:rPr lang="en-GB" dirty="0"/>
+              <a:t>, l ∈ [1,M</a:t>
+            </a:r>
+            <a:r>
+              <a:rPr lang="en-GB" dirty="0" smtClean="0"/>
+              <a:t>]</a:t>
+            </a:r>
+          </a:p>
+          <a:p>
+            <a:pPr marL="0" indent="0">
+              <a:buNone/>
+            </a:pPr>
+            <a:r>
+              <a:rPr lang="en-GB" dirty="0"/>
+              <a:t>M – number of different kernel functions used</a:t>
+            </a:r>
+            <a:endParaRPr lang="en-US" dirty="0"/>
+          </a:p>
+          <a:p>
+            <a:pPr marL="0" indent="0">
+              <a:buNone/>
+            </a:pPr>
             <a:endParaRPr lang="en-GB" dirty="0"/>
           </a:p>
         </p:txBody>
       </p:sp>
-      <p:sp>
-        <p:nvSpPr>
-          <p:cNvPr id="8" name="Rectangle 4"/>
-          <p:cNvSpPr>
-            <a:spLocks noChangeArrowheads="1"/>
-          </p:cNvSpPr>
+      <p:pic>
+        <p:nvPicPr>
+          <p:cNvPr id="4" name="Picture 3"/>
+          <p:cNvPicPr/>
           <p:nvPr/>
-        </p:nvSpPr>
+        </p:nvPicPr>
+        <p:blipFill>
+          <a:blip r:embed="rId2">
+            <a:extLst>
+              <a:ext uri="{28A0092B-C50C-407E-A947-70E740481C1C}">
+                <a14:useLocalDpi xmlns:a14="http://schemas.microsoft.com/office/drawing/2010/main" val="0"/>
+              </a:ext>
+            </a:extLst>
+          </a:blip>
+          <a:srcRect/>
+          <a:stretch>
+            <a:fillRect/>
+          </a:stretch>
+        </p:blipFill>
         <p:spPr bwMode="auto">
           <a:xfrm>
-            <a:off x="1741118" y="2267211"/>
-            <a:ext cx="16694482" cy="0"/>
+            <a:off x="1371600" y="2318447"/>
+            <a:ext cx="9945570" cy="650222"/>
           </a:xfrm>
           <a:prstGeom prst="rect">
             <a:avLst/>
@@ -10950,189 +12101,138 @@
           <a:ln>
             <a:noFill/>
           </a:ln>
-          <a:effectLst/>
-          <a:extLst>
-            <a:ext uri="{909E8E84-426E-40DD-AFC4-6F175D3DCCD1}">
-              <a14:hiddenFill xmlns:a14="http://schemas.microsoft.com/office/drawing/2010/main">
-                <a:solidFill>
-                  <a:schemeClr val="accent1"/>
-                </a:solidFill>
-              </a14:hiddenFill>
-            </a:ext>
-            <a:ext uri="{91240B29-F687-4F45-9708-019B960494DF}">
-              <a14:hiddenLine xmlns:a14="http://schemas.microsoft.com/office/drawing/2010/main" w="9525">
-                <a:solidFill>
-                  <a:schemeClr val="tx1"/>
-                </a:solidFill>
-                <a:miter lim="800000"/>
-                <a:headEnd/>
-                <a:tailEnd/>
-              </a14:hiddenLine>
-            </a:ext>
-            <a:ext uri="{AF507438-7753-43E0-B8FC-AC1667EBCBE1}">
-              <a14:hiddenEffects xmlns:a14="http://schemas.microsoft.com/office/drawing/2010/main">
-                <a:effectLst>
-                  <a:outerShdw dist="35921" dir="2700000" algn="ctr" rotWithShape="0">
-                    <a:schemeClr val="bg2"/>
-                  </a:outerShdw>
-                </a:effectLst>
-              </a14:hiddenEffects>
-            </a:ext>
-          </a:extLst>
         </p:spPr>
-        <p:txBody>
-          <a:bodyPr vert="horz" wrap="square" lIns="91440" tIns="45720" rIns="91440" bIns="45720" numCol="1" anchor="ctr" anchorCtr="0" compatLnSpc="1">
-            <a:prstTxWarp prst="textNoShape">
-              <a:avLst/>
-            </a:prstTxWarp>
+      </p:pic>
+      <p:sp>
+        <p:nvSpPr>
+          <p:cNvPr id="5" name="TextBox 4"/>
+          <p:cNvSpPr txBox="1"/>
+          <p:nvPr/>
+        </p:nvSpPr>
+        <p:spPr>
+          <a:xfrm>
+            <a:off x="8704053" y="539053"/>
+            <a:ext cx="517725" cy="461665"/>
+          </a:xfrm>
+          <a:prstGeom prst="rect">
+            <a:avLst/>
+          </a:prstGeom>
+          <a:noFill/>
+        </p:spPr>
+        <p:txBody>
+          <a:bodyPr wrap="square" rtlCol="0">
             <a:spAutoFit/>
           </a:bodyPr>
           <a:lstStyle/>
           <a:p>
-            <a:endParaRPr lang="en-GB"/>
-          </a:p>
-        </p:txBody>
-      </p:sp>
-      <p:graphicFrame>
-        <p:nvGraphicFramePr>
-          <p:cNvPr id="9" name="Object 8"/>
-          <p:cNvGraphicFramePr>
-            <a:graphicFrameLocks noChangeAspect="1"/>
-          </p:cNvGraphicFramePr>
-          <p:nvPr>
-            <p:extLst>
-              <p:ext uri="{D42A27DB-BD31-4B8C-83A1-F6EECF244321}">
-                <p14:modId xmlns:p14="http://schemas.microsoft.com/office/powerpoint/2010/main" val="1871262377"/>
-              </p:ext>
-            </p:extLst>
-          </p:nvPr>
-        </p:nvGraphicFramePr>
-        <p:xfrm>
-          <a:off x="1371600" y="2491114"/>
-          <a:ext cx="7784947" cy="739036"/>
-        </p:xfrm>
-        <a:graphic>
-          <a:graphicData uri="http://schemas.openxmlformats.org/presentationml/2006/ole">
-            <mc:AlternateContent xmlns:mc="http://schemas.openxmlformats.org/markup-compatibility/2006">
-              <mc:Choice xmlns:v="urn:schemas-microsoft-com:vml" Requires="v">
-                <p:oleObj spid="_x0000_s12311" name="Bitmap Image" r:id="rId3" imgW="3696020" imgH="350625" progId="Paint.Picture">
-                  <p:embed/>
-                </p:oleObj>
-              </mc:Choice>
-              <mc:Fallback>
-                <p:oleObj name="Bitmap Image" r:id="rId3" imgW="3696020" imgH="350625" progId="Paint.Picture">
-                  <p:embed/>
-                  <p:pic>
-                    <p:nvPicPr>
-                      <p:cNvPr id="0" name="Object 3"/>
-                      <p:cNvPicPr>
-                        <a:picLocks noChangeAspect="1" noChangeArrowheads="1"/>
-                      </p:cNvPicPr>
-                      <p:nvPr/>
-                    </p:nvPicPr>
-                    <p:blipFill>
-                      <a:blip r:embed="rId4">
-                        <a:lum contrast="40000"/>
-                        <a:extLst>
-                          <a:ext uri="{28A0092B-C50C-407E-A947-70E740481C1C}">
-                            <a14:useLocalDpi xmlns:a14="http://schemas.microsoft.com/office/drawing/2010/main" val="0"/>
-                          </a:ext>
-                        </a:extLst>
-                      </a:blip>
-                      <a:srcRect/>
-                      <a:stretch>
-                        <a:fillRect/>
-                      </a:stretch>
-                    </p:blipFill>
-                    <p:spPr bwMode="auto">
-                      <a:xfrm>
-                        <a:off x="1371600" y="2491114"/>
-                        <a:ext cx="7784947" cy="739036"/>
-                      </a:xfrm>
-                      <a:prstGeom prst="rect">
-                        <a:avLst/>
-                      </a:prstGeom>
-                      <a:noFill/>
-                    </p:spPr>
-                  </p:pic>
-                </p:oleObj>
-              </mc:Fallback>
-            </mc:AlternateContent>
-          </a:graphicData>
-        </a:graphic>
-      </p:graphicFrame>
-      <p:graphicFrame>
-        <p:nvGraphicFramePr>
-          <p:cNvPr id="11" name="Object 10"/>
-          <p:cNvGraphicFramePr>
-            <a:graphicFrameLocks noChangeAspect="1"/>
-          </p:cNvGraphicFramePr>
-          <p:nvPr>
-            <p:extLst>
-              <p:ext uri="{D42A27DB-BD31-4B8C-83A1-F6EECF244321}">
-                <p14:modId xmlns:p14="http://schemas.microsoft.com/office/powerpoint/2010/main" val="3242511346"/>
-              </p:ext>
-            </p:extLst>
-          </p:nvPr>
-        </p:nvGraphicFramePr>
-        <p:xfrm>
-          <a:off x="1371600" y="5586608"/>
-          <a:ext cx="4779869" cy="891697"/>
-        </p:xfrm>
-        <a:graphic>
-          <a:graphicData uri="http://schemas.openxmlformats.org/presentationml/2006/ole">
-            <mc:AlternateContent xmlns:mc="http://schemas.openxmlformats.org/markup-compatibility/2006">
-              <mc:Choice xmlns:v="urn:schemas-microsoft-com:vml" Requires="v">
-                <p:oleObj spid="_x0000_s12312" name="Bitmap Image" r:id="rId5" imgW="2225233" imgH="411516" progId="Paint.Picture">
-                  <p:embed/>
-                </p:oleObj>
-              </mc:Choice>
-              <mc:Fallback>
-                <p:oleObj name="Bitmap Image" r:id="rId5" imgW="2225233" imgH="411516" progId="Paint.Picture">
-                  <p:embed/>
-                  <p:pic>
-                    <p:nvPicPr>
-                      <p:cNvPr id="0" name="Object 7"/>
-                      <p:cNvPicPr>
-                        <a:picLocks noChangeAspect="1" noChangeArrowheads="1"/>
-                      </p:cNvPicPr>
-                      <p:nvPr/>
-                    </p:nvPicPr>
-                    <p:blipFill>
-                      <a:blip r:embed="rId6">
-                        <a:lum contrast="40000"/>
-                        <a:extLst>
-                          <a:ext uri="{28A0092B-C50C-407E-A947-70E740481C1C}">
-                            <a14:useLocalDpi xmlns:a14="http://schemas.microsoft.com/office/drawing/2010/main" val="0"/>
-                          </a:ext>
-                        </a:extLst>
-                      </a:blip>
-                      <a:srcRect/>
-                      <a:stretch>
-                        <a:fillRect/>
-                      </a:stretch>
-                    </p:blipFill>
-                    <p:spPr bwMode="auto">
-                      <a:xfrm>
-                        <a:off x="1371600" y="5586608"/>
-                        <a:ext cx="4779869" cy="891697"/>
-                      </a:xfrm>
-                      <a:prstGeom prst="rect">
-                        <a:avLst/>
-                      </a:prstGeom>
-                      <a:noFill/>
-                    </p:spPr>
-                  </p:pic>
-                </p:oleObj>
-              </mc:Fallback>
-            </mc:AlternateContent>
-          </a:graphicData>
-        </a:graphic>
-      </p:graphicFrame>
+            <a:r>
+              <a:rPr lang="en-US" sz="2400" dirty="0" smtClean="0"/>
+              <a:t>1</a:t>
+            </a:r>
+            <a:endParaRPr lang="en-GB" sz="2400" dirty="0"/>
+          </a:p>
+        </p:txBody>
+      </p:sp>
+      <p:sp>
+        <p:nvSpPr>
+          <p:cNvPr id="6" name="TextBox 5"/>
+          <p:cNvSpPr txBox="1"/>
+          <p:nvPr/>
+        </p:nvSpPr>
+        <p:spPr>
+          <a:xfrm>
+            <a:off x="1371600" y="5826472"/>
+            <a:ext cx="10880785" cy="1169551"/>
+          </a:xfrm>
+          <a:prstGeom prst="rect">
+            <a:avLst/>
+          </a:prstGeom>
+          <a:noFill/>
+        </p:spPr>
+        <p:txBody>
+          <a:bodyPr wrap="square" rtlCol="0">
+            <a:spAutoFit/>
+          </a:bodyPr>
+          <a:lstStyle/>
+          <a:p>
+            <a:endParaRPr lang="en-US" sz="1400" b="1" dirty="0" smtClean="0"/>
+          </a:p>
+          <a:p>
+            <a:r>
+              <a:rPr lang="en-US" sz="1400" b="1" dirty="0" smtClean="0"/>
+              <a:t>Reference [1]: </a:t>
+            </a:r>
+          </a:p>
+          <a:p>
+            <a:pPr lvl="0"/>
+            <a:r>
+              <a:rPr lang="en-US" sz="1400" dirty="0" smtClean="0"/>
+              <a:t>Z</a:t>
+            </a:r>
+            <a:r>
+              <a:rPr lang="en-US" sz="1400" dirty="0"/>
+              <a:t>. Zhu, et al., Dynamic texture modeling and synthesis using multi-kernel Gaussian process dynamic model, Signal Processing (2015</a:t>
+            </a:r>
+            <a:r>
+              <a:rPr lang="en-US" sz="1400" dirty="0" smtClean="0"/>
+              <a:t>) </a:t>
+            </a:r>
+            <a:r>
+              <a:rPr lang="en-US" sz="1400" u="sng" dirty="0" smtClean="0">
+                <a:hlinkClick r:id="rId3"/>
+              </a:rPr>
+              <a:t>http</a:t>
+            </a:r>
+            <a:r>
+              <a:rPr lang="en-US" sz="1400" u="sng" dirty="0">
+                <a:hlinkClick r:id="rId3"/>
+              </a:rPr>
+              <a:t>://dx.doi.org/10.1016/j.sigpro.2015.10.025</a:t>
+            </a:r>
+            <a:endParaRPr lang="en-GB" sz="1400" dirty="0"/>
+          </a:p>
+          <a:p>
+            <a:endParaRPr lang="en-GB" sz="1400" dirty="0"/>
+          </a:p>
+        </p:txBody>
+      </p:sp>
+      <p:sp>
+        <p:nvSpPr>
+          <p:cNvPr id="7" name="TextBox 6"/>
+          <p:cNvSpPr txBox="1"/>
+          <p:nvPr/>
+        </p:nvSpPr>
+        <p:spPr>
+          <a:xfrm>
+            <a:off x="11542143" y="6211669"/>
+            <a:ext cx="649857" cy="646331"/>
+          </a:xfrm>
+          <a:prstGeom prst="rect">
+            <a:avLst/>
+          </a:prstGeom>
+          <a:noFill/>
+        </p:spPr>
+        <p:txBody>
+          <a:bodyPr wrap="square" rtlCol="0">
+            <a:spAutoFit/>
+          </a:bodyPr>
+          <a:lstStyle/>
+          <a:p>
+            <a:r>
+              <a:rPr lang="ru-RU" dirty="0" smtClean="0"/>
+              <a:t>14</a:t>
+            </a:r>
+            <a:endParaRPr lang="ru-RU" dirty="0"/>
+          </a:p>
+          <a:p>
+            <a:endParaRPr lang="en-GB" dirty="0"/>
+          </a:p>
+        </p:txBody>
+      </p:sp>
     </p:spTree>
     <p:extLst>
       <p:ext uri="{BB962C8B-B14F-4D97-AF65-F5344CB8AC3E}">
-        <p14:creationId xmlns:p14="http://schemas.microsoft.com/office/powerpoint/2010/main" val="1957698869"/>
+        <p14:creationId xmlns:p14="http://schemas.microsoft.com/office/powerpoint/2010/main" val="2512607759"/>
       </p:ext>
     </p:extLst>
   </p:cSld>
@@ -11191,7 +12291,100 @@
       </p:sp>
       <p:sp>
         <p:nvSpPr>
-          <p:cNvPr id="3" name="Content Placeholder 2"/>
+          <p:cNvPr id="5" name="TextBox 4"/>
+          <p:cNvSpPr txBox="1"/>
+          <p:nvPr/>
+        </p:nvSpPr>
+        <p:spPr>
+          <a:xfrm>
+            <a:off x="8704053" y="539053"/>
+            <a:ext cx="517725" cy="461665"/>
+          </a:xfrm>
+          <a:prstGeom prst="rect">
+            <a:avLst/>
+          </a:prstGeom>
+          <a:noFill/>
+        </p:spPr>
+        <p:txBody>
+          <a:bodyPr wrap="square" rtlCol="0">
+            <a:spAutoFit/>
+          </a:bodyPr>
+          <a:lstStyle/>
+          <a:p>
+            <a:r>
+              <a:rPr lang="en-US" sz="2400" dirty="0" smtClean="0"/>
+              <a:t>1</a:t>
+            </a:r>
+            <a:endParaRPr lang="en-GB" sz="2400" dirty="0"/>
+          </a:p>
+        </p:txBody>
+      </p:sp>
+      <p:sp>
+        <p:nvSpPr>
+          <p:cNvPr id="6" name="TextBox 5"/>
+          <p:cNvSpPr txBox="1"/>
+          <p:nvPr/>
+        </p:nvSpPr>
+        <p:spPr>
+          <a:xfrm>
+            <a:off x="1371600" y="5826472"/>
+            <a:ext cx="10880785" cy="1169551"/>
+          </a:xfrm>
+          <a:prstGeom prst="rect">
+            <a:avLst/>
+          </a:prstGeom>
+          <a:noFill/>
+        </p:spPr>
+        <p:txBody>
+          <a:bodyPr wrap="square" rtlCol="0">
+            <a:spAutoFit/>
+          </a:bodyPr>
+          <a:lstStyle/>
+          <a:p>
+            <a:endParaRPr lang="en-US" sz="1400" b="1" dirty="0" smtClean="0"/>
+          </a:p>
+          <a:p>
+            <a:r>
+              <a:rPr lang="en-US" sz="1400" b="1" dirty="0" smtClean="0"/>
+              <a:t>Reference [1]: </a:t>
+            </a:r>
+          </a:p>
+          <a:p>
+            <a:pPr lvl="0"/>
+            <a:r>
+              <a:rPr lang="en-US" sz="1400" dirty="0" smtClean="0"/>
+              <a:t>Z</a:t>
+            </a:r>
+            <a:r>
+              <a:rPr lang="en-US" sz="1400" dirty="0"/>
+              <a:t>. Zhu, et al., Dynamic texture modeling and synthesis using multi-kernel Gaussian process dynamic model, Signal Processing (2015</a:t>
+            </a:r>
+            <a:r>
+              <a:rPr lang="en-US" sz="1400" dirty="0" smtClean="0"/>
+              <a:t>) </a:t>
+            </a:r>
+            <a:r>
+              <a:rPr lang="en-US" sz="1400" u="sng" dirty="0" smtClean="0">
+                <a:hlinkClick r:id="rId3"/>
+              </a:rPr>
+              <a:t>http</a:t>
+            </a:r>
+            <a:r>
+              <a:rPr lang="en-US" sz="1400" u="sng" dirty="0">
+                <a:hlinkClick r:id="rId3"/>
+              </a:rPr>
+              <a:t>://dx.doi.org/10.1016/j.sigpro.2015.10.025</a:t>
+            </a:r>
+            <a:endParaRPr lang="en-GB" sz="1400" dirty="0"/>
+          </a:p>
+          <a:p>
+            <a:endParaRPr lang="en-GB" sz="1400" dirty="0"/>
+          </a:p>
+        </p:txBody>
+      </p:sp>
+      <p:sp>
+        <p:nvSpPr>
+          <p:cNvPr id="8" name="Content Placeholder 2"/>
           <p:cNvSpPr>
             <a:spLocks noGrp="1"/>
           </p:cNvSpPr>
@@ -11201,26 +12394,37 @@
         </p:nvSpPr>
         <p:spPr>
           <a:xfrm>
-            <a:off x="1371600" y="1766170"/>
-            <a:ext cx="9601200" cy="4659682"/>
+            <a:off x="1371600" y="1578279"/>
+            <a:ext cx="9601200" cy="5135671"/>
           </a:xfrm>
         </p:spPr>
         <p:txBody>
-          <a:bodyPr>
-            <a:normAutofit lnSpcReduction="10000"/>
-          </a:bodyPr>
+          <a:bodyPr/>
           <a:lstStyle/>
           <a:p>
             <a:pPr marL="0" indent="0">
               <a:buNone/>
             </a:pPr>
             <a:r>
-              <a:rPr lang="en-GB" dirty="0"/>
-              <a:t>In this case the likelihood function extends </a:t>
-            </a:r>
-            <a:r>
-              <a:rPr lang="en-GB" dirty="0" smtClean="0"/>
-              <a:t>to</a:t>
+              <a:rPr lang="en-US" dirty="0"/>
+              <a:t>To achieve nonlinear mapping from a latent space X to the observation space Y</a:t>
+            </a:r>
+          </a:p>
+          <a:p>
+            <a:pPr marL="0" indent="0">
+              <a:buNone/>
+            </a:pPr>
+            <a:r>
+              <a:rPr lang="en-US" dirty="0" smtClean="0"/>
+              <a:t>special </a:t>
+            </a:r>
+            <a:r>
+              <a:rPr lang="en-US" dirty="0"/>
+              <a:t>squared exponential covariance </a:t>
+            </a:r>
+            <a:r>
+              <a:rPr lang="en-US" dirty="0" smtClean="0"/>
+              <a:t>function is used</a:t>
             </a:r>
           </a:p>
           <a:p>
@@ -11239,7 +12443,38 @@
             <a:pPr marL="0" indent="0">
               <a:buNone/>
             </a:pPr>
-            <a:endParaRPr lang="en-US" dirty="0" smtClean="0"/>
+            <a:r>
+              <a:rPr lang="en-US" dirty="0" smtClean="0"/>
+              <a:t>To map dynamic behavior of latent variables</a:t>
+            </a:r>
+          </a:p>
+          <a:p>
+            <a:r>
+              <a:rPr lang="en-US" dirty="0" smtClean="0"/>
+              <a:t>Latent </a:t>
+            </a:r>
+            <a:r>
+              <a:rPr lang="en-US" dirty="0"/>
+              <a:t>dynamic behavior varies greatly among different types of dynamic </a:t>
+            </a:r>
+            <a:r>
+              <a:rPr lang="en-US" dirty="0" smtClean="0"/>
+              <a:t>textures</a:t>
+            </a:r>
+          </a:p>
+          <a:p>
+            <a:r>
+              <a:rPr lang="en-US" dirty="0" smtClean="0"/>
+              <a:t>Difficult </a:t>
+            </a:r>
+            <a:r>
+              <a:rPr lang="en-US" dirty="0"/>
+              <a:t>to design the most suitable kernel for a dynamic texture </a:t>
+            </a:r>
+            <a:r>
+              <a:rPr lang="en-US" dirty="0" smtClean="0"/>
+              <a:t>empirically</a:t>
+            </a:r>
           </a:p>
           <a:p>
             <a:pPr marL="0" indent="0">
@@ -11247,148 +12482,193 @@
             </a:pPr>
             <a:r>
               <a:rPr lang="en-US" dirty="0" smtClean="0"/>
-              <a:t>X – latent variable vector</a:t>
-            </a:r>
-          </a:p>
-          <a:p>
-            <a:pPr marL="0" indent="0">
-              <a:buNone/>
-            </a:pPr>
-            <a:r>
-              <a:rPr lang="en-US" dirty="0" smtClean="0"/>
-              <a:t>Y – </a:t>
-            </a:r>
-            <a:r>
-              <a:rPr lang="en-US" dirty="0"/>
-              <a:t>observed dynamic texture sequence </a:t>
-            </a:r>
-            <a:r>
-              <a:rPr lang="en-US" dirty="0" smtClean="0"/>
-              <a:t>vector</a:t>
-            </a:r>
-          </a:p>
-          <a:p>
-            <a:pPr marL="0" indent="0">
-              <a:buNone/>
-            </a:pPr>
-            <a:r>
-              <a:rPr lang="en-US" dirty="0"/>
-              <a:t>N – number of frames in original sample </a:t>
-            </a:r>
-            <a:endParaRPr lang="en-US" dirty="0" smtClean="0"/>
-          </a:p>
-          <a:p>
-            <a:pPr marL="0" indent="0">
-              <a:buNone/>
-            </a:pPr>
-            <a:r>
-              <a:rPr lang="en-GB" dirty="0"/>
-              <a:t>Q – latent </a:t>
-            </a:r>
-            <a:r>
-              <a:rPr lang="en-GB" dirty="0" smtClean="0"/>
-              <a:t>dimensionality</a:t>
-            </a:r>
-            <a:endParaRPr lang="en-US" dirty="0" smtClean="0"/>
-          </a:p>
-          <a:p>
-            <a:pPr marL="0" indent="0">
-              <a:buNone/>
-            </a:pPr>
-            <a:r>
-              <a:rPr lang="en-GB" dirty="0"/>
-              <a:t>W – vector of weights of kernel functions K = k</a:t>
-            </a:r>
-            <a:r>
-              <a:rPr lang="en-GB" baseline="-25000" dirty="0"/>
-              <a:t>l</a:t>
-            </a:r>
-            <a:r>
-              <a:rPr lang="en-GB" dirty="0"/>
-              <a:t>, l ∈ [1,M</a:t>
-            </a:r>
-            <a:r>
-              <a:rPr lang="en-GB" dirty="0" smtClean="0"/>
-              <a:t>]</a:t>
-            </a:r>
-          </a:p>
-          <a:p>
-            <a:pPr marL="0" indent="0">
-              <a:buNone/>
-            </a:pPr>
-            <a:r>
-              <a:rPr lang="en-GB" dirty="0"/>
-              <a:t>M – number of different kernel functions used</a:t>
-            </a:r>
-            <a:endParaRPr lang="en-US" dirty="0"/>
-          </a:p>
-          <a:p>
-            <a:pPr marL="0" indent="0">
-              <a:buNone/>
-            </a:pPr>
-            <a:r>
-              <a:rPr lang="en-GB" dirty="0" smtClean="0"/>
-              <a:t>λ </a:t>
-            </a:r>
-            <a:r>
-              <a:rPr lang="en-GB" dirty="0"/>
-              <a:t>– set of parameters of kernels used in </a:t>
-            </a:r>
-            <a:r>
-              <a:rPr lang="en-GB" dirty="0" smtClean="0"/>
-              <a:t>kernel K</a:t>
-            </a:r>
-            <a:r>
-              <a:rPr lang="en-GB" baseline="-25000" dirty="0" smtClean="0"/>
-              <a:t>X</a:t>
-            </a:r>
-            <a:endParaRPr lang="en-GB" dirty="0" smtClean="0"/>
-          </a:p>
-          <a:p>
-            <a:pPr marL="0" indent="0">
-              <a:buNone/>
-            </a:pPr>
+              <a:t>Multi-kernel </a:t>
+            </a:r>
+            <a:r>
+              <a:rPr lang="en-US" dirty="0"/>
+              <a:t>dynamic model for dynamic texture modeling is </a:t>
+            </a:r>
+            <a:r>
+              <a:rPr lang="en-US" dirty="0" smtClean="0"/>
+              <a:t>proposed</a:t>
+            </a:r>
             <a:endParaRPr lang="en-GB" dirty="0"/>
           </a:p>
         </p:txBody>
       </p:sp>
-      <p:pic>
-        <p:nvPicPr>
-          <p:cNvPr id="4" name="Picture 3"/>
-          <p:cNvPicPr/>
+      <p:graphicFrame>
+        <p:nvGraphicFramePr>
+          <p:cNvPr id="9" name="Object 8"/>
+          <p:cNvGraphicFramePr>
+            <a:graphicFrameLocks noChangeAspect="1"/>
+          </p:cNvGraphicFramePr>
+          <p:nvPr>
+            <p:extLst>
+              <p:ext uri="{D42A27DB-BD31-4B8C-83A1-F6EECF244321}">
+                <p14:modId xmlns:p14="http://schemas.microsoft.com/office/powerpoint/2010/main" val="321378211"/>
+              </p:ext>
+            </p:extLst>
+          </p:nvPr>
+        </p:nvGraphicFramePr>
+        <p:xfrm>
+          <a:off x="1868152" y="2458586"/>
+          <a:ext cx="7784947" cy="739036"/>
+        </p:xfrm>
+        <a:graphic>
+          <a:graphicData uri="http://schemas.openxmlformats.org/presentationml/2006/ole">
+            <mc:AlternateContent xmlns:mc="http://schemas.openxmlformats.org/markup-compatibility/2006">
+              <mc:Choice xmlns:v="urn:schemas-microsoft-com:vml" Requires="v">
+                <p:oleObj spid="_x0000_s13326" name="Bitmap Image" r:id="rId4" imgW="3696020" imgH="350625" progId="Paint.Picture">
+                  <p:embed/>
+                </p:oleObj>
+              </mc:Choice>
+              <mc:Fallback>
+                <p:oleObj name="Bitmap Image" r:id="rId4" imgW="3696020" imgH="350625" progId="Paint.Picture">
+                  <p:embed/>
+                  <p:pic>
+                    <p:nvPicPr>
+                      <p:cNvPr id="0" name=""/>
+                      <p:cNvPicPr>
+                        <a:picLocks noChangeAspect="1" noChangeArrowheads="1"/>
+                      </p:cNvPicPr>
+                      <p:nvPr/>
+                    </p:nvPicPr>
+                    <p:blipFill>
+                      <a:blip r:embed="rId5">
+                        <a:lum contrast="40000"/>
+                        <a:extLst>
+                          <a:ext uri="{28A0092B-C50C-407E-A947-70E740481C1C}">
+                            <a14:useLocalDpi xmlns:a14="http://schemas.microsoft.com/office/drawing/2010/main" val="0"/>
+                          </a:ext>
+                        </a:extLst>
+                      </a:blip>
+                      <a:srcRect/>
+                      <a:stretch>
+                        <a:fillRect/>
+                      </a:stretch>
+                    </p:blipFill>
+                    <p:spPr bwMode="auto">
+                      <a:xfrm>
+                        <a:off x="1868152" y="2458586"/>
+                        <a:ext cx="7784947" cy="739036"/>
+                      </a:xfrm>
+                      <a:prstGeom prst="rect">
+                        <a:avLst/>
+                      </a:prstGeom>
+                      <a:noFill/>
+                    </p:spPr>
+                  </p:pic>
+                </p:oleObj>
+              </mc:Fallback>
+            </mc:AlternateContent>
+          </a:graphicData>
+        </a:graphic>
+      </p:graphicFrame>
+      <p:graphicFrame>
+        <p:nvGraphicFramePr>
+          <p:cNvPr id="10" name="Object 9"/>
+          <p:cNvGraphicFramePr>
+            <a:graphicFrameLocks noChangeAspect="1"/>
+          </p:cNvGraphicFramePr>
+          <p:nvPr>
+            <p:extLst>
+              <p:ext uri="{D42A27DB-BD31-4B8C-83A1-F6EECF244321}">
+                <p14:modId xmlns:p14="http://schemas.microsoft.com/office/powerpoint/2010/main" val="1898659425"/>
+              </p:ext>
+            </p:extLst>
+          </p:nvPr>
+        </p:nvGraphicFramePr>
+        <p:xfrm>
+          <a:off x="1868152" y="5025891"/>
+          <a:ext cx="4779869" cy="891697"/>
+        </p:xfrm>
+        <a:graphic>
+          <a:graphicData uri="http://schemas.openxmlformats.org/presentationml/2006/ole">
+            <mc:AlternateContent xmlns:mc="http://schemas.openxmlformats.org/markup-compatibility/2006">
+              <mc:Choice xmlns:v="urn:schemas-microsoft-com:vml" Requires="v">
+                <p:oleObj spid="_x0000_s13327" name="Bitmap Image" r:id="rId6" imgW="2225233" imgH="411516" progId="Paint.Picture">
+                  <p:embed/>
+                </p:oleObj>
+              </mc:Choice>
+              <mc:Fallback>
+                <p:oleObj name="Bitmap Image" r:id="rId6" imgW="2225233" imgH="411516" progId="Paint.Picture">
+                  <p:embed/>
+                  <p:pic>
+                    <p:nvPicPr>
+                      <p:cNvPr id="0" name=""/>
+                      <p:cNvPicPr>
+                        <a:picLocks noChangeAspect="1" noChangeArrowheads="1"/>
+                      </p:cNvPicPr>
+                      <p:nvPr/>
+                    </p:nvPicPr>
+                    <p:blipFill>
+                      <a:blip r:embed="rId7">
+                        <a:lum contrast="40000"/>
+                        <a:extLst>
+                          <a:ext uri="{28A0092B-C50C-407E-A947-70E740481C1C}">
+                            <a14:useLocalDpi xmlns:a14="http://schemas.microsoft.com/office/drawing/2010/main" val="0"/>
+                          </a:ext>
+                        </a:extLst>
+                      </a:blip>
+                      <a:srcRect/>
+                      <a:stretch>
+                        <a:fillRect/>
+                      </a:stretch>
+                    </p:blipFill>
+                    <p:spPr bwMode="auto">
+                      <a:xfrm>
+                        <a:off x="1868152" y="5025891"/>
+                        <a:ext cx="4779869" cy="891697"/>
+                      </a:xfrm>
+                      <a:prstGeom prst="rect">
+                        <a:avLst/>
+                      </a:prstGeom>
+                      <a:noFill/>
+                    </p:spPr>
+                  </p:pic>
+                </p:oleObj>
+              </mc:Fallback>
+            </mc:AlternateContent>
+          </a:graphicData>
+        </a:graphic>
+      </p:graphicFrame>
+      <p:sp>
+        <p:nvSpPr>
+          <p:cNvPr id="11" name="TextBox 10"/>
+          <p:cNvSpPr txBox="1"/>
           <p:nvPr/>
-        </p:nvPicPr>
-        <p:blipFill>
-          <a:blip r:embed="rId2">
-            <a:extLst>
-              <a:ext uri="{28A0092B-C50C-407E-A947-70E740481C1C}">
-                <a14:useLocalDpi xmlns:a14="http://schemas.microsoft.com/office/drawing/2010/main" val="0"/>
-              </a:ext>
-            </a:extLst>
-          </a:blip>
-          <a:srcRect/>
-          <a:stretch>
-            <a:fillRect/>
-          </a:stretch>
-        </p:blipFill>
-        <p:spPr bwMode="auto">
+        </p:nvSpPr>
+        <p:spPr>
           <a:xfrm>
-            <a:off x="1371600" y="2318447"/>
-            <a:ext cx="9945570" cy="650222"/>
+            <a:off x="11542143" y="6211669"/>
+            <a:ext cx="649857" cy="646331"/>
           </a:xfrm>
           <a:prstGeom prst="rect">
             <a:avLst/>
           </a:prstGeom>
           <a:noFill/>
-          <a:ln>
-            <a:noFill/>
-          </a:ln>
         </p:spPr>
-      </p:pic>
+        <p:txBody>
+          <a:bodyPr wrap="square" rtlCol="0">
+            <a:spAutoFit/>
+          </a:bodyPr>
+          <a:lstStyle/>
+          <a:p>
+            <a:r>
+              <a:rPr lang="ru-RU" dirty="0" smtClean="0"/>
+              <a:t>15</a:t>
+            </a:r>
+            <a:endParaRPr lang="ru-RU" dirty="0"/>
+          </a:p>
+          <a:p>
+            <a:endParaRPr lang="en-GB" dirty="0"/>
+          </a:p>
+        </p:txBody>
+      </p:sp>
     </p:spTree>
     <p:extLst>
       <p:ext uri="{BB962C8B-B14F-4D97-AF65-F5344CB8AC3E}">
-        <p14:creationId xmlns:p14="http://schemas.microsoft.com/office/powerpoint/2010/main" val="2512607759"/>
+        <p14:creationId xmlns:p14="http://schemas.microsoft.com/office/powerpoint/2010/main" val="384852468"/>
       </p:ext>
     </p:extLst>
   </p:cSld>
@@ -11439,7 +12719,7 @@
           <a:p>
             <a:r>
               <a:rPr lang="en-GB" dirty="0" smtClean="0"/>
-              <a:t>Mean prediction method</a:t>
+              <a:t>Algorithm understanding</a:t>
             </a:r>
             <a:endParaRPr lang="en-GB" dirty="0"/>
           </a:p>
@@ -11457,723 +12737,110 @@
         </p:nvSpPr>
         <p:spPr>
           <a:xfrm>
-            <a:off x="1371600" y="1916482"/>
-            <a:ext cx="9601200" cy="3950918"/>
+            <a:off x="1371600" y="1604513"/>
+            <a:ext cx="9601200" cy="4908430"/>
           </a:xfrm>
         </p:spPr>
         <p:txBody>
-          <a:bodyPr/>
+          <a:bodyPr>
+            <a:normAutofit fontScale="85000" lnSpcReduction="20000"/>
+          </a:bodyPr>
           <a:lstStyle/>
           <a:p>
             <a:pPr marL="0" indent="0">
+              <a:lnSpc>
+                <a:spcPct val="120000"/>
+              </a:lnSpc>
               <a:buNone/>
             </a:pPr>
             <a:r>
-              <a:rPr lang="en-US" dirty="0"/>
-              <a:t>The goal of the model </a:t>
-            </a:r>
-            <a:r>
-              <a:rPr lang="en-US" dirty="0" smtClean="0"/>
-              <a:t>– </a:t>
-            </a:r>
-            <a:r>
-              <a:rPr lang="en-US" dirty="0"/>
-              <a:t>to generate new </a:t>
-            </a:r>
-            <a:r>
-              <a:rPr lang="en-US" dirty="0" smtClean="0"/>
-              <a:t>videos using </a:t>
-            </a:r>
-            <a:r>
-              <a:rPr lang="en-US" dirty="0"/>
-              <a:t>learned dynamic </a:t>
-            </a:r>
-            <a:r>
-              <a:rPr lang="en-US" dirty="0" smtClean="0"/>
-              <a:t>texture</a:t>
-            </a:r>
-          </a:p>
-          <a:p>
-            <a:r>
-              <a:rPr lang="en-US" dirty="0" smtClean="0"/>
-              <a:t>estimate </a:t>
-            </a:r>
-            <a:r>
-              <a:rPr lang="en-US" dirty="0"/>
-              <a:t>necessary </a:t>
-            </a:r>
-            <a:r>
-              <a:rPr lang="en-US" dirty="0" smtClean="0"/>
-              <a:t>parameters</a:t>
-            </a:r>
-          </a:p>
-          <a:p>
-            <a:r>
-              <a:rPr lang="en-US" dirty="0"/>
-              <a:t>predicting new sequence of dynamic </a:t>
-            </a:r>
-            <a:r>
-              <a:rPr lang="en-US" dirty="0" smtClean="0"/>
-              <a:t>texture</a:t>
-            </a:r>
-          </a:p>
-          <a:p>
-            <a:endParaRPr lang="en-US" dirty="0"/>
+              <a:rPr lang="en-US" b="1" dirty="0" smtClean="0"/>
+              <a:t>Maximum a posteriori estimation</a:t>
+            </a:r>
+            <a:r>
+              <a:rPr lang="en-US" dirty="0" smtClean="0"/>
+              <a:t> – main method. In Matlab specific library for optimization is used.</a:t>
+            </a:r>
           </a:p>
           <a:p>
             <a:pPr marL="0" indent="0">
-              <a:buNone/>
-            </a:pPr>
-            <a:r>
-              <a:rPr lang="en-US" dirty="0"/>
-              <a:t>T</a:t>
-            </a:r>
-            <a:r>
-              <a:rPr lang="en-US" dirty="0" smtClean="0"/>
-              <a:t>o synthesize new data:</a:t>
-            </a:r>
-          </a:p>
-          <a:p>
-            <a:r>
-              <a:rPr lang="en-US" dirty="0" smtClean="0"/>
-              <a:t>adopted </a:t>
-            </a:r>
-            <a:r>
-              <a:rPr lang="en-US" dirty="0"/>
-              <a:t>mean-prediction </a:t>
-            </a:r>
-            <a:r>
-              <a:rPr lang="en-US" dirty="0" smtClean="0"/>
-              <a:t>method</a:t>
-            </a:r>
-          </a:p>
-          <a:p>
-            <a:r>
-              <a:rPr lang="en-US" dirty="0"/>
-              <a:t>based on first-order Markov </a:t>
-            </a:r>
-            <a:endParaRPr lang="en-US" dirty="0" smtClean="0"/>
-          </a:p>
-          <a:p>
-            <a:r>
-              <a:rPr lang="en-US" dirty="0"/>
-              <a:t>using Gaussian prediction</a:t>
-            </a:r>
-            <a:endParaRPr lang="en-GB" dirty="0"/>
-          </a:p>
-        </p:txBody>
-      </p:sp>
-      <p:pic>
-        <p:nvPicPr>
-          <p:cNvPr id="4" name="Picture 3"/>
-          <p:cNvPicPr/>
-          <p:nvPr/>
-        </p:nvPicPr>
-        <p:blipFill>
-          <a:blip r:embed="rId3">
-            <a:extLst>
-              <a:ext uri="{28A0092B-C50C-407E-A947-70E740481C1C}">
-                <a14:useLocalDpi xmlns:a14="http://schemas.microsoft.com/office/drawing/2010/main" val="0"/>
-              </a:ext>
-            </a:extLst>
-          </a:blip>
-          <a:srcRect/>
-          <a:stretch>
-            <a:fillRect/>
-          </a:stretch>
-        </p:blipFill>
-        <p:spPr bwMode="auto">
-          <a:xfrm>
-            <a:off x="5796733" y="4533534"/>
-            <a:ext cx="1787488" cy="439298"/>
-          </a:xfrm>
-          <a:prstGeom prst="rect">
-            <a:avLst/>
-          </a:prstGeom>
-          <a:noFill/>
-          <a:ln>
-            <a:noFill/>
-          </a:ln>
-        </p:spPr>
-      </p:pic>
-      <p:sp>
-        <p:nvSpPr>
-          <p:cNvPr id="7" name="Rectangle 4"/>
-          <p:cNvSpPr>
-            <a:spLocks noChangeArrowheads="1"/>
-          </p:cNvSpPr>
-          <p:nvPr/>
-        </p:nvSpPr>
-        <p:spPr bwMode="auto">
-          <a:xfrm>
-            <a:off x="5796733" y="3970750"/>
-            <a:ext cx="16802286" cy="45719"/>
-          </a:xfrm>
-          <a:prstGeom prst="rect">
-            <a:avLst/>
-          </a:prstGeom>
-          <a:noFill/>
-          <a:ln>
-            <a:noFill/>
-          </a:ln>
-          <a:effectLst/>
-          <a:extLst>
-            <a:ext uri="{909E8E84-426E-40DD-AFC4-6F175D3DCCD1}">
-              <a14:hiddenFill xmlns:a14="http://schemas.microsoft.com/office/drawing/2010/main">
-                <a:solidFill>
-                  <a:schemeClr val="accent1"/>
-                </a:solidFill>
-              </a14:hiddenFill>
-            </a:ext>
-            <a:ext uri="{91240B29-F687-4F45-9708-019B960494DF}">
-              <a14:hiddenLine xmlns:a14="http://schemas.microsoft.com/office/drawing/2010/main" w="9525">
-                <a:solidFill>
-                  <a:schemeClr val="tx1"/>
-                </a:solidFill>
-                <a:miter lim="800000"/>
-                <a:headEnd/>
-                <a:tailEnd/>
-              </a14:hiddenLine>
-            </a:ext>
-            <a:ext uri="{AF507438-7753-43E0-B8FC-AC1667EBCBE1}">
-              <a14:hiddenEffects xmlns:a14="http://schemas.microsoft.com/office/drawing/2010/main">
-                <a:effectLst>
-                  <a:outerShdw dist="35921" dir="2700000" algn="ctr" rotWithShape="0">
-                    <a:schemeClr val="bg2"/>
-                  </a:outerShdw>
-                </a:effectLst>
-              </a14:hiddenEffects>
-            </a:ext>
-          </a:extLst>
-        </p:spPr>
-        <p:txBody>
-          <a:bodyPr vert="horz" wrap="square" lIns="91440" tIns="45720" rIns="91440" bIns="45720" numCol="1" anchor="ctr" anchorCtr="0" compatLnSpc="1">
-            <a:prstTxWarp prst="textNoShape">
-              <a:avLst/>
-            </a:prstTxWarp>
-            <a:spAutoFit/>
-          </a:bodyPr>
-          <a:lstStyle/>
-          <a:p>
-            <a:endParaRPr lang="en-GB"/>
-          </a:p>
-        </p:txBody>
-      </p:sp>
-      <p:graphicFrame>
-        <p:nvGraphicFramePr>
-          <p:cNvPr id="8" name="Object 7"/>
-          <p:cNvGraphicFramePr>
-            <a:graphicFrameLocks noChangeAspect="1"/>
-          </p:cNvGraphicFramePr>
-          <p:nvPr>
-            <p:extLst>
-              <p:ext uri="{D42A27DB-BD31-4B8C-83A1-F6EECF244321}">
-                <p14:modId xmlns:p14="http://schemas.microsoft.com/office/powerpoint/2010/main" val="3006296648"/>
-              </p:ext>
-            </p:extLst>
-          </p:nvPr>
-        </p:nvGraphicFramePr>
-        <p:xfrm>
-          <a:off x="5796733" y="3970750"/>
-          <a:ext cx="2016235" cy="438411"/>
-        </p:xfrm>
-        <a:graphic>
-          <a:graphicData uri="http://schemas.openxmlformats.org/presentationml/2006/ole">
-            <mc:AlternateContent xmlns:mc="http://schemas.openxmlformats.org/markup-compatibility/2006">
-              <mc:Choice xmlns:v="urn:schemas-microsoft-com:vml" Requires="v">
-                <p:oleObj spid="_x0000_s13326" name="Bitmap Image" r:id="rId4" imgW="1744762" imgH="380872" progId="Paint.Picture">
-                  <p:embed/>
-                </p:oleObj>
-              </mc:Choice>
-              <mc:Fallback>
-                <p:oleObj name="Bitmap Image" r:id="rId4" imgW="1744762" imgH="380872" progId="Paint.Picture">
-                  <p:embed/>
-                  <p:pic>
-                    <p:nvPicPr>
-                      <p:cNvPr id="0" name="Object 3"/>
-                      <p:cNvPicPr>
-                        <a:picLocks noChangeAspect="1" noChangeArrowheads="1"/>
-                      </p:cNvPicPr>
-                      <p:nvPr/>
-                    </p:nvPicPr>
-                    <p:blipFill>
-                      <a:blip r:embed="rId5">
-                        <a:lum contrast="40000"/>
-                        <a:extLst>
-                          <a:ext uri="{28A0092B-C50C-407E-A947-70E740481C1C}">
-                            <a14:useLocalDpi xmlns:a14="http://schemas.microsoft.com/office/drawing/2010/main" val="0"/>
-                          </a:ext>
-                        </a:extLst>
-                      </a:blip>
-                      <a:srcRect/>
-                      <a:stretch>
-                        <a:fillRect/>
-                      </a:stretch>
-                    </p:blipFill>
-                    <p:spPr bwMode="auto">
-                      <a:xfrm>
-                        <a:off x="5796733" y="3970750"/>
-                        <a:ext cx="2016235" cy="438411"/>
-                      </a:xfrm>
-                      <a:prstGeom prst="rect">
-                        <a:avLst/>
-                      </a:prstGeom>
-                      <a:noFill/>
-                    </p:spPr>
-                  </p:pic>
-                </p:oleObj>
-              </mc:Fallback>
-            </mc:AlternateContent>
-          </a:graphicData>
-        </a:graphic>
-      </p:graphicFrame>
-      <p:pic>
-        <p:nvPicPr>
-          <p:cNvPr id="9" name="Picture 8"/>
-          <p:cNvPicPr/>
-          <p:nvPr/>
-        </p:nvPicPr>
-        <p:blipFill>
-          <a:blip r:embed="rId6">
-            <a:extLst>
-              <a:ext uri="{28A0092B-C50C-407E-A947-70E740481C1C}">
-                <a14:useLocalDpi xmlns:a14="http://schemas.microsoft.com/office/drawing/2010/main" val="0"/>
-              </a:ext>
-            </a:extLst>
-          </a:blip>
-          <a:srcRect/>
-          <a:stretch>
-            <a:fillRect/>
-          </a:stretch>
-        </p:blipFill>
-        <p:spPr bwMode="auto">
-          <a:xfrm>
-            <a:off x="5796733" y="5121420"/>
-            <a:ext cx="2316548" cy="390031"/>
-          </a:xfrm>
-          <a:prstGeom prst="rect">
-            <a:avLst/>
-          </a:prstGeom>
-          <a:noFill/>
-          <a:ln>
-            <a:noFill/>
-          </a:ln>
-        </p:spPr>
-      </p:pic>
-      <p:sp>
-        <p:nvSpPr>
-          <p:cNvPr id="10" name="Rectangle 6"/>
-          <p:cNvSpPr>
-            <a:spLocks noChangeArrowheads="1"/>
-          </p:cNvSpPr>
-          <p:nvPr/>
-        </p:nvSpPr>
-        <p:spPr bwMode="auto">
-          <a:xfrm>
-            <a:off x="5796733" y="5697616"/>
-            <a:ext cx="12192000" cy="0"/>
-          </a:xfrm>
-          <a:prstGeom prst="rect">
-            <a:avLst/>
-          </a:prstGeom>
-          <a:noFill/>
-          <a:ln>
-            <a:noFill/>
-          </a:ln>
-          <a:effectLst/>
-          <a:extLst>
-            <a:ext uri="{909E8E84-426E-40DD-AFC4-6F175D3DCCD1}">
-              <a14:hiddenFill xmlns:a14="http://schemas.microsoft.com/office/drawing/2010/main">
-                <a:solidFill>
-                  <a:schemeClr val="accent1"/>
-                </a:solidFill>
-              </a14:hiddenFill>
-            </a:ext>
-            <a:ext uri="{91240B29-F687-4F45-9708-019B960494DF}">
-              <a14:hiddenLine xmlns:a14="http://schemas.microsoft.com/office/drawing/2010/main" w="9525">
-                <a:solidFill>
-                  <a:schemeClr val="tx1"/>
-                </a:solidFill>
-                <a:miter lim="800000"/>
-                <a:headEnd/>
-                <a:tailEnd/>
-              </a14:hiddenLine>
-            </a:ext>
-            <a:ext uri="{AF507438-7753-43E0-B8FC-AC1667EBCBE1}">
-              <a14:hiddenEffects xmlns:a14="http://schemas.microsoft.com/office/drawing/2010/main">
-                <a:effectLst>
-                  <a:outerShdw dist="35921" dir="2700000" algn="ctr" rotWithShape="0">
-                    <a:schemeClr val="bg2"/>
-                  </a:outerShdw>
-                </a:effectLst>
-              </a14:hiddenEffects>
-            </a:ext>
-          </a:extLst>
-        </p:spPr>
-        <p:txBody>
-          <a:bodyPr vert="horz" wrap="square" lIns="91440" tIns="45720" rIns="91440" bIns="45720" numCol="1" anchor="ctr" anchorCtr="0" compatLnSpc="1">
-            <a:prstTxWarp prst="textNoShape">
-              <a:avLst/>
-            </a:prstTxWarp>
-            <a:spAutoFit/>
-          </a:bodyPr>
-          <a:lstStyle/>
-          <a:p>
-            <a:endParaRPr lang="en-GB"/>
-          </a:p>
-        </p:txBody>
-      </p:sp>
-    </p:spTree>
-    <p:extLst>
-      <p:ext uri="{BB962C8B-B14F-4D97-AF65-F5344CB8AC3E}">
-        <p14:creationId xmlns:p14="http://schemas.microsoft.com/office/powerpoint/2010/main" val="4064533242"/>
-      </p:ext>
-    </p:extLst>
-  </p:cSld>
-  <p:clrMapOvr>
-    <a:masterClrMapping/>
-  </p:clrMapOvr>
-  <p:timing>
-    <p:tnLst>
-      <p:par>
-        <p:cTn id="1" dur="indefinite" restart="never" nodeType="tmRoot"/>
-      </p:par>
-    </p:tnLst>
-  </p:timing>
-</p:sld>
-</file>
-
-<file path=ppt/slides/slide45.xml><?xml version="1.0" encoding="utf-8"?>
-<p:sld xmlns:a="http://schemas.openxmlformats.org/drawingml/2006/main" xmlns:r="http://schemas.openxmlformats.org/officeDocument/2006/relationships" xmlns:p="http://schemas.openxmlformats.org/presentationml/2006/main">
-  <p:cSld>
-    <p:spTree>
-      <p:nvGrpSpPr>
-        <p:cNvPr id="1" name=""/>
-        <p:cNvGrpSpPr/>
-        <p:nvPr/>
-      </p:nvGrpSpPr>
-      <p:grpSpPr>
-        <a:xfrm>
-          <a:off x="0" y="0"/>
-          <a:ext cx="0" cy="0"/>
-          <a:chOff x="0" y="0"/>
-          <a:chExt cx="0" cy="0"/>
-        </a:xfrm>
-      </p:grpSpPr>
-      <p:sp>
-        <p:nvSpPr>
-          <p:cNvPr id="2" name="Title 1"/>
-          <p:cNvSpPr>
-            <a:spLocks noGrp="1"/>
-          </p:cNvSpPr>
-          <p:nvPr>
-            <p:ph type="ctrTitle"/>
-          </p:nvPr>
-        </p:nvSpPr>
-        <p:spPr/>
-        <p:txBody>
-          <a:bodyPr/>
-          <a:lstStyle/>
-          <a:p>
-            <a:r>
-              <a:rPr lang="en-US" b="1" dirty="0" smtClean="0"/>
-              <a:t>contribution</a:t>
-            </a:r>
-            <a:endParaRPr lang="en-GB" dirty="0"/>
-          </a:p>
-        </p:txBody>
-      </p:sp>
-    </p:spTree>
-    <p:extLst>
-      <p:ext uri="{BB962C8B-B14F-4D97-AF65-F5344CB8AC3E}">
-        <p14:creationId xmlns:p14="http://schemas.microsoft.com/office/powerpoint/2010/main" val="2461335229"/>
-      </p:ext>
-    </p:extLst>
-  </p:cSld>
-  <p:clrMapOvr>
-    <a:masterClrMapping/>
-  </p:clrMapOvr>
-  <p:timing>
-    <p:tnLst>
-      <p:par>
-        <p:cTn id="1" dur="indefinite" restart="never" nodeType="tmRoot"/>
-      </p:par>
-    </p:tnLst>
-  </p:timing>
-</p:sld>
-</file>
-
-<file path=ppt/slides/slide46.xml><?xml version="1.0" encoding="utf-8"?>
-<p:sld xmlns:a="http://schemas.openxmlformats.org/drawingml/2006/main" xmlns:r="http://schemas.openxmlformats.org/officeDocument/2006/relationships" xmlns:p="http://schemas.openxmlformats.org/presentationml/2006/main">
-  <p:cSld>
-    <p:spTree>
-      <p:nvGrpSpPr>
-        <p:cNvPr id="1" name=""/>
-        <p:cNvGrpSpPr/>
-        <p:nvPr/>
-      </p:nvGrpSpPr>
-      <p:grpSpPr>
-        <a:xfrm>
-          <a:off x="0" y="0"/>
-          <a:ext cx="0" cy="0"/>
-          <a:chOff x="0" y="0"/>
-          <a:chExt cx="0" cy="0"/>
-        </a:xfrm>
-      </p:grpSpPr>
-      <p:sp>
-        <p:nvSpPr>
-          <p:cNvPr id="2" name="Title 1"/>
-          <p:cNvSpPr>
-            <a:spLocks noGrp="1"/>
-          </p:cNvSpPr>
-          <p:nvPr>
-            <p:ph type="title"/>
-          </p:nvPr>
-        </p:nvSpPr>
-        <p:spPr/>
-        <p:txBody>
-          <a:bodyPr/>
-          <a:lstStyle/>
-          <a:p>
-            <a:r>
-              <a:rPr lang="en-GB" dirty="0" smtClean="0"/>
-              <a:t>Reimplementation</a:t>
-            </a:r>
-            <a:endParaRPr lang="en-GB" dirty="0"/>
-          </a:p>
-        </p:txBody>
-      </p:sp>
-      <p:sp>
-        <p:nvSpPr>
-          <p:cNvPr id="3" name="Content Placeholder 2"/>
-          <p:cNvSpPr>
-            <a:spLocks noGrp="1"/>
-          </p:cNvSpPr>
-          <p:nvPr>
-            <p:ph idx="1"/>
-          </p:nvPr>
-        </p:nvSpPr>
-        <p:spPr/>
-        <p:txBody>
-          <a:bodyPr/>
-          <a:lstStyle/>
-          <a:p>
-            <a:pPr marL="0" indent="0">
-              <a:buNone/>
-            </a:pPr>
-            <a:r>
-              <a:rPr lang="en-US" dirty="0"/>
-              <a:t>R</a:t>
-            </a:r>
-            <a:r>
-              <a:rPr lang="en-US" dirty="0" smtClean="0"/>
-              <a:t>eimplementation </a:t>
-            </a:r>
-            <a:r>
-              <a:rPr lang="en-US" dirty="0"/>
-              <a:t>of </a:t>
-            </a:r>
-            <a:r>
-              <a:rPr lang="en-US" dirty="0" smtClean="0"/>
-              <a:t>the </a:t>
-            </a:r>
-            <a:r>
-              <a:rPr lang="en-US" dirty="0"/>
-              <a:t>method in </a:t>
-            </a:r>
-            <a:r>
-              <a:rPr lang="en-US" dirty="0" smtClean="0"/>
-              <a:t>Python – understand things:</a:t>
-            </a:r>
-          </a:p>
-          <a:p>
-            <a:r>
-              <a:rPr lang="en-US" dirty="0"/>
-              <a:t>sequence of steps of learning </a:t>
-            </a:r>
-            <a:r>
-              <a:rPr lang="en-US" dirty="0" smtClean="0"/>
-              <a:t>algorithm</a:t>
-            </a:r>
-          </a:p>
-          <a:p>
-            <a:r>
-              <a:rPr lang="en-US" dirty="0"/>
-              <a:t>functions which must be </a:t>
-            </a:r>
-            <a:r>
-              <a:rPr lang="en-US" dirty="0" smtClean="0"/>
-              <a:t>optimized</a:t>
-            </a:r>
-          </a:p>
-          <a:p>
-            <a:r>
-              <a:rPr lang="en-US" dirty="0" smtClean="0"/>
-              <a:t>functions gradients derivation</a:t>
-            </a:r>
-          </a:p>
-          <a:p>
-            <a:r>
-              <a:rPr lang="en-US" dirty="0"/>
-              <a:t>dimensionality analysis</a:t>
-            </a:r>
-          </a:p>
-          <a:p>
-            <a:pPr marL="0" indent="0">
-              <a:buNone/>
-            </a:pPr>
-            <a:endParaRPr lang="en-GB" dirty="0"/>
-          </a:p>
-        </p:txBody>
-      </p:sp>
-    </p:spTree>
-    <p:extLst>
-      <p:ext uri="{BB962C8B-B14F-4D97-AF65-F5344CB8AC3E}">
-        <p14:creationId xmlns:p14="http://schemas.microsoft.com/office/powerpoint/2010/main" val="721614636"/>
-      </p:ext>
-    </p:extLst>
-  </p:cSld>
-  <p:clrMapOvr>
-    <a:masterClrMapping/>
-  </p:clrMapOvr>
-  <p:timing>
-    <p:tnLst>
-      <p:par>
-        <p:cTn id="1" dur="indefinite" restart="never" nodeType="tmRoot"/>
-      </p:par>
-    </p:tnLst>
-  </p:timing>
-</p:sld>
-</file>
-
-<file path=ppt/slides/slide47.xml><?xml version="1.0" encoding="utf-8"?>
-<p:sld xmlns:a="http://schemas.openxmlformats.org/drawingml/2006/main" xmlns:r="http://schemas.openxmlformats.org/officeDocument/2006/relationships" xmlns:p="http://schemas.openxmlformats.org/presentationml/2006/main">
-  <p:cSld>
-    <p:spTree>
-      <p:nvGrpSpPr>
-        <p:cNvPr id="1" name=""/>
-        <p:cNvGrpSpPr/>
-        <p:nvPr/>
-      </p:nvGrpSpPr>
-      <p:grpSpPr>
-        <a:xfrm>
-          <a:off x="0" y="0"/>
-          <a:ext cx="0" cy="0"/>
-          <a:chOff x="0" y="0"/>
-          <a:chExt cx="0" cy="0"/>
-        </a:xfrm>
-      </p:grpSpPr>
-      <p:sp>
-        <p:nvSpPr>
-          <p:cNvPr id="2" name="Title 1"/>
-          <p:cNvSpPr>
-            <a:spLocks noGrp="1"/>
-          </p:cNvSpPr>
-          <p:nvPr>
-            <p:ph type="title"/>
-          </p:nvPr>
-        </p:nvSpPr>
-        <p:spPr/>
-        <p:txBody>
-          <a:bodyPr/>
-          <a:lstStyle/>
-          <a:p>
-            <a:r>
-              <a:rPr lang="en-GB" dirty="0" smtClean="0"/>
-              <a:t>Algorithm understanding</a:t>
-            </a:r>
-            <a:endParaRPr lang="en-GB" dirty="0"/>
-          </a:p>
-        </p:txBody>
-      </p:sp>
-      <p:sp>
-        <p:nvSpPr>
-          <p:cNvPr id="3" name="Content Placeholder 2"/>
-          <p:cNvSpPr>
-            <a:spLocks noGrp="1"/>
-          </p:cNvSpPr>
-          <p:nvPr>
-            <p:ph idx="1"/>
-          </p:nvPr>
-        </p:nvSpPr>
-        <p:spPr>
-          <a:xfrm>
-            <a:off x="1371600" y="2286000"/>
-            <a:ext cx="9601200" cy="4102274"/>
-          </a:xfrm>
-        </p:spPr>
-        <p:txBody>
-          <a:bodyPr>
-            <a:normAutofit fontScale="85000" lnSpcReduction="10000"/>
-          </a:bodyPr>
-          <a:lstStyle/>
-          <a:p>
-            <a:pPr marL="0" indent="0">
-              <a:buNone/>
-            </a:pPr>
-            <a:r>
-              <a:rPr lang="en-US" dirty="0" smtClean="0"/>
-              <a:t>In general </a:t>
-            </a:r>
-            <a:r>
-              <a:rPr lang="en-US" dirty="0"/>
-              <a:t>two main </a:t>
-            </a:r>
-            <a:r>
-              <a:rPr lang="en-US" dirty="0" smtClean="0"/>
-              <a:t>steps:</a:t>
-            </a:r>
-          </a:p>
-          <a:p>
-            <a:r>
-              <a:rPr lang="en-US" dirty="0"/>
-              <a:t>fix </a:t>
-            </a:r>
-            <a:r>
-              <a:rPr lang="en-US" dirty="0" smtClean="0"/>
-              <a:t>W </a:t>
-            </a:r>
-            <a:r>
-              <a:rPr lang="en-US" dirty="0"/>
-              <a:t>and perform optimization </a:t>
-            </a:r>
-            <a:r>
-              <a:rPr lang="en-US" dirty="0" smtClean="0"/>
-              <a:t>with </a:t>
-            </a:r>
-            <a:r>
-              <a:rPr lang="en-US" dirty="0"/>
-              <a:t>respect to </a:t>
-            </a:r>
-            <a:r>
-              <a:rPr lang="en-US" dirty="0" smtClean="0"/>
-              <a:t>X</a:t>
-            </a:r>
-            <a:r>
-              <a:rPr lang="en-US" dirty="0"/>
-              <a:t>, </a:t>
-            </a:r>
-            <a:r>
-              <a:rPr lang="en-US" dirty="0" smtClean="0"/>
-              <a:t>θ and λ using SCG (Scaled </a:t>
-            </a:r>
-            <a:r>
-              <a:rPr lang="en-US" dirty="0"/>
-              <a:t>conjugate </a:t>
-            </a:r>
-            <a:r>
-              <a:rPr lang="en-US" dirty="0" smtClean="0"/>
-              <a:t>gradient)</a:t>
-            </a:r>
-          </a:p>
-          <a:p>
-            <a:pPr marL="0" indent="0">
+              <a:lnSpc>
+                <a:spcPct val="120000"/>
+              </a:lnSpc>
               <a:buNone/>
             </a:pPr>
             <a:endParaRPr lang="en-US" dirty="0" smtClean="0"/>
           </a:p>
           <a:p>
             <a:pPr marL="0" indent="0">
+              <a:lnSpc>
+                <a:spcPct val="120000"/>
+              </a:lnSpc>
+              <a:buNone/>
+            </a:pPr>
+            <a:r>
+              <a:rPr lang="en-US" dirty="0" smtClean="0"/>
+              <a:t>In general </a:t>
+            </a:r>
+            <a:r>
+              <a:rPr lang="en-US" dirty="0"/>
+              <a:t>two main </a:t>
+            </a:r>
+            <a:r>
+              <a:rPr lang="en-US" dirty="0" smtClean="0"/>
+              <a:t>steps:</a:t>
+            </a:r>
+          </a:p>
+          <a:p>
+            <a:r>
+              <a:rPr lang="en-US" dirty="0"/>
+              <a:t>fix </a:t>
+            </a:r>
+            <a:r>
+              <a:rPr lang="en-US" dirty="0" smtClean="0"/>
+              <a:t>W </a:t>
+            </a:r>
+            <a:r>
+              <a:rPr lang="en-US" dirty="0"/>
+              <a:t>and perform optimization </a:t>
+            </a:r>
+            <a:r>
+              <a:rPr lang="en-US" dirty="0" smtClean="0"/>
+              <a:t>with </a:t>
+            </a:r>
+            <a:r>
+              <a:rPr lang="en-US" dirty="0"/>
+              <a:t>respect to </a:t>
+            </a:r>
+            <a:r>
+              <a:rPr lang="en-US" dirty="0" smtClean="0"/>
+              <a:t>X</a:t>
+            </a:r>
+            <a:r>
+              <a:rPr lang="en-US" dirty="0"/>
+              <a:t>, </a:t>
+            </a:r>
+            <a:r>
+              <a:rPr lang="en-US" dirty="0" smtClean="0"/>
+              <a:t>θ and λ using SCG (Scaled </a:t>
+            </a:r>
+            <a:r>
+              <a:rPr lang="en-US" dirty="0"/>
+              <a:t>conjugate </a:t>
+            </a:r>
+            <a:r>
+              <a:rPr lang="en-US" dirty="0" smtClean="0"/>
+              <a:t>gradient)</a:t>
+            </a:r>
+          </a:p>
+          <a:p>
+            <a:pPr marL="0" indent="0">
+              <a:buNone/>
+            </a:pPr>
+            <a:endParaRPr lang="en-US" dirty="0" smtClean="0"/>
+          </a:p>
+          <a:p>
+            <a:pPr marL="0" indent="0">
               <a:buNone/>
             </a:pPr>
             <a:r>
@@ -12322,22 +12989,7 @@
               <a:rPr lang="en-GB" dirty="0" smtClean="0"/>
               <a:t>times, I – fixed</a:t>
             </a:r>
-            <a:endParaRPr lang="en-US" dirty="0" smtClean="0"/>
-          </a:p>
-          <a:p>
-            <a:endParaRPr lang="en-US" dirty="0" smtClean="0"/>
-          </a:p>
-          <a:p>
             <a:endParaRPr lang="en-US" dirty="0"/>
-          </a:p>
-          <a:p>
-            <a:endParaRPr lang="en-GB" dirty="0" smtClean="0"/>
-          </a:p>
-          <a:p>
-            <a:pPr marL="0" indent="0">
-              <a:buNone/>
-            </a:pPr>
-            <a:endParaRPr lang="en-GB" dirty="0"/>
           </a:p>
         </p:txBody>
       </p:sp>
@@ -12362,7 +13014,7 @@
         </p:blipFill>
         <p:spPr bwMode="auto">
           <a:xfrm>
-            <a:off x="1853890" y="2969328"/>
+            <a:off x="1853890" y="3131801"/>
             <a:ext cx="10083917" cy="387889"/>
           </a:xfrm>
           <a:prstGeom prst="rect">
@@ -12407,6 +13059,39 @@
           </a:ln>
         </p:spPr>
       </p:pic>
+      <p:sp>
+        <p:nvSpPr>
+          <p:cNvPr id="6" name="TextBox 5"/>
+          <p:cNvSpPr txBox="1"/>
+          <p:nvPr/>
+        </p:nvSpPr>
+        <p:spPr>
+          <a:xfrm>
+            <a:off x="11542143" y="6211669"/>
+            <a:ext cx="649857" cy="646331"/>
+          </a:xfrm>
+          <a:prstGeom prst="rect">
+            <a:avLst/>
+          </a:prstGeom>
+          <a:noFill/>
+        </p:spPr>
+        <p:txBody>
+          <a:bodyPr wrap="square" rtlCol="0">
+            <a:spAutoFit/>
+          </a:bodyPr>
+          <a:lstStyle/>
+          <a:p>
+            <a:r>
+              <a:rPr lang="ru-RU" dirty="0" smtClean="0"/>
+              <a:t>16</a:t>
+            </a:r>
+            <a:endParaRPr lang="ru-RU" dirty="0"/>
+          </a:p>
+          <a:p>
+            <a:endParaRPr lang="en-GB" dirty="0"/>
+          </a:p>
+        </p:txBody>
+      </p:sp>
     </p:spTree>
     <p:extLst>
       <p:ext uri="{BB962C8B-B14F-4D97-AF65-F5344CB8AC3E}">
@@ -12427,7 +13112,7 @@
 </p:sld>
 </file>
 
-<file path=ppt/slides/slide48.xml><?xml version="1.0" encoding="utf-8"?>
+<file path=ppt/slides/slide45.xml><?xml version="1.0" encoding="utf-8"?>
 <p:sld xmlns:a="http://schemas.openxmlformats.org/drawingml/2006/main" xmlns:r="http://schemas.openxmlformats.org/officeDocument/2006/relationships" xmlns:p="http://schemas.openxmlformats.org/presentationml/2006/main">
   <p:cSld>
     <p:spTree>
@@ -12487,7 +13172,7 @@
 </p:sld>
 </file>
 
-<file path=ppt/slides/slide49.xml><?xml version="1.0" encoding="utf-8"?>
+<file path=ppt/slides/slide46.xml><?xml version="1.0" encoding="utf-8"?>
 <p:sld xmlns:a="http://schemas.openxmlformats.org/drawingml/2006/main" xmlns:r="http://schemas.openxmlformats.org/officeDocument/2006/relationships" xmlns:p="http://schemas.openxmlformats.org/presentationml/2006/main">
   <p:cSld>
     <p:spTree>
@@ -12607,6 +13292,21 @@
             <a:endParaRPr lang="en-US" dirty="0"/>
           </a:p>
           <a:p>
+            <a:r>
+              <a:rPr lang="en-GB" dirty="0"/>
+              <a:t>R</a:t>
+            </a:r>
+            <a:r>
+              <a:rPr lang="en-GB" dirty="0" smtClean="0"/>
+              <a:t>epetition </a:t>
+            </a:r>
+            <a:r>
+              <a:rPr lang="en-GB" dirty="0"/>
+              <a:t>of original sequences of frames</a:t>
+            </a:r>
+            <a:endParaRPr lang="en-US" dirty="0" smtClean="0"/>
+          </a:p>
+          <a:p>
             <a:endParaRPr lang="en-US" dirty="0"/>
           </a:p>
           <a:p>
@@ -12620,22 +13320,223 @@
           </a:p>
         </p:txBody>
       </p:sp>
+      <p:sp>
+        <p:nvSpPr>
+          <p:cNvPr id="5" name="TextBox 4"/>
+          <p:cNvSpPr txBox="1"/>
+          <p:nvPr/>
+        </p:nvSpPr>
+        <p:spPr>
+          <a:xfrm>
+            <a:off x="11542143" y="6211669"/>
+            <a:ext cx="649857" cy="646331"/>
+          </a:xfrm>
+          <a:prstGeom prst="rect">
+            <a:avLst/>
+          </a:prstGeom>
+          <a:noFill/>
+        </p:spPr>
+        <p:txBody>
+          <a:bodyPr wrap="square" rtlCol="0">
+            <a:spAutoFit/>
+          </a:bodyPr>
+          <a:lstStyle/>
+          <a:p>
+            <a:r>
+              <a:rPr lang="ru-RU" dirty="0" smtClean="0"/>
+              <a:t>17</a:t>
+            </a:r>
+            <a:endParaRPr lang="ru-RU" dirty="0"/>
+          </a:p>
+          <a:p>
+            <a:endParaRPr lang="en-GB" dirty="0"/>
+          </a:p>
+        </p:txBody>
+      </p:sp>
+    </p:spTree>
+    <p:extLst>
+      <p:ext uri="{BB962C8B-B14F-4D97-AF65-F5344CB8AC3E}">
+        <p14:creationId xmlns:p14="http://schemas.microsoft.com/office/powerpoint/2010/main" val="604068190"/>
+      </p:ext>
+    </p:extLst>
+  </p:cSld>
+  <p:clrMapOvr>
+    <a:masterClrMapping/>
+  </p:clrMapOvr>
+  <p:timing>
+    <p:tnLst>
+      <p:par>
+        <p:cTn id="1" dur="indefinite" restart="never" nodeType="tmRoot"/>
+      </p:par>
+    </p:tnLst>
+  </p:timing>
+</p:sld>
+</file>
+
+<file path=ppt/slides/slide47.xml><?xml version="1.0" encoding="utf-8"?>
+<p:sld xmlns:a="http://schemas.openxmlformats.org/drawingml/2006/main" xmlns:r="http://schemas.openxmlformats.org/officeDocument/2006/relationships" xmlns:p="http://schemas.openxmlformats.org/presentationml/2006/main">
+  <p:cSld>
+    <p:spTree>
+      <p:nvGrpSpPr>
+        <p:cNvPr id="1" name=""/>
+        <p:cNvGrpSpPr/>
+        <p:nvPr/>
+      </p:nvGrpSpPr>
+      <p:grpSpPr>
+        <a:xfrm>
+          <a:off x="0" y="0"/>
+          <a:ext cx="0" cy="0"/>
+          <a:chOff x="0" y="0"/>
+          <a:chExt cx="0" cy="0"/>
+        </a:xfrm>
+      </p:grpSpPr>
+      <p:sp>
+        <p:nvSpPr>
+          <p:cNvPr id="2" name="Title 1"/>
+          <p:cNvSpPr>
+            <a:spLocks noGrp="1"/>
+          </p:cNvSpPr>
+          <p:nvPr>
+            <p:ph type="title"/>
+          </p:nvPr>
+        </p:nvSpPr>
+        <p:spPr/>
+        <p:txBody>
+          <a:bodyPr/>
+          <a:lstStyle/>
+          <a:p>
+            <a:r>
+              <a:rPr lang="en-GB" dirty="0" smtClean="0"/>
+              <a:t>Matlab implementation properties</a:t>
+            </a:r>
+            <a:endParaRPr lang="en-GB" dirty="0"/>
+          </a:p>
+        </p:txBody>
+      </p:sp>
+      <p:sp>
+        <p:nvSpPr>
+          <p:cNvPr id="3" name="Content Placeholder 2"/>
+          <p:cNvSpPr>
+            <a:spLocks noGrp="1"/>
+          </p:cNvSpPr>
+          <p:nvPr>
+            <p:ph idx="1"/>
+          </p:nvPr>
+        </p:nvSpPr>
+        <p:spPr>
+          <a:xfrm>
+            <a:off x="1371600" y="1728592"/>
+            <a:ext cx="9601200" cy="4138808"/>
+          </a:xfrm>
+        </p:spPr>
+        <p:txBody>
+          <a:bodyPr>
+            <a:normAutofit/>
+          </a:bodyPr>
+          <a:lstStyle/>
+          <a:p>
+            <a:pPr marL="0" indent="0">
+              <a:buNone/>
+            </a:pPr>
+            <a:r>
+              <a:rPr lang="en-GB" dirty="0" smtClean="0"/>
+              <a:t>Implementation </a:t>
+            </a:r>
+            <a:r>
+              <a:rPr lang="en-GB" dirty="0"/>
+              <a:t>given in Matlab </a:t>
+            </a:r>
+            <a:r>
+              <a:rPr lang="en-US" dirty="0"/>
+              <a:t>has </a:t>
+            </a:r>
+            <a:r>
+              <a:rPr lang="en-US" dirty="0" smtClean="0"/>
+              <a:t>problems:</a:t>
+            </a:r>
+          </a:p>
+          <a:p>
+            <a:pPr marL="0" indent="0">
+              <a:buNone/>
+            </a:pPr>
+            <a:endParaRPr lang="en-US" dirty="0"/>
+          </a:p>
+          <a:p>
+            <a:r>
+              <a:rPr lang="en-US" dirty="0" smtClean="0"/>
+              <a:t>Inexplicable instability – often crashes with </a:t>
+            </a:r>
+            <a:r>
+              <a:rPr lang="en-US" dirty="0"/>
+              <a:t>SVD computation error</a:t>
+            </a:r>
+            <a:endParaRPr lang="en-US" dirty="0" smtClean="0"/>
+          </a:p>
+          <a:p>
+            <a:endParaRPr lang="en-US" dirty="0"/>
+          </a:p>
+          <a:p>
+            <a:r>
+              <a:rPr lang="en-US" dirty="0" smtClean="0"/>
+              <a:t>Static result – sometimes generated </a:t>
+            </a:r>
+            <a:r>
+              <a:rPr lang="en-US" dirty="0"/>
+              <a:t>dynamic texture </a:t>
+            </a:r>
+            <a:r>
+              <a:rPr lang="en-US" dirty="0" smtClean="0"/>
+              <a:t>does not move at all</a:t>
+            </a:r>
+          </a:p>
+          <a:p>
+            <a:endParaRPr lang="en-US" dirty="0"/>
+          </a:p>
+          <a:p>
+            <a:r>
+              <a:rPr lang="en-GB" dirty="0"/>
+              <a:t>R</a:t>
+            </a:r>
+            <a:r>
+              <a:rPr lang="en-GB" dirty="0" smtClean="0"/>
+              <a:t>epetition </a:t>
+            </a:r>
+            <a:r>
+              <a:rPr lang="en-GB" dirty="0"/>
+              <a:t>of original sequences of frames</a:t>
+            </a:r>
+            <a:endParaRPr lang="en-US" dirty="0" smtClean="0"/>
+          </a:p>
+          <a:p>
+            <a:endParaRPr lang="en-US" dirty="0"/>
+          </a:p>
+          <a:p>
+            <a:endParaRPr lang="en-GB" dirty="0" smtClean="0"/>
+          </a:p>
+          <a:p>
+            <a:pPr marL="0" indent="0">
+              <a:buNone/>
+            </a:pPr>
+            <a:endParaRPr lang="en-GB" dirty="0"/>
+          </a:p>
+        </p:txBody>
+      </p:sp>
       <p:graphicFrame>
         <p:nvGraphicFramePr>
-          <p:cNvPr id="4" name="Table 3"/>
+          <p:cNvPr id="6" name="Table 5"/>
           <p:cNvGraphicFramePr>
             <a:graphicFrameLocks noGrp="1"/>
           </p:cNvGraphicFramePr>
           <p:nvPr>
             <p:extLst>
               <p:ext uri="{D42A27DB-BD31-4B8C-83A1-F6EECF244321}">
-                <p14:modId xmlns:p14="http://schemas.microsoft.com/office/powerpoint/2010/main" val="1061948266"/>
+                <p14:modId xmlns:p14="http://schemas.microsoft.com/office/powerpoint/2010/main" val="1854014987"/>
               </p:ext>
             </p:extLst>
           </p:nvPr>
         </p:nvGraphicFramePr>
         <p:xfrm>
-          <a:off x="1852351" y="4223905"/>
+          <a:off x="1817846" y="4983030"/>
           <a:ext cx="8174481" cy="1108964"/>
         </p:xfrm>
         <a:graphic>
@@ -12668,12 +13569,12 @@
                         </a:spcAft>
                       </a:pPr>
                       <a:r>
-                        <a:rPr lang="en-GB" sz="1700">
+                        <a:rPr lang="en-GB" sz="1700" dirty="0">
                           <a:effectLst/>
                         </a:rPr>
                         <a:t>Attempt</a:t>
                       </a:r>
-                      <a:endParaRPr lang="en-GB" sz="1500">
+                      <a:endParaRPr lang="en-GB" sz="1500" dirty="0">
                         <a:effectLst/>
                         <a:latin typeface="Calibri" panose="020F0502020204030204" pitchFamily="34" charset="0"/>
                         <a:ea typeface="Calibri" panose="020F0502020204030204" pitchFamily="34" charset="0"/>
@@ -13283,12 +14184,12 @@
                         </a:spcAft>
                       </a:pPr>
                       <a:r>
-                        <a:rPr lang="en-GB" sz="1700">
+                        <a:rPr lang="en-GB" sz="1700" dirty="0">
                           <a:effectLst/>
                         </a:rPr>
                         <a:t>7</a:t>
                       </a:r>
-                      <a:endParaRPr lang="en-GB" sz="1500">
+                      <a:endParaRPr lang="en-GB" sz="1500" dirty="0">
                         <a:effectLst/>
                         <a:latin typeface="Calibri" panose="020F0502020204030204" pitchFamily="34" charset="0"/>
                         <a:ea typeface="Calibri" panose="020F0502020204030204" pitchFamily="34" charset="0"/>
@@ -13477,10 +14378,341 @@
           </a:graphicData>
         </a:graphic>
       </p:graphicFrame>
+      <p:sp>
+        <p:nvSpPr>
+          <p:cNvPr id="7" name="TextBox 6"/>
+          <p:cNvSpPr txBox="1"/>
+          <p:nvPr/>
+        </p:nvSpPr>
+        <p:spPr>
+          <a:xfrm>
+            <a:off x="11542143" y="6211669"/>
+            <a:ext cx="649857" cy="646331"/>
+          </a:xfrm>
+          <a:prstGeom prst="rect">
+            <a:avLst/>
+          </a:prstGeom>
+          <a:noFill/>
+        </p:spPr>
+        <p:txBody>
+          <a:bodyPr wrap="square" rtlCol="0">
+            <a:spAutoFit/>
+          </a:bodyPr>
+          <a:lstStyle/>
+          <a:p>
+            <a:r>
+              <a:rPr lang="ru-RU" dirty="0" smtClean="0"/>
+              <a:t>17</a:t>
+            </a:r>
+            <a:endParaRPr lang="ru-RU" dirty="0"/>
+          </a:p>
+          <a:p>
+            <a:endParaRPr lang="en-GB" dirty="0"/>
+          </a:p>
+        </p:txBody>
+      </p:sp>
     </p:spTree>
     <p:extLst>
       <p:ext uri="{BB962C8B-B14F-4D97-AF65-F5344CB8AC3E}">
-        <p14:creationId xmlns:p14="http://schemas.microsoft.com/office/powerpoint/2010/main" val="1214952614"/>
+        <p14:creationId xmlns:p14="http://schemas.microsoft.com/office/powerpoint/2010/main" val="2745946124"/>
+      </p:ext>
+    </p:extLst>
+  </p:cSld>
+  <p:clrMapOvr>
+    <a:masterClrMapping/>
+  </p:clrMapOvr>
+  <p:timing>
+    <p:tnLst>
+      <p:par>
+        <p:cTn id="1" dur="indefinite" restart="never" nodeType="tmRoot"/>
+      </p:par>
+    </p:tnLst>
+  </p:timing>
+</p:sld>
+</file>
+
+<file path=ppt/slides/slide48.xml><?xml version="1.0" encoding="utf-8"?>
+<p:sld xmlns:a="http://schemas.openxmlformats.org/drawingml/2006/main" xmlns:r="http://schemas.openxmlformats.org/officeDocument/2006/relationships" xmlns:p="http://schemas.openxmlformats.org/presentationml/2006/main">
+  <p:cSld>
+    <p:spTree>
+      <p:nvGrpSpPr>
+        <p:cNvPr id="1" name=""/>
+        <p:cNvGrpSpPr/>
+        <p:nvPr/>
+      </p:nvGrpSpPr>
+      <p:grpSpPr>
+        <a:xfrm>
+          <a:off x="0" y="0"/>
+          <a:ext cx="0" cy="0"/>
+          <a:chOff x="0" y="0"/>
+          <a:chExt cx="0" cy="0"/>
+        </a:xfrm>
+      </p:grpSpPr>
+      <p:sp>
+        <p:nvSpPr>
+          <p:cNvPr id="2" name="Title 1"/>
+          <p:cNvSpPr>
+            <a:spLocks noGrp="1"/>
+          </p:cNvSpPr>
+          <p:nvPr>
+            <p:ph type="title"/>
+          </p:nvPr>
+        </p:nvSpPr>
+        <p:spPr/>
+        <p:txBody>
+          <a:bodyPr/>
+          <a:lstStyle/>
+          <a:p>
+            <a:r>
+              <a:rPr lang="en-US" dirty="0" smtClean="0"/>
+              <a:t>Python implementation properties</a:t>
+            </a:r>
+            <a:endParaRPr lang="en-US" dirty="0"/>
+          </a:p>
+        </p:txBody>
+      </p:sp>
+      <p:sp>
+        <p:nvSpPr>
+          <p:cNvPr id="3" name="Content Placeholder 2"/>
+          <p:cNvSpPr>
+            <a:spLocks noGrp="1"/>
+          </p:cNvSpPr>
+          <p:nvPr>
+            <p:ph idx="1"/>
+          </p:nvPr>
+        </p:nvSpPr>
+        <p:spPr>
+          <a:xfrm>
+            <a:off x="1371600" y="2286000"/>
+            <a:ext cx="9601200" cy="4287328"/>
+          </a:xfrm>
+        </p:spPr>
+        <p:txBody>
+          <a:bodyPr/>
+          <a:lstStyle/>
+          <a:p>
+            <a:pPr marL="0" indent="0">
+              <a:buNone/>
+            </a:pPr>
+            <a:r>
+              <a:rPr lang="en-US" dirty="0" smtClean="0"/>
+              <a:t>Implementation in Python:</a:t>
+            </a:r>
+          </a:p>
+          <a:p>
+            <a:r>
+              <a:rPr lang="en-US" dirty="0"/>
+              <a:t>GPLVM </a:t>
+            </a:r>
+            <a:r>
+              <a:rPr lang="en-US" dirty="0" smtClean="0"/>
+              <a:t>does not have specific kernel function to capture the dynamic behavior</a:t>
+            </a:r>
+            <a:endParaRPr lang="en-US" dirty="0" smtClean="0"/>
+          </a:p>
+          <a:p>
+            <a:r>
+              <a:rPr lang="en-US" dirty="0" smtClean="0">
+                <a:solidFill>
+                  <a:schemeClr val="tx1"/>
+                </a:solidFill>
+              </a:rPr>
+              <a:t>Temporal structure is included in covariance</a:t>
+            </a:r>
+            <a:endParaRPr lang="en-US" dirty="0" smtClean="0">
+              <a:solidFill>
+                <a:schemeClr val="tx1"/>
+              </a:solidFill>
+            </a:endParaRPr>
+          </a:p>
+          <a:p>
+            <a:pPr marL="0" indent="0">
+              <a:buNone/>
+            </a:pPr>
+            <a:r>
+              <a:rPr lang="en-US" dirty="0" smtClean="0"/>
+              <a:t>The </a:t>
+            </a:r>
+            <a:r>
+              <a:rPr lang="en-US" dirty="0"/>
+              <a:t>results are quite </a:t>
+            </a:r>
+            <a:r>
+              <a:rPr lang="en-US" dirty="0" smtClean="0"/>
+              <a:t>surprising:</a:t>
+            </a:r>
+          </a:p>
+          <a:p>
+            <a:r>
+              <a:rPr lang="en-US" dirty="0"/>
+              <a:t>it is </a:t>
+            </a:r>
+            <a:r>
+              <a:rPr lang="en-US" dirty="0" smtClean="0"/>
+              <a:t>stable</a:t>
+            </a:r>
+          </a:p>
+          <a:p>
+            <a:r>
+              <a:rPr lang="en-US" dirty="0" smtClean="0"/>
+              <a:t>it </a:t>
+            </a:r>
+            <a:r>
+              <a:rPr lang="en-US" dirty="0"/>
+              <a:t>is able to generate new sequences of dynamic textures without visible </a:t>
+            </a:r>
+            <a:r>
+              <a:rPr lang="en-US" dirty="0" smtClean="0"/>
+              <a:t>repetitions</a:t>
+            </a:r>
+          </a:p>
+          <a:p>
+            <a:r>
+              <a:rPr lang="en-GB" dirty="0" smtClean="0"/>
+              <a:t>it </a:t>
+            </a:r>
+            <a:r>
+              <a:rPr lang="en-GB" dirty="0"/>
+              <a:t>t</a:t>
+            </a:r>
+            <a:r>
+              <a:rPr lang="en-GB" dirty="0" smtClean="0"/>
+              <a:t>akes </a:t>
+            </a:r>
+            <a:r>
+              <a:rPr lang="en-GB" dirty="0"/>
+              <a:t>a lot of time to perform optimization </a:t>
+            </a:r>
+            <a:endParaRPr lang="en-GB" dirty="0" smtClean="0"/>
+          </a:p>
+          <a:p>
+            <a:r>
+              <a:rPr lang="en-GB" dirty="0" smtClean="0"/>
+              <a:t>visible </a:t>
+            </a:r>
+            <a:r>
+              <a:rPr lang="en-GB" dirty="0"/>
+              <a:t>result is still not good due to some random noise </a:t>
+            </a:r>
+            <a:endParaRPr lang="en-US" dirty="0"/>
+          </a:p>
+          <a:p>
+            <a:endParaRPr lang="en-US" dirty="0" smtClean="0"/>
+          </a:p>
+          <a:p>
+            <a:pPr marL="0" indent="0">
+              <a:buNone/>
+            </a:pPr>
+            <a:endParaRPr lang="en-US" dirty="0" smtClean="0"/>
+          </a:p>
+          <a:p>
+            <a:endParaRPr lang="en-GB" dirty="0" smtClean="0"/>
+          </a:p>
+          <a:p>
+            <a:pPr marL="0" indent="0">
+              <a:buNone/>
+            </a:pPr>
+            <a:endParaRPr lang="en-GB" dirty="0"/>
+          </a:p>
+        </p:txBody>
+      </p:sp>
+      <p:sp>
+        <p:nvSpPr>
+          <p:cNvPr id="4" name="TextBox 3"/>
+          <p:cNvSpPr txBox="1"/>
+          <p:nvPr/>
+        </p:nvSpPr>
+        <p:spPr>
+          <a:xfrm>
+            <a:off x="11542143" y="6211669"/>
+            <a:ext cx="649857" cy="646331"/>
+          </a:xfrm>
+          <a:prstGeom prst="rect">
+            <a:avLst/>
+          </a:prstGeom>
+          <a:noFill/>
+        </p:spPr>
+        <p:txBody>
+          <a:bodyPr wrap="square" rtlCol="0">
+            <a:spAutoFit/>
+          </a:bodyPr>
+          <a:lstStyle/>
+          <a:p>
+            <a:r>
+              <a:rPr lang="ru-RU" dirty="0" smtClean="0"/>
+              <a:t>18</a:t>
+            </a:r>
+            <a:endParaRPr lang="ru-RU" dirty="0"/>
+          </a:p>
+          <a:p>
+            <a:endParaRPr lang="en-GB" dirty="0"/>
+          </a:p>
+        </p:txBody>
+      </p:sp>
+    </p:spTree>
+    <p:extLst>
+      <p:ext uri="{BB962C8B-B14F-4D97-AF65-F5344CB8AC3E}">
+        <p14:creationId xmlns:p14="http://schemas.microsoft.com/office/powerpoint/2010/main" val="800128757"/>
+      </p:ext>
+    </p:extLst>
+  </p:cSld>
+  <p:clrMapOvr>
+    <a:masterClrMapping/>
+  </p:clrMapOvr>
+  <p:timing>
+    <p:tnLst>
+      <p:par>
+        <p:cTn id="1" dur="indefinite" restart="never" nodeType="tmRoot"/>
+      </p:par>
+    </p:tnLst>
+  </p:timing>
+</p:sld>
+</file>
+
+<file path=ppt/slides/slide49.xml><?xml version="1.0" encoding="utf-8"?>
+<p:sld xmlns:a="http://schemas.openxmlformats.org/drawingml/2006/main" xmlns:r="http://schemas.openxmlformats.org/officeDocument/2006/relationships" xmlns:p="http://schemas.openxmlformats.org/presentationml/2006/main">
+  <p:cSld>
+    <p:spTree>
+      <p:nvGrpSpPr>
+        <p:cNvPr id="1" name=""/>
+        <p:cNvGrpSpPr/>
+        <p:nvPr/>
+      </p:nvGrpSpPr>
+      <p:grpSpPr>
+        <a:xfrm>
+          <a:off x="0" y="0"/>
+          <a:ext cx="0" cy="0"/>
+          <a:chOff x="0" y="0"/>
+          <a:chExt cx="0" cy="0"/>
+        </a:xfrm>
+      </p:grpSpPr>
+      <p:sp>
+        <p:nvSpPr>
+          <p:cNvPr id="2" name="Title 1"/>
+          <p:cNvSpPr>
+            <a:spLocks noGrp="1"/>
+          </p:cNvSpPr>
+          <p:nvPr>
+            <p:ph type="ctrTitle"/>
+          </p:nvPr>
+        </p:nvSpPr>
+        <p:spPr/>
+        <p:txBody>
+          <a:bodyPr/>
+          <a:lstStyle/>
+          <a:p>
+            <a:r>
+              <a:rPr lang="en-GB" b="1" dirty="0" smtClean="0"/>
+              <a:t>Example</a:t>
+            </a:r>
+            <a:endParaRPr lang="en-GB" dirty="0"/>
+          </a:p>
+        </p:txBody>
+      </p:sp>
+    </p:spTree>
+    <p:extLst>
+      <p:ext uri="{BB962C8B-B14F-4D97-AF65-F5344CB8AC3E}">
+        <p14:creationId xmlns:p14="http://schemas.microsoft.com/office/powerpoint/2010/main" val="1147314060"/>
       </p:ext>
     </p:extLst>
   </p:cSld>
@@ -13770,7 +15002,7 @@
           <a:graphicData uri="http://schemas.openxmlformats.org/presentationml/2006/ole">
             <mc:AlternateContent xmlns:mc="http://schemas.openxmlformats.org/markup-compatibility/2006">
               <mc:Choice xmlns:v="urn:schemas-microsoft-com:vml" Requires="v">
-                <p:oleObj spid="_x0000_s5135" name="Bitmap Image" r:id="rId4" imgW="1935238" imgH="1546994" progId="Paint.Picture">
+                <p:oleObj spid="_x0000_s5148" name="Bitmap Image" r:id="rId4" imgW="1935238" imgH="1546994" progId="Paint.Picture">
                   <p:embed/>
                 </p:oleObj>
               </mc:Choice>
@@ -13892,10 +15124,10 @@
           <a:lstStyle/>
           <a:p>
             <a:r>
-              <a:rPr lang="en-GB" dirty="0" smtClean="0"/>
-              <a:t>Matlab implementation properties</a:t>
-            </a:r>
-            <a:endParaRPr lang="en-GB" dirty="0"/>
+              <a:rPr lang="en-US" b="1" dirty="0" smtClean="0"/>
+              <a:t>Examples</a:t>
+            </a:r>
+            <a:endParaRPr lang="en-GB" b="1" dirty="0"/>
           </a:p>
         </p:txBody>
       </p:sp>
@@ -13911,8 +15143,8 @@
         </p:nvSpPr>
         <p:spPr>
           <a:xfrm>
-            <a:off x="1371600" y="1728592"/>
-            <a:ext cx="9601200" cy="4138808"/>
+            <a:off x="1371600" y="1910219"/>
+            <a:ext cx="9601200" cy="3581400"/>
           </a:xfrm>
         </p:spPr>
         <p:txBody>
@@ -13926,77 +15158,70 @@
             </a:pPr>
             <a:r>
               <a:rPr lang="en-GB" dirty="0" smtClean="0"/>
-              <a:t>Implementation </a:t>
-            </a:r>
-            <a:r>
-              <a:rPr lang="en-GB" dirty="0"/>
-              <a:t>given in Matlab </a:t>
-            </a:r>
-            <a:r>
-              <a:rPr lang="en-US" dirty="0"/>
-              <a:t>has </a:t>
-            </a:r>
-            <a:r>
-              <a:rPr lang="en-US" dirty="0" smtClean="0"/>
-              <a:t>problems:</a:t>
-            </a:r>
+              <a:t>Matlab implementation:</a:t>
+            </a:r>
+          </a:p>
+          <a:p>
+            <a:r>
+              <a:rPr lang="en-US" dirty="0" smtClean="0"/>
+              <a:t>Input videos </a:t>
+            </a:r>
+            <a:r>
+              <a:rPr lang="en-US" b="1" i="1" dirty="0" smtClean="0"/>
+              <a:t>sunshade.avi</a:t>
+            </a:r>
+            <a:r>
+              <a:rPr lang="en-US" dirty="0"/>
+              <a:t> </a:t>
+            </a:r>
+            <a:r>
+              <a:rPr lang="en-US" dirty="0" smtClean="0"/>
+              <a:t>and </a:t>
+            </a:r>
+            <a:r>
+              <a:rPr lang="en-US" b="1" i="1" dirty="0">
+                <a:solidFill>
+                  <a:schemeClr val="tx1"/>
+                </a:solidFill>
+              </a:rPr>
+              <a:t>straw.avi</a:t>
+            </a:r>
+            <a:endParaRPr lang="en-GB" b="1" i="1" dirty="0" smtClean="0">
+              <a:solidFill>
+                <a:schemeClr val="tx1"/>
+              </a:solidFill>
+            </a:endParaRPr>
+          </a:p>
+          <a:p>
+            <a:r>
+              <a:rPr lang="en-US" dirty="0" smtClean="0"/>
+              <a:t>Example of a good result (sunshade.avi)</a:t>
+            </a:r>
+          </a:p>
+          <a:p>
+            <a:r>
+              <a:rPr lang="en-US" dirty="0" smtClean="0"/>
+              <a:t>Example of a bad result (straw.avi)</a:t>
+            </a:r>
+            <a:endParaRPr lang="en-GB" dirty="0" smtClean="0"/>
+          </a:p>
+          <a:p>
+            <a:endParaRPr lang="en-US" dirty="0" smtClean="0"/>
           </a:p>
           <a:p>
             <a:pPr marL="0" indent="0">
               <a:buNone/>
             </a:pPr>
-            <a:endParaRPr lang="en-US" dirty="0"/>
-          </a:p>
-          <a:p>
-            <a:r>
-              <a:rPr lang="en-US" dirty="0" smtClean="0"/>
-              <a:t>Inexplicable instability – often crashes with </a:t>
-            </a:r>
-            <a:r>
-              <a:rPr lang="en-US" dirty="0"/>
-              <a:t>SVD computation error</a:t>
-            </a:r>
-            <a:endParaRPr lang="en-US" dirty="0" smtClean="0"/>
-          </a:p>
-          <a:p>
-            <a:endParaRPr lang="en-US" dirty="0"/>
-          </a:p>
-          <a:p>
-            <a:r>
-              <a:rPr lang="en-US" dirty="0" smtClean="0"/>
-              <a:t>Static result – sometimes generated </a:t>
-            </a:r>
-            <a:r>
-              <a:rPr lang="en-US" dirty="0"/>
-              <a:t>dynamic texture </a:t>
-            </a:r>
-            <a:r>
-              <a:rPr lang="en-US" dirty="0" smtClean="0"/>
-              <a:t>does not move at all</a:t>
-            </a:r>
-          </a:p>
-          <a:p>
-            <a:endParaRPr lang="en-US" dirty="0"/>
-          </a:p>
-          <a:p>
-            <a:r>
-              <a:rPr lang="en-GB" dirty="0"/>
-              <a:t>R</a:t>
-            </a:r>
-            <a:r>
-              <a:rPr lang="en-GB" dirty="0" smtClean="0"/>
-              <a:t>epetition </a:t>
-            </a:r>
-            <a:r>
-              <a:rPr lang="en-GB" dirty="0"/>
-              <a:t>of original sequences of frames</a:t>
-            </a:r>
-            <a:endParaRPr lang="en-US" dirty="0" smtClean="0"/>
-          </a:p>
-          <a:p>
-            <a:endParaRPr lang="en-US" dirty="0"/>
-          </a:p>
-          <a:p>
+            <a:r>
+              <a:rPr lang="en-US" dirty="0" smtClean="0"/>
+              <a:t>Python implementation</a:t>
+            </a:r>
+          </a:p>
+          <a:p>
+            <a:r>
+              <a:rPr lang="en-US" dirty="0" smtClean="0"/>
+              <a:t>Example of a good result (straw.avi)</a:t>
+            </a:r>
             <a:endParaRPr lang="en-GB" dirty="0" smtClean="0"/>
           </a:p>
           <a:p>
@@ -14007,1072 +15232,43 @@
           </a:p>
         </p:txBody>
       </p:sp>
-      <p:graphicFrame>
-        <p:nvGraphicFramePr>
-          <p:cNvPr id="5" name="Table 4"/>
-          <p:cNvGraphicFramePr>
-            <a:graphicFrameLocks noGrp="1"/>
-          </p:cNvGraphicFramePr>
-          <p:nvPr>
-            <p:extLst>
-              <p:ext uri="{D42A27DB-BD31-4B8C-83A1-F6EECF244321}">
-                <p14:modId xmlns:p14="http://schemas.microsoft.com/office/powerpoint/2010/main" val="818157762"/>
-              </p:ext>
-            </p:extLst>
-          </p:nvPr>
-        </p:nvGraphicFramePr>
-        <p:xfrm>
-          <a:off x="1866378" y="4910206"/>
-          <a:ext cx="7265095" cy="1640905"/>
-        </p:xfrm>
-        <a:graphic>
-          <a:graphicData uri="http://schemas.openxmlformats.org/drawingml/2006/table">
-            <a:tbl>
-              <a:tblPr firstRow="1" firstCol="1" bandRow="1">
-                <a:tableStyleId>{5C22544A-7EE6-4342-B048-85BDC9FD1C3A}</a:tableStyleId>
-              </a:tblPr>
-              <a:tblGrid>
-                <a:gridCol w="1043348"/>
-                <a:gridCol w="1030568"/>
-                <a:gridCol w="1030568"/>
-                <a:gridCol w="1030568"/>
-                <a:gridCol w="998619"/>
-                <a:gridCol w="1030568"/>
-                <a:gridCol w="1100856"/>
-              </a:tblGrid>
-              <a:tr h="328181">
-                <a:tc>
-                  <a:txBody>
-                    <a:bodyPr/>
-                    <a:lstStyle/>
-                    <a:p>
-                      <a:pPr algn="ctr">
-                        <a:lnSpc>
-                          <a:spcPct val="107000"/>
-                        </a:lnSpc>
-                        <a:spcAft>
-                          <a:spcPts val="0"/>
-                        </a:spcAft>
-                      </a:pPr>
-                      <a:r>
-                        <a:rPr lang="en-GB" sz="1600" dirty="0">
-                          <a:effectLst/>
-                        </a:rPr>
-                        <a:t>Sample</a:t>
-                      </a:r>
-                      <a:endParaRPr lang="en-GB" sz="1600" dirty="0">
-                        <a:effectLst/>
-                        <a:latin typeface="Calibri" panose="020F0502020204030204" pitchFamily="34" charset="0"/>
-                        <a:ea typeface="Calibri" panose="020F0502020204030204" pitchFamily="34" charset="0"/>
-                        <a:cs typeface="Times New Roman" panose="02020603050405020304" pitchFamily="18" charset="0"/>
-                      </a:endParaRPr>
-                    </a:p>
-                  </a:txBody>
-                  <a:tcPr marL="68580" marR="68580" marT="0" marB="0" anchor="b"/>
-                </a:tc>
-                <a:tc>
-                  <a:txBody>
-                    <a:bodyPr/>
-                    <a:lstStyle/>
-                    <a:p>
-                      <a:pPr algn="ctr">
-                        <a:lnSpc>
-                          <a:spcPct val="107000"/>
-                        </a:lnSpc>
-                        <a:spcAft>
-                          <a:spcPts val="0"/>
-                        </a:spcAft>
-                      </a:pPr>
-                      <a:r>
-                        <a:rPr lang="en-GB" sz="1600">
-                          <a:effectLst/>
-                        </a:rPr>
-                        <a:t>Linear</a:t>
-                      </a:r>
-                      <a:endParaRPr lang="en-GB" sz="1600">
-                        <a:effectLst/>
-                        <a:latin typeface="Calibri" panose="020F0502020204030204" pitchFamily="34" charset="0"/>
-                        <a:ea typeface="Calibri" panose="020F0502020204030204" pitchFamily="34" charset="0"/>
-                        <a:cs typeface="Times New Roman" panose="02020603050405020304" pitchFamily="18" charset="0"/>
-                      </a:endParaRPr>
-                    </a:p>
-                  </a:txBody>
-                  <a:tcPr marL="68580" marR="68580" marT="0" marB="0" anchor="b"/>
-                </a:tc>
-                <a:tc>
-                  <a:txBody>
-                    <a:bodyPr/>
-                    <a:lstStyle/>
-                    <a:p>
-                      <a:pPr algn="ctr">
-                        <a:lnSpc>
-                          <a:spcPct val="107000"/>
-                        </a:lnSpc>
-                        <a:spcAft>
-                          <a:spcPts val="0"/>
-                        </a:spcAft>
-                      </a:pPr>
-                      <a:r>
-                        <a:rPr lang="en-GB" sz="1600">
-                          <a:effectLst/>
-                        </a:rPr>
-                        <a:t>RBF</a:t>
-                      </a:r>
-                      <a:endParaRPr lang="en-GB" sz="1600">
-                        <a:effectLst/>
-                        <a:latin typeface="Calibri" panose="020F0502020204030204" pitchFamily="34" charset="0"/>
-                        <a:ea typeface="Calibri" panose="020F0502020204030204" pitchFamily="34" charset="0"/>
-                        <a:cs typeface="Times New Roman" panose="02020603050405020304" pitchFamily="18" charset="0"/>
-                      </a:endParaRPr>
-                    </a:p>
-                  </a:txBody>
-                  <a:tcPr marL="68580" marR="68580" marT="0" marB="0" anchor="b"/>
-                </a:tc>
-                <a:tc>
-                  <a:txBody>
-                    <a:bodyPr/>
-                    <a:lstStyle/>
-                    <a:p>
-                      <a:pPr algn="ctr">
-                        <a:lnSpc>
-                          <a:spcPct val="107000"/>
-                        </a:lnSpc>
-                        <a:spcAft>
-                          <a:spcPts val="0"/>
-                        </a:spcAft>
-                      </a:pPr>
-                      <a:r>
-                        <a:rPr lang="en-GB" sz="1600">
-                          <a:effectLst/>
-                        </a:rPr>
-                        <a:t>Poly</a:t>
-                      </a:r>
-                      <a:endParaRPr lang="en-GB" sz="1600">
-                        <a:effectLst/>
-                        <a:latin typeface="Calibri" panose="020F0502020204030204" pitchFamily="34" charset="0"/>
-                        <a:ea typeface="Calibri" panose="020F0502020204030204" pitchFamily="34" charset="0"/>
-                        <a:cs typeface="Times New Roman" panose="02020603050405020304" pitchFamily="18" charset="0"/>
-                      </a:endParaRPr>
-                    </a:p>
-                  </a:txBody>
-                  <a:tcPr marL="68580" marR="68580" marT="0" marB="0" anchor="b"/>
-                </a:tc>
-                <a:tc>
-                  <a:txBody>
-                    <a:bodyPr/>
-                    <a:lstStyle/>
-                    <a:p>
-                      <a:pPr algn="ctr">
-                        <a:lnSpc>
-                          <a:spcPct val="107000"/>
-                        </a:lnSpc>
-                        <a:spcAft>
-                          <a:spcPts val="0"/>
-                        </a:spcAft>
-                      </a:pPr>
-                      <a:r>
-                        <a:rPr lang="en-GB" sz="1600">
-                          <a:effectLst/>
-                        </a:rPr>
-                        <a:t>RatQuad</a:t>
-                      </a:r>
-                      <a:endParaRPr lang="en-GB" sz="1600">
-                        <a:effectLst/>
-                        <a:latin typeface="Calibri" panose="020F0502020204030204" pitchFamily="34" charset="0"/>
-                        <a:ea typeface="Calibri" panose="020F0502020204030204" pitchFamily="34" charset="0"/>
-                        <a:cs typeface="Times New Roman" panose="02020603050405020304" pitchFamily="18" charset="0"/>
-                      </a:endParaRPr>
-                    </a:p>
-                  </a:txBody>
-                  <a:tcPr marL="68580" marR="68580" marT="0" marB="0" anchor="b"/>
-                </a:tc>
-                <a:tc>
-                  <a:txBody>
-                    <a:bodyPr/>
-                    <a:lstStyle/>
-                    <a:p>
-                      <a:pPr algn="ctr">
-                        <a:lnSpc>
-                          <a:spcPct val="107000"/>
-                        </a:lnSpc>
-                        <a:spcAft>
-                          <a:spcPts val="0"/>
-                        </a:spcAft>
-                      </a:pPr>
-                      <a:r>
-                        <a:rPr lang="en-GB" sz="1600">
-                          <a:effectLst/>
-                        </a:rPr>
-                        <a:t>MLP</a:t>
-                      </a:r>
-                      <a:endParaRPr lang="en-GB" sz="1600">
-                        <a:effectLst/>
-                        <a:latin typeface="Calibri" panose="020F0502020204030204" pitchFamily="34" charset="0"/>
-                        <a:ea typeface="Calibri" panose="020F0502020204030204" pitchFamily="34" charset="0"/>
-                        <a:cs typeface="Times New Roman" panose="02020603050405020304" pitchFamily="18" charset="0"/>
-                      </a:endParaRPr>
-                    </a:p>
-                  </a:txBody>
-                  <a:tcPr marL="68580" marR="68580" marT="0" marB="0" anchor="b"/>
-                </a:tc>
-                <a:tc>
-                  <a:txBody>
-                    <a:bodyPr/>
-                    <a:lstStyle/>
-                    <a:p>
-                      <a:pPr algn="ctr">
-                        <a:lnSpc>
-                          <a:spcPct val="107000"/>
-                        </a:lnSpc>
-                        <a:spcAft>
-                          <a:spcPts val="0"/>
-                        </a:spcAft>
-                      </a:pPr>
-                      <a:r>
-                        <a:rPr lang="en-GB" sz="1600">
-                          <a:effectLst/>
-                        </a:rPr>
-                        <a:t>Matern32</a:t>
-                      </a:r>
-                      <a:endParaRPr lang="en-GB" sz="1600">
-                        <a:effectLst/>
-                        <a:latin typeface="Calibri" panose="020F0502020204030204" pitchFamily="34" charset="0"/>
-                        <a:ea typeface="Calibri" panose="020F0502020204030204" pitchFamily="34" charset="0"/>
-                        <a:cs typeface="Times New Roman" panose="02020603050405020304" pitchFamily="18" charset="0"/>
-                      </a:endParaRPr>
-                    </a:p>
-                  </a:txBody>
-                  <a:tcPr marL="68580" marR="68580" marT="0" marB="0" anchor="b"/>
-                </a:tc>
-              </a:tr>
-              <a:tr h="328181">
-                <a:tc>
-                  <a:txBody>
-                    <a:bodyPr/>
-                    <a:lstStyle/>
-                    <a:p>
-                      <a:pPr algn="ctr">
-                        <a:lnSpc>
-                          <a:spcPct val="107000"/>
-                        </a:lnSpc>
-                        <a:spcAft>
-                          <a:spcPts val="0"/>
-                        </a:spcAft>
-                      </a:pPr>
-                      <a:r>
-                        <a:rPr lang="en-GB" sz="1600">
-                          <a:effectLst/>
-                        </a:rPr>
-                        <a:t>straw</a:t>
-                      </a:r>
-                      <a:endParaRPr lang="en-GB" sz="1600">
-                        <a:effectLst/>
-                        <a:latin typeface="Calibri" panose="020F0502020204030204" pitchFamily="34" charset="0"/>
-                        <a:ea typeface="Calibri" panose="020F0502020204030204" pitchFamily="34" charset="0"/>
-                        <a:cs typeface="Times New Roman" panose="02020603050405020304" pitchFamily="18" charset="0"/>
-                      </a:endParaRPr>
-                    </a:p>
-                  </a:txBody>
-                  <a:tcPr marL="68580" marR="68580" marT="0" marB="0" anchor="b"/>
-                </a:tc>
-                <a:tc>
-                  <a:txBody>
-                    <a:bodyPr/>
-                    <a:lstStyle/>
-                    <a:p>
-                      <a:pPr algn="ctr">
-                        <a:lnSpc>
-                          <a:spcPct val="107000"/>
-                        </a:lnSpc>
-                        <a:spcAft>
-                          <a:spcPts val="0"/>
-                        </a:spcAft>
-                      </a:pPr>
-                      <a:r>
-                        <a:rPr lang="en-GB" sz="1600">
-                          <a:effectLst/>
-                        </a:rPr>
-                        <a:t>0.040278</a:t>
-                      </a:r>
-                      <a:endParaRPr lang="en-GB" sz="1600">
-                        <a:effectLst/>
-                        <a:latin typeface="Calibri" panose="020F0502020204030204" pitchFamily="34" charset="0"/>
-                        <a:ea typeface="Calibri" panose="020F0502020204030204" pitchFamily="34" charset="0"/>
-                        <a:cs typeface="Times New Roman" panose="02020603050405020304" pitchFamily="18" charset="0"/>
-                      </a:endParaRPr>
-                    </a:p>
-                  </a:txBody>
-                  <a:tcPr marL="68580" marR="68580" marT="0" marB="0" anchor="b"/>
-                </a:tc>
-                <a:tc>
-                  <a:txBody>
-                    <a:bodyPr/>
-                    <a:lstStyle/>
-                    <a:p>
-                      <a:pPr algn="ctr">
-                        <a:lnSpc>
-                          <a:spcPct val="107000"/>
-                        </a:lnSpc>
-                        <a:spcAft>
-                          <a:spcPts val="0"/>
-                        </a:spcAft>
-                      </a:pPr>
-                      <a:r>
-                        <a:rPr lang="en-GB" sz="1600">
-                          <a:effectLst/>
-                        </a:rPr>
-                        <a:t>0.682626</a:t>
-                      </a:r>
-                      <a:endParaRPr lang="en-GB" sz="1600">
-                        <a:effectLst/>
-                        <a:latin typeface="Calibri" panose="020F0502020204030204" pitchFamily="34" charset="0"/>
-                        <a:ea typeface="Calibri" panose="020F0502020204030204" pitchFamily="34" charset="0"/>
-                        <a:cs typeface="Times New Roman" panose="02020603050405020304" pitchFamily="18" charset="0"/>
-                      </a:endParaRPr>
-                    </a:p>
-                  </a:txBody>
-                  <a:tcPr marL="68580" marR="68580" marT="0" marB="0" anchor="b"/>
-                </a:tc>
-                <a:tc>
-                  <a:txBody>
-                    <a:bodyPr/>
-                    <a:lstStyle/>
-                    <a:p>
-                      <a:pPr algn="ctr">
-                        <a:lnSpc>
-                          <a:spcPct val="107000"/>
-                        </a:lnSpc>
-                        <a:spcAft>
-                          <a:spcPts val="0"/>
-                        </a:spcAft>
-                      </a:pPr>
-                      <a:r>
-                        <a:rPr lang="en-GB" sz="1600">
-                          <a:effectLst/>
-                        </a:rPr>
-                        <a:t>0</a:t>
-                      </a:r>
-                      <a:endParaRPr lang="en-GB" sz="1600">
-                        <a:effectLst/>
-                        <a:latin typeface="Calibri" panose="020F0502020204030204" pitchFamily="34" charset="0"/>
-                        <a:ea typeface="Calibri" panose="020F0502020204030204" pitchFamily="34" charset="0"/>
-                        <a:cs typeface="Times New Roman" panose="02020603050405020304" pitchFamily="18" charset="0"/>
-                      </a:endParaRPr>
-                    </a:p>
-                  </a:txBody>
-                  <a:tcPr marL="68580" marR="68580" marT="0" marB="0" anchor="b"/>
-                </a:tc>
-                <a:tc>
-                  <a:txBody>
-                    <a:bodyPr/>
-                    <a:lstStyle/>
-                    <a:p>
-                      <a:pPr algn="ctr">
-                        <a:lnSpc>
-                          <a:spcPct val="107000"/>
-                        </a:lnSpc>
-                        <a:spcAft>
-                          <a:spcPts val="0"/>
-                        </a:spcAft>
-                      </a:pPr>
-                      <a:r>
-                        <a:rPr lang="en-GB" sz="1600">
-                          <a:effectLst/>
-                        </a:rPr>
-                        <a:t>0</a:t>
-                      </a:r>
-                      <a:endParaRPr lang="en-GB" sz="1600">
-                        <a:effectLst/>
-                        <a:latin typeface="Calibri" panose="020F0502020204030204" pitchFamily="34" charset="0"/>
-                        <a:ea typeface="Calibri" panose="020F0502020204030204" pitchFamily="34" charset="0"/>
-                        <a:cs typeface="Times New Roman" panose="02020603050405020304" pitchFamily="18" charset="0"/>
-                      </a:endParaRPr>
-                    </a:p>
-                  </a:txBody>
-                  <a:tcPr marL="68580" marR="68580" marT="0" marB="0" anchor="b"/>
-                </a:tc>
-                <a:tc>
-                  <a:txBody>
-                    <a:bodyPr/>
-                    <a:lstStyle/>
-                    <a:p>
-                      <a:pPr algn="ctr">
-                        <a:lnSpc>
-                          <a:spcPct val="107000"/>
-                        </a:lnSpc>
-                        <a:spcAft>
-                          <a:spcPts val="0"/>
-                        </a:spcAft>
-                      </a:pPr>
-                      <a:r>
-                        <a:rPr lang="en-GB" sz="1600">
-                          <a:effectLst/>
-                        </a:rPr>
-                        <a:t>0</a:t>
-                      </a:r>
-                      <a:endParaRPr lang="en-GB" sz="1600">
-                        <a:effectLst/>
-                        <a:latin typeface="Calibri" panose="020F0502020204030204" pitchFamily="34" charset="0"/>
-                        <a:ea typeface="Calibri" panose="020F0502020204030204" pitchFamily="34" charset="0"/>
-                        <a:cs typeface="Times New Roman" panose="02020603050405020304" pitchFamily="18" charset="0"/>
-                      </a:endParaRPr>
-                    </a:p>
-                  </a:txBody>
-                  <a:tcPr marL="68580" marR="68580" marT="0" marB="0" anchor="b"/>
-                </a:tc>
-                <a:tc>
-                  <a:txBody>
-                    <a:bodyPr/>
-                    <a:lstStyle/>
-                    <a:p>
-                      <a:pPr algn="ctr">
-                        <a:lnSpc>
-                          <a:spcPct val="107000"/>
-                        </a:lnSpc>
-                        <a:spcAft>
-                          <a:spcPts val="0"/>
-                        </a:spcAft>
-                      </a:pPr>
-                      <a:r>
-                        <a:rPr lang="en-GB" sz="1600">
-                          <a:effectLst/>
-                        </a:rPr>
-                        <a:t>0.277096</a:t>
-                      </a:r>
-                      <a:endParaRPr lang="en-GB" sz="1600">
-                        <a:effectLst/>
-                        <a:latin typeface="Calibri" panose="020F0502020204030204" pitchFamily="34" charset="0"/>
-                        <a:ea typeface="Calibri" panose="020F0502020204030204" pitchFamily="34" charset="0"/>
-                        <a:cs typeface="Times New Roman" panose="02020603050405020304" pitchFamily="18" charset="0"/>
-                      </a:endParaRPr>
-                    </a:p>
-                  </a:txBody>
-                  <a:tcPr marL="68580" marR="68580" marT="0" marB="0" anchor="b"/>
-                </a:tc>
-              </a:tr>
-              <a:tr h="328181">
-                <a:tc>
-                  <a:txBody>
-                    <a:bodyPr/>
-                    <a:lstStyle/>
-                    <a:p>
-                      <a:pPr algn="ctr">
-                        <a:lnSpc>
-                          <a:spcPct val="107000"/>
-                        </a:lnSpc>
-                        <a:spcAft>
-                          <a:spcPts val="0"/>
-                        </a:spcAft>
-                      </a:pPr>
-                      <a:r>
-                        <a:rPr lang="en-GB" sz="1600">
-                          <a:effectLst/>
-                        </a:rPr>
-                        <a:t>actinia</a:t>
-                      </a:r>
-                      <a:endParaRPr lang="en-GB" sz="1600">
-                        <a:effectLst/>
-                        <a:latin typeface="Calibri" panose="020F0502020204030204" pitchFamily="34" charset="0"/>
-                        <a:ea typeface="Calibri" panose="020F0502020204030204" pitchFamily="34" charset="0"/>
-                        <a:cs typeface="Times New Roman" panose="02020603050405020304" pitchFamily="18" charset="0"/>
-                      </a:endParaRPr>
-                    </a:p>
-                  </a:txBody>
-                  <a:tcPr marL="68580" marR="68580" marT="0" marB="0" anchor="b"/>
-                </a:tc>
-                <a:tc>
-                  <a:txBody>
-                    <a:bodyPr/>
-                    <a:lstStyle/>
-                    <a:p>
-                      <a:pPr algn="ctr">
-                        <a:lnSpc>
-                          <a:spcPct val="107000"/>
-                        </a:lnSpc>
-                        <a:spcAft>
-                          <a:spcPts val="0"/>
-                        </a:spcAft>
-                      </a:pPr>
-                      <a:r>
-                        <a:rPr lang="en-GB" sz="1600">
-                          <a:effectLst/>
-                        </a:rPr>
-                        <a:t>0.289421</a:t>
-                      </a:r>
-                      <a:endParaRPr lang="en-GB" sz="1600">
-                        <a:effectLst/>
-                        <a:latin typeface="Calibri" panose="020F0502020204030204" pitchFamily="34" charset="0"/>
-                        <a:ea typeface="Calibri" panose="020F0502020204030204" pitchFamily="34" charset="0"/>
-                        <a:cs typeface="Times New Roman" panose="02020603050405020304" pitchFamily="18" charset="0"/>
-                      </a:endParaRPr>
-                    </a:p>
-                  </a:txBody>
-                  <a:tcPr marL="68580" marR="68580" marT="0" marB="0" anchor="b"/>
-                </a:tc>
-                <a:tc>
-                  <a:txBody>
-                    <a:bodyPr/>
-                    <a:lstStyle/>
-                    <a:p>
-                      <a:pPr algn="ctr">
-                        <a:lnSpc>
-                          <a:spcPct val="107000"/>
-                        </a:lnSpc>
-                        <a:spcAft>
-                          <a:spcPts val="0"/>
-                        </a:spcAft>
-                      </a:pPr>
-                      <a:r>
-                        <a:rPr lang="en-GB" sz="1600">
-                          <a:effectLst/>
-                        </a:rPr>
-                        <a:t>0.312588</a:t>
-                      </a:r>
-                      <a:endParaRPr lang="en-GB" sz="1600">
-                        <a:effectLst/>
-                        <a:latin typeface="Calibri" panose="020F0502020204030204" pitchFamily="34" charset="0"/>
-                        <a:ea typeface="Calibri" panose="020F0502020204030204" pitchFamily="34" charset="0"/>
-                        <a:cs typeface="Times New Roman" panose="02020603050405020304" pitchFamily="18" charset="0"/>
-                      </a:endParaRPr>
-                    </a:p>
-                  </a:txBody>
-                  <a:tcPr marL="68580" marR="68580" marT="0" marB="0" anchor="b"/>
-                </a:tc>
-                <a:tc>
-                  <a:txBody>
-                    <a:bodyPr/>
-                    <a:lstStyle/>
-                    <a:p>
-                      <a:pPr algn="ctr">
-                        <a:lnSpc>
-                          <a:spcPct val="107000"/>
-                        </a:lnSpc>
-                        <a:spcAft>
-                          <a:spcPts val="0"/>
-                        </a:spcAft>
-                      </a:pPr>
-                      <a:r>
-                        <a:rPr lang="en-GB" sz="1600">
-                          <a:effectLst/>
-                        </a:rPr>
-                        <a:t>0.076728</a:t>
-                      </a:r>
-                      <a:endParaRPr lang="en-GB" sz="1600">
-                        <a:effectLst/>
-                        <a:latin typeface="Calibri" panose="020F0502020204030204" pitchFamily="34" charset="0"/>
-                        <a:ea typeface="Calibri" panose="020F0502020204030204" pitchFamily="34" charset="0"/>
-                        <a:cs typeface="Times New Roman" panose="02020603050405020304" pitchFamily="18" charset="0"/>
-                      </a:endParaRPr>
-                    </a:p>
-                  </a:txBody>
-                  <a:tcPr marL="68580" marR="68580" marT="0" marB="0" anchor="b"/>
-                </a:tc>
-                <a:tc>
-                  <a:txBody>
-                    <a:bodyPr/>
-                    <a:lstStyle/>
-                    <a:p>
-                      <a:pPr algn="ctr">
-                        <a:lnSpc>
-                          <a:spcPct val="107000"/>
-                        </a:lnSpc>
-                        <a:spcAft>
-                          <a:spcPts val="0"/>
-                        </a:spcAft>
-                      </a:pPr>
-                      <a:r>
-                        <a:rPr lang="en-GB" sz="1600">
-                          <a:effectLst/>
-                        </a:rPr>
-                        <a:t>0</a:t>
-                      </a:r>
-                      <a:endParaRPr lang="en-GB" sz="1600">
-                        <a:effectLst/>
-                        <a:latin typeface="Calibri" panose="020F0502020204030204" pitchFamily="34" charset="0"/>
-                        <a:ea typeface="Calibri" panose="020F0502020204030204" pitchFamily="34" charset="0"/>
-                        <a:cs typeface="Times New Roman" panose="02020603050405020304" pitchFamily="18" charset="0"/>
-                      </a:endParaRPr>
-                    </a:p>
-                  </a:txBody>
-                  <a:tcPr marL="68580" marR="68580" marT="0" marB="0" anchor="b"/>
-                </a:tc>
-                <a:tc>
-                  <a:txBody>
-                    <a:bodyPr/>
-                    <a:lstStyle/>
-                    <a:p>
-                      <a:pPr algn="ctr">
-                        <a:lnSpc>
-                          <a:spcPct val="107000"/>
-                        </a:lnSpc>
-                        <a:spcAft>
-                          <a:spcPts val="0"/>
-                        </a:spcAft>
-                      </a:pPr>
-                      <a:r>
-                        <a:rPr lang="en-GB" sz="1600">
-                          <a:effectLst/>
-                        </a:rPr>
-                        <a:t>0.318424</a:t>
-                      </a:r>
-                      <a:endParaRPr lang="en-GB" sz="1600">
-                        <a:effectLst/>
-                        <a:latin typeface="Calibri" panose="020F0502020204030204" pitchFamily="34" charset="0"/>
-                        <a:ea typeface="Calibri" panose="020F0502020204030204" pitchFamily="34" charset="0"/>
-                        <a:cs typeface="Times New Roman" panose="02020603050405020304" pitchFamily="18" charset="0"/>
-                      </a:endParaRPr>
-                    </a:p>
-                  </a:txBody>
-                  <a:tcPr marL="68580" marR="68580" marT="0" marB="0" anchor="b"/>
-                </a:tc>
-                <a:tc>
-                  <a:txBody>
-                    <a:bodyPr/>
-                    <a:lstStyle/>
-                    <a:p>
-                      <a:pPr algn="ctr">
-                        <a:lnSpc>
-                          <a:spcPct val="107000"/>
-                        </a:lnSpc>
-                        <a:spcAft>
-                          <a:spcPts val="0"/>
-                        </a:spcAft>
-                      </a:pPr>
-                      <a:r>
-                        <a:rPr lang="en-GB" sz="1600">
-                          <a:effectLst/>
-                        </a:rPr>
-                        <a:t>0.00284</a:t>
-                      </a:r>
-                      <a:endParaRPr lang="en-GB" sz="1600">
-                        <a:effectLst/>
-                        <a:latin typeface="Calibri" panose="020F0502020204030204" pitchFamily="34" charset="0"/>
-                        <a:ea typeface="Calibri" panose="020F0502020204030204" pitchFamily="34" charset="0"/>
-                        <a:cs typeface="Times New Roman" panose="02020603050405020304" pitchFamily="18" charset="0"/>
-                      </a:endParaRPr>
-                    </a:p>
-                  </a:txBody>
-                  <a:tcPr marL="68580" marR="68580" marT="0" marB="0" anchor="b"/>
-                </a:tc>
-              </a:tr>
-              <a:tr h="328181">
-                <a:tc>
-                  <a:txBody>
-                    <a:bodyPr/>
-                    <a:lstStyle/>
-                    <a:p>
-                      <a:pPr algn="ctr">
-                        <a:lnSpc>
-                          <a:spcPct val="107000"/>
-                        </a:lnSpc>
-                        <a:spcAft>
-                          <a:spcPts val="0"/>
-                        </a:spcAft>
-                      </a:pPr>
-                      <a:r>
-                        <a:rPr lang="en-GB" sz="1600">
-                          <a:effectLst/>
-                        </a:rPr>
-                        <a:t>seawave</a:t>
-                      </a:r>
-                      <a:endParaRPr lang="en-GB" sz="1600">
-                        <a:effectLst/>
-                        <a:latin typeface="Calibri" panose="020F0502020204030204" pitchFamily="34" charset="0"/>
-                        <a:ea typeface="Calibri" panose="020F0502020204030204" pitchFamily="34" charset="0"/>
-                        <a:cs typeface="Times New Roman" panose="02020603050405020304" pitchFamily="18" charset="0"/>
-                      </a:endParaRPr>
-                    </a:p>
-                  </a:txBody>
-                  <a:tcPr marL="68580" marR="68580" marT="0" marB="0" anchor="b"/>
-                </a:tc>
-                <a:tc>
-                  <a:txBody>
-                    <a:bodyPr/>
-                    <a:lstStyle/>
-                    <a:p>
-                      <a:pPr algn="ctr">
-                        <a:lnSpc>
-                          <a:spcPct val="107000"/>
-                        </a:lnSpc>
-                        <a:spcAft>
-                          <a:spcPts val="0"/>
-                        </a:spcAft>
-                      </a:pPr>
-                      <a:r>
-                        <a:rPr lang="en-GB" sz="1600">
-                          <a:effectLst/>
-                        </a:rPr>
-                        <a:t>0.192753</a:t>
-                      </a:r>
-                      <a:endParaRPr lang="en-GB" sz="1600">
-                        <a:effectLst/>
-                        <a:latin typeface="Calibri" panose="020F0502020204030204" pitchFamily="34" charset="0"/>
-                        <a:ea typeface="Calibri" panose="020F0502020204030204" pitchFamily="34" charset="0"/>
-                        <a:cs typeface="Times New Roman" panose="02020603050405020304" pitchFamily="18" charset="0"/>
-                      </a:endParaRPr>
-                    </a:p>
-                  </a:txBody>
-                  <a:tcPr marL="68580" marR="68580" marT="0" marB="0" anchor="b"/>
-                </a:tc>
-                <a:tc>
-                  <a:txBody>
-                    <a:bodyPr/>
-                    <a:lstStyle/>
-                    <a:p>
-                      <a:pPr algn="ctr">
-                        <a:lnSpc>
-                          <a:spcPct val="107000"/>
-                        </a:lnSpc>
-                        <a:spcAft>
-                          <a:spcPts val="0"/>
-                        </a:spcAft>
-                      </a:pPr>
-                      <a:r>
-                        <a:rPr lang="en-GB" sz="1600">
-                          <a:effectLst/>
-                        </a:rPr>
-                        <a:t>0.318292</a:t>
-                      </a:r>
-                      <a:endParaRPr lang="en-GB" sz="1600">
-                        <a:effectLst/>
-                        <a:latin typeface="Calibri" panose="020F0502020204030204" pitchFamily="34" charset="0"/>
-                        <a:ea typeface="Calibri" panose="020F0502020204030204" pitchFamily="34" charset="0"/>
-                        <a:cs typeface="Times New Roman" panose="02020603050405020304" pitchFamily="18" charset="0"/>
-                      </a:endParaRPr>
-                    </a:p>
-                  </a:txBody>
-                  <a:tcPr marL="68580" marR="68580" marT="0" marB="0" anchor="b"/>
-                </a:tc>
-                <a:tc>
-                  <a:txBody>
-                    <a:bodyPr/>
-                    <a:lstStyle/>
-                    <a:p>
-                      <a:pPr algn="ctr">
-                        <a:lnSpc>
-                          <a:spcPct val="107000"/>
-                        </a:lnSpc>
-                        <a:spcAft>
-                          <a:spcPts val="0"/>
-                        </a:spcAft>
-                      </a:pPr>
-                      <a:r>
-                        <a:rPr lang="en-GB" sz="1600">
-                          <a:effectLst/>
-                        </a:rPr>
-                        <a:t>0.092731</a:t>
-                      </a:r>
-                      <a:endParaRPr lang="en-GB" sz="1600">
-                        <a:effectLst/>
-                        <a:latin typeface="Calibri" panose="020F0502020204030204" pitchFamily="34" charset="0"/>
-                        <a:ea typeface="Calibri" panose="020F0502020204030204" pitchFamily="34" charset="0"/>
-                        <a:cs typeface="Times New Roman" panose="02020603050405020304" pitchFamily="18" charset="0"/>
-                      </a:endParaRPr>
-                    </a:p>
-                  </a:txBody>
-                  <a:tcPr marL="68580" marR="68580" marT="0" marB="0" anchor="b"/>
-                </a:tc>
-                <a:tc>
-                  <a:txBody>
-                    <a:bodyPr/>
-                    <a:lstStyle/>
-                    <a:p>
-                      <a:pPr algn="ctr">
-                        <a:lnSpc>
-                          <a:spcPct val="107000"/>
-                        </a:lnSpc>
-                        <a:spcAft>
-                          <a:spcPts val="0"/>
-                        </a:spcAft>
-                      </a:pPr>
-                      <a:r>
-                        <a:rPr lang="en-GB" sz="1600">
-                          <a:effectLst/>
-                        </a:rPr>
-                        <a:t>0</a:t>
-                      </a:r>
-                      <a:endParaRPr lang="en-GB" sz="1600">
-                        <a:effectLst/>
-                        <a:latin typeface="Calibri" panose="020F0502020204030204" pitchFamily="34" charset="0"/>
-                        <a:ea typeface="Calibri" panose="020F0502020204030204" pitchFamily="34" charset="0"/>
-                        <a:cs typeface="Times New Roman" panose="02020603050405020304" pitchFamily="18" charset="0"/>
-                      </a:endParaRPr>
-                    </a:p>
-                  </a:txBody>
-                  <a:tcPr marL="68580" marR="68580" marT="0" marB="0" anchor="b"/>
-                </a:tc>
-                <a:tc>
-                  <a:txBody>
-                    <a:bodyPr/>
-                    <a:lstStyle/>
-                    <a:p>
-                      <a:pPr algn="ctr">
-                        <a:lnSpc>
-                          <a:spcPct val="107000"/>
-                        </a:lnSpc>
-                        <a:spcAft>
-                          <a:spcPts val="0"/>
-                        </a:spcAft>
-                      </a:pPr>
-                      <a:r>
-                        <a:rPr lang="en-GB" sz="1600">
-                          <a:effectLst/>
-                        </a:rPr>
-                        <a:t>0.396224</a:t>
-                      </a:r>
-                      <a:endParaRPr lang="en-GB" sz="1600">
-                        <a:effectLst/>
-                        <a:latin typeface="Calibri" panose="020F0502020204030204" pitchFamily="34" charset="0"/>
-                        <a:ea typeface="Calibri" panose="020F0502020204030204" pitchFamily="34" charset="0"/>
-                        <a:cs typeface="Times New Roman" panose="02020603050405020304" pitchFamily="18" charset="0"/>
-                      </a:endParaRPr>
-                    </a:p>
-                  </a:txBody>
-                  <a:tcPr marL="68580" marR="68580" marT="0" marB="0" anchor="b"/>
-                </a:tc>
-                <a:tc>
-                  <a:txBody>
-                    <a:bodyPr/>
-                    <a:lstStyle/>
-                    <a:p>
-                      <a:pPr algn="ctr">
-                        <a:lnSpc>
-                          <a:spcPct val="107000"/>
-                        </a:lnSpc>
-                        <a:spcAft>
-                          <a:spcPts val="0"/>
-                        </a:spcAft>
-                      </a:pPr>
-                      <a:r>
-                        <a:rPr lang="en-GB" sz="1600">
-                          <a:effectLst/>
-                        </a:rPr>
-                        <a:t>0</a:t>
-                      </a:r>
-                      <a:endParaRPr lang="en-GB" sz="1600">
-                        <a:effectLst/>
-                        <a:latin typeface="Calibri" panose="020F0502020204030204" pitchFamily="34" charset="0"/>
-                        <a:ea typeface="Calibri" panose="020F0502020204030204" pitchFamily="34" charset="0"/>
-                        <a:cs typeface="Times New Roman" panose="02020603050405020304" pitchFamily="18" charset="0"/>
-                      </a:endParaRPr>
-                    </a:p>
-                  </a:txBody>
-                  <a:tcPr marL="68580" marR="68580" marT="0" marB="0" anchor="b"/>
-                </a:tc>
-              </a:tr>
-              <a:tr h="328181">
-                <a:tc>
-                  <a:txBody>
-                    <a:bodyPr/>
-                    <a:lstStyle/>
-                    <a:p>
-                      <a:pPr algn="ctr">
-                        <a:lnSpc>
-                          <a:spcPct val="107000"/>
-                        </a:lnSpc>
-                        <a:spcAft>
-                          <a:spcPts val="0"/>
-                        </a:spcAft>
-                      </a:pPr>
-                      <a:r>
-                        <a:rPr lang="en-GB" sz="1600">
-                          <a:effectLst/>
-                        </a:rPr>
-                        <a:t>sunshade</a:t>
-                      </a:r>
-                      <a:endParaRPr lang="en-GB" sz="1600">
-                        <a:effectLst/>
-                        <a:latin typeface="Calibri" panose="020F0502020204030204" pitchFamily="34" charset="0"/>
-                        <a:ea typeface="Calibri" panose="020F0502020204030204" pitchFamily="34" charset="0"/>
-                        <a:cs typeface="Times New Roman" panose="02020603050405020304" pitchFamily="18" charset="0"/>
-                      </a:endParaRPr>
-                    </a:p>
-                  </a:txBody>
-                  <a:tcPr marL="68580" marR="68580" marT="0" marB="0" anchor="b"/>
-                </a:tc>
-                <a:tc>
-                  <a:txBody>
-                    <a:bodyPr/>
-                    <a:lstStyle/>
-                    <a:p>
-                      <a:pPr algn="ctr">
-                        <a:lnSpc>
-                          <a:spcPct val="107000"/>
-                        </a:lnSpc>
-                        <a:spcAft>
-                          <a:spcPts val="0"/>
-                        </a:spcAft>
-                      </a:pPr>
-                      <a:r>
-                        <a:rPr lang="en-GB" sz="1600">
-                          <a:effectLst/>
-                        </a:rPr>
-                        <a:t>0.511561</a:t>
-                      </a:r>
-                      <a:endParaRPr lang="en-GB" sz="1600">
-                        <a:effectLst/>
-                        <a:latin typeface="Calibri" panose="020F0502020204030204" pitchFamily="34" charset="0"/>
-                        <a:ea typeface="Calibri" panose="020F0502020204030204" pitchFamily="34" charset="0"/>
-                        <a:cs typeface="Times New Roman" panose="02020603050405020304" pitchFamily="18" charset="0"/>
-                      </a:endParaRPr>
-                    </a:p>
-                  </a:txBody>
-                  <a:tcPr marL="68580" marR="68580" marT="0" marB="0" anchor="b"/>
-                </a:tc>
-                <a:tc>
-                  <a:txBody>
-                    <a:bodyPr/>
-                    <a:lstStyle/>
-                    <a:p>
-                      <a:pPr algn="ctr">
-                        <a:lnSpc>
-                          <a:spcPct val="107000"/>
-                        </a:lnSpc>
-                        <a:spcAft>
-                          <a:spcPts val="0"/>
-                        </a:spcAft>
-                      </a:pPr>
-                      <a:r>
-                        <a:rPr lang="en-GB" sz="1600">
-                          <a:effectLst/>
-                        </a:rPr>
-                        <a:t>0.003422</a:t>
-                      </a:r>
-                      <a:endParaRPr lang="en-GB" sz="1600">
-                        <a:effectLst/>
-                        <a:latin typeface="Calibri" panose="020F0502020204030204" pitchFamily="34" charset="0"/>
-                        <a:ea typeface="Calibri" panose="020F0502020204030204" pitchFamily="34" charset="0"/>
-                        <a:cs typeface="Times New Roman" panose="02020603050405020304" pitchFamily="18" charset="0"/>
-                      </a:endParaRPr>
-                    </a:p>
-                  </a:txBody>
-                  <a:tcPr marL="68580" marR="68580" marT="0" marB="0" anchor="b"/>
-                </a:tc>
-                <a:tc>
-                  <a:txBody>
-                    <a:bodyPr/>
-                    <a:lstStyle/>
-                    <a:p>
-                      <a:pPr algn="ctr">
-                        <a:lnSpc>
-                          <a:spcPct val="107000"/>
-                        </a:lnSpc>
-                        <a:spcAft>
-                          <a:spcPts val="0"/>
-                        </a:spcAft>
-                      </a:pPr>
-                      <a:r>
-                        <a:rPr lang="en-GB" sz="1600">
-                          <a:effectLst/>
-                        </a:rPr>
-                        <a:t>0.008163</a:t>
-                      </a:r>
-                      <a:endParaRPr lang="en-GB" sz="1600">
-                        <a:effectLst/>
-                        <a:latin typeface="Calibri" panose="020F0502020204030204" pitchFamily="34" charset="0"/>
-                        <a:ea typeface="Calibri" panose="020F0502020204030204" pitchFamily="34" charset="0"/>
-                        <a:cs typeface="Times New Roman" panose="02020603050405020304" pitchFamily="18" charset="0"/>
-                      </a:endParaRPr>
-                    </a:p>
-                  </a:txBody>
-                  <a:tcPr marL="68580" marR="68580" marT="0" marB="0" anchor="b"/>
-                </a:tc>
-                <a:tc>
-                  <a:txBody>
-                    <a:bodyPr/>
-                    <a:lstStyle/>
-                    <a:p>
-                      <a:pPr algn="ctr">
-                        <a:lnSpc>
-                          <a:spcPct val="107000"/>
-                        </a:lnSpc>
-                        <a:spcAft>
-                          <a:spcPts val="0"/>
-                        </a:spcAft>
-                      </a:pPr>
-                      <a:r>
-                        <a:rPr lang="en-GB" sz="1600">
-                          <a:effectLst/>
-                        </a:rPr>
-                        <a:t>0</a:t>
-                      </a:r>
-                      <a:endParaRPr lang="en-GB" sz="1600">
-                        <a:effectLst/>
-                        <a:latin typeface="Calibri" panose="020F0502020204030204" pitchFamily="34" charset="0"/>
-                        <a:ea typeface="Calibri" panose="020F0502020204030204" pitchFamily="34" charset="0"/>
-                        <a:cs typeface="Times New Roman" panose="02020603050405020304" pitchFamily="18" charset="0"/>
-                      </a:endParaRPr>
-                    </a:p>
-                  </a:txBody>
-                  <a:tcPr marL="68580" marR="68580" marT="0" marB="0" anchor="b"/>
-                </a:tc>
-                <a:tc>
-                  <a:txBody>
-                    <a:bodyPr/>
-                    <a:lstStyle/>
-                    <a:p>
-                      <a:pPr algn="ctr">
-                        <a:lnSpc>
-                          <a:spcPct val="107000"/>
-                        </a:lnSpc>
-                        <a:spcAft>
-                          <a:spcPts val="0"/>
-                        </a:spcAft>
-                      </a:pPr>
-                      <a:r>
-                        <a:rPr lang="en-GB" sz="1600">
-                          <a:effectLst/>
-                        </a:rPr>
-                        <a:t>0.476782</a:t>
-                      </a:r>
-                      <a:endParaRPr lang="en-GB" sz="1600">
-                        <a:effectLst/>
-                        <a:latin typeface="Calibri" panose="020F0502020204030204" pitchFamily="34" charset="0"/>
-                        <a:ea typeface="Calibri" panose="020F0502020204030204" pitchFamily="34" charset="0"/>
-                        <a:cs typeface="Times New Roman" panose="02020603050405020304" pitchFamily="18" charset="0"/>
-                      </a:endParaRPr>
-                    </a:p>
-                  </a:txBody>
-                  <a:tcPr marL="68580" marR="68580" marT="0" marB="0" anchor="b"/>
-                </a:tc>
-                <a:tc>
-                  <a:txBody>
-                    <a:bodyPr/>
-                    <a:lstStyle/>
-                    <a:p>
-                      <a:pPr algn="ctr">
-                        <a:lnSpc>
-                          <a:spcPct val="107000"/>
-                        </a:lnSpc>
-                        <a:spcAft>
-                          <a:spcPts val="0"/>
-                        </a:spcAft>
-                      </a:pPr>
-                      <a:r>
-                        <a:rPr lang="en-GB" sz="1600" dirty="0">
-                          <a:effectLst/>
-                        </a:rPr>
-                        <a:t>7.18E-05</a:t>
-                      </a:r>
-                      <a:endParaRPr lang="en-GB" sz="1600" dirty="0">
-                        <a:effectLst/>
-                        <a:latin typeface="Calibri" panose="020F0502020204030204" pitchFamily="34" charset="0"/>
-                        <a:ea typeface="Calibri" panose="020F0502020204030204" pitchFamily="34" charset="0"/>
-                        <a:cs typeface="Times New Roman" panose="02020603050405020304" pitchFamily="18" charset="0"/>
-                      </a:endParaRPr>
-                    </a:p>
-                  </a:txBody>
-                  <a:tcPr marL="68580" marR="68580" marT="0" marB="0" anchor="b"/>
-                </a:tc>
-              </a:tr>
-            </a:tbl>
-          </a:graphicData>
-        </a:graphic>
-      </p:graphicFrame>
+      <p:sp>
+        <p:nvSpPr>
+          <p:cNvPr id="4" name="TextBox 3"/>
+          <p:cNvSpPr txBox="1"/>
+          <p:nvPr/>
+        </p:nvSpPr>
+        <p:spPr>
+          <a:xfrm>
+            <a:off x="11542143" y="6211669"/>
+            <a:ext cx="649857" cy="646331"/>
+          </a:xfrm>
+          <a:prstGeom prst="rect">
+            <a:avLst/>
+          </a:prstGeom>
+          <a:noFill/>
+        </p:spPr>
+        <p:txBody>
+          <a:bodyPr wrap="square" rtlCol="0">
+            <a:spAutoFit/>
+          </a:bodyPr>
+          <a:lstStyle/>
+          <a:p>
+            <a:r>
+              <a:rPr lang="ru-RU" dirty="0" smtClean="0"/>
+              <a:t>19</a:t>
+            </a:r>
+            <a:endParaRPr lang="ru-RU" dirty="0"/>
+          </a:p>
+          <a:p>
+            <a:endParaRPr lang="en-GB" dirty="0"/>
+          </a:p>
+        </p:txBody>
+      </p:sp>
     </p:spTree>
     <p:extLst>
       <p:ext uri="{BB962C8B-B14F-4D97-AF65-F5344CB8AC3E}">
-        <p14:creationId xmlns:p14="http://schemas.microsoft.com/office/powerpoint/2010/main" val="2745946124"/>
+        <p14:creationId xmlns:p14="http://schemas.microsoft.com/office/powerpoint/2010/main" val="3034222392"/>
       </p:ext>
     </p:extLst>
   </p:cSld>
@@ -15113,7 +15309,7 @@
             <a:spLocks noGrp="1"/>
           </p:cNvSpPr>
           <p:nvPr>
-            <p:ph type="title"/>
+            <p:ph type="ctrTitle"/>
           </p:nvPr>
         </p:nvSpPr>
         <p:spPr/>
@@ -15122,1106 +15318,17 @@
           <a:lstStyle/>
           <a:p>
             <a:r>
-              <a:rPr lang="en-GB" dirty="0" smtClean="0"/>
-              <a:t>Matlab implementation properties</a:t>
+              <a:rPr lang="en-GB" b="1" dirty="0" smtClean="0"/>
+              <a:t>Perspectives</a:t>
             </a:r>
             <a:endParaRPr lang="en-GB" dirty="0"/>
           </a:p>
         </p:txBody>
       </p:sp>
-      <p:graphicFrame>
-        <p:nvGraphicFramePr>
-          <p:cNvPr id="5" name="Table 4"/>
-          <p:cNvGraphicFramePr>
-            <a:graphicFrameLocks noGrp="1"/>
-          </p:cNvGraphicFramePr>
-          <p:nvPr/>
-        </p:nvGraphicFramePr>
-        <p:xfrm>
-          <a:off x="1866378" y="4910206"/>
-          <a:ext cx="7265095" cy="1640905"/>
-        </p:xfrm>
-        <a:graphic>
-          <a:graphicData uri="http://schemas.openxmlformats.org/drawingml/2006/table">
-            <a:tbl>
-              <a:tblPr firstRow="1" firstCol="1" bandRow="1">
-                <a:tableStyleId>{5C22544A-7EE6-4342-B048-85BDC9FD1C3A}</a:tableStyleId>
-              </a:tblPr>
-              <a:tblGrid>
-                <a:gridCol w="1043348"/>
-                <a:gridCol w="1030568"/>
-                <a:gridCol w="1030568"/>
-                <a:gridCol w="1030568"/>
-                <a:gridCol w="998619"/>
-                <a:gridCol w="1030568"/>
-                <a:gridCol w="1100856"/>
-              </a:tblGrid>
-              <a:tr h="328181">
-                <a:tc>
-                  <a:txBody>
-                    <a:bodyPr/>
-                    <a:lstStyle/>
-                    <a:p>
-                      <a:pPr algn="ctr">
-                        <a:lnSpc>
-                          <a:spcPct val="107000"/>
-                        </a:lnSpc>
-                        <a:spcAft>
-                          <a:spcPts val="0"/>
-                        </a:spcAft>
-                      </a:pPr>
-                      <a:r>
-                        <a:rPr lang="en-GB" sz="1600" dirty="0">
-                          <a:effectLst/>
-                        </a:rPr>
-                        <a:t>Sample</a:t>
-                      </a:r>
-                      <a:endParaRPr lang="en-GB" sz="1600" dirty="0">
-                        <a:effectLst/>
-                        <a:latin typeface="Calibri" panose="020F0502020204030204" pitchFamily="34" charset="0"/>
-                        <a:ea typeface="Calibri" panose="020F0502020204030204" pitchFamily="34" charset="0"/>
-                        <a:cs typeface="Times New Roman" panose="02020603050405020304" pitchFamily="18" charset="0"/>
-                      </a:endParaRPr>
-                    </a:p>
-                  </a:txBody>
-                  <a:tcPr marL="68580" marR="68580" marT="0" marB="0" anchor="b"/>
-                </a:tc>
-                <a:tc>
-                  <a:txBody>
-                    <a:bodyPr/>
-                    <a:lstStyle/>
-                    <a:p>
-                      <a:pPr algn="ctr">
-                        <a:lnSpc>
-                          <a:spcPct val="107000"/>
-                        </a:lnSpc>
-                        <a:spcAft>
-                          <a:spcPts val="0"/>
-                        </a:spcAft>
-                      </a:pPr>
-                      <a:r>
-                        <a:rPr lang="en-GB" sz="1600">
-                          <a:effectLst/>
-                        </a:rPr>
-                        <a:t>Linear</a:t>
-                      </a:r>
-                      <a:endParaRPr lang="en-GB" sz="1600">
-                        <a:effectLst/>
-                        <a:latin typeface="Calibri" panose="020F0502020204030204" pitchFamily="34" charset="0"/>
-                        <a:ea typeface="Calibri" panose="020F0502020204030204" pitchFamily="34" charset="0"/>
-                        <a:cs typeface="Times New Roman" panose="02020603050405020304" pitchFamily="18" charset="0"/>
-                      </a:endParaRPr>
-                    </a:p>
-                  </a:txBody>
-                  <a:tcPr marL="68580" marR="68580" marT="0" marB="0" anchor="b"/>
-                </a:tc>
-                <a:tc>
-                  <a:txBody>
-                    <a:bodyPr/>
-                    <a:lstStyle/>
-                    <a:p>
-                      <a:pPr algn="ctr">
-                        <a:lnSpc>
-                          <a:spcPct val="107000"/>
-                        </a:lnSpc>
-                        <a:spcAft>
-                          <a:spcPts val="0"/>
-                        </a:spcAft>
-                      </a:pPr>
-                      <a:r>
-                        <a:rPr lang="en-GB" sz="1600">
-                          <a:effectLst/>
-                        </a:rPr>
-                        <a:t>RBF</a:t>
-                      </a:r>
-                      <a:endParaRPr lang="en-GB" sz="1600">
-                        <a:effectLst/>
-                        <a:latin typeface="Calibri" panose="020F0502020204030204" pitchFamily="34" charset="0"/>
-                        <a:ea typeface="Calibri" panose="020F0502020204030204" pitchFamily="34" charset="0"/>
-                        <a:cs typeface="Times New Roman" panose="02020603050405020304" pitchFamily="18" charset="0"/>
-                      </a:endParaRPr>
-                    </a:p>
-                  </a:txBody>
-                  <a:tcPr marL="68580" marR="68580" marT="0" marB="0" anchor="b"/>
-                </a:tc>
-                <a:tc>
-                  <a:txBody>
-                    <a:bodyPr/>
-                    <a:lstStyle/>
-                    <a:p>
-                      <a:pPr algn="ctr">
-                        <a:lnSpc>
-                          <a:spcPct val="107000"/>
-                        </a:lnSpc>
-                        <a:spcAft>
-                          <a:spcPts val="0"/>
-                        </a:spcAft>
-                      </a:pPr>
-                      <a:r>
-                        <a:rPr lang="en-GB" sz="1600">
-                          <a:effectLst/>
-                        </a:rPr>
-                        <a:t>Poly</a:t>
-                      </a:r>
-                      <a:endParaRPr lang="en-GB" sz="1600">
-                        <a:effectLst/>
-                        <a:latin typeface="Calibri" panose="020F0502020204030204" pitchFamily="34" charset="0"/>
-                        <a:ea typeface="Calibri" panose="020F0502020204030204" pitchFamily="34" charset="0"/>
-                        <a:cs typeface="Times New Roman" panose="02020603050405020304" pitchFamily="18" charset="0"/>
-                      </a:endParaRPr>
-                    </a:p>
-                  </a:txBody>
-                  <a:tcPr marL="68580" marR="68580" marT="0" marB="0" anchor="b"/>
-                </a:tc>
-                <a:tc>
-                  <a:txBody>
-                    <a:bodyPr/>
-                    <a:lstStyle/>
-                    <a:p>
-                      <a:pPr algn="ctr">
-                        <a:lnSpc>
-                          <a:spcPct val="107000"/>
-                        </a:lnSpc>
-                        <a:spcAft>
-                          <a:spcPts val="0"/>
-                        </a:spcAft>
-                      </a:pPr>
-                      <a:r>
-                        <a:rPr lang="en-GB" sz="1600">
-                          <a:effectLst/>
-                        </a:rPr>
-                        <a:t>RatQuad</a:t>
-                      </a:r>
-                      <a:endParaRPr lang="en-GB" sz="1600">
-                        <a:effectLst/>
-                        <a:latin typeface="Calibri" panose="020F0502020204030204" pitchFamily="34" charset="0"/>
-                        <a:ea typeface="Calibri" panose="020F0502020204030204" pitchFamily="34" charset="0"/>
-                        <a:cs typeface="Times New Roman" panose="02020603050405020304" pitchFamily="18" charset="0"/>
-                      </a:endParaRPr>
-                    </a:p>
-                  </a:txBody>
-                  <a:tcPr marL="68580" marR="68580" marT="0" marB="0" anchor="b"/>
-                </a:tc>
-                <a:tc>
-                  <a:txBody>
-                    <a:bodyPr/>
-                    <a:lstStyle/>
-                    <a:p>
-                      <a:pPr algn="ctr">
-                        <a:lnSpc>
-                          <a:spcPct val="107000"/>
-                        </a:lnSpc>
-                        <a:spcAft>
-                          <a:spcPts val="0"/>
-                        </a:spcAft>
-                      </a:pPr>
-                      <a:r>
-                        <a:rPr lang="en-GB" sz="1600">
-                          <a:effectLst/>
-                        </a:rPr>
-                        <a:t>MLP</a:t>
-                      </a:r>
-                      <a:endParaRPr lang="en-GB" sz="1600">
-                        <a:effectLst/>
-                        <a:latin typeface="Calibri" panose="020F0502020204030204" pitchFamily="34" charset="0"/>
-                        <a:ea typeface="Calibri" panose="020F0502020204030204" pitchFamily="34" charset="0"/>
-                        <a:cs typeface="Times New Roman" panose="02020603050405020304" pitchFamily="18" charset="0"/>
-                      </a:endParaRPr>
-                    </a:p>
-                  </a:txBody>
-                  <a:tcPr marL="68580" marR="68580" marT="0" marB="0" anchor="b"/>
-                </a:tc>
-                <a:tc>
-                  <a:txBody>
-                    <a:bodyPr/>
-                    <a:lstStyle/>
-                    <a:p>
-                      <a:pPr algn="ctr">
-                        <a:lnSpc>
-                          <a:spcPct val="107000"/>
-                        </a:lnSpc>
-                        <a:spcAft>
-                          <a:spcPts val="0"/>
-                        </a:spcAft>
-                      </a:pPr>
-                      <a:r>
-                        <a:rPr lang="en-GB" sz="1600">
-                          <a:effectLst/>
-                        </a:rPr>
-                        <a:t>Matern32</a:t>
-                      </a:r>
-                      <a:endParaRPr lang="en-GB" sz="1600">
-                        <a:effectLst/>
-                        <a:latin typeface="Calibri" panose="020F0502020204030204" pitchFamily="34" charset="0"/>
-                        <a:ea typeface="Calibri" panose="020F0502020204030204" pitchFamily="34" charset="0"/>
-                        <a:cs typeface="Times New Roman" panose="02020603050405020304" pitchFamily="18" charset="0"/>
-                      </a:endParaRPr>
-                    </a:p>
-                  </a:txBody>
-                  <a:tcPr marL="68580" marR="68580" marT="0" marB="0" anchor="b"/>
-                </a:tc>
-              </a:tr>
-              <a:tr h="328181">
-                <a:tc>
-                  <a:txBody>
-                    <a:bodyPr/>
-                    <a:lstStyle/>
-                    <a:p>
-                      <a:pPr algn="ctr">
-                        <a:lnSpc>
-                          <a:spcPct val="107000"/>
-                        </a:lnSpc>
-                        <a:spcAft>
-                          <a:spcPts val="0"/>
-                        </a:spcAft>
-                      </a:pPr>
-                      <a:r>
-                        <a:rPr lang="en-GB" sz="1600">
-                          <a:effectLst/>
-                        </a:rPr>
-                        <a:t>straw</a:t>
-                      </a:r>
-                      <a:endParaRPr lang="en-GB" sz="1600">
-                        <a:effectLst/>
-                        <a:latin typeface="Calibri" panose="020F0502020204030204" pitchFamily="34" charset="0"/>
-                        <a:ea typeface="Calibri" panose="020F0502020204030204" pitchFamily="34" charset="0"/>
-                        <a:cs typeface="Times New Roman" panose="02020603050405020304" pitchFamily="18" charset="0"/>
-                      </a:endParaRPr>
-                    </a:p>
-                  </a:txBody>
-                  <a:tcPr marL="68580" marR="68580" marT="0" marB="0" anchor="b"/>
-                </a:tc>
-                <a:tc>
-                  <a:txBody>
-                    <a:bodyPr/>
-                    <a:lstStyle/>
-                    <a:p>
-                      <a:pPr algn="ctr">
-                        <a:lnSpc>
-                          <a:spcPct val="107000"/>
-                        </a:lnSpc>
-                        <a:spcAft>
-                          <a:spcPts val="0"/>
-                        </a:spcAft>
-                      </a:pPr>
-                      <a:r>
-                        <a:rPr lang="en-GB" sz="1600">
-                          <a:effectLst/>
-                        </a:rPr>
-                        <a:t>0.040278</a:t>
-                      </a:r>
-                      <a:endParaRPr lang="en-GB" sz="1600">
-                        <a:effectLst/>
-                        <a:latin typeface="Calibri" panose="020F0502020204030204" pitchFamily="34" charset="0"/>
-                        <a:ea typeface="Calibri" panose="020F0502020204030204" pitchFamily="34" charset="0"/>
-                        <a:cs typeface="Times New Roman" panose="02020603050405020304" pitchFamily="18" charset="0"/>
-                      </a:endParaRPr>
-                    </a:p>
-                  </a:txBody>
-                  <a:tcPr marL="68580" marR="68580" marT="0" marB="0" anchor="b"/>
-                </a:tc>
-                <a:tc>
-                  <a:txBody>
-                    <a:bodyPr/>
-                    <a:lstStyle/>
-                    <a:p>
-                      <a:pPr algn="ctr">
-                        <a:lnSpc>
-                          <a:spcPct val="107000"/>
-                        </a:lnSpc>
-                        <a:spcAft>
-                          <a:spcPts val="0"/>
-                        </a:spcAft>
-                      </a:pPr>
-                      <a:r>
-                        <a:rPr lang="en-GB" sz="1600">
-                          <a:effectLst/>
-                        </a:rPr>
-                        <a:t>0.682626</a:t>
-                      </a:r>
-                      <a:endParaRPr lang="en-GB" sz="1600">
-                        <a:effectLst/>
-                        <a:latin typeface="Calibri" panose="020F0502020204030204" pitchFamily="34" charset="0"/>
-                        <a:ea typeface="Calibri" panose="020F0502020204030204" pitchFamily="34" charset="0"/>
-                        <a:cs typeface="Times New Roman" panose="02020603050405020304" pitchFamily="18" charset="0"/>
-                      </a:endParaRPr>
-                    </a:p>
-                  </a:txBody>
-                  <a:tcPr marL="68580" marR="68580" marT="0" marB="0" anchor="b"/>
-                </a:tc>
-                <a:tc>
-                  <a:txBody>
-                    <a:bodyPr/>
-                    <a:lstStyle/>
-                    <a:p>
-                      <a:pPr algn="ctr">
-                        <a:lnSpc>
-                          <a:spcPct val="107000"/>
-                        </a:lnSpc>
-                        <a:spcAft>
-                          <a:spcPts val="0"/>
-                        </a:spcAft>
-                      </a:pPr>
-                      <a:r>
-                        <a:rPr lang="en-GB" sz="1600">
-                          <a:effectLst/>
-                        </a:rPr>
-                        <a:t>0</a:t>
-                      </a:r>
-                      <a:endParaRPr lang="en-GB" sz="1600">
-                        <a:effectLst/>
-                        <a:latin typeface="Calibri" panose="020F0502020204030204" pitchFamily="34" charset="0"/>
-                        <a:ea typeface="Calibri" panose="020F0502020204030204" pitchFamily="34" charset="0"/>
-                        <a:cs typeface="Times New Roman" panose="02020603050405020304" pitchFamily="18" charset="0"/>
-                      </a:endParaRPr>
-                    </a:p>
-                  </a:txBody>
-                  <a:tcPr marL="68580" marR="68580" marT="0" marB="0" anchor="b"/>
-                </a:tc>
-                <a:tc>
-                  <a:txBody>
-                    <a:bodyPr/>
-                    <a:lstStyle/>
-                    <a:p>
-                      <a:pPr algn="ctr">
-                        <a:lnSpc>
-                          <a:spcPct val="107000"/>
-                        </a:lnSpc>
-                        <a:spcAft>
-                          <a:spcPts val="0"/>
-                        </a:spcAft>
-                      </a:pPr>
-                      <a:r>
-                        <a:rPr lang="en-GB" sz="1600">
-                          <a:effectLst/>
-                        </a:rPr>
-                        <a:t>0</a:t>
-                      </a:r>
-                      <a:endParaRPr lang="en-GB" sz="1600">
-                        <a:effectLst/>
-                        <a:latin typeface="Calibri" panose="020F0502020204030204" pitchFamily="34" charset="0"/>
-                        <a:ea typeface="Calibri" panose="020F0502020204030204" pitchFamily="34" charset="0"/>
-                        <a:cs typeface="Times New Roman" panose="02020603050405020304" pitchFamily="18" charset="0"/>
-                      </a:endParaRPr>
-                    </a:p>
-                  </a:txBody>
-                  <a:tcPr marL="68580" marR="68580" marT="0" marB="0" anchor="b"/>
-                </a:tc>
-                <a:tc>
-                  <a:txBody>
-                    <a:bodyPr/>
-                    <a:lstStyle/>
-                    <a:p>
-                      <a:pPr algn="ctr">
-                        <a:lnSpc>
-                          <a:spcPct val="107000"/>
-                        </a:lnSpc>
-                        <a:spcAft>
-                          <a:spcPts val="0"/>
-                        </a:spcAft>
-                      </a:pPr>
-                      <a:r>
-                        <a:rPr lang="en-GB" sz="1600">
-                          <a:effectLst/>
-                        </a:rPr>
-                        <a:t>0</a:t>
-                      </a:r>
-                      <a:endParaRPr lang="en-GB" sz="1600">
-                        <a:effectLst/>
-                        <a:latin typeface="Calibri" panose="020F0502020204030204" pitchFamily="34" charset="0"/>
-                        <a:ea typeface="Calibri" panose="020F0502020204030204" pitchFamily="34" charset="0"/>
-                        <a:cs typeface="Times New Roman" panose="02020603050405020304" pitchFamily="18" charset="0"/>
-                      </a:endParaRPr>
-                    </a:p>
-                  </a:txBody>
-                  <a:tcPr marL="68580" marR="68580" marT="0" marB="0" anchor="b"/>
-                </a:tc>
-                <a:tc>
-                  <a:txBody>
-                    <a:bodyPr/>
-                    <a:lstStyle/>
-                    <a:p>
-                      <a:pPr algn="ctr">
-                        <a:lnSpc>
-                          <a:spcPct val="107000"/>
-                        </a:lnSpc>
-                        <a:spcAft>
-                          <a:spcPts val="0"/>
-                        </a:spcAft>
-                      </a:pPr>
-                      <a:r>
-                        <a:rPr lang="en-GB" sz="1600">
-                          <a:effectLst/>
-                        </a:rPr>
-                        <a:t>0.277096</a:t>
-                      </a:r>
-                      <a:endParaRPr lang="en-GB" sz="1600">
-                        <a:effectLst/>
-                        <a:latin typeface="Calibri" panose="020F0502020204030204" pitchFamily="34" charset="0"/>
-                        <a:ea typeface="Calibri" panose="020F0502020204030204" pitchFamily="34" charset="0"/>
-                        <a:cs typeface="Times New Roman" panose="02020603050405020304" pitchFamily="18" charset="0"/>
-                      </a:endParaRPr>
-                    </a:p>
-                  </a:txBody>
-                  <a:tcPr marL="68580" marR="68580" marT="0" marB="0" anchor="b"/>
-                </a:tc>
-              </a:tr>
-              <a:tr h="328181">
-                <a:tc>
-                  <a:txBody>
-                    <a:bodyPr/>
-                    <a:lstStyle/>
-                    <a:p>
-                      <a:pPr algn="ctr">
-                        <a:lnSpc>
-                          <a:spcPct val="107000"/>
-                        </a:lnSpc>
-                        <a:spcAft>
-                          <a:spcPts val="0"/>
-                        </a:spcAft>
-                      </a:pPr>
-                      <a:r>
-                        <a:rPr lang="en-GB" sz="1600">
-                          <a:effectLst/>
-                        </a:rPr>
-                        <a:t>actinia</a:t>
-                      </a:r>
-                      <a:endParaRPr lang="en-GB" sz="1600">
-                        <a:effectLst/>
-                        <a:latin typeface="Calibri" panose="020F0502020204030204" pitchFamily="34" charset="0"/>
-                        <a:ea typeface="Calibri" panose="020F0502020204030204" pitchFamily="34" charset="0"/>
-                        <a:cs typeface="Times New Roman" panose="02020603050405020304" pitchFamily="18" charset="0"/>
-                      </a:endParaRPr>
-                    </a:p>
-                  </a:txBody>
-                  <a:tcPr marL="68580" marR="68580" marT="0" marB="0" anchor="b"/>
-                </a:tc>
-                <a:tc>
-                  <a:txBody>
-                    <a:bodyPr/>
-                    <a:lstStyle/>
-                    <a:p>
-                      <a:pPr algn="ctr">
-                        <a:lnSpc>
-                          <a:spcPct val="107000"/>
-                        </a:lnSpc>
-                        <a:spcAft>
-                          <a:spcPts val="0"/>
-                        </a:spcAft>
-                      </a:pPr>
-                      <a:r>
-                        <a:rPr lang="en-GB" sz="1600">
-                          <a:effectLst/>
-                        </a:rPr>
-                        <a:t>0.289421</a:t>
-                      </a:r>
-                      <a:endParaRPr lang="en-GB" sz="1600">
-                        <a:effectLst/>
-                        <a:latin typeface="Calibri" panose="020F0502020204030204" pitchFamily="34" charset="0"/>
-                        <a:ea typeface="Calibri" panose="020F0502020204030204" pitchFamily="34" charset="0"/>
-                        <a:cs typeface="Times New Roman" panose="02020603050405020304" pitchFamily="18" charset="0"/>
-                      </a:endParaRPr>
-                    </a:p>
-                  </a:txBody>
-                  <a:tcPr marL="68580" marR="68580" marT="0" marB="0" anchor="b"/>
-                </a:tc>
-                <a:tc>
-                  <a:txBody>
-                    <a:bodyPr/>
-                    <a:lstStyle/>
-                    <a:p>
-                      <a:pPr algn="ctr">
-                        <a:lnSpc>
-                          <a:spcPct val="107000"/>
-                        </a:lnSpc>
-                        <a:spcAft>
-                          <a:spcPts val="0"/>
-                        </a:spcAft>
-                      </a:pPr>
-                      <a:r>
-                        <a:rPr lang="en-GB" sz="1600">
-                          <a:effectLst/>
-                        </a:rPr>
-                        <a:t>0.312588</a:t>
-                      </a:r>
-                      <a:endParaRPr lang="en-GB" sz="1600">
-                        <a:effectLst/>
-                        <a:latin typeface="Calibri" panose="020F0502020204030204" pitchFamily="34" charset="0"/>
-                        <a:ea typeface="Calibri" panose="020F0502020204030204" pitchFamily="34" charset="0"/>
-                        <a:cs typeface="Times New Roman" panose="02020603050405020304" pitchFamily="18" charset="0"/>
-                      </a:endParaRPr>
-                    </a:p>
-                  </a:txBody>
-                  <a:tcPr marL="68580" marR="68580" marT="0" marB="0" anchor="b"/>
-                </a:tc>
-                <a:tc>
-                  <a:txBody>
-                    <a:bodyPr/>
-                    <a:lstStyle/>
-                    <a:p>
-                      <a:pPr algn="ctr">
-                        <a:lnSpc>
-                          <a:spcPct val="107000"/>
-                        </a:lnSpc>
-                        <a:spcAft>
-                          <a:spcPts val="0"/>
-                        </a:spcAft>
-                      </a:pPr>
-                      <a:r>
-                        <a:rPr lang="en-GB" sz="1600">
-                          <a:effectLst/>
-                        </a:rPr>
-                        <a:t>0.076728</a:t>
-                      </a:r>
-                      <a:endParaRPr lang="en-GB" sz="1600">
-                        <a:effectLst/>
-                        <a:latin typeface="Calibri" panose="020F0502020204030204" pitchFamily="34" charset="0"/>
-                        <a:ea typeface="Calibri" panose="020F0502020204030204" pitchFamily="34" charset="0"/>
-                        <a:cs typeface="Times New Roman" panose="02020603050405020304" pitchFamily="18" charset="0"/>
-                      </a:endParaRPr>
-                    </a:p>
-                  </a:txBody>
-                  <a:tcPr marL="68580" marR="68580" marT="0" marB="0" anchor="b"/>
-                </a:tc>
-                <a:tc>
-                  <a:txBody>
-                    <a:bodyPr/>
-                    <a:lstStyle/>
-                    <a:p>
-                      <a:pPr algn="ctr">
-                        <a:lnSpc>
-                          <a:spcPct val="107000"/>
-                        </a:lnSpc>
-                        <a:spcAft>
-                          <a:spcPts val="0"/>
-                        </a:spcAft>
-                      </a:pPr>
-                      <a:r>
-                        <a:rPr lang="en-GB" sz="1600">
-                          <a:effectLst/>
-                        </a:rPr>
-                        <a:t>0</a:t>
-                      </a:r>
-                      <a:endParaRPr lang="en-GB" sz="1600">
-                        <a:effectLst/>
-                        <a:latin typeface="Calibri" panose="020F0502020204030204" pitchFamily="34" charset="0"/>
-                        <a:ea typeface="Calibri" panose="020F0502020204030204" pitchFamily="34" charset="0"/>
-                        <a:cs typeface="Times New Roman" panose="02020603050405020304" pitchFamily="18" charset="0"/>
-                      </a:endParaRPr>
-                    </a:p>
-                  </a:txBody>
-                  <a:tcPr marL="68580" marR="68580" marT="0" marB="0" anchor="b"/>
-                </a:tc>
-                <a:tc>
-                  <a:txBody>
-                    <a:bodyPr/>
-                    <a:lstStyle/>
-                    <a:p>
-                      <a:pPr algn="ctr">
-                        <a:lnSpc>
-                          <a:spcPct val="107000"/>
-                        </a:lnSpc>
-                        <a:spcAft>
-                          <a:spcPts val="0"/>
-                        </a:spcAft>
-                      </a:pPr>
-                      <a:r>
-                        <a:rPr lang="en-GB" sz="1600">
-                          <a:effectLst/>
-                        </a:rPr>
-                        <a:t>0.318424</a:t>
-                      </a:r>
-                      <a:endParaRPr lang="en-GB" sz="1600">
-                        <a:effectLst/>
-                        <a:latin typeface="Calibri" panose="020F0502020204030204" pitchFamily="34" charset="0"/>
-                        <a:ea typeface="Calibri" panose="020F0502020204030204" pitchFamily="34" charset="0"/>
-                        <a:cs typeface="Times New Roman" panose="02020603050405020304" pitchFamily="18" charset="0"/>
-                      </a:endParaRPr>
-                    </a:p>
-                  </a:txBody>
-                  <a:tcPr marL="68580" marR="68580" marT="0" marB="0" anchor="b"/>
-                </a:tc>
-                <a:tc>
-                  <a:txBody>
-                    <a:bodyPr/>
-                    <a:lstStyle/>
-                    <a:p>
-                      <a:pPr algn="ctr">
-                        <a:lnSpc>
-                          <a:spcPct val="107000"/>
-                        </a:lnSpc>
-                        <a:spcAft>
-                          <a:spcPts val="0"/>
-                        </a:spcAft>
-                      </a:pPr>
-                      <a:r>
-                        <a:rPr lang="en-GB" sz="1600">
-                          <a:effectLst/>
-                        </a:rPr>
-                        <a:t>0.00284</a:t>
-                      </a:r>
-                      <a:endParaRPr lang="en-GB" sz="1600">
-                        <a:effectLst/>
-                        <a:latin typeface="Calibri" panose="020F0502020204030204" pitchFamily="34" charset="0"/>
-                        <a:ea typeface="Calibri" panose="020F0502020204030204" pitchFamily="34" charset="0"/>
-                        <a:cs typeface="Times New Roman" panose="02020603050405020304" pitchFamily="18" charset="0"/>
-                      </a:endParaRPr>
-                    </a:p>
-                  </a:txBody>
-                  <a:tcPr marL="68580" marR="68580" marT="0" marB="0" anchor="b"/>
-                </a:tc>
-              </a:tr>
-              <a:tr h="328181">
-                <a:tc>
-                  <a:txBody>
-                    <a:bodyPr/>
-                    <a:lstStyle/>
-                    <a:p>
-                      <a:pPr algn="ctr">
-                        <a:lnSpc>
-                          <a:spcPct val="107000"/>
-                        </a:lnSpc>
-                        <a:spcAft>
-                          <a:spcPts val="0"/>
-                        </a:spcAft>
-                      </a:pPr>
-                      <a:r>
-                        <a:rPr lang="en-GB" sz="1600">
-                          <a:effectLst/>
-                        </a:rPr>
-                        <a:t>seawave</a:t>
-                      </a:r>
-                      <a:endParaRPr lang="en-GB" sz="1600">
-                        <a:effectLst/>
-                        <a:latin typeface="Calibri" panose="020F0502020204030204" pitchFamily="34" charset="0"/>
-                        <a:ea typeface="Calibri" panose="020F0502020204030204" pitchFamily="34" charset="0"/>
-                        <a:cs typeface="Times New Roman" panose="02020603050405020304" pitchFamily="18" charset="0"/>
-                      </a:endParaRPr>
-                    </a:p>
-                  </a:txBody>
-                  <a:tcPr marL="68580" marR="68580" marT="0" marB="0" anchor="b"/>
-                </a:tc>
-                <a:tc>
-                  <a:txBody>
-                    <a:bodyPr/>
-                    <a:lstStyle/>
-                    <a:p>
-                      <a:pPr algn="ctr">
-                        <a:lnSpc>
-                          <a:spcPct val="107000"/>
-                        </a:lnSpc>
-                        <a:spcAft>
-                          <a:spcPts val="0"/>
-                        </a:spcAft>
-                      </a:pPr>
-                      <a:r>
-                        <a:rPr lang="en-GB" sz="1600">
-                          <a:effectLst/>
-                        </a:rPr>
-                        <a:t>0.192753</a:t>
-                      </a:r>
-                      <a:endParaRPr lang="en-GB" sz="1600">
-                        <a:effectLst/>
-                        <a:latin typeface="Calibri" panose="020F0502020204030204" pitchFamily="34" charset="0"/>
-                        <a:ea typeface="Calibri" panose="020F0502020204030204" pitchFamily="34" charset="0"/>
-                        <a:cs typeface="Times New Roman" panose="02020603050405020304" pitchFamily="18" charset="0"/>
-                      </a:endParaRPr>
-                    </a:p>
-                  </a:txBody>
-                  <a:tcPr marL="68580" marR="68580" marT="0" marB="0" anchor="b"/>
-                </a:tc>
-                <a:tc>
-                  <a:txBody>
-                    <a:bodyPr/>
-                    <a:lstStyle/>
-                    <a:p>
-                      <a:pPr algn="ctr">
-                        <a:lnSpc>
-                          <a:spcPct val="107000"/>
-                        </a:lnSpc>
-                        <a:spcAft>
-                          <a:spcPts val="0"/>
-                        </a:spcAft>
-                      </a:pPr>
-                      <a:r>
-                        <a:rPr lang="en-GB" sz="1600">
-                          <a:effectLst/>
-                        </a:rPr>
-                        <a:t>0.318292</a:t>
-                      </a:r>
-                      <a:endParaRPr lang="en-GB" sz="1600">
-                        <a:effectLst/>
-                        <a:latin typeface="Calibri" panose="020F0502020204030204" pitchFamily="34" charset="0"/>
-                        <a:ea typeface="Calibri" panose="020F0502020204030204" pitchFamily="34" charset="0"/>
-                        <a:cs typeface="Times New Roman" panose="02020603050405020304" pitchFamily="18" charset="0"/>
-                      </a:endParaRPr>
-                    </a:p>
-                  </a:txBody>
-                  <a:tcPr marL="68580" marR="68580" marT="0" marB="0" anchor="b"/>
-                </a:tc>
-                <a:tc>
-                  <a:txBody>
-                    <a:bodyPr/>
-                    <a:lstStyle/>
-                    <a:p>
-                      <a:pPr algn="ctr">
-                        <a:lnSpc>
-                          <a:spcPct val="107000"/>
-                        </a:lnSpc>
-                        <a:spcAft>
-                          <a:spcPts val="0"/>
-                        </a:spcAft>
-                      </a:pPr>
-                      <a:r>
-                        <a:rPr lang="en-GB" sz="1600">
-                          <a:effectLst/>
-                        </a:rPr>
-                        <a:t>0.092731</a:t>
-                      </a:r>
-                      <a:endParaRPr lang="en-GB" sz="1600">
-                        <a:effectLst/>
-                        <a:latin typeface="Calibri" panose="020F0502020204030204" pitchFamily="34" charset="0"/>
-                        <a:ea typeface="Calibri" panose="020F0502020204030204" pitchFamily="34" charset="0"/>
-                        <a:cs typeface="Times New Roman" panose="02020603050405020304" pitchFamily="18" charset="0"/>
-                      </a:endParaRPr>
-                    </a:p>
-                  </a:txBody>
-                  <a:tcPr marL="68580" marR="68580" marT="0" marB="0" anchor="b"/>
-                </a:tc>
-                <a:tc>
-                  <a:txBody>
-                    <a:bodyPr/>
-                    <a:lstStyle/>
-                    <a:p>
-                      <a:pPr algn="ctr">
-                        <a:lnSpc>
-                          <a:spcPct val="107000"/>
-                        </a:lnSpc>
-                        <a:spcAft>
-                          <a:spcPts val="0"/>
-                        </a:spcAft>
-                      </a:pPr>
-                      <a:r>
-                        <a:rPr lang="en-GB" sz="1600">
-                          <a:effectLst/>
-                        </a:rPr>
-                        <a:t>0</a:t>
-                      </a:r>
-                      <a:endParaRPr lang="en-GB" sz="1600">
-                        <a:effectLst/>
-                        <a:latin typeface="Calibri" panose="020F0502020204030204" pitchFamily="34" charset="0"/>
-                        <a:ea typeface="Calibri" panose="020F0502020204030204" pitchFamily="34" charset="0"/>
-                        <a:cs typeface="Times New Roman" panose="02020603050405020304" pitchFamily="18" charset="0"/>
-                      </a:endParaRPr>
-                    </a:p>
-                  </a:txBody>
-                  <a:tcPr marL="68580" marR="68580" marT="0" marB="0" anchor="b"/>
-                </a:tc>
-                <a:tc>
-                  <a:txBody>
-                    <a:bodyPr/>
-                    <a:lstStyle/>
-                    <a:p>
-                      <a:pPr algn="ctr">
-                        <a:lnSpc>
-                          <a:spcPct val="107000"/>
-                        </a:lnSpc>
-                        <a:spcAft>
-                          <a:spcPts val="0"/>
-                        </a:spcAft>
-                      </a:pPr>
-                      <a:r>
-                        <a:rPr lang="en-GB" sz="1600">
-                          <a:effectLst/>
-                        </a:rPr>
-                        <a:t>0.396224</a:t>
-                      </a:r>
-                      <a:endParaRPr lang="en-GB" sz="1600">
-                        <a:effectLst/>
-                        <a:latin typeface="Calibri" panose="020F0502020204030204" pitchFamily="34" charset="0"/>
-                        <a:ea typeface="Calibri" panose="020F0502020204030204" pitchFamily="34" charset="0"/>
-                        <a:cs typeface="Times New Roman" panose="02020603050405020304" pitchFamily="18" charset="0"/>
-                      </a:endParaRPr>
-                    </a:p>
-                  </a:txBody>
-                  <a:tcPr marL="68580" marR="68580" marT="0" marB="0" anchor="b"/>
-                </a:tc>
-                <a:tc>
-                  <a:txBody>
-                    <a:bodyPr/>
-                    <a:lstStyle/>
-                    <a:p>
-                      <a:pPr algn="ctr">
-                        <a:lnSpc>
-                          <a:spcPct val="107000"/>
-                        </a:lnSpc>
-                        <a:spcAft>
-                          <a:spcPts val="0"/>
-                        </a:spcAft>
-                      </a:pPr>
-                      <a:r>
-                        <a:rPr lang="en-GB" sz="1600">
-                          <a:effectLst/>
-                        </a:rPr>
-                        <a:t>0</a:t>
-                      </a:r>
-                      <a:endParaRPr lang="en-GB" sz="1600">
-                        <a:effectLst/>
-                        <a:latin typeface="Calibri" panose="020F0502020204030204" pitchFamily="34" charset="0"/>
-                        <a:ea typeface="Calibri" panose="020F0502020204030204" pitchFamily="34" charset="0"/>
-                        <a:cs typeface="Times New Roman" panose="02020603050405020304" pitchFamily="18" charset="0"/>
-                      </a:endParaRPr>
-                    </a:p>
-                  </a:txBody>
-                  <a:tcPr marL="68580" marR="68580" marT="0" marB="0" anchor="b"/>
-                </a:tc>
-              </a:tr>
-              <a:tr h="328181">
-                <a:tc>
-                  <a:txBody>
-                    <a:bodyPr/>
-                    <a:lstStyle/>
-                    <a:p>
-                      <a:pPr algn="ctr">
-                        <a:lnSpc>
-                          <a:spcPct val="107000"/>
-                        </a:lnSpc>
-                        <a:spcAft>
-                          <a:spcPts val="0"/>
-                        </a:spcAft>
-                      </a:pPr>
-                      <a:r>
-                        <a:rPr lang="en-GB" sz="1600">
-                          <a:effectLst/>
-                        </a:rPr>
-                        <a:t>sunshade</a:t>
-                      </a:r>
-                      <a:endParaRPr lang="en-GB" sz="1600">
-                        <a:effectLst/>
-                        <a:latin typeface="Calibri" panose="020F0502020204030204" pitchFamily="34" charset="0"/>
-                        <a:ea typeface="Calibri" panose="020F0502020204030204" pitchFamily="34" charset="0"/>
-                        <a:cs typeface="Times New Roman" panose="02020603050405020304" pitchFamily="18" charset="0"/>
-                      </a:endParaRPr>
-                    </a:p>
-                  </a:txBody>
-                  <a:tcPr marL="68580" marR="68580" marT="0" marB="0" anchor="b"/>
-                </a:tc>
-                <a:tc>
-                  <a:txBody>
-                    <a:bodyPr/>
-                    <a:lstStyle/>
-                    <a:p>
-                      <a:pPr algn="ctr">
-                        <a:lnSpc>
-                          <a:spcPct val="107000"/>
-                        </a:lnSpc>
-                        <a:spcAft>
-                          <a:spcPts val="0"/>
-                        </a:spcAft>
-                      </a:pPr>
-                      <a:r>
-                        <a:rPr lang="en-GB" sz="1600">
-                          <a:effectLst/>
-                        </a:rPr>
-                        <a:t>0.511561</a:t>
-                      </a:r>
-                      <a:endParaRPr lang="en-GB" sz="1600">
-                        <a:effectLst/>
-                        <a:latin typeface="Calibri" panose="020F0502020204030204" pitchFamily="34" charset="0"/>
-                        <a:ea typeface="Calibri" panose="020F0502020204030204" pitchFamily="34" charset="0"/>
-                        <a:cs typeface="Times New Roman" panose="02020603050405020304" pitchFamily="18" charset="0"/>
-                      </a:endParaRPr>
-                    </a:p>
-                  </a:txBody>
-                  <a:tcPr marL="68580" marR="68580" marT="0" marB="0" anchor="b"/>
-                </a:tc>
-                <a:tc>
-                  <a:txBody>
-                    <a:bodyPr/>
-                    <a:lstStyle/>
-                    <a:p>
-                      <a:pPr algn="ctr">
-                        <a:lnSpc>
-                          <a:spcPct val="107000"/>
-                        </a:lnSpc>
-                        <a:spcAft>
-                          <a:spcPts val="0"/>
-                        </a:spcAft>
-                      </a:pPr>
-                      <a:r>
-                        <a:rPr lang="en-GB" sz="1600">
-                          <a:effectLst/>
-                        </a:rPr>
-                        <a:t>0.003422</a:t>
-                      </a:r>
-                      <a:endParaRPr lang="en-GB" sz="1600">
-                        <a:effectLst/>
-                        <a:latin typeface="Calibri" panose="020F0502020204030204" pitchFamily="34" charset="0"/>
-                        <a:ea typeface="Calibri" panose="020F0502020204030204" pitchFamily="34" charset="0"/>
-                        <a:cs typeface="Times New Roman" panose="02020603050405020304" pitchFamily="18" charset="0"/>
-                      </a:endParaRPr>
-                    </a:p>
-                  </a:txBody>
-                  <a:tcPr marL="68580" marR="68580" marT="0" marB="0" anchor="b"/>
-                </a:tc>
-                <a:tc>
-                  <a:txBody>
-                    <a:bodyPr/>
-                    <a:lstStyle/>
-                    <a:p>
-                      <a:pPr algn="ctr">
-                        <a:lnSpc>
-                          <a:spcPct val="107000"/>
-                        </a:lnSpc>
-                        <a:spcAft>
-                          <a:spcPts val="0"/>
-                        </a:spcAft>
-                      </a:pPr>
-                      <a:r>
-                        <a:rPr lang="en-GB" sz="1600">
-                          <a:effectLst/>
-                        </a:rPr>
-                        <a:t>0.008163</a:t>
-                      </a:r>
-                      <a:endParaRPr lang="en-GB" sz="1600">
-                        <a:effectLst/>
-                        <a:latin typeface="Calibri" panose="020F0502020204030204" pitchFamily="34" charset="0"/>
-                        <a:ea typeface="Calibri" panose="020F0502020204030204" pitchFamily="34" charset="0"/>
-                        <a:cs typeface="Times New Roman" panose="02020603050405020304" pitchFamily="18" charset="0"/>
-                      </a:endParaRPr>
-                    </a:p>
-                  </a:txBody>
-                  <a:tcPr marL="68580" marR="68580" marT="0" marB="0" anchor="b"/>
-                </a:tc>
-                <a:tc>
-                  <a:txBody>
-                    <a:bodyPr/>
-                    <a:lstStyle/>
-                    <a:p>
-                      <a:pPr algn="ctr">
-                        <a:lnSpc>
-                          <a:spcPct val="107000"/>
-                        </a:lnSpc>
-                        <a:spcAft>
-                          <a:spcPts val="0"/>
-                        </a:spcAft>
-                      </a:pPr>
-                      <a:r>
-                        <a:rPr lang="en-GB" sz="1600">
-                          <a:effectLst/>
-                        </a:rPr>
-                        <a:t>0</a:t>
-                      </a:r>
-                      <a:endParaRPr lang="en-GB" sz="1600">
-                        <a:effectLst/>
-                        <a:latin typeface="Calibri" panose="020F0502020204030204" pitchFamily="34" charset="0"/>
-                        <a:ea typeface="Calibri" panose="020F0502020204030204" pitchFamily="34" charset="0"/>
-                        <a:cs typeface="Times New Roman" panose="02020603050405020304" pitchFamily="18" charset="0"/>
-                      </a:endParaRPr>
-                    </a:p>
-                  </a:txBody>
-                  <a:tcPr marL="68580" marR="68580" marT="0" marB="0" anchor="b"/>
-                </a:tc>
-                <a:tc>
-                  <a:txBody>
-                    <a:bodyPr/>
-                    <a:lstStyle/>
-                    <a:p>
-                      <a:pPr algn="ctr">
-                        <a:lnSpc>
-                          <a:spcPct val="107000"/>
-                        </a:lnSpc>
-                        <a:spcAft>
-                          <a:spcPts val="0"/>
-                        </a:spcAft>
-                      </a:pPr>
-                      <a:r>
-                        <a:rPr lang="en-GB" sz="1600">
-                          <a:effectLst/>
-                        </a:rPr>
-                        <a:t>0.476782</a:t>
-                      </a:r>
-                      <a:endParaRPr lang="en-GB" sz="1600">
-                        <a:effectLst/>
-                        <a:latin typeface="Calibri" panose="020F0502020204030204" pitchFamily="34" charset="0"/>
-                        <a:ea typeface="Calibri" panose="020F0502020204030204" pitchFamily="34" charset="0"/>
-                        <a:cs typeface="Times New Roman" panose="02020603050405020304" pitchFamily="18" charset="0"/>
-                      </a:endParaRPr>
-                    </a:p>
-                  </a:txBody>
-                  <a:tcPr marL="68580" marR="68580" marT="0" marB="0" anchor="b"/>
-                </a:tc>
-                <a:tc>
-                  <a:txBody>
-                    <a:bodyPr/>
-                    <a:lstStyle/>
-                    <a:p>
-                      <a:pPr algn="ctr">
-                        <a:lnSpc>
-                          <a:spcPct val="107000"/>
-                        </a:lnSpc>
-                        <a:spcAft>
-                          <a:spcPts val="0"/>
-                        </a:spcAft>
-                      </a:pPr>
-                      <a:r>
-                        <a:rPr lang="en-GB" sz="1600" dirty="0">
-                          <a:effectLst/>
-                        </a:rPr>
-                        <a:t>7.18E-05</a:t>
-                      </a:r>
-                      <a:endParaRPr lang="en-GB" sz="1600" dirty="0">
-                        <a:effectLst/>
-                        <a:latin typeface="Calibri" panose="020F0502020204030204" pitchFamily="34" charset="0"/>
-                        <a:ea typeface="Calibri" panose="020F0502020204030204" pitchFamily="34" charset="0"/>
-                        <a:cs typeface="Times New Roman" panose="02020603050405020304" pitchFamily="18" charset="0"/>
-                      </a:endParaRPr>
-                    </a:p>
-                  </a:txBody>
-                  <a:tcPr marL="68580" marR="68580" marT="0" marB="0" anchor="b"/>
-                </a:tc>
-              </a:tr>
-            </a:tbl>
-          </a:graphicData>
-        </a:graphic>
-      </p:graphicFrame>
-      <p:pic>
-        <p:nvPicPr>
-          <p:cNvPr id="6" name="Picture 5"/>
-          <p:cNvPicPr/>
-          <p:nvPr/>
-        </p:nvPicPr>
-        <p:blipFill>
-          <a:blip r:embed="rId2">
-            <a:extLst>
-              <a:ext uri="{28A0092B-C50C-407E-A947-70E740481C1C}">
-                <a14:useLocalDpi xmlns:a14="http://schemas.microsoft.com/office/drawing/2010/main" val="0"/>
-              </a:ext>
-            </a:extLst>
-          </a:blip>
-          <a:srcRect/>
-          <a:stretch>
-            <a:fillRect/>
-          </a:stretch>
-        </p:blipFill>
-        <p:spPr bwMode="auto">
-          <a:xfrm>
-            <a:off x="1866377" y="1720756"/>
-            <a:ext cx="8041711" cy="4830355"/>
-          </a:xfrm>
-          <a:prstGeom prst="rect">
-            <a:avLst/>
-          </a:prstGeom>
-          <a:noFill/>
-          <a:ln>
-            <a:noFill/>
-          </a:ln>
-        </p:spPr>
-      </p:pic>
     </p:spTree>
     <p:extLst>
       <p:ext uri="{BB962C8B-B14F-4D97-AF65-F5344CB8AC3E}">
-        <p14:creationId xmlns:p14="http://schemas.microsoft.com/office/powerpoint/2010/main" val="147491448"/>
+        <p14:creationId xmlns:p14="http://schemas.microsoft.com/office/powerpoint/2010/main" val="645625018"/>
       </p:ext>
     </p:extLst>
   </p:cSld>
@@ -16271,10 +15378,10 @@
           <a:lstStyle/>
           <a:p>
             <a:r>
-              <a:rPr lang="en-US" dirty="0" smtClean="0"/>
-              <a:t>Python implementation properties</a:t>
-            </a:r>
-            <a:endParaRPr lang="en-US" dirty="0"/>
+              <a:rPr lang="en-GB" b="1" dirty="0" smtClean="0"/>
+              <a:t>Perspectives</a:t>
+            </a:r>
+            <a:endParaRPr lang="en-GB" b="1" dirty="0"/>
           </a:p>
         </p:txBody>
       </p:sp>
@@ -16288,835 +15395,157 @@
             <p:ph idx="1"/>
           </p:nvPr>
         </p:nvSpPr>
+        <p:spPr/>
+        <p:txBody>
+          <a:bodyPr/>
+          <a:lstStyle/>
+          <a:p>
+            <a:r>
+              <a:rPr lang="en-US" dirty="0" smtClean="0"/>
+              <a:t>MK-GPLVM reimplementation </a:t>
+            </a:r>
+            <a:r>
+              <a:rPr lang="en-US" dirty="0"/>
+              <a:t>in Python </a:t>
+            </a:r>
+            <a:r>
+              <a:rPr lang="en-US" dirty="0" smtClean="0"/>
+              <a:t>is </a:t>
+            </a:r>
+            <a:r>
+              <a:rPr lang="en-US" dirty="0"/>
+              <a:t>not </a:t>
+            </a:r>
+            <a:r>
+              <a:rPr lang="en-US" dirty="0" smtClean="0"/>
+              <a:t>finished – </a:t>
+            </a:r>
+            <a:r>
+              <a:rPr lang="en-US" dirty="0"/>
+              <a:t>problems with </a:t>
+            </a:r>
+            <a:r>
+              <a:rPr lang="en-US" dirty="0" smtClean="0"/>
+              <a:t>gradients</a:t>
+            </a:r>
+            <a:endParaRPr lang="en-GB" dirty="0"/>
+          </a:p>
+          <a:p>
+            <a:r>
+              <a:rPr lang="en-GB" dirty="0" smtClean="0"/>
+              <a:t>no</a:t>
+            </a:r>
+            <a:r>
+              <a:rPr lang="en-GB" b="1" dirty="0" smtClean="0"/>
+              <a:t> </a:t>
+            </a:r>
+            <a:r>
+              <a:rPr lang="en-GB" dirty="0"/>
+              <a:t>numerical criteria for quality </a:t>
+            </a:r>
+            <a:r>
+              <a:rPr lang="en-US" dirty="0" smtClean="0"/>
+              <a:t>measuring – </a:t>
+            </a:r>
+            <a:r>
+              <a:rPr lang="en-GB" dirty="0" smtClean="0"/>
+              <a:t>implement </a:t>
+            </a:r>
+            <a:r>
+              <a:rPr lang="en-GB" dirty="0"/>
+              <a:t>an evaluation </a:t>
+            </a:r>
+            <a:r>
+              <a:rPr lang="en-GB" dirty="0" smtClean="0"/>
+              <a:t>method</a:t>
+            </a:r>
+            <a:endParaRPr lang="en-GB" dirty="0"/>
+          </a:p>
+          <a:p>
+            <a:r>
+              <a:rPr lang="en-US" dirty="0" smtClean="0"/>
+              <a:t>GPLVM </a:t>
+            </a:r>
+            <a:r>
+              <a:rPr lang="en-US" dirty="0"/>
+              <a:t>implementation </a:t>
+            </a:r>
+            <a:r>
+              <a:rPr lang="en-US" dirty="0" smtClean="0"/>
+              <a:t>in Python is </a:t>
+            </a:r>
+            <a:r>
+              <a:rPr lang="en-US" dirty="0"/>
+              <a:t>done and provides quite interesting </a:t>
+            </a:r>
+            <a:r>
+              <a:rPr lang="en-US" dirty="0" smtClean="0"/>
+              <a:t>result – improve the results</a:t>
+            </a:r>
+          </a:p>
+          <a:p>
+            <a:r>
+              <a:rPr lang="en-US" dirty="0"/>
+              <a:t>try wavelets to reduce dimensionality of original </a:t>
+            </a:r>
+            <a:r>
+              <a:rPr lang="en-US" dirty="0" smtClean="0"/>
+              <a:t>input </a:t>
+            </a:r>
+            <a:r>
+              <a:rPr lang="en-US" dirty="0"/>
+              <a:t>to decrease </a:t>
+            </a:r>
+            <a:r>
+              <a:rPr lang="en-US" dirty="0" smtClean="0"/>
+              <a:t>time for </a:t>
+            </a:r>
+            <a:r>
+              <a:rPr lang="en-US" dirty="0"/>
+              <a:t>optimization</a:t>
+            </a:r>
+            <a:endParaRPr lang="en-US" dirty="0" smtClean="0"/>
+          </a:p>
+          <a:p>
+            <a:endParaRPr lang="en-GB" dirty="0" smtClean="0"/>
+          </a:p>
+          <a:p>
+            <a:pPr marL="0" indent="0">
+              <a:buNone/>
+            </a:pPr>
+            <a:endParaRPr lang="en-GB" dirty="0"/>
+          </a:p>
+        </p:txBody>
+      </p:sp>
+      <p:sp>
+        <p:nvSpPr>
+          <p:cNvPr id="4" name="TextBox 3"/>
+          <p:cNvSpPr txBox="1"/>
+          <p:nvPr/>
+        </p:nvSpPr>
         <p:spPr>
           <a:xfrm>
-            <a:off x="1371600" y="2286000"/>
-            <a:ext cx="9601200" cy="4287328"/>
+            <a:off x="11542143" y="6211669"/>
+            <a:ext cx="649857" cy="646331"/>
           </a:xfrm>
+          <a:prstGeom prst="rect">
+            <a:avLst/>
+          </a:prstGeom>
+          <a:noFill/>
         </p:spPr>
         <p:txBody>
-          <a:bodyPr/>
-          <a:lstStyle/>
-          <a:p>
-            <a:pPr marL="0" indent="0">
-              <a:buNone/>
-            </a:pPr>
-            <a:r>
-              <a:rPr lang="en-US" dirty="0"/>
-              <a:t>Gaussian process latent </a:t>
-            </a:r>
-            <a:r>
-              <a:rPr lang="en-US" dirty="0" smtClean="0"/>
-              <a:t>variables model</a:t>
-            </a:r>
-          </a:p>
-          <a:p>
-            <a:r>
-              <a:rPr lang="en-US" dirty="0" smtClean="0"/>
-              <a:t>models joint </a:t>
-            </a:r>
-            <a:r>
-              <a:rPr lang="en-US" dirty="0"/>
-              <a:t>distribution of </a:t>
-            </a:r>
-            <a:r>
-              <a:rPr lang="en-US" dirty="0" smtClean="0"/>
-              <a:t>observed </a:t>
-            </a:r>
-            <a:r>
-              <a:rPr lang="en-US" dirty="0"/>
-              <a:t>data and </a:t>
-            </a:r>
-            <a:r>
-              <a:rPr lang="en-US" dirty="0" smtClean="0"/>
-              <a:t>low-dimensional </a:t>
-            </a:r>
-            <a:r>
-              <a:rPr lang="en-US" dirty="0"/>
-              <a:t>latent </a:t>
-            </a:r>
-            <a:r>
-              <a:rPr lang="en-US" dirty="0" smtClean="0"/>
-              <a:t>space</a:t>
-            </a:r>
-          </a:p>
-          <a:p>
-            <a:r>
-              <a:rPr lang="en-US" dirty="0"/>
-              <a:t>Dimensionality of latent space </a:t>
-            </a:r>
-            <a:r>
-              <a:rPr lang="en-US" dirty="0" smtClean="0"/>
-              <a:t>was fixed </a:t>
-            </a:r>
-            <a:r>
-              <a:rPr lang="en-US" dirty="0"/>
-              <a:t>to 20 </a:t>
-            </a:r>
-            <a:endParaRPr lang="en-US" dirty="0" smtClean="0"/>
-          </a:p>
-          <a:p>
-            <a:r>
-              <a:rPr lang="en-US" dirty="0"/>
-              <a:t>For </a:t>
-            </a:r>
-            <a:r>
-              <a:rPr lang="en-US" dirty="0" smtClean="0"/>
-              <a:t>kernel function – combination </a:t>
-            </a:r>
-            <a:r>
-              <a:rPr lang="en-US" dirty="0"/>
-              <a:t>of six kernel functions presented </a:t>
-            </a:r>
-            <a:r>
-              <a:rPr lang="en-US" dirty="0" smtClean="0"/>
-              <a:t>was chosen</a:t>
-            </a:r>
-          </a:p>
-          <a:p>
-            <a:r>
-              <a:rPr lang="en-US" dirty="0" smtClean="0"/>
-              <a:t>For </a:t>
-            </a:r>
-            <a:r>
-              <a:rPr lang="en-US" dirty="0"/>
-              <a:t>optimization </a:t>
-            </a:r>
-            <a:r>
-              <a:rPr lang="en-US" dirty="0" smtClean="0"/>
-              <a:t>function – </a:t>
-            </a:r>
-            <a:r>
-              <a:rPr lang="en-US" dirty="0"/>
-              <a:t>Scaled conjugate gradient </a:t>
-            </a:r>
-            <a:r>
-              <a:rPr lang="en-US" dirty="0" smtClean="0"/>
-              <a:t>method</a:t>
-            </a:r>
-          </a:p>
-          <a:p>
-            <a:r>
-              <a:rPr lang="en-US" dirty="0"/>
-              <a:t>For synthesizing new sequence of latent variables </a:t>
-            </a:r>
-            <a:r>
-              <a:rPr lang="en-US" dirty="0" smtClean="0"/>
-              <a:t>– mean </a:t>
-            </a:r>
-            <a:r>
-              <a:rPr lang="en-US" dirty="0"/>
-              <a:t>prediction </a:t>
-            </a:r>
-            <a:r>
-              <a:rPr lang="en-US" dirty="0" smtClean="0"/>
-              <a:t>method</a:t>
-            </a:r>
-          </a:p>
-          <a:p>
-            <a:endParaRPr lang="en-US" dirty="0"/>
-          </a:p>
-          <a:p>
-            <a:endParaRPr lang="en-US" dirty="0" smtClean="0"/>
-          </a:p>
-          <a:p>
-            <a:pPr marL="0" indent="0">
-              <a:buNone/>
-            </a:pPr>
-            <a:endParaRPr lang="en-US" dirty="0" smtClean="0"/>
-          </a:p>
-          <a:p>
-            <a:endParaRPr lang="en-GB" dirty="0" smtClean="0"/>
-          </a:p>
-          <a:p>
-            <a:pPr marL="0" indent="0">
-              <a:buNone/>
-            </a:pPr>
-            <a:endParaRPr lang="en-GB" dirty="0"/>
-          </a:p>
-        </p:txBody>
-      </p:sp>
-    </p:spTree>
-    <p:extLst>
-      <p:ext uri="{BB962C8B-B14F-4D97-AF65-F5344CB8AC3E}">
-        <p14:creationId xmlns:p14="http://schemas.microsoft.com/office/powerpoint/2010/main" val="2979015396"/>
-      </p:ext>
-    </p:extLst>
-  </p:cSld>
-  <p:clrMapOvr>
-    <a:masterClrMapping/>
-  </p:clrMapOvr>
-  <p:timing>
-    <p:tnLst>
-      <p:par>
-        <p:cTn id="1" dur="indefinite" restart="never" nodeType="tmRoot"/>
-      </p:par>
-    </p:tnLst>
-  </p:timing>
-</p:sld>
-</file>
-
-<file path=ppt/slides/slide53.xml><?xml version="1.0" encoding="utf-8"?>
-<p:sld xmlns:a="http://schemas.openxmlformats.org/drawingml/2006/main" xmlns:r="http://schemas.openxmlformats.org/officeDocument/2006/relationships" xmlns:p="http://schemas.openxmlformats.org/presentationml/2006/main">
-  <p:cSld>
-    <p:spTree>
-      <p:nvGrpSpPr>
-        <p:cNvPr id="1" name=""/>
-        <p:cNvGrpSpPr/>
-        <p:nvPr/>
-      </p:nvGrpSpPr>
-      <p:grpSpPr>
-        <a:xfrm>
-          <a:off x="0" y="0"/>
-          <a:ext cx="0" cy="0"/>
-          <a:chOff x="0" y="0"/>
-          <a:chExt cx="0" cy="0"/>
-        </a:xfrm>
-      </p:grpSpPr>
-      <p:sp>
-        <p:nvSpPr>
-          <p:cNvPr id="2" name="Title 1"/>
-          <p:cNvSpPr>
-            <a:spLocks noGrp="1"/>
-          </p:cNvSpPr>
-          <p:nvPr>
-            <p:ph type="title"/>
-          </p:nvPr>
-        </p:nvSpPr>
-        <p:spPr/>
-        <p:txBody>
-          <a:bodyPr/>
-          <a:lstStyle/>
-          <a:p>
-            <a:r>
-              <a:rPr lang="en-US" dirty="0" smtClean="0"/>
-              <a:t>Python implementation properties</a:t>
-            </a:r>
-            <a:endParaRPr lang="en-US" dirty="0"/>
-          </a:p>
-        </p:txBody>
-      </p:sp>
-      <p:sp>
-        <p:nvSpPr>
-          <p:cNvPr id="3" name="Content Placeholder 2"/>
-          <p:cNvSpPr>
-            <a:spLocks noGrp="1"/>
-          </p:cNvSpPr>
-          <p:nvPr>
-            <p:ph idx="1"/>
-          </p:nvPr>
-        </p:nvSpPr>
-        <p:spPr>
-          <a:xfrm>
-            <a:off x="1371600" y="2286000"/>
-            <a:ext cx="9601200" cy="4287328"/>
-          </a:xfrm>
-        </p:spPr>
-        <p:txBody>
-          <a:bodyPr/>
-          <a:lstStyle/>
-          <a:p>
-            <a:pPr marL="0" indent="0">
-              <a:buNone/>
-            </a:pPr>
-            <a:r>
-              <a:rPr lang="en-US" dirty="0" smtClean="0"/>
-              <a:t>Implementation in Python:</a:t>
-            </a:r>
-          </a:p>
-          <a:p>
-            <a:r>
-              <a:rPr lang="en-US" dirty="0"/>
-              <a:t>GPLVM is not a dynamical </a:t>
-            </a:r>
-            <a:r>
-              <a:rPr lang="en-US" dirty="0" smtClean="0"/>
-              <a:t>model –no </a:t>
-            </a:r>
-            <a:r>
-              <a:rPr lang="en-US" dirty="0"/>
-              <a:t>separate kernel </a:t>
-            </a:r>
-            <a:r>
-              <a:rPr lang="en-US" dirty="0" smtClean="0"/>
-              <a:t>function </a:t>
-            </a:r>
-            <a:r>
-              <a:rPr lang="en-US" dirty="0"/>
-              <a:t>for dynamic modeling</a:t>
-            </a:r>
-            <a:endParaRPr lang="en-US" dirty="0" smtClean="0"/>
-          </a:p>
-          <a:p>
-            <a:r>
-              <a:rPr lang="en-US" dirty="0"/>
-              <a:t>data are generated independently, ignoring temporal </a:t>
-            </a:r>
-            <a:r>
-              <a:rPr lang="en-US" dirty="0" smtClean="0"/>
-              <a:t>structure</a:t>
-            </a:r>
-          </a:p>
-          <a:p>
-            <a:pPr marL="0" indent="0">
-              <a:buNone/>
-            </a:pPr>
-            <a:r>
-              <a:rPr lang="en-US" dirty="0" smtClean="0"/>
-              <a:t>The </a:t>
-            </a:r>
-            <a:r>
-              <a:rPr lang="en-US" dirty="0"/>
-              <a:t>results are quite </a:t>
-            </a:r>
-            <a:r>
-              <a:rPr lang="en-US" dirty="0" smtClean="0"/>
-              <a:t>surprising:</a:t>
-            </a:r>
-          </a:p>
-          <a:p>
-            <a:r>
-              <a:rPr lang="en-US" dirty="0"/>
-              <a:t>it is </a:t>
-            </a:r>
-            <a:r>
-              <a:rPr lang="en-US" dirty="0" smtClean="0"/>
-              <a:t>stable</a:t>
-            </a:r>
-          </a:p>
-          <a:p>
-            <a:r>
-              <a:rPr lang="en-US" dirty="0" smtClean="0"/>
-              <a:t>it </a:t>
-            </a:r>
-            <a:r>
-              <a:rPr lang="en-US" dirty="0"/>
-              <a:t>is able to generate new sequences of dynamic textures without visible </a:t>
-            </a:r>
-            <a:r>
-              <a:rPr lang="en-US" dirty="0" smtClean="0"/>
-              <a:t>repetitions</a:t>
-            </a:r>
-          </a:p>
-          <a:p>
-            <a:r>
-              <a:rPr lang="en-GB" dirty="0" smtClean="0"/>
-              <a:t>it </a:t>
-            </a:r>
-            <a:r>
-              <a:rPr lang="en-GB" dirty="0"/>
-              <a:t>t</a:t>
-            </a:r>
-            <a:r>
-              <a:rPr lang="en-GB" dirty="0" smtClean="0"/>
-              <a:t>akes </a:t>
-            </a:r>
-            <a:r>
-              <a:rPr lang="en-GB" dirty="0"/>
-              <a:t>a lot of time to perform optimization </a:t>
-            </a:r>
-            <a:endParaRPr lang="en-GB" dirty="0" smtClean="0"/>
-          </a:p>
-          <a:p>
-            <a:r>
-              <a:rPr lang="en-GB" dirty="0" smtClean="0"/>
-              <a:t>visible </a:t>
-            </a:r>
-            <a:r>
-              <a:rPr lang="en-GB" dirty="0"/>
-              <a:t>result is still not good due to some random noise </a:t>
-            </a:r>
-            <a:endParaRPr lang="en-US" dirty="0"/>
-          </a:p>
-          <a:p>
-            <a:endParaRPr lang="en-US" dirty="0" smtClean="0"/>
-          </a:p>
-          <a:p>
-            <a:pPr marL="0" indent="0">
-              <a:buNone/>
-            </a:pPr>
-            <a:endParaRPr lang="en-US" dirty="0" smtClean="0"/>
-          </a:p>
-          <a:p>
-            <a:endParaRPr lang="en-GB" dirty="0" smtClean="0"/>
-          </a:p>
-          <a:p>
-            <a:pPr marL="0" indent="0">
-              <a:buNone/>
-            </a:pPr>
-            <a:endParaRPr lang="en-GB" dirty="0"/>
-          </a:p>
-        </p:txBody>
-      </p:sp>
-    </p:spTree>
-    <p:extLst>
-      <p:ext uri="{BB962C8B-B14F-4D97-AF65-F5344CB8AC3E}">
-        <p14:creationId xmlns:p14="http://schemas.microsoft.com/office/powerpoint/2010/main" val="800128757"/>
-      </p:ext>
-    </p:extLst>
-  </p:cSld>
-  <p:clrMapOvr>
-    <a:masterClrMapping/>
-  </p:clrMapOvr>
-  <p:timing>
-    <p:tnLst>
-      <p:par>
-        <p:cTn id="1" dur="indefinite" restart="never" nodeType="tmRoot"/>
-      </p:par>
-    </p:tnLst>
-  </p:timing>
-</p:sld>
-</file>
-
-<file path=ppt/slides/slide54.xml><?xml version="1.0" encoding="utf-8"?>
-<p:sld xmlns:a="http://schemas.openxmlformats.org/drawingml/2006/main" xmlns:r="http://schemas.openxmlformats.org/officeDocument/2006/relationships" xmlns:p="http://schemas.openxmlformats.org/presentationml/2006/main">
-  <p:cSld>
-    <p:spTree>
-      <p:nvGrpSpPr>
-        <p:cNvPr id="1" name=""/>
-        <p:cNvGrpSpPr/>
-        <p:nvPr/>
-      </p:nvGrpSpPr>
-      <p:grpSpPr>
-        <a:xfrm>
-          <a:off x="0" y="0"/>
-          <a:ext cx="0" cy="0"/>
-          <a:chOff x="0" y="0"/>
-          <a:chExt cx="0" cy="0"/>
-        </a:xfrm>
-      </p:grpSpPr>
-      <p:sp>
-        <p:nvSpPr>
-          <p:cNvPr id="2" name="Title 1"/>
-          <p:cNvSpPr>
-            <a:spLocks noGrp="1"/>
-          </p:cNvSpPr>
-          <p:nvPr>
-            <p:ph type="ctrTitle"/>
-          </p:nvPr>
-        </p:nvSpPr>
-        <p:spPr/>
-        <p:txBody>
-          <a:bodyPr/>
-          <a:lstStyle/>
-          <a:p>
-            <a:r>
-              <a:rPr lang="en-GB" b="1" dirty="0" smtClean="0"/>
-              <a:t>Example</a:t>
-            </a:r>
-            <a:endParaRPr lang="en-GB" dirty="0"/>
-          </a:p>
-        </p:txBody>
-      </p:sp>
-    </p:spTree>
-    <p:extLst>
-      <p:ext uri="{BB962C8B-B14F-4D97-AF65-F5344CB8AC3E}">
-        <p14:creationId xmlns:p14="http://schemas.microsoft.com/office/powerpoint/2010/main" val="1147314060"/>
-      </p:ext>
-    </p:extLst>
-  </p:cSld>
-  <p:clrMapOvr>
-    <a:masterClrMapping/>
-  </p:clrMapOvr>
-  <p:timing>
-    <p:tnLst>
-      <p:par>
-        <p:cTn id="1" dur="indefinite" restart="never" nodeType="tmRoot"/>
-      </p:par>
-    </p:tnLst>
-  </p:timing>
-</p:sld>
-</file>
-
-<file path=ppt/slides/slide55.xml><?xml version="1.0" encoding="utf-8"?>
-<p:sld xmlns:a="http://schemas.openxmlformats.org/drawingml/2006/main" xmlns:r="http://schemas.openxmlformats.org/officeDocument/2006/relationships" xmlns:p="http://schemas.openxmlformats.org/presentationml/2006/main">
-  <p:cSld>
-    <p:spTree>
-      <p:nvGrpSpPr>
-        <p:cNvPr id="1" name=""/>
-        <p:cNvGrpSpPr/>
-        <p:nvPr/>
-      </p:nvGrpSpPr>
-      <p:grpSpPr>
-        <a:xfrm>
-          <a:off x="0" y="0"/>
-          <a:ext cx="0" cy="0"/>
-          <a:chOff x="0" y="0"/>
-          <a:chExt cx="0" cy="0"/>
-        </a:xfrm>
-      </p:grpSpPr>
-      <p:sp>
-        <p:nvSpPr>
-          <p:cNvPr id="2" name="Title 1"/>
-          <p:cNvSpPr>
-            <a:spLocks noGrp="1"/>
-          </p:cNvSpPr>
-          <p:nvPr>
-            <p:ph type="title"/>
-          </p:nvPr>
-        </p:nvSpPr>
-        <p:spPr/>
-        <p:txBody>
-          <a:bodyPr/>
-          <a:lstStyle/>
-          <a:p>
-            <a:r>
-              <a:rPr lang="en-US" b="1" dirty="0" smtClean="0"/>
-              <a:t>Examples</a:t>
-            </a:r>
-            <a:endParaRPr lang="en-GB" b="1" dirty="0"/>
-          </a:p>
-        </p:txBody>
-      </p:sp>
-      <p:sp>
-        <p:nvSpPr>
-          <p:cNvPr id="3" name="Content Placeholder 2"/>
-          <p:cNvSpPr>
-            <a:spLocks noGrp="1"/>
-          </p:cNvSpPr>
-          <p:nvPr>
-            <p:ph idx="1"/>
-          </p:nvPr>
-        </p:nvSpPr>
-        <p:spPr>
-          <a:xfrm>
-            <a:off x="1371600" y="1910219"/>
-            <a:ext cx="9601200" cy="3581400"/>
-          </a:xfrm>
-        </p:spPr>
-        <p:txBody>
-          <a:bodyPr>
-            <a:normAutofit/>
+          <a:bodyPr wrap="square" rtlCol="0">
+            <a:spAutoFit/>
           </a:bodyPr>
           <a:lstStyle/>
           <a:p>
-            <a:pPr marL="0" indent="0">
-              <a:buNone/>
-            </a:pPr>
-            <a:r>
-              <a:rPr lang="en-GB" dirty="0" smtClean="0"/>
-              <a:t>Matlab implementation:</a:t>
-            </a:r>
-          </a:p>
-          <a:p>
-            <a:r>
-              <a:rPr lang="en-US" dirty="0" smtClean="0"/>
-              <a:t>Input videos </a:t>
-            </a:r>
-            <a:r>
-              <a:rPr lang="en-US" b="1" i="1" dirty="0" smtClean="0"/>
-              <a:t>sunshade.avi</a:t>
-            </a:r>
-            <a:r>
-              <a:rPr lang="en-US" dirty="0"/>
-              <a:t> </a:t>
-            </a:r>
-            <a:r>
-              <a:rPr lang="en-US" dirty="0" smtClean="0"/>
-              <a:t>and </a:t>
-            </a:r>
-            <a:r>
-              <a:rPr lang="en-US" b="1" i="1" dirty="0">
-                <a:solidFill>
-                  <a:schemeClr val="tx1"/>
-                </a:solidFill>
-              </a:rPr>
-              <a:t>straw.avi</a:t>
-            </a:r>
-            <a:endParaRPr lang="en-GB" b="1" i="1" dirty="0" smtClean="0">
-              <a:solidFill>
-                <a:schemeClr val="tx1"/>
-              </a:solidFill>
-            </a:endParaRPr>
-          </a:p>
-          <a:p>
-            <a:r>
-              <a:rPr lang="en-US" dirty="0" smtClean="0"/>
-              <a:t>Example of a good result (sunshade.avi)</a:t>
-            </a:r>
-          </a:p>
-          <a:p>
-            <a:r>
-              <a:rPr lang="en-US" dirty="0" smtClean="0"/>
-              <a:t>Example of a bad result (straw.avi)</a:t>
-            </a:r>
-            <a:endParaRPr lang="en-GB" dirty="0" smtClean="0"/>
-          </a:p>
-          <a:p>
-            <a:endParaRPr lang="en-US" dirty="0" smtClean="0"/>
-          </a:p>
-          <a:p>
-            <a:pPr marL="0" indent="0">
-              <a:buNone/>
-            </a:pPr>
-            <a:r>
-              <a:rPr lang="en-US" dirty="0" smtClean="0"/>
-              <a:t>Python implementation</a:t>
-            </a:r>
-          </a:p>
-          <a:p>
-            <a:r>
-              <a:rPr lang="en-US" dirty="0" smtClean="0"/>
-              <a:t>Example of a good result (straw.avi)</a:t>
-            </a:r>
-            <a:endParaRPr lang="en-GB" dirty="0" smtClean="0"/>
-          </a:p>
-          <a:p>
-            <a:pPr marL="0" indent="0">
-              <a:buNone/>
-            </a:pPr>
-            <a:endParaRPr lang="en-GB" dirty="0"/>
-          </a:p>
-        </p:txBody>
-      </p:sp>
-    </p:spTree>
-    <p:extLst>
-      <p:ext uri="{BB962C8B-B14F-4D97-AF65-F5344CB8AC3E}">
-        <p14:creationId xmlns:p14="http://schemas.microsoft.com/office/powerpoint/2010/main" val="3034222392"/>
-      </p:ext>
-    </p:extLst>
-  </p:cSld>
-  <p:clrMapOvr>
-    <a:masterClrMapping/>
-  </p:clrMapOvr>
-  <p:timing>
-    <p:tnLst>
-      <p:par>
-        <p:cTn id="1" dur="indefinite" restart="never" nodeType="tmRoot"/>
-      </p:par>
-    </p:tnLst>
-  </p:timing>
-</p:sld>
-</file>
-
-<file path=ppt/slides/slide56.xml><?xml version="1.0" encoding="utf-8"?>
-<p:sld xmlns:a="http://schemas.openxmlformats.org/drawingml/2006/main" xmlns:r="http://schemas.openxmlformats.org/officeDocument/2006/relationships" xmlns:p="http://schemas.openxmlformats.org/presentationml/2006/main">
-  <p:cSld>
-    <p:spTree>
-      <p:nvGrpSpPr>
-        <p:cNvPr id="1" name=""/>
-        <p:cNvGrpSpPr/>
-        <p:nvPr/>
-      </p:nvGrpSpPr>
-      <p:grpSpPr>
-        <a:xfrm>
-          <a:off x="0" y="0"/>
-          <a:ext cx="0" cy="0"/>
-          <a:chOff x="0" y="0"/>
-          <a:chExt cx="0" cy="0"/>
-        </a:xfrm>
-      </p:grpSpPr>
-      <p:sp>
-        <p:nvSpPr>
-          <p:cNvPr id="2" name="Title 1"/>
-          <p:cNvSpPr>
-            <a:spLocks noGrp="1"/>
-          </p:cNvSpPr>
-          <p:nvPr>
-            <p:ph type="ctrTitle"/>
-          </p:nvPr>
-        </p:nvSpPr>
-        <p:spPr/>
-        <p:txBody>
-          <a:bodyPr/>
-          <a:lstStyle/>
-          <a:p>
-            <a:r>
-              <a:rPr lang="en-GB" b="1" dirty="0" smtClean="0"/>
-              <a:t>Perspectives</a:t>
-            </a:r>
-            <a:endParaRPr lang="en-GB" dirty="0"/>
-          </a:p>
-        </p:txBody>
-      </p:sp>
-    </p:spTree>
-    <p:extLst>
-      <p:ext uri="{BB962C8B-B14F-4D97-AF65-F5344CB8AC3E}">
-        <p14:creationId xmlns:p14="http://schemas.microsoft.com/office/powerpoint/2010/main" val="645625018"/>
-      </p:ext>
-    </p:extLst>
-  </p:cSld>
-  <p:clrMapOvr>
-    <a:masterClrMapping/>
-  </p:clrMapOvr>
-  <p:timing>
-    <p:tnLst>
-      <p:par>
-        <p:cTn id="1" dur="indefinite" restart="never" nodeType="tmRoot"/>
-      </p:par>
-    </p:tnLst>
-  </p:timing>
-</p:sld>
-</file>
-
-<file path=ppt/slides/slide57.xml><?xml version="1.0" encoding="utf-8"?>
-<p:sld xmlns:a="http://schemas.openxmlformats.org/drawingml/2006/main" xmlns:r="http://schemas.openxmlformats.org/officeDocument/2006/relationships" xmlns:p="http://schemas.openxmlformats.org/presentationml/2006/main">
-  <p:cSld>
-    <p:spTree>
-      <p:nvGrpSpPr>
-        <p:cNvPr id="1" name=""/>
-        <p:cNvGrpSpPr/>
-        <p:nvPr/>
-      </p:nvGrpSpPr>
-      <p:grpSpPr>
-        <a:xfrm>
-          <a:off x="0" y="0"/>
-          <a:ext cx="0" cy="0"/>
-          <a:chOff x="0" y="0"/>
-          <a:chExt cx="0" cy="0"/>
-        </a:xfrm>
-      </p:grpSpPr>
-      <p:sp>
-        <p:nvSpPr>
-          <p:cNvPr id="2" name="Title 1"/>
-          <p:cNvSpPr>
-            <a:spLocks noGrp="1"/>
-          </p:cNvSpPr>
-          <p:nvPr>
-            <p:ph type="title"/>
-          </p:nvPr>
-        </p:nvSpPr>
-        <p:spPr/>
-        <p:txBody>
-          <a:bodyPr/>
-          <a:lstStyle/>
-          <a:p>
-            <a:r>
-              <a:rPr lang="en-GB" b="1" dirty="0" smtClean="0"/>
-              <a:t>Perspectives</a:t>
-            </a:r>
-            <a:endParaRPr lang="en-GB" b="1" dirty="0"/>
-          </a:p>
-        </p:txBody>
-      </p:sp>
-      <p:sp>
-        <p:nvSpPr>
-          <p:cNvPr id="3" name="Content Placeholder 2"/>
-          <p:cNvSpPr>
-            <a:spLocks noGrp="1"/>
-          </p:cNvSpPr>
-          <p:nvPr>
-            <p:ph idx="1"/>
-          </p:nvPr>
-        </p:nvSpPr>
-        <p:spPr/>
-        <p:txBody>
-          <a:bodyPr/>
-          <a:lstStyle/>
-          <a:p>
-            <a:r>
-              <a:rPr lang="en-US" dirty="0" smtClean="0"/>
-              <a:t>MK-GPLVM reimplementation </a:t>
-            </a:r>
-            <a:r>
-              <a:rPr lang="en-US" dirty="0"/>
-              <a:t>in Python </a:t>
-            </a:r>
-            <a:r>
-              <a:rPr lang="en-US" dirty="0" smtClean="0"/>
-              <a:t>is </a:t>
-            </a:r>
-            <a:r>
-              <a:rPr lang="en-US" dirty="0"/>
-              <a:t>not </a:t>
-            </a:r>
-            <a:r>
-              <a:rPr lang="en-US" dirty="0" smtClean="0"/>
-              <a:t>finished – </a:t>
-            </a:r>
-            <a:r>
-              <a:rPr lang="en-US" dirty="0"/>
-              <a:t>problems with </a:t>
-            </a:r>
-            <a:r>
-              <a:rPr lang="en-US" dirty="0" smtClean="0"/>
-              <a:t>gradients</a:t>
-            </a:r>
-            <a:endParaRPr lang="en-GB" dirty="0"/>
-          </a:p>
-          <a:p>
-            <a:r>
-              <a:rPr lang="en-GB" dirty="0" smtClean="0"/>
-              <a:t>no</a:t>
-            </a:r>
-            <a:r>
-              <a:rPr lang="en-GB" b="1" dirty="0" smtClean="0"/>
-              <a:t> </a:t>
-            </a:r>
-            <a:r>
-              <a:rPr lang="en-GB" dirty="0"/>
-              <a:t>numerical criteria for quality </a:t>
-            </a:r>
-            <a:r>
-              <a:rPr lang="en-US" dirty="0" smtClean="0"/>
-              <a:t>measuring – </a:t>
-            </a:r>
-            <a:r>
-              <a:rPr lang="en-GB" dirty="0" smtClean="0"/>
-              <a:t>implement </a:t>
-            </a:r>
-            <a:r>
-              <a:rPr lang="en-GB" dirty="0"/>
-              <a:t>an evaluation </a:t>
-            </a:r>
-            <a:r>
-              <a:rPr lang="en-GB" dirty="0" smtClean="0"/>
-              <a:t>method</a:t>
-            </a:r>
-            <a:endParaRPr lang="en-GB" dirty="0"/>
-          </a:p>
-          <a:p>
-            <a:r>
-              <a:rPr lang="en-US" dirty="0" smtClean="0"/>
-              <a:t>GPLVM </a:t>
-            </a:r>
-            <a:r>
-              <a:rPr lang="en-US" dirty="0"/>
-              <a:t>implementation </a:t>
-            </a:r>
-            <a:r>
-              <a:rPr lang="en-US" dirty="0" smtClean="0"/>
-              <a:t>in Python is </a:t>
-            </a:r>
-            <a:r>
-              <a:rPr lang="en-US" dirty="0"/>
-              <a:t>done and provides quite interesting </a:t>
-            </a:r>
-            <a:r>
-              <a:rPr lang="en-US" dirty="0" smtClean="0"/>
-              <a:t>result – improve the results</a:t>
-            </a:r>
-          </a:p>
-          <a:p>
-            <a:r>
-              <a:rPr lang="en-US" dirty="0"/>
-              <a:t>try wavelets to reduce dimensionality of original </a:t>
-            </a:r>
-            <a:r>
-              <a:rPr lang="en-US" dirty="0" smtClean="0"/>
-              <a:t>input </a:t>
-            </a:r>
-            <a:r>
-              <a:rPr lang="en-US" dirty="0"/>
-              <a:t>to decrease </a:t>
-            </a:r>
-            <a:r>
-              <a:rPr lang="en-US" dirty="0" smtClean="0"/>
-              <a:t>time for </a:t>
-            </a:r>
-            <a:r>
-              <a:rPr lang="en-US" dirty="0"/>
-              <a:t>optimization</a:t>
-            </a:r>
-            <a:endParaRPr lang="en-US" dirty="0" smtClean="0"/>
-          </a:p>
-          <a:p>
-            <a:endParaRPr lang="en-GB" dirty="0" smtClean="0"/>
-          </a:p>
-          <a:p>
-            <a:pPr marL="0" indent="0">
-              <a:buNone/>
-            </a:pPr>
+            <a:r>
+              <a:rPr lang="ru-RU" dirty="0" smtClean="0"/>
+              <a:t>20</a:t>
+            </a:r>
+            <a:endParaRPr lang="ru-RU" dirty="0"/>
+          </a:p>
+          <a:p>
             <a:endParaRPr lang="en-GB" dirty="0"/>
           </a:p>
         </p:txBody>
@@ -17141,67 +15570,7 @@
 </p:sld>
 </file>
 
-<file path=ppt/slides/slide58.xml><?xml version="1.0" encoding="utf-8"?>
-<p:sld xmlns:a="http://schemas.openxmlformats.org/drawingml/2006/main" xmlns:r="http://schemas.openxmlformats.org/officeDocument/2006/relationships" xmlns:p="http://schemas.openxmlformats.org/presentationml/2006/main">
-  <p:cSld>
-    <p:spTree>
-      <p:nvGrpSpPr>
-        <p:cNvPr id="1" name=""/>
-        <p:cNvGrpSpPr/>
-        <p:nvPr/>
-      </p:nvGrpSpPr>
-      <p:grpSpPr>
-        <a:xfrm>
-          <a:off x="0" y="0"/>
-          <a:ext cx="0" cy="0"/>
-          <a:chOff x="0" y="0"/>
-          <a:chExt cx="0" cy="0"/>
-        </a:xfrm>
-      </p:grpSpPr>
-      <p:sp>
-        <p:nvSpPr>
-          <p:cNvPr id="2" name="Title 1"/>
-          <p:cNvSpPr>
-            <a:spLocks noGrp="1"/>
-          </p:cNvSpPr>
-          <p:nvPr>
-            <p:ph type="ctrTitle"/>
-          </p:nvPr>
-        </p:nvSpPr>
-        <p:spPr/>
-        <p:txBody>
-          <a:bodyPr/>
-          <a:lstStyle/>
-          <a:p>
-            <a:r>
-              <a:rPr lang="en-US" b="1" dirty="0" smtClean="0"/>
-              <a:t>QUESTIONS ?</a:t>
-            </a:r>
-            <a:endParaRPr lang="en-GB" dirty="0"/>
-          </a:p>
-        </p:txBody>
-      </p:sp>
-    </p:spTree>
-    <p:extLst>
-      <p:ext uri="{BB962C8B-B14F-4D97-AF65-F5344CB8AC3E}">
-        <p14:creationId xmlns:p14="http://schemas.microsoft.com/office/powerpoint/2010/main" val="2165310426"/>
-      </p:ext>
-    </p:extLst>
-  </p:cSld>
-  <p:clrMapOvr>
-    <a:masterClrMapping/>
-  </p:clrMapOvr>
-  <p:timing>
-    <p:tnLst>
-      <p:par>
-        <p:cTn id="1" dur="indefinite" restart="never" nodeType="tmRoot"/>
-      </p:par>
-    </p:tnLst>
-  </p:timing>
-</p:sld>
-</file>
-
-<file path=ppt/slides/slide59.xml><?xml version="1.0" encoding="utf-8"?>
+<file path=ppt/slides/slide53.xml><?xml version="1.0" encoding="utf-8"?>
 <p:sld xmlns:a="http://schemas.openxmlformats.org/drawingml/2006/main" xmlns:r="http://schemas.openxmlformats.org/officeDocument/2006/relationships" xmlns:p="http://schemas.openxmlformats.org/presentationml/2006/main">
   <p:cSld>
     <p:spTree>
@@ -17534,7 +15903,7 @@
           <a:graphicData uri="http://schemas.openxmlformats.org/presentationml/2006/ole">
             <mc:AlternateContent xmlns:mc="http://schemas.openxmlformats.org/markup-compatibility/2006">
               <mc:Choice xmlns:v="urn:schemas-microsoft-com:vml" Requires="v">
-                <p:oleObj spid="_x0000_s6154" name="Bitmap Image" r:id="rId4" imgW="1935238" imgH="1546994" progId="Paint.Picture">
+                <p:oleObj spid="_x0000_s6167" name="Bitmap Image" r:id="rId4" imgW="1935238" imgH="1546994" progId="Paint.Picture">
                   <p:embed/>
                 </p:oleObj>
               </mc:Choice>
@@ -18101,7 +16470,7 @@
           <a:graphicData uri="http://schemas.openxmlformats.org/presentationml/2006/ole">
             <mc:AlternateContent xmlns:mc="http://schemas.openxmlformats.org/markup-compatibility/2006">
               <mc:Choice xmlns:v="urn:schemas-microsoft-com:vml" Requires="v">
-                <p:oleObj spid="_x0000_s7178" name="Bitmap Image" r:id="rId4" imgW="1935238" imgH="1546994" progId="Paint.Picture">
+                <p:oleObj spid="_x0000_s7191" name="Bitmap Image" r:id="rId4" imgW="1935238" imgH="1546994" progId="Paint.Picture">
                   <p:embed/>
                 </p:oleObj>
               </mc:Choice>
@@ -18376,6 +16745,38 @@
               <a:rPr lang="en-US" dirty="0"/>
               <a:t>What is a definition of texture? </a:t>
             </a:r>
+            <a:endParaRPr lang="en-GB" dirty="0"/>
+          </a:p>
+        </p:txBody>
+      </p:sp>
+      <p:sp>
+        <p:nvSpPr>
+          <p:cNvPr id="3" name="TextBox 2"/>
+          <p:cNvSpPr txBox="1"/>
+          <p:nvPr/>
+        </p:nvSpPr>
+        <p:spPr>
+          <a:xfrm>
+            <a:off x="11542143" y="6211669"/>
+            <a:ext cx="649857" cy="646331"/>
+          </a:xfrm>
+          <a:prstGeom prst="rect">
+            <a:avLst/>
+          </a:prstGeom>
+          <a:noFill/>
+        </p:spPr>
+        <p:txBody>
+          <a:bodyPr wrap="square" rtlCol="0">
+            <a:spAutoFit/>
+          </a:bodyPr>
+          <a:lstStyle/>
+          <a:p>
+            <a:r>
+              <a:rPr lang="ru-RU" dirty="0"/>
+              <a:t>1</a:t>
+            </a:r>
+          </a:p>
+          <a:p>
             <a:endParaRPr lang="en-GB" dirty="0"/>
           </a:p>
         </p:txBody>
